--- a/docs/ProjectPlanPresentation2ndSemester.pptx
+++ b/docs/ProjectPlanPresentation2ndSemester.pptx
@@ -20,23 +20,28 @@
     <p:sldId id="265" r:id="rId15"/>
     <p:sldId id="266" r:id="rId16"/>
     <p:sldId id="267" r:id="rId17"/>
+    <p:sldId id="268" r:id="rId18"/>
+    <p:sldId id="269" r:id="rId19"/>
+    <p:sldId id="270" r:id="rId20"/>
+    <p:sldId id="271" r:id="rId21"/>
+    <p:sldId id="272" r:id="rId22"/>
   </p:sldIdLst>
   <p:sldSz cy="5143500" cx="9144000"/>
   <p:notesSz cx="6858000" cy="9144000"/>
   <p:embeddedFontLst>
     <p:embeddedFont>
       <p:font typeface="Montserrat"/>
-      <p:regular r:id="rId18"/>
-      <p:bold r:id="rId19"/>
-      <p:italic r:id="rId20"/>
-      <p:boldItalic r:id="rId21"/>
+      <p:regular r:id="rId23"/>
+      <p:bold r:id="rId24"/>
+      <p:italic r:id="rId25"/>
+      <p:boldItalic r:id="rId26"/>
     </p:embeddedFont>
     <p:embeddedFont>
       <p:font typeface="Lato"/>
-      <p:regular r:id="rId22"/>
-      <p:bold r:id="rId23"/>
-      <p:italic r:id="rId24"/>
-      <p:boldItalic r:id="rId25"/>
+      <p:regular r:id="rId27"/>
+      <p:bold r:id="rId28"/>
+      <p:italic r:id="rId29"/>
+      <p:boldItalic r:id="rId30"/>
     </p:embeddedFont>
   </p:embeddedFontLst>
   <p:defaultTextStyle>
@@ -817,7 +822,7 @@
   <p:cSld>
     <p:spTree>
       <p:nvGrpSpPr>
-        <p:cNvPr id="187" name="Shape 187"/>
+        <p:cNvPr id="207" name="Shape 207"/>
         <p:cNvGrpSpPr/>
         <p:nvPr/>
       </p:nvGrpSpPr>
@@ -831,7 +836,7 @@
       </p:grpSpPr>
       <p:sp>
         <p:nvSpPr>
-          <p:cNvPr id="188" name="Google Shape;188;g6df3908219_0_417:notes"/>
+          <p:cNvPr id="208" name="Google Shape;208;g6df3908219_0_444:notes"/>
           <p:cNvSpPr/>
           <p:nvPr>
             <p:ph idx="2" type="sldImg"/>
@@ -866,7 +871,7 @@
       </p:sp>
       <p:sp>
         <p:nvSpPr>
-          <p:cNvPr id="189" name="Google Shape;189;g6df3908219_0_417:notes"/>
+          <p:cNvPr id="209" name="Google Shape;209;g6df3908219_0_444:notes"/>
           <p:cNvSpPr txBox="1"/>
           <p:nvPr>
             <p:ph idx="1" type="body"/>
@@ -916,7 +921,7 @@
   <p:cSld>
     <p:spTree>
       <p:nvGrpSpPr>
-        <p:cNvPr id="193" name="Shape 193"/>
+        <p:cNvPr id="213" name="Shape 213"/>
         <p:cNvGrpSpPr/>
         <p:nvPr/>
       </p:nvGrpSpPr>
@@ -930,7 +935,7 @@
       </p:grpSpPr>
       <p:sp>
         <p:nvSpPr>
-          <p:cNvPr id="194" name="Google Shape;194;g6df3908219_0_424:notes"/>
+          <p:cNvPr id="214" name="Google Shape;214;g6df3908219_0_430:notes"/>
           <p:cNvSpPr/>
           <p:nvPr>
             <p:ph idx="2" type="sldImg"/>
@@ -965,7 +970,7 @@
       </p:sp>
       <p:sp>
         <p:nvSpPr>
-          <p:cNvPr id="195" name="Google Shape;195;g6df3908219_0_424:notes"/>
+          <p:cNvPr id="215" name="Google Shape;215;g6df3908219_0_430:notes"/>
           <p:cNvSpPr txBox="1"/>
           <p:nvPr>
             <p:ph idx="1" type="body"/>
@@ -1015,7 +1020,7 @@
   <p:cSld>
     <p:spTree>
       <p:nvGrpSpPr>
-        <p:cNvPr id="200" name="Shape 200"/>
+        <p:cNvPr id="219" name="Shape 219"/>
         <p:cNvGrpSpPr/>
         <p:nvPr/>
       </p:nvGrpSpPr>
@@ -1029,7 +1034,7 @@
       </p:grpSpPr>
       <p:sp>
         <p:nvSpPr>
-          <p:cNvPr id="201" name="Google Shape;201;g6df3908219_0_451:notes"/>
+          <p:cNvPr id="220" name="Google Shape;220;g6df3908219_0_437:notes"/>
           <p:cNvSpPr/>
           <p:nvPr>
             <p:ph idx="2" type="sldImg"/>
@@ -1064,7 +1069,504 @@
       </p:sp>
       <p:sp>
         <p:nvSpPr>
-          <p:cNvPr id="202" name="Google Shape;202;g6df3908219_0_451:notes"/>
+          <p:cNvPr id="221" name="Google Shape;221;g6df3908219_0_437:notes"/>
+          <p:cNvSpPr txBox="1"/>
+          <p:nvPr>
+            <p:ph idx="1" type="body"/>
+          </p:nvPr>
+        </p:nvSpPr>
+        <p:spPr>
+          <a:xfrm>
+            <a:off x="685800" y="4343400"/>
+            <a:ext cx="5486400" cy="4114800"/>
+          </a:xfrm>
+          <a:prstGeom prst="rect">
+            <a:avLst/>
+          </a:prstGeom>
+        </p:spPr>
+        <p:txBody>
+          <a:bodyPr anchorCtr="0" anchor="t" bIns="91425" lIns="91425" spcFirstLastPara="1" rIns="91425" wrap="square" tIns="91425">
+            <a:noAutofit/>
+          </a:bodyPr>
+          <a:lstStyle/>
+          <a:p>
+            <a:pPr indent="0" lvl="0" marL="0" rtl="0" algn="l">
+              <a:spcBef>
+                <a:spcPts val="0"/>
+              </a:spcBef>
+              <a:spcAft>
+                <a:spcPts val="0"/>
+              </a:spcAft>
+              <a:buNone/>
+            </a:pPr>
+            <a:r>
+              <a:t/>
+            </a:r>
+            <a:endParaRPr/>
+          </a:p>
+        </p:txBody>
+      </p:sp>
+    </p:spTree>
+  </p:cSld>
+  <p:clrMapOvr>
+    <a:masterClrMapping/>
+  </p:clrMapOvr>
+</p:notes>
+</file>
+
+<file path=ppt/notesSlides/notesSlide13.xml><?xml version="1.0" encoding="utf-8"?>
+<p:notes xmlns:a="http://schemas.openxmlformats.org/drawingml/2006/main" xmlns:r="http://schemas.openxmlformats.org/officeDocument/2006/relationships" xmlns:mc="http://schemas.openxmlformats.org/markup-compatibility/2006" xmlns:mv="urn:schemas-microsoft-com:mac:vml" xmlns:p="http://schemas.openxmlformats.org/presentationml/2006/main" xmlns:c="http://schemas.openxmlformats.org/drawingml/2006/chart" xmlns:dgm="http://schemas.openxmlformats.org/drawingml/2006/diagram" xmlns:o="urn:schemas-microsoft-com:office:office" xmlns:v="urn:schemas-microsoft-com:vml" xmlns:pvml="urn:schemas-microsoft-com:office:powerpoint" xmlns:com="http://schemas.openxmlformats.org/drawingml/2006/compatibility" xmlns:p14="http://schemas.microsoft.com/office/powerpoint/2010/main" xmlns:p15="http://schemas.microsoft.com/office/powerpoint/2012/main" showMasterPhAnim="0" showMasterSp="0">
+  <p:cSld>
+    <p:spTree>
+      <p:nvGrpSpPr>
+        <p:cNvPr id="228" name="Shape 228"/>
+        <p:cNvGrpSpPr/>
+        <p:nvPr/>
+      </p:nvGrpSpPr>
+      <p:grpSpPr>
+        <a:xfrm>
+          <a:off x="0" y="0"/>
+          <a:ext cx="0" cy="0"/>
+          <a:chOff x="0" y="0"/>
+          <a:chExt cx="0" cy="0"/>
+        </a:xfrm>
+      </p:grpSpPr>
+      <p:sp>
+        <p:nvSpPr>
+          <p:cNvPr id="229" name="Google Shape;229;g6e2517c15a_0_7:notes"/>
+          <p:cNvSpPr/>
+          <p:nvPr>
+            <p:ph idx="2" type="sldImg"/>
+          </p:nvPr>
+        </p:nvSpPr>
+        <p:spPr>
+          <a:xfrm>
+            <a:off x="381300" y="685800"/>
+            <a:ext cx="6096000" cy="3429000"/>
+          </a:xfrm>
+          <a:custGeom>
+            <a:rect b="b" l="l" r="r" t="t"/>
+            <a:pathLst>
+              <a:path extrusionOk="0" h="120000" w="120000">
+                <a:moveTo>
+                  <a:pt x="0" y="0"/>
+                </a:moveTo>
+                <a:lnTo>
+                  <a:pt x="120000" y="0"/>
+                </a:lnTo>
+                <a:lnTo>
+                  <a:pt x="120000" y="120000"/>
+                </a:lnTo>
+                <a:lnTo>
+                  <a:pt x="0" y="120000"/>
+                </a:lnTo>
+                <a:close/>
+              </a:path>
+            </a:pathLst>
+          </a:custGeom>
+        </p:spPr>
+      </p:sp>
+      <p:sp>
+        <p:nvSpPr>
+          <p:cNvPr id="230" name="Google Shape;230;g6e2517c15a_0_7:notes"/>
+          <p:cNvSpPr txBox="1"/>
+          <p:nvPr>
+            <p:ph idx="1" type="body"/>
+          </p:nvPr>
+        </p:nvSpPr>
+        <p:spPr>
+          <a:xfrm>
+            <a:off x="685800" y="4343400"/>
+            <a:ext cx="5486400" cy="4114800"/>
+          </a:xfrm>
+          <a:prstGeom prst="rect">
+            <a:avLst/>
+          </a:prstGeom>
+        </p:spPr>
+        <p:txBody>
+          <a:bodyPr anchorCtr="0" anchor="t" bIns="91425" lIns="91425" spcFirstLastPara="1" rIns="91425" wrap="square" tIns="91425">
+            <a:noAutofit/>
+          </a:bodyPr>
+          <a:lstStyle/>
+          <a:p>
+            <a:pPr indent="0" lvl="0" marL="0" rtl="0" algn="l">
+              <a:spcBef>
+                <a:spcPts val="0"/>
+              </a:spcBef>
+              <a:spcAft>
+                <a:spcPts val="0"/>
+              </a:spcAft>
+              <a:buNone/>
+            </a:pPr>
+            <a:r>
+              <a:rPr lang="en"/>
+              <a:t>There are several reasons that adjusting the stepper driver current is important.  If the current is too high the stepper motors themselves will get hot and are more likely to end up in your trash bin, and no one wants that, but on the other side if your current is to low, you will end up with shifted layers in your prints or movements that are inconsistent. If you are having the following issues you definitely need to check the driver current:   Hot or extremely warm motors, Shifted Layers in middle of the print, odd pauses or inconsistent.</a:t>
+            </a:r>
+            <a:endParaRPr/>
+          </a:p>
+        </p:txBody>
+      </p:sp>
+    </p:spTree>
+  </p:cSld>
+  <p:clrMapOvr>
+    <a:masterClrMapping/>
+  </p:clrMapOvr>
+</p:notes>
+</file>
+
+<file path=ppt/notesSlides/notesSlide14.xml><?xml version="1.0" encoding="utf-8"?>
+<p:notes xmlns:a="http://schemas.openxmlformats.org/drawingml/2006/main" xmlns:r="http://schemas.openxmlformats.org/officeDocument/2006/relationships" xmlns:mc="http://schemas.openxmlformats.org/markup-compatibility/2006" xmlns:mv="urn:schemas-microsoft-com:mac:vml" xmlns:p="http://schemas.openxmlformats.org/presentationml/2006/main" xmlns:c="http://schemas.openxmlformats.org/drawingml/2006/chart" xmlns:dgm="http://schemas.openxmlformats.org/drawingml/2006/diagram" xmlns:o="urn:schemas-microsoft-com:office:office" xmlns:v="urn:schemas-microsoft-com:vml" xmlns:pvml="urn:schemas-microsoft-com:office:powerpoint" xmlns:com="http://schemas.openxmlformats.org/drawingml/2006/compatibility" xmlns:p14="http://schemas.microsoft.com/office/powerpoint/2010/main" xmlns:p15="http://schemas.microsoft.com/office/powerpoint/2012/main" showMasterPhAnim="0" showMasterSp="0">
+  <p:cSld>
+    <p:spTree>
+      <p:nvGrpSpPr>
+        <p:cNvPr id="238" name="Shape 238"/>
+        <p:cNvGrpSpPr/>
+        <p:nvPr/>
+      </p:nvGrpSpPr>
+      <p:grpSpPr>
+        <a:xfrm>
+          <a:off x="0" y="0"/>
+          <a:ext cx="0" cy="0"/>
+          <a:chOff x="0" y="0"/>
+          <a:chExt cx="0" cy="0"/>
+        </a:xfrm>
+      </p:grpSpPr>
+      <p:sp>
+        <p:nvSpPr>
+          <p:cNvPr id="239" name="Google Shape;239;g6df3908219_0_417:notes"/>
+          <p:cNvSpPr/>
+          <p:nvPr>
+            <p:ph idx="2" type="sldImg"/>
+          </p:nvPr>
+        </p:nvSpPr>
+        <p:spPr>
+          <a:xfrm>
+            <a:off x="381300" y="685800"/>
+            <a:ext cx="6096000" cy="3429000"/>
+          </a:xfrm>
+          <a:custGeom>
+            <a:rect b="b" l="l" r="r" t="t"/>
+            <a:pathLst>
+              <a:path extrusionOk="0" h="120000" w="120000">
+                <a:moveTo>
+                  <a:pt x="0" y="0"/>
+                </a:moveTo>
+                <a:lnTo>
+                  <a:pt x="120000" y="0"/>
+                </a:lnTo>
+                <a:lnTo>
+                  <a:pt x="120000" y="120000"/>
+                </a:lnTo>
+                <a:lnTo>
+                  <a:pt x="0" y="120000"/>
+                </a:lnTo>
+                <a:close/>
+              </a:path>
+            </a:pathLst>
+          </a:custGeom>
+        </p:spPr>
+      </p:sp>
+      <p:sp>
+        <p:nvSpPr>
+          <p:cNvPr id="240" name="Google Shape;240;g6df3908219_0_417:notes"/>
+          <p:cNvSpPr txBox="1"/>
+          <p:nvPr>
+            <p:ph idx="1" type="body"/>
+          </p:nvPr>
+        </p:nvSpPr>
+        <p:spPr>
+          <a:xfrm>
+            <a:off x="685800" y="4343400"/>
+            <a:ext cx="5486400" cy="4114800"/>
+          </a:xfrm>
+          <a:prstGeom prst="rect">
+            <a:avLst/>
+          </a:prstGeom>
+        </p:spPr>
+        <p:txBody>
+          <a:bodyPr anchorCtr="0" anchor="t" bIns="91425" lIns="91425" spcFirstLastPara="1" rIns="91425" wrap="square" tIns="91425">
+            <a:noAutofit/>
+          </a:bodyPr>
+          <a:lstStyle/>
+          <a:p>
+            <a:pPr indent="0" lvl="0" marL="0" rtl="0" algn="l">
+              <a:spcBef>
+                <a:spcPts val="0"/>
+              </a:spcBef>
+              <a:spcAft>
+                <a:spcPts val="0"/>
+              </a:spcAft>
+              <a:buNone/>
+            </a:pPr>
+            <a:r>
+              <a:rPr lang="en"/>
+              <a:t>Reporting solutions used telerik, can use something like My-FyiReporting </a:t>
+            </a:r>
+            <a:endParaRPr/>
+          </a:p>
+        </p:txBody>
+      </p:sp>
+    </p:spTree>
+  </p:cSld>
+  <p:clrMapOvr>
+    <a:masterClrMapping/>
+  </p:clrMapOvr>
+</p:notes>
+</file>
+
+<file path=ppt/notesSlides/notesSlide15.xml><?xml version="1.0" encoding="utf-8"?>
+<p:notes xmlns:a="http://schemas.openxmlformats.org/drawingml/2006/main" xmlns:r="http://schemas.openxmlformats.org/officeDocument/2006/relationships" xmlns:mc="http://schemas.openxmlformats.org/markup-compatibility/2006" xmlns:mv="urn:schemas-microsoft-com:mac:vml" xmlns:p="http://schemas.openxmlformats.org/presentationml/2006/main" xmlns:c="http://schemas.openxmlformats.org/drawingml/2006/chart" xmlns:dgm="http://schemas.openxmlformats.org/drawingml/2006/diagram" xmlns:o="urn:schemas-microsoft-com:office:office" xmlns:v="urn:schemas-microsoft-com:vml" xmlns:pvml="urn:schemas-microsoft-com:office:powerpoint" xmlns:com="http://schemas.openxmlformats.org/drawingml/2006/compatibility" xmlns:p14="http://schemas.microsoft.com/office/powerpoint/2010/main" xmlns:p15="http://schemas.microsoft.com/office/powerpoint/2012/main" showMasterPhAnim="0" showMasterSp="0">
+  <p:cSld>
+    <p:spTree>
+      <p:nvGrpSpPr>
+        <p:cNvPr id="244" name="Shape 244"/>
+        <p:cNvGrpSpPr/>
+        <p:nvPr/>
+      </p:nvGrpSpPr>
+      <p:grpSpPr>
+        <a:xfrm>
+          <a:off x="0" y="0"/>
+          <a:ext cx="0" cy="0"/>
+          <a:chOff x="0" y="0"/>
+          <a:chExt cx="0" cy="0"/>
+        </a:xfrm>
+      </p:grpSpPr>
+      <p:sp>
+        <p:nvSpPr>
+          <p:cNvPr id="245" name="Google Shape;245;g6df3908219_0_424:notes"/>
+          <p:cNvSpPr/>
+          <p:nvPr>
+            <p:ph idx="2" type="sldImg"/>
+          </p:nvPr>
+        </p:nvSpPr>
+        <p:spPr>
+          <a:xfrm>
+            <a:off x="381300" y="685800"/>
+            <a:ext cx="6096000" cy="3429000"/>
+          </a:xfrm>
+          <a:custGeom>
+            <a:rect b="b" l="l" r="r" t="t"/>
+            <a:pathLst>
+              <a:path extrusionOk="0" h="120000" w="120000">
+                <a:moveTo>
+                  <a:pt x="0" y="0"/>
+                </a:moveTo>
+                <a:lnTo>
+                  <a:pt x="120000" y="0"/>
+                </a:lnTo>
+                <a:lnTo>
+                  <a:pt x="120000" y="120000"/>
+                </a:lnTo>
+                <a:lnTo>
+                  <a:pt x="0" y="120000"/>
+                </a:lnTo>
+                <a:close/>
+              </a:path>
+            </a:pathLst>
+          </a:custGeom>
+        </p:spPr>
+      </p:sp>
+      <p:sp>
+        <p:nvSpPr>
+          <p:cNvPr id="246" name="Google Shape;246;g6df3908219_0_424:notes"/>
+          <p:cNvSpPr txBox="1"/>
+          <p:nvPr>
+            <p:ph idx="1" type="body"/>
+          </p:nvPr>
+        </p:nvSpPr>
+        <p:spPr>
+          <a:xfrm>
+            <a:off x="685800" y="4343400"/>
+            <a:ext cx="5486400" cy="4114800"/>
+          </a:xfrm>
+          <a:prstGeom prst="rect">
+            <a:avLst/>
+          </a:prstGeom>
+        </p:spPr>
+        <p:txBody>
+          <a:bodyPr anchorCtr="0" anchor="t" bIns="91425" lIns="91425" spcFirstLastPara="1" rIns="91425" wrap="square" tIns="91425">
+            <a:noAutofit/>
+          </a:bodyPr>
+          <a:lstStyle/>
+          <a:p>
+            <a:pPr indent="0" lvl="0" marL="0" rtl="0" algn="l">
+              <a:spcBef>
+                <a:spcPts val="0"/>
+              </a:spcBef>
+              <a:spcAft>
+                <a:spcPts val="0"/>
+              </a:spcAft>
+              <a:buNone/>
+            </a:pPr>
+            <a:r>
+              <a:t/>
+            </a:r>
+            <a:endParaRPr/>
+          </a:p>
+        </p:txBody>
+      </p:sp>
+    </p:spTree>
+  </p:cSld>
+  <p:clrMapOvr>
+    <a:masterClrMapping/>
+  </p:clrMapOvr>
+</p:notes>
+</file>
+
+<file path=ppt/notesSlides/notesSlide16.xml><?xml version="1.0" encoding="utf-8"?>
+<p:notes xmlns:a="http://schemas.openxmlformats.org/drawingml/2006/main" xmlns:r="http://schemas.openxmlformats.org/officeDocument/2006/relationships" xmlns:mc="http://schemas.openxmlformats.org/markup-compatibility/2006" xmlns:mv="urn:schemas-microsoft-com:mac:vml" xmlns:p="http://schemas.openxmlformats.org/presentationml/2006/main" xmlns:c="http://schemas.openxmlformats.org/drawingml/2006/chart" xmlns:dgm="http://schemas.openxmlformats.org/drawingml/2006/diagram" xmlns:o="urn:schemas-microsoft-com:office:office" xmlns:v="urn:schemas-microsoft-com:vml" xmlns:pvml="urn:schemas-microsoft-com:office:powerpoint" xmlns:com="http://schemas.openxmlformats.org/drawingml/2006/compatibility" xmlns:p14="http://schemas.microsoft.com/office/powerpoint/2010/main" xmlns:p15="http://schemas.microsoft.com/office/powerpoint/2012/main" showMasterPhAnim="0" showMasterSp="0">
+  <p:cSld>
+    <p:spTree>
+      <p:nvGrpSpPr>
+        <p:cNvPr id="251" name="Shape 251"/>
+        <p:cNvGrpSpPr/>
+        <p:nvPr/>
+      </p:nvGrpSpPr>
+      <p:grpSpPr>
+        <a:xfrm>
+          <a:off x="0" y="0"/>
+          <a:ext cx="0" cy="0"/>
+          <a:chOff x="0" y="0"/>
+          <a:chExt cx="0" cy="0"/>
+        </a:xfrm>
+      </p:grpSpPr>
+      <p:sp>
+        <p:nvSpPr>
+          <p:cNvPr id="252" name="Google Shape;252;g6e2517c15a_0_68:notes"/>
+          <p:cNvSpPr/>
+          <p:nvPr>
+            <p:ph idx="2" type="sldImg"/>
+          </p:nvPr>
+        </p:nvSpPr>
+        <p:spPr>
+          <a:xfrm>
+            <a:off x="381300" y="685800"/>
+            <a:ext cx="6096000" cy="3429000"/>
+          </a:xfrm>
+          <a:custGeom>
+            <a:rect b="b" l="l" r="r" t="t"/>
+            <a:pathLst>
+              <a:path extrusionOk="0" h="120000" w="120000">
+                <a:moveTo>
+                  <a:pt x="0" y="0"/>
+                </a:moveTo>
+                <a:lnTo>
+                  <a:pt x="120000" y="0"/>
+                </a:lnTo>
+                <a:lnTo>
+                  <a:pt x="120000" y="120000"/>
+                </a:lnTo>
+                <a:lnTo>
+                  <a:pt x="0" y="120000"/>
+                </a:lnTo>
+                <a:close/>
+              </a:path>
+            </a:pathLst>
+          </a:custGeom>
+        </p:spPr>
+      </p:sp>
+      <p:sp>
+        <p:nvSpPr>
+          <p:cNvPr id="253" name="Google Shape;253;g6e2517c15a_0_68:notes"/>
+          <p:cNvSpPr txBox="1"/>
+          <p:nvPr>
+            <p:ph idx="1" type="body"/>
+          </p:nvPr>
+        </p:nvSpPr>
+        <p:spPr>
+          <a:xfrm>
+            <a:off x="685800" y="4343400"/>
+            <a:ext cx="5486400" cy="4114800"/>
+          </a:xfrm>
+          <a:prstGeom prst="rect">
+            <a:avLst/>
+          </a:prstGeom>
+        </p:spPr>
+        <p:txBody>
+          <a:bodyPr anchorCtr="0" anchor="t" bIns="91425" lIns="91425" spcFirstLastPara="1" rIns="91425" wrap="square" tIns="91425">
+            <a:noAutofit/>
+          </a:bodyPr>
+          <a:lstStyle/>
+          <a:p>
+            <a:pPr indent="0" lvl="0" marL="0" rtl="0" algn="l">
+              <a:spcBef>
+                <a:spcPts val="0"/>
+              </a:spcBef>
+              <a:spcAft>
+                <a:spcPts val="0"/>
+              </a:spcAft>
+              <a:buNone/>
+            </a:pPr>
+            <a:r>
+              <a:t/>
+            </a:r>
+            <a:endParaRPr/>
+          </a:p>
+        </p:txBody>
+      </p:sp>
+    </p:spTree>
+  </p:cSld>
+  <p:clrMapOvr>
+    <a:masterClrMapping/>
+  </p:clrMapOvr>
+</p:notes>
+</file>
+
+<file path=ppt/notesSlides/notesSlide17.xml><?xml version="1.0" encoding="utf-8"?>
+<p:notes xmlns:a="http://schemas.openxmlformats.org/drawingml/2006/main" xmlns:r="http://schemas.openxmlformats.org/officeDocument/2006/relationships" xmlns:mc="http://schemas.openxmlformats.org/markup-compatibility/2006" xmlns:mv="urn:schemas-microsoft-com:mac:vml" xmlns:p="http://schemas.openxmlformats.org/presentationml/2006/main" xmlns:c="http://schemas.openxmlformats.org/drawingml/2006/chart" xmlns:dgm="http://schemas.openxmlformats.org/drawingml/2006/diagram" xmlns:o="urn:schemas-microsoft-com:office:office" xmlns:v="urn:schemas-microsoft-com:vml" xmlns:pvml="urn:schemas-microsoft-com:office:powerpoint" xmlns:com="http://schemas.openxmlformats.org/drawingml/2006/compatibility" xmlns:p14="http://schemas.microsoft.com/office/powerpoint/2010/main" xmlns:p15="http://schemas.microsoft.com/office/powerpoint/2012/main" showMasterPhAnim="0" showMasterSp="0">
+  <p:cSld>
+    <p:spTree>
+      <p:nvGrpSpPr>
+        <p:cNvPr id="258" name="Shape 258"/>
+        <p:cNvGrpSpPr/>
+        <p:nvPr/>
+      </p:nvGrpSpPr>
+      <p:grpSpPr>
+        <a:xfrm>
+          <a:off x="0" y="0"/>
+          <a:ext cx="0" cy="0"/>
+          <a:chOff x="0" y="0"/>
+          <a:chExt cx="0" cy="0"/>
+        </a:xfrm>
+      </p:grpSpPr>
+      <p:sp>
+        <p:nvSpPr>
+          <p:cNvPr id="259" name="Google Shape;259;g6df3908219_0_451:notes"/>
+          <p:cNvSpPr/>
+          <p:nvPr>
+            <p:ph idx="2" type="sldImg"/>
+          </p:nvPr>
+        </p:nvSpPr>
+        <p:spPr>
+          <a:xfrm>
+            <a:off x="381300" y="685800"/>
+            <a:ext cx="6096000" cy="3429000"/>
+          </a:xfrm>
+          <a:custGeom>
+            <a:rect b="b" l="l" r="r" t="t"/>
+            <a:pathLst>
+              <a:path extrusionOk="0" h="120000" w="120000">
+                <a:moveTo>
+                  <a:pt x="0" y="0"/>
+                </a:moveTo>
+                <a:lnTo>
+                  <a:pt x="120000" y="0"/>
+                </a:lnTo>
+                <a:lnTo>
+                  <a:pt x="120000" y="120000"/>
+                </a:lnTo>
+                <a:lnTo>
+                  <a:pt x="0" y="120000"/>
+                </a:lnTo>
+                <a:close/>
+              </a:path>
+            </a:pathLst>
+          </a:custGeom>
+        </p:spPr>
+      </p:sp>
+      <p:sp>
+        <p:nvSpPr>
+          <p:cNvPr id="260" name="Google Shape;260;g6df3908219_0_451:notes"/>
           <p:cNvSpPr txBox="1"/>
           <p:nvPr>
             <p:ph idx="1" type="body"/>
@@ -1312,7 +1814,7 @@
   <p:cSld>
     <p:spTree>
       <p:nvGrpSpPr>
-        <p:cNvPr id="149" name="Shape 149"/>
+        <p:cNvPr id="152" name="Shape 152"/>
         <p:cNvGrpSpPr/>
         <p:nvPr/>
       </p:nvGrpSpPr>
@@ -1326,7 +1828,7 @@
       </p:grpSpPr>
       <p:sp>
         <p:nvSpPr>
-          <p:cNvPr id="150" name="Google Shape;150;g6df3908219_0_271:notes"/>
+          <p:cNvPr id="153" name="Google Shape;153;g6df3908219_0_285:notes"/>
           <p:cNvSpPr/>
           <p:nvPr>
             <p:ph idx="2" type="sldImg"/>
@@ -1361,7 +1863,7 @@
       </p:sp>
       <p:sp>
         <p:nvSpPr>
-          <p:cNvPr id="151" name="Google Shape;151;g6df3908219_0_271:notes"/>
+          <p:cNvPr id="154" name="Google Shape;154;g6df3908219_0_285:notes"/>
           <p:cNvSpPr txBox="1"/>
           <p:nvPr>
             <p:ph idx="1" type="body"/>
@@ -1411,7 +1913,7 @@
   <p:cSld>
     <p:spTree>
       <p:nvGrpSpPr>
-        <p:cNvPr id="156" name="Shape 156"/>
+        <p:cNvPr id="159" name="Shape 159"/>
         <p:cNvGrpSpPr/>
         <p:nvPr/>
       </p:nvGrpSpPr>
@@ -1425,7 +1927,7 @@
       </p:grpSpPr>
       <p:sp>
         <p:nvSpPr>
-          <p:cNvPr id="157" name="Google Shape;157;g6df3908219_0_444:notes"/>
+          <p:cNvPr id="160" name="Google Shape;160;g6df3908219_0_280:notes"/>
           <p:cNvSpPr/>
           <p:nvPr>
             <p:ph idx="2" type="sldImg"/>
@@ -1460,7 +1962,7 @@
       </p:sp>
       <p:sp>
         <p:nvSpPr>
-          <p:cNvPr id="158" name="Google Shape;158;g6df3908219_0_444:notes"/>
+          <p:cNvPr id="161" name="Google Shape;161;g6df3908219_0_280:notes"/>
           <p:cNvSpPr txBox="1"/>
           <p:nvPr>
             <p:ph idx="1" type="body"/>
@@ -1510,7 +2012,7 @@
   <p:cSld>
     <p:spTree>
       <p:nvGrpSpPr>
-        <p:cNvPr id="162" name="Shape 162"/>
+        <p:cNvPr id="168" name="Shape 168"/>
         <p:cNvGrpSpPr/>
         <p:nvPr/>
       </p:nvGrpSpPr>
@@ -1524,7 +2026,7 @@
       </p:grpSpPr>
       <p:sp>
         <p:nvSpPr>
-          <p:cNvPr id="163" name="Google Shape;163;g6df3908219_0_430:notes"/>
+          <p:cNvPr id="169" name="Google Shape;169;g6df3908219_0_271:notes"/>
           <p:cNvSpPr/>
           <p:nvPr>
             <p:ph idx="2" type="sldImg"/>
@@ -1559,7 +2061,7 @@
       </p:sp>
       <p:sp>
         <p:nvSpPr>
-          <p:cNvPr id="164" name="Google Shape;164;g6df3908219_0_430:notes"/>
+          <p:cNvPr id="170" name="Google Shape;170;g6df3908219_0_271:notes"/>
           <p:cNvSpPr txBox="1"/>
           <p:nvPr>
             <p:ph idx="1" type="body"/>
@@ -1609,7 +2111,7 @@
   <p:cSld>
     <p:spTree>
       <p:nvGrpSpPr>
-        <p:cNvPr id="167" name="Shape 167"/>
+        <p:cNvPr id="175" name="Shape 175"/>
         <p:cNvGrpSpPr/>
         <p:nvPr/>
       </p:nvGrpSpPr>
@@ -1623,7 +2125,7 @@
       </p:grpSpPr>
       <p:sp>
         <p:nvSpPr>
-          <p:cNvPr id="168" name="Google Shape;168;g6df3908219_0_437:notes"/>
+          <p:cNvPr id="176" name="Google Shape;176;g6e2517c15a_0_26:notes"/>
           <p:cNvSpPr/>
           <p:nvPr>
             <p:ph idx="2" type="sldImg"/>
@@ -1658,7 +2160,7 @@
       </p:sp>
       <p:sp>
         <p:nvSpPr>
-          <p:cNvPr id="169" name="Google Shape;169;g6df3908219_0_437:notes"/>
+          <p:cNvPr id="177" name="Google Shape;177;g6e2517c15a_0_26:notes"/>
           <p:cNvSpPr txBox="1"/>
           <p:nvPr>
             <p:ph idx="1" type="body"/>
@@ -1708,7 +2210,7 @@
   <p:cSld>
     <p:spTree>
       <p:nvGrpSpPr>
-        <p:cNvPr id="175" name="Shape 175"/>
+        <p:cNvPr id="185" name="Shape 185"/>
         <p:cNvGrpSpPr/>
         <p:nvPr/>
       </p:nvGrpSpPr>
@@ -1722,7 +2224,7 @@
       </p:grpSpPr>
       <p:sp>
         <p:nvSpPr>
-          <p:cNvPr id="176" name="Google Shape;176;g6df3908219_0_285:notes"/>
+          <p:cNvPr id="186" name="Google Shape;186;g6e2517c15a_0_34:notes"/>
           <p:cNvSpPr/>
           <p:nvPr>
             <p:ph idx="2" type="sldImg"/>
@@ -1757,7 +2259,7 @@
       </p:sp>
       <p:sp>
         <p:nvSpPr>
-          <p:cNvPr id="177" name="Google Shape;177;g6df3908219_0_285:notes"/>
+          <p:cNvPr id="187" name="Google Shape;187;g6e2517c15a_0_34:notes"/>
           <p:cNvSpPr txBox="1"/>
           <p:nvPr>
             <p:ph idx="1" type="body"/>
@@ -1807,7 +2309,7 @@
   <p:cSld>
     <p:spTree>
       <p:nvGrpSpPr>
-        <p:cNvPr id="181" name="Shape 181"/>
+        <p:cNvPr id="195" name="Shape 195"/>
         <p:cNvGrpSpPr/>
         <p:nvPr/>
       </p:nvGrpSpPr>
@@ -1821,7 +2323,7 @@
       </p:grpSpPr>
       <p:sp>
         <p:nvSpPr>
-          <p:cNvPr id="182" name="Google Shape;182;g6df3908219_0_280:notes"/>
+          <p:cNvPr id="196" name="Google Shape;196;g6e2517c15a_0_46:notes"/>
           <p:cNvSpPr/>
           <p:nvPr>
             <p:ph idx="2" type="sldImg"/>
@@ -1856,7 +2358,7 @@
       </p:sp>
       <p:sp>
         <p:nvSpPr>
-          <p:cNvPr id="183" name="Google Shape;183;g6df3908219_0_280:notes"/>
+          <p:cNvPr id="197" name="Google Shape;197;g6e2517c15a_0_46:notes"/>
           <p:cNvSpPr txBox="1"/>
           <p:nvPr>
             <p:ph idx="1" type="body"/>
@@ -10145,7 +10647,7 @@
                 <a:cs typeface="Montserrat"/>
                 <a:sym typeface="Montserrat"/>
               </a:rPr>
-              <a:t>Autonomous Multi-Cycle Farming in SPACE (AMCFIS)</a:t>
+              <a:t>Autonomous Multi-Cycle Farming in SPACE</a:t>
             </a:r>
             <a:endParaRPr sz="3600">
               <a:solidFill>
@@ -10274,7 +10776,469 @@
   <p:cSld>
     <p:spTree>
       <p:nvGrpSpPr>
-        <p:cNvPr id="190" name="Shape 190"/>
+        <p:cNvPr id="210" name="Shape 210"/>
+        <p:cNvGrpSpPr/>
+        <p:nvPr/>
+      </p:nvGrpSpPr>
+      <p:grpSpPr>
+        <a:xfrm>
+          <a:off x="0" y="0"/>
+          <a:ext cx="0" cy="0"/>
+          <a:chOff x="0" y="0"/>
+          <a:chExt cx="0" cy="0"/>
+        </a:xfrm>
+      </p:grpSpPr>
+      <p:pic>
+        <p:nvPicPr>
+          <p:cNvPr id="211" name="Google Shape;211;p22"/>
+          <p:cNvPicPr preferRelativeResize="0"/>
+          <p:nvPr/>
+        </p:nvPicPr>
+        <p:blipFill>
+          <a:blip r:embed="rId3">
+            <a:alphaModFix/>
+          </a:blip>
+          <a:stretch>
+            <a:fillRect/>
+          </a:stretch>
+        </p:blipFill>
+        <p:spPr>
+          <a:xfrm>
+            <a:off x="1128817" y="806325"/>
+            <a:ext cx="6886366" cy="3530849"/>
+          </a:xfrm>
+          <a:prstGeom prst="rect">
+            <a:avLst/>
+          </a:prstGeom>
+          <a:noFill/>
+          <a:ln>
+            <a:noFill/>
+          </a:ln>
+        </p:spPr>
+      </p:pic>
+      <p:sp>
+        <p:nvSpPr>
+          <p:cNvPr id="212" name="Google Shape;212;p22"/>
+          <p:cNvSpPr txBox="1"/>
+          <p:nvPr/>
+        </p:nvSpPr>
+        <p:spPr>
+          <a:xfrm>
+            <a:off x="1157100" y="4522600"/>
+            <a:ext cx="4522500" cy="373800"/>
+          </a:xfrm>
+          <a:prstGeom prst="rect">
+            <a:avLst/>
+          </a:prstGeom>
+          <a:noFill/>
+          <a:ln>
+            <a:noFill/>
+          </a:ln>
+        </p:spPr>
+        <p:txBody>
+          <a:bodyPr anchorCtr="0" anchor="t" bIns="91425" lIns="91425" spcFirstLastPara="1" rIns="91425" wrap="square" tIns="91425">
+            <a:noAutofit/>
+          </a:bodyPr>
+          <a:lstStyle/>
+          <a:p>
+            <a:pPr indent="0" lvl="0" marL="0" rtl="0" algn="l">
+              <a:spcBef>
+                <a:spcPts val="0"/>
+              </a:spcBef>
+              <a:spcAft>
+                <a:spcPts val="0"/>
+              </a:spcAft>
+              <a:buNone/>
+            </a:pPr>
+            <a:r>
+              <a:rPr lang="en">
+                <a:solidFill>
+                  <a:srgbClr val="FFFFFF"/>
+                </a:solidFill>
+                <a:latin typeface="Lato"/>
+                <a:ea typeface="Lato"/>
+                <a:cs typeface="Lato"/>
+                <a:sym typeface="Lato"/>
+              </a:rPr>
+              <a:t>.NET Core web app attempt 1</a:t>
+            </a:r>
+            <a:endParaRPr>
+              <a:solidFill>
+                <a:srgbClr val="FFFFFF"/>
+              </a:solidFill>
+              <a:latin typeface="Lato"/>
+              <a:ea typeface="Lato"/>
+              <a:cs typeface="Lato"/>
+              <a:sym typeface="Lato"/>
+            </a:endParaRPr>
+          </a:p>
+        </p:txBody>
+      </p:sp>
+    </p:spTree>
+  </p:cSld>
+  <p:clrMapOvr>
+    <a:masterClrMapping/>
+  </p:clrMapOvr>
+</p:sld>
+</file>
+
+<file path=ppt/slides/slide11.xml><?xml version="1.0" encoding="utf-8"?>
+<p:sld xmlns:a="http://schemas.openxmlformats.org/drawingml/2006/main" xmlns:r="http://schemas.openxmlformats.org/officeDocument/2006/relationships" xmlns:mc="http://schemas.openxmlformats.org/markup-compatibility/2006" xmlns:mv="urn:schemas-microsoft-com:mac:vml" xmlns:p="http://schemas.openxmlformats.org/presentationml/2006/main" xmlns:c="http://schemas.openxmlformats.org/drawingml/2006/chart" xmlns:dgm="http://schemas.openxmlformats.org/drawingml/2006/diagram" xmlns:o="urn:schemas-microsoft-com:office:office" xmlns:v="urn:schemas-microsoft-com:vml" xmlns:pvml="urn:schemas-microsoft-com:office:powerpoint" xmlns:com="http://schemas.openxmlformats.org/drawingml/2006/compatibility" xmlns:p14="http://schemas.microsoft.com/office/powerpoint/2010/main" xmlns:p15="http://schemas.microsoft.com/office/powerpoint/2012/main">
+  <p:cSld>
+    <p:spTree>
+      <p:nvGrpSpPr>
+        <p:cNvPr id="216" name="Shape 216"/>
+        <p:cNvGrpSpPr/>
+        <p:nvPr/>
+      </p:nvGrpSpPr>
+      <p:grpSpPr>
+        <a:xfrm>
+          <a:off x="0" y="0"/>
+          <a:ext cx="0" cy="0"/>
+          <a:chOff x="0" y="0"/>
+          <a:chExt cx="0" cy="0"/>
+        </a:xfrm>
+      </p:grpSpPr>
+      <p:pic>
+        <p:nvPicPr>
+          <p:cNvPr id="217" name="Google Shape;217;p23"/>
+          <p:cNvPicPr preferRelativeResize="0"/>
+          <p:nvPr/>
+        </p:nvPicPr>
+        <p:blipFill rotWithShape="1">
+          <a:blip r:embed="rId3">
+            <a:alphaModFix/>
+          </a:blip>
+          <a:srcRect b="0" l="0" r="0" t="0"/>
+          <a:stretch/>
+        </p:blipFill>
+        <p:spPr>
+          <a:xfrm>
+            <a:off x="1776299" y="386913"/>
+            <a:ext cx="5591402" cy="4369674"/>
+          </a:xfrm>
+          <a:prstGeom prst="rect">
+            <a:avLst/>
+          </a:prstGeom>
+          <a:noFill/>
+          <a:ln cap="flat" cmpd="sng" w="19050">
+            <a:solidFill>
+              <a:schemeClr val="dk2"/>
+            </a:solidFill>
+            <a:prstDash val="solid"/>
+            <a:round/>
+            <a:headEnd len="sm" w="sm" type="none"/>
+            <a:tailEnd len="sm" w="sm" type="none"/>
+          </a:ln>
+        </p:spPr>
+      </p:pic>
+      <p:sp>
+        <p:nvSpPr>
+          <p:cNvPr id="218" name="Google Shape;218;p23"/>
+          <p:cNvSpPr txBox="1"/>
+          <p:nvPr/>
+        </p:nvSpPr>
+        <p:spPr>
+          <a:xfrm>
+            <a:off x="1776300" y="4756575"/>
+            <a:ext cx="4522500" cy="373800"/>
+          </a:xfrm>
+          <a:prstGeom prst="rect">
+            <a:avLst/>
+          </a:prstGeom>
+          <a:noFill/>
+          <a:ln>
+            <a:noFill/>
+          </a:ln>
+        </p:spPr>
+        <p:txBody>
+          <a:bodyPr anchorCtr="0" anchor="t" bIns="91425" lIns="91425" spcFirstLastPara="1" rIns="91425" wrap="square" tIns="91425">
+            <a:noAutofit/>
+          </a:bodyPr>
+          <a:lstStyle/>
+          <a:p>
+            <a:pPr indent="0" lvl="0" marL="0" rtl="0" algn="l">
+              <a:spcBef>
+                <a:spcPts val="0"/>
+              </a:spcBef>
+              <a:spcAft>
+                <a:spcPts val="0"/>
+              </a:spcAft>
+              <a:buNone/>
+            </a:pPr>
+            <a:r>
+              <a:rPr lang="en">
+                <a:solidFill>
+                  <a:srgbClr val="FFFFFF"/>
+                </a:solidFill>
+                <a:latin typeface="Lato"/>
+                <a:ea typeface="Lato"/>
+                <a:cs typeface="Lato"/>
+                <a:sym typeface="Lato"/>
+              </a:rPr>
+              <a:t>.NET Core web app design: Home Page</a:t>
+            </a:r>
+            <a:endParaRPr>
+              <a:solidFill>
+                <a:srgbClr val="FFFFFF"/>
+              </a:solidFill>
+              <a:latin typeface="Lato"/>
+              <a:ea typeface="Lato"/>
+              <a:cs typeface="Lato"/>
+              <a:sym typeface="Lato"/>
+            </a:endParaRPr>
+          </a:p>
+        </p:txBody>
+      </p:sp>
+    </p:spTree>
+  </p:cSld>
+  <p:clrMapOvr>
+    <a:masterClrMapping/>
+  </p:clrMapOvr>
+</p:sld>
+</file>
+
+<file path=ppt/slides/slide12.xml><?xml version="1.0" encoding="utf-8"?>
+<p:sld xmlns:a="http://schemas.openxmlformats.org/drawingml/2006/main" xmlns:r="http://schemas.openxmlformats.org/officeDocument/2006/relationships" xmlns:mc="http://schemas.openxmlformats.org/markup-compatibility/2006" xmlns:mv="urn:schemas-microsoft-com:mac:vml" xmlns:p="http://schemas.openxmlformats.org/presentationml/2006/main" xmlns:c="http://schemas.openxmlformats.org/drawingml/2006/chart" xmlns:dgm="http://schemas.openxmlformats.org/drawingml/2006/diagram" xmlns:o="urn:schemas-microsoft-com:office:office" xmlns:v="urn:schemas-microsoft-com:vml" xmlns:pvml="urn:schemas-microsoft-com:office:powerpoint" xmlns:com="http://schemas.openxmlformats.org/drawingml/2006/compatibility" xmlns:p14="http://schemas.microsoft.com/office/powerpoint/2010/main" xmlns:p15="http://schemas.microsoft.com/office/powerpoint/2012/main">
+  <p:cSld>
+    <p:spTree>
+      <p:nvGrpSpPr>
+        <p:cNvPr id="222" name="Shape 222"/>
+        <p:cNvGrpSpPr/>
+        <p:nvPr/>
+      </p:nvGrpSpPr>
+      <p:grpSpPr>
+        <a:xfrm>
+          <a:off x="0" y="0"/>
+          <a:ext cx="0" cy="0"/>
+          <a:chOff x="0" y="0"/>
+          <a:chExt cx="0" cy="0"/>
+        </a:xfrm>
+      </p:grpSpPr>
+      <p:pic>
+        <p:nvPicPr>
+          <p:cNvPr id="223" name="Google Shape;223;p24"/>
+          <p:cNvPicPr preferRelativeResize="0"/>
+          <p:nvPr/>
+        </p:nvPicPr>
+        <p:blipFill>
+          <a:blip r:embed="rId3">
+            <a:alphaModFix/>
+          </a:blip>
+          <a:stretch>
+            <a:fillRect/>
+          </a:stretch>
+        </p:blipFill>
+        <p:spPr>
+          <a:xfrm>
+            <a:off x="1738368" y="386334"/>
+            <a:ext cx="5667264" cy="4370832"/>
+          </a:xfrm>
+          <a:prstGeom prst="rect">
+            <a:avLst/>
+          </a:prstGeom>
+          <a:noFill/>
+          <a:ln cap="flat" cmpd="sng" w="19050">
+            <a:solidFill>
+              <a:schemeClr val="dk2"/>
+            </a:solidFill>
+            <a:prstDash val="solid"/>
+            <a:round/>
+            <a:headEnd len="sm" w="sm" type="none"/>
+            <a:tailEnd len="sm" w="sm" type="none"/>
+          </a:ln>
+        </p:spPr>
+      </p:pic>
+      <p:sp>
+        <p:nvSpPr>
+          <p:cNvPr id="224" name="Google Shape;224;p24"/>
+          <p:cNvSpPr txBox="1"/>
+          <p:nvPr/>
+        </p:nvSpPr>
+        <p:spPr>
+          <a:xfrm>
+            <a:off x="3374393" y="1702784"/>
+            <a:ext cx="3604200" cy="2304900"/>
+          </a:xfrm>
+          <a:prstGeom prst="rect">
+            <a:avLst/>
+          </a:prstGeom>
+          <a:noFill/>
+          <a:ln>
+            <a:noFill/>
+          </a:ln>
+        </p:spPr>
+        <p:txBody>
+          <a:bodyPr anchorCtr="0" anchor="t" bIns="91425" lIns="91425" spcFirstLastPara="1" rIns="91425" wrap="square" tIns="91425">
+            <a:noAutofit/>
+          </a:bodyPr>
+          <a:lstStyle/>
+          <a:p>
+            <a:pPr indent="0" lvl="0" marL="0" rtl="0" algn="l">
+              <a:spcBef>
+                <a:spcPts val="0"/>
+              </a:spcBef>
+              <a:spcAft>
+                <a:spcPts val="0"/>
+              </a:spcAft>
+              <a:buNone/>
+            </a:pPr>
+            <a:r>
+              <a:rPr lang="en" u="sng">
+                <a:solidFill>
+                  <a:srgbClr val="FF0000"/>
+                </a:solidFill>
+                <a:latin typeface="Lato"/>
+                <a:ea typeface="Lato"/>
+                <a:cs typeface="Lato"/>
+                <a:sym typeface="Lato"/>
+              </a:rPr>
+              <a:t>Config file 1 builds GUI here</a:t>
+            </a:r>
+            <a:endParaRPr u="sng">
+              <a:solidFill>
+                <a:srgbClr val="FF0000"/>
+              </a:solidFill>
+              <a:latin typeface="Lato"/>
+              <a:ea typeface="Lato"/>
+              <a:cs typeface="Lato"/>
+              <a:sym typeface="Lato"/>
+            </a:endParaRPr>
+          </a:p>
+        </p:txBody>
+      </p:sp>
+      <p:pic>
+        <p:nvPicPr>
+          <p:cNvPr id="225" name="Google Shape;225;p24"/>
+          <p:cNvPicPr preferRelativeResize="0"/>
+          <p:nvPr/>
+        </p:nvPicPr>
+        <p:blipFill>
+          <a:blip r:embed="rId4">
+            <a:alphaModFix/>
+          </a:blip>
+          <a:stretch>
+            <a:fillRect/>
+          </a:stretch>
+        </p:blipFill>
+        <p:spPr>
+          <a:xfrm>
+            <a:off x="6895215" y="1541620"/>
+            <a:ext cx="1604161" cy="2564700"/>
+          </a:xfrm>
+          <a:prstGeom prst="rect">
+            <a:avLst/>
+          </a:prstGeom>
+          <a:noFill/>
+          <a:ln cap="flat" cmpd="sng" w="19050">
+            <a:solidFill>
+              <a:srgbClr val="FF0000"/>
+            </a:solidFill>
+            <a:prstDash val="solid"/>
+            <a:round/>
+            <a:headEnd len="sm" w="sm" type="none"/>
+            <a:tailEnd len="sm" w="sm" type="none"/>
+          </a:ln>
+        </p:spPr>
+      </p:pic>
+      <p:cxnSp>
+        <p:nvCxnSpPr>
+          <p:cNvPr id="226" name="Google Shape;226;p24"/>
+          <p:cNvCxnSpPr/>
+          <p:nvPr/>
+        </p:nvCxnSpPr>
+        <p:spPr>
+          <a:xfrm flipH="1">
+            <a:off x="5628925" y="1580456"/>
+            <a:ext cx="1257300" cy="403800"/>
+          </a:xfrm>
+          <a:prstGeom prst="straightConnector1">
+            <a:avLst/>
+          </a:prstGeom>
+          <a:noFill/>
+          <a:ln cap="flat" cmpd="sng" w="19050">
+            <a:solidFill>
+              <a:srgbClr val="FF0000"/>
+            </a:solidFill>
+            <a:prstDash val="solid"/>
+            <a:round/>
+            <a:headEnd len="med" w="med" type="none"/>
+            <a:tailEnd len="med" w="med" type="none"/>
+          </a:ln>
+        </p:spPr>
+      </p:cxnSp>
+      <p:sp>
+        <p:nvSpPr>
+          <p:cNvPr id="227" name="Google Shape;227;p24"/>
+          <p:cNvSpPr txBox="1"/>
+          <p:nvPr/>
+        </p:nvSpPr>
+        <p:spPr>
+          <a:xfrm>
+            <a:off x="1776300" y="4756575"/>
+            <a:ext cx="4522500" cy="373800"/>
+          </a:xfrm>
+          <a:prstGeom prst="rect">
+            <a:avLst/>
+          </a:prstGeom>
+          <a:noFill/>
+          <a:ln>
+            <a:noFill/>
+          </a:ln>
+        </p:spPr>
+        <p:txBody>
+          <a:bodyPr anchorCtr="0" anchor="t" bIns="91425" lIns="91425" spcFirstLastPara="1" rIns="91425" wrap="square" tIns="91425">
+            <a:noAutofit/>
+          </a:bodyPr>
+          <a:lstStyle/>
+          <a:p>
+            <a:pPr indent="0" lvl="0" marL="0" rtl="0" algn="l">
+              <a:spcBef>
+                <a:spcPts val="0"/>
+              </a:spcBef>
+              <a:spcAft>
+                <a:spcPts val="0"/>
+              </a:spcAft>
+              <a:buNone/>
+            </a:pPr>
+            <a:r>
+              <a:rPr lang="en">
+                <a:solidFill>
+                  <a:srgbClr val="FFFFFF"/>
+                </a:solidFill>
+                <a:latin typeface="Lato"/>
+                <a:ea typeface="Lato"/>
+                <a:cs typeface="Lato"/>
+                <a:sym typeface="Lato"/>
+              </a:rPr>
+              <a:t>.NET Core web app design: Device Selected Page</a:t>
+            </a:r>
+            <a:endParaRPr>
+              <a:solidFill>
+                <a:srgbClr val="FFFFFF"/>
+              </a:solidFill>
+              <a:latin typeface="Lato"/>
+              <a:ea typeface="Lato"/>
+              <a:cs typeface="Lato"/>
+              <a:sym typeface="Lato"/>
+            </a:endParaRPr>
+          </a:p>
+        </p:txBody>
+      </p:sp>
+    </p:spTree>
+  </p:cSld>
+  <p:clrMapOvr>
+    <a:masterClrMapping/>
+  </p:clrMapOvr>
+</p:sld>
+</file>
+
+<file path=ppt/slides/slide13.xml><?xml version="1.0" encoding="utf-8"?>
+<p:sld xmlns:a="http://schemas.openxmlformats.org/drawingml/2006/main" xmlns:r="http://schemas.openxmlformats.org/officeDocument/2006/relationships" xmlns:mc="http://schemas.openxmlformats.org/markup-compatibility/2006" xmlns:mv="urn:schemas-microsoft-com:mac:vml" xmlns:p="http://schemas.openxmlformats.org/presentationml/2006/main" xmlns:c="http://schemas.openxmlformats.org/drawingml/2006/chart" xmlns:dgm="http://schemas.openxmlformats.org/drawingml/2006/diagram" xmlns:o="urn:schemas-microsoft-com:office:office" xmlns:v="urn:schemas-microsoft-com:vml" xmlns:pvml="urn:schemas-microsoft-com:office:powerpoint" xmlns:com="http://schemas.openxmlformats.org/drawingml/2006/compatibility" xmlns:p14="http://schemas.microsoft.com/office/powerpoint/2010/main" xmlns:p15="http://schemas.microsoft.com/office/powerpoint/2012/main">
+  <p:cSld>
+    <p:spTree>
+      <p:nvGrpSpPr>
+        <p:cNvPr id="231" name="Shape 231"/>
         <p:cNvGrpSpPr/>
         <p:nvPr/>
       </p:nvGrpSpPr>
@@ -10288,7 +11252,7 @@
       </p:grpSpPr>
       <p:sp>
         <p:nvSpPr>
-          <p:cNvPr id="191" name="Google Shape;191;p22"/>
+          <p:cNvPr id="232" name="Google Shape;232;p25"/>
           <p:cNvSpPr txBox="1"/>
           <p:nvPr>
             <p:ph type="title"/>
@@ -10320,6 +11284,389 @@
             </a:pPr>
             <a:r>
               <a:rPr lang="en"/>
+              <a:t>Progress</a:t>
+            </a:r>
+            <a:endParaRPr/>
+          </a:p>
+        </p:txBody>
+      </p:sp>
+      <p:sp>
+        <p:nvSpPr>
+          <p:cNvPr id="233" name="Google Shape;233;p25"/>
+          <p:cNvSpPr txBox="1"/>
+          <p:nvPr>
+            <p:ph idx="1" type="body"/>
+          </p:nvPr>
+        </p:nvSpPr>
+        <p:spPr>
+          <a:xfrm>
+            <a:off x="992700" y="1129075"/>
+            <a:ext cx="4249800" cy="1851300"/>
+          </a:xfrm>
+          <a:prstGeom prst="rect">
+            <a:avLst/>
+          </a:prstGeom>
+        </p:spPr>
+        <p:txBody>
+          <a:bodyPr anchorCtr="0" anchor="t" bIns="91425" lIns="91425" spcFirstLastPara="1" rIns="91425" wrap="square" tIns="91425">
+            <a:noAutofit/>
+          </a:bodyPr>
+          <a:lstStyle/>
+          <a:p>
+            <a:pPr indent="-311150" lvl="0" marL="457200" rtl="0" algn="l">
+              <a:spcBef>
+                <a:spcPts val="0"/>
+              </a:spcBef>
+              <a:spcAft>
+                <a:spcPts val="0"/>
+              </a:spcAft>
+              <a:buSzPts val="1300"/>
+              <a:buChar char="●"/>
+            </a:pPr>
+            <a:r>
+              <a:rPr lang="en"/>
+              <a:t>All milestone tasks prior to milestone 4 completed</a:t>
+            </a:r>
+            <a:endParaRPr/>
+          </a:p>
+          <a:p>
+            <a:pPr indent="-311150" lvl="0" marL="457200" rtl="0" algn="l">
+              <a:spcBef>
+                <a:spcPts val="0"/>
+              </a:spcBef>
+              <a:spcAft>
+                <a:spcPts val="0"/>
+              </a:spcAft>
+              <a:buSzPts val="1300"/>
+              <a:buChar char="●"/>
+            </a:pPr>
+            <a:r>
+              <a:rPr lang="en"/>
+              <a:t>Purchased three different models of driver to test</a:t>
+            </a:r>
+            <a:endParaRPr/>
+          </a:p>
+          <a:p>
+            <a:pPr indent="-298450" lvl="1" marL="914400" rtl="0" algn="l">
+              <a:spcBef>
+                <a:spcPts val="0"/>
+              </a:spcBef>
+              <a:spcAft>
+                <a:spcPts val="0"/>
+              </a:spcAft>
+              <a:buSzPts val="1100"/>
+              <a:buChar char="○"/>
+            </a:pPr>
+            <a:r>
+              <a:rPr lang="en"/>
+              <a:t>A4988 Stepper Motor Driver Carrier, Green version</a:t>
+            </a:r>
+            <a:endParaRPr/>
+          </a:p>
+          <a:p>
+            <a:pPr indent="-298450" lvl="1" marL="914400" rtl="0" algn="l">
+              <a:spcBef>
+                <a:spcPts val="0"/>
+              </a:spcBef>
+              <a:spcAft>
+                <a:spcPts val="0"/>
+              </a:spcAft>
+              <a:buSzPts val="1100"/>
+              <a:buChar char="○"/>
+            </a:pPr>
+            <a:r>
+              <a:rPr lang="en"/>
+              <a:t>A4988 Stepper Motor Driver Carrier, Black Edition</a:t>
+            </a:r>
+            <a:endParaRPr/>
+          </a:p>
+          <a:p>
+            <a:pPr indent="-298450" lvl="2" marL="1371600" rtl="0" algn="l">
+              <a:spcBef>
+                <a:spcPts val="0"/>
+              </a:spcBef>
+              <a:spcAft>
+                <a:spcPts val="0"/>
+              </a:spcAft>
+              <a:buSzPts val="1100"/>
+              <a:buChar char="■"/>
+            </a:pPr>
+            <a:r>
+              <a:rPr lang="en"/>
+              <a:t>Delivers approximately 20% more current than the two-layer (green) version</a:t>
+            </a:r>
+            <a:endParaRPr/>
+          </a:p>
+          <a:p>
+            <a:pPr indent="-298450" lvl="1" marL="914400" rtl="0" algn="l">
+              <a:spcBef>
+                <a:spcPts val="0"/>
+              </a:spcBef>
+              <a:spcAft>
+                <a:spcPts val="0"/>
+              </a:spcAft>
+              <a:buSzPts val="1100"/>
+              <a:buChar char="○"/>
+            </a:pPr>
+            <a:r>
+              <a:rPr lang="en"/>
+              <a:t>STEPPERONLINE CNC Stepper Motor Driver</a:t>
+            </a:r>
+            <a:endParaRPr/>
+          </a:p>
+          <a:p>
+            <a:pPr indent="0" lvl="0" marL="0" rtl="0" algn="l">
+              <a:spcBef>
+                <a:spcPts val="1600"/>
+              </a:spcBef>
+              <a:spcAft>
+                <a:spcPts val="1600"/>
+              </a:spcAft>
+              <a:buNone/>
+            </a:pPr>
+            <a:r>
+              <a:t/>
+            </a:r>
+            <a:endParaRPr/>
+          </a:p>
+        </p:txBody>
+      </p:sp>
+      <p:pic>
+        <p:nvPicPr>
+          <p:cNvPr id="234" name="Google Shape;234;p25"/>
+          <p:cNvPicPr preferRelativeResize="0"/>
+          <p:nvPr/>
+        </p:nvPicPr>
+        <p:blipFill>
+          <a:blip r:embed="rId3">
+            <a:alphaModFix/>
+          </a:blip>
+          <a:stretch>
+            <a:fillRect/>
+          </a:stretch>
+        </p:blipFill>
+        <p:spPr>
+          <a:xfrm>
+            <a:off x="6289588" y="3191375"/>
+            <a:ext cx="2054725" cy="1779300"/>
+          </a:xfrm>
+          <a:prstGeom prst="rect">
+            <a:avLst/>
+          </a:prstGeom>
+          <a:noFill/>
+          <a:ln cap="flat" cmpd="sng" w="19050">
+            <a:solidFill>
+              <a:schemeClr val="dk2"/>
+            </a:solidFill>
+            <a:prstDash val="solid"/>
+            <a:round/>
+            <a:headEnd len="sm" w="sm" type="none"/>
+            <a:tailEnd len="sm" w="sm" type="none"/>
+          </a:ln>
+        </p:spPr>
+      </p:pic>
+      <p:pic>
+        <p:nvPicPr>
+          <p:cNvPr id="235" name="Google Shape;235;p25"/>
+          <p:cNvPicPr preferRelativeResize="0"/>
+          <p:nvPr/>
+        </p:nvPicPr>
+        <p:blipFill>
+          <a:blip r:embed="rId4">
+            <a:alphaModFix/>
+          </a:blip>
+          <a:stretch>
+            <a:fillRect/>
+          </a:stretch>
+        </p:blipFill>
+        <p:spPr>
+          <a:xfrm>
+            <a:off x="3544635" y="3191375"/>
+            <a:ext cx="2568399" cy="1779300"/>
+          </a:xfrm>
+          <a:prstGeom prst="rect">
+            <a:avLst/>
+          </a:prstGeom>
+          <a:noFill/>
+          <a:ln cap="flat" cmpd="sng" w="19050">
+            <a:solidFill>
+              <a:schemeClr val="dk2"/>
+            </a:solidFill>
+            <a:prstDash val="solid"/>
+            <a:round/>
+            <a:headEnd len="sm" w="sm" type="none"/>
+            <a:tailEnd len="sm" w="sm" type="none"/>
+          </a:ln>
+        </p:spPr>
+      </p:pic>
+      <p:pic>
+        <p:nvPicPr>
+          <p:cNvPr id="236" name="Google Shape;236;p25"/>
+          <p:cNvPicPr preferRelativeResize="0"/>
+          <p:nvPr/>
+        </p:nvPicPr>
+        <p:blipFill>
+          <a:blip r:embed="rId5">
+            <a:alphaModFix/>
+          </a:blip>
+          <a:stretch>
+            <a:fillRect/>
+          </a:stretch>
+        </p:blipFill>
+        <p:spPr>
+          <a:xfrm>
+            <a:off x="799687" y="3191375"/>
+            <a:ext cx="2568395" cy="1779296"/>
+          </a:xfrm>
+          <a:prstGeom prst="rect">
+            <a:avLst/>
+          </a:prstGeom>
+          <a:noFill/>
+          <a:ln cap="flat" cmpd="sng" w="19050">
+            <a:solidFill>
+              <a:schemeClr val="dk2"/>
+            </a:solidFill>
+            <a:prstDash val="solid"/>
+            <a:round/>
+            <a:headEnd len="sm" w="sm" type="none"/>
+            <a:tailEnd len="sm" w="sm" type="none"/>
+          </a:ln>
+        </p:spPr>
+      </p:pic>
+      <p:sp>
+        <p:nvSpPr>
+          <p:cNvPr id="237" name="Google Shape;237;p25"/>
+          <p:cNvSpPr txBox="1"/>
+          <p:nvPr>
+            <p:ph idx="1" type="body"/>
+          </p:nvPr>
+        </p:nvSpPr>
+        <p:spPr>
+          <a:xfrm>
+            <a:off x="5242600" y="1129075"/>
+            <a:ext cx="3101700" cy="914100"/>
+          </a:xfrm>
+          <a:prstGeom prst="rect">
+            <a:avLst/>
+          </a:prstGeom>
+        </p:spPr>
+        <p:txBody>
+          <a:bodyPr anchorCtr="0" anchor="t" bIns="91425" lIns="91425" spcFirstLastPara="1" rIns="91425" wrap="square" tIns="91425">
+            <a:noAutofit/>
+          </a:bodyPr>
+          <a:lstStyle/>
+          <a:p>
+            <a:pPr indent="-311150" lvl="0" marL="457200" rtl="0" algn="l">
+              <a:spcBef>
+                <a:spcPts val="0"/>
+              </a:spcBef>
+              <a:spcAft>
+                <a:spcPts val="0"/>
+              </a:spcAft>
+              <a:buSzPts val="1300"/>
+              <a:buChar char="●"/>
+            </a:pPr>
+            <a:r>
+              <a:rPr lang="en"/>
+              <a:t>Created .NET Core app shown above</a:t>
+            </a:r>
+            <a:endParaRPr/>
+          </a:p>
+          <a:p>
+            <a:pPr indent="-311150" lvl="0" marL="457200" rtl="0" algn="l">
+              <a:spcBef>
+                <a:spcPts val="0"/>
+              </a:spcBef>
+              <a:spcAft>
+                <a:spcPts val="0"/>
+              </a:spcAft>
+              <a:buSzPts val="1300"/>
+              <a:buChar char="●"/>
+            </a:pPr>
+            <a:r>
+              <a:rPr lang="en"/>
+              <a:t>Researched and purchased drivers</a:t>
+            </a:r>
+            <a:endParaRPr/>
+          </a:p>
+          <a:p>
+            <a:pPr indent="-311150" lvl="0" marL="457200" rtl="0" algn="l">
+              <a:spcBef>
+                <a:spcPts val="0"/>
+              </a:spcBef>
+              <a:spcAft>
+                <a:spcPts val="0"/>
+              </a:spcAft>
+              <a:buSzPts val="1300"/>
+              <a:buChar char="●"/>
+            </a:pPr>
+            <a:r>
+              <a:rPr lang="en"/>
+              <a:t>Tested system with two week run with no issues</a:t>
+            </a:r>
+            <a:endParaRPr/>
+          </a:p>
+        </p:txBody>
+      </p:sp>
+    </p:spTree>
+  </p:cSld>
+  <p:clrMapOvr>
+    <a:masterClrMapping/>
+  </p:clrMapOvr>
+</p:sld>
+</file>
+
+<file path=ppt/slides/slide14.xml><?xml version="1.0" encoding="utf-8"?>
+<p:sld xmlns:a="http://schemas.openxmlformats.org/drawingml/2006/main" xmlns:r="http://schemas.openxmlformats.org/officeDocument/2006/relationships" xmlns:mc="http://schemas.openxmlformats.org/markup-compatibility/2006" xmlns:mv="urn:schemas-microsoft-com:mac:vml" xmlns:p="http://schemas.openxmlformats.org/presentationml/2006/main" xmlns:c="http://schemas.openxmlformats.org/drawingml/2006/chart" xmlns:dgm="http://schemas.openxmlformats.org/drawingml/2006/diagram" xmlns:o="urn:schemas-microsoft-com:office:office" xmlns:v="urn:schemas-microsoft-com:vml" xmlns:pvml="urn:schemas-microsoft-com:office:powerpoint" xmlns:com="http://schemas.openxmlformats.org/drawingml/2006/compatibility" xmlns:p14="http://schemas.microsoft.com/office/powerpoint/2010/main" xmlns:p15="http://schemas.microsoft.com/office/powerpoint/2012/main">
+  <p:cSld>
+    <p:spTree>
+      <p:nvGrpSpPr>
+        <p:cNvPr id="241" name="Shape 241"/>
+        <p:cNvGrpSpPr/>
+        <p:nvPr/>
+      </p:nvGrpSpPr>
+      <p:grpSpPr>
+        <a:xfrm>
+          <a:off x="0" y="0"/>
+          <a:ext cx="0" cy="0"/>
+          <a:chOff x="0" y="0"/>
+          <a:chExt cx="0" cy="0"/>
+        </a:xfrm>
+      </p:grpSpPr>
+      <p:sp>
+        <p:nvSpPr>
+          <p:cNvPr id="242" name="Google Shape;242;p26"/>
+          <p:cNvSpPr txBox="1"/>
+          <p:nvPr>
+            <p:ph type="title"/>
+          </p:nvPr>
+        </p:nvSpPr>
+        <p:spPr>
+          <a:xfrm>
+            <a:off x="1297500" y="393750"/>
+            <a:ext cx="7038900" cy="914100"/>
+          </a:xfrm>
+          <a:prstGeom prst="rect">
+            <a:avLst/>
+          </a:prstGeom>
+        </p:spPr>
+        <p:txBody>
+          <a:bodyPr anchorCtr="0" anchor="t" bIns="91425" lIns="91425" spcFirstLastPara="1" rIns="91425" wrap="square" tIns="91425">
+            <a:noAutofit/>
+          </a:bodyPr>
+          <a:lstStyle/>
+          <a:p>
+            <a:pPr indent="0" lvl="0" marL="0" rtl="0" algn="l">
+              <a:spcBef>
+                <a:spcPts val="0"/>
+              </a:spcBef>
+              <a:spcAft>
+                <a:spcPts val="0"/>
+              </a:spcAft>
+              <a:buNone/>
+            </a:pPr>
+            <a:r>
+              <a:rPr lang="en"/>
               <a:t>Fourth </a:t>
             </a:r>
             <a:r>
@@ -10332,7 +11679,1306 @@
       </p:sp>
       <p:sp>
         <p:nvSpPr>
-          <p:cNvPr id="192" name="Google Shape;192;p22"/>
+          <p:cNvPr id="243" name="Google Shape;243;p26"/>
+          <p:cNvSpPr txBox="1"/>
+          <p:nvPr>
+            <p:ph idx="1" type="body"/>
+          </p:nvPr>
+        </p:nvSpPr>
+        <p:spPr>
+          <a:xfrm>
+            <a:off x="1297500" y="1338950"/>
+            <a:ext cx="7038900" cy="2911200"/>
+          </a:xfrm>
+          <a:prstGeom prst="rect">
+            <a:avLst/>
+          </a:prstGeom>
+        </p:spPr>
+        <p:txBody>
+          <a:bodyPr anchorCtr="0" anchor="t" bIns="91425" lIns="91425" spcFirstLastPara="1" rIns="91425" wrap="square" tIns="91425">
+            <a:noAutofit/>
+          </a:bodyPr>
+          <a:lstStyle/>
+          <a:p>
+            <a:pPr indent="-304800" lvl="0" marL="457200" rtl="0" algn="l">
+              <a:spcBef>
+                <a:spcPts val="0"/>
+              </a:spcBef>
+              <a:spcAft>
+                <a:spcPts val="0"/>
+              </a:spcAft>
+              <a:buClr>
+                <a:srgbClr val="FFFFFF"/>
+              </a:buClr>
+              <a:buSzPts val="1200"/>
+              <a:buChar char="●"/>
+            </a:pPr>
+            <a:r>
+              <a:rPr lang="en" sz="1200">
+                <a:solidFill>
+                  <a:srgbClr val="FFFFFF"/>
+                </a:solidFill>
+              </a:rPr>
+              <a:t>Design for application used to manage device</a:t>
+            </a:r>
+            <a:endParaRPr sz="1200">
+              <a:solidFill>
+                <a:srgbClr val="FFFFFF"/>
+              </a:solidFill>
+            </a:endParaRPr>
+          </a:p>
+          <a:p>
+            <a:pPr indent="-304800" lvl="1" marL="914400" rtl="0" algn="l">
+              <a:spcBef>
+                <a:spcPts val="0"/>
+              </a:spcBef>
+              <a:spcAft>
+                <a:spcPts val="0"/>
+              </a:spcAft>
+              <a:buClr>
+                <a:srgbClr val="FFFFFF"/>
+              </a:buClr>
+              <a:buSzPts val="1200"/>
+              <a:buChar char="○"/>
+            </a:pPr>
+            <a:r>
+              <a:rPr lang="en" sz="1200">
+                <a:solidFill>
+                  <a:srgbClr val="FFFFFF"/>
+                </a:solidFill>
+              </a:rPr>
+              <a:t>Configuration</a:t>
+            </a:r>
+            <a:endParaRPr sz="1200">
+              <a:solidFill>
+                <a:srgbClr val="FFFFFF"/>
+              </a:solidFill>
+            </a:endParaRPr>
+          </a:p>
+          <a:p>
+            <a:pPr indent="-304800" lvl="2" marL="1371600" rtl="0" algn="l">
+              <a:spcBef>
+                <a:spcPts val="0"/>
+              </a:spcBef>
+              <a:spcAft>
+                <a:spcPts val="0"/>
+              </a:spcAft>
+              <a:buClr>
+                <a:srgbClr val="FFFFFF"/>
+              </a:buClr>
+              <a:buSzPts val="1200"/>
+              <a:buChar char="■"/>
+            </a:pPr>
+            <a:r>
+              <a:rPr lang="en" sz="1200">
+                <a:solidFill>
+                  <a:srgbClr val="FFFFFF"/>
+                </a:solidFill>
+              </a:rPr>
+              <a:t>Design for configuration library service where users can select new configurations for device, i.e. apples, lettuce, etc.</a:t>
+            </a:r>
+            <a:endParaRPr sz="1200">
+              <a:solidFill>
+                <a:srgbClr val="FFFFFF"/>
+              </a:solidFill>
+            </a:endParaRPr>
+          </a:p>
+          <a:p>
+            <a:pPr indent="-304800" lvl="1" marL="914400" rtl="0" algn="l">
+              <a:spcBef>
+                <a:spcPts val="0"/>
+              </a:spcBef>
+              <a:spcAft>
+                <a:spcPts val="0"/>
+              </a:spcAft>
+              <a:buClr>
+                <a:srgbClr val="FFFFFF"/>
+              </a:buClr>
+              <a:buSzPts val="1200"/>
+              <a:buChar char="○"/>
+            </a:pPr>
+            <a:r>
+              <a:rPr lang="en" sz="1200">
+                <a:solidFill>
+                  <a:srgbClr val="FFFFFF"/>
+                </a:solidFill>
+              </a:rPr>
+              <a:t>Reports</a:t>
+            </a:r>
+            <a:endParaRPr sz="1200">
+              <a:solidFill>
+                <a:srgbClr val="FFFFFF"/>
+              </a:solidFill>
+            </a:endParaRPr>
+          </a:p>
+          <a:p>
+            <a:pPr indent="-304800" lvl="2" marL="1371600" rtl="0" algn="l">
+              <a:spcBef>
+                <a:spcPts val="0"/>
+              </a:spcBef>
+              <a:spcAft>
+                <a:spcPts val="0"/>
+              </a:spcAft>
+              <a:buClr>
+                <a:srgbClr val="FFFFFF"/>
+              </a:buClr>
+              <a:buSzPts val="1200"/>
+              <a:buChar char="■"/>
+            </a:pPr>
+            <a:r>
+              <a:rPr lang="en" sz="1200">
+                <a:solidFill>
+                  <a:srgbClr val="FFFFFF"/>
+                </a:solidFill>
+              </a:rPr>
+              <a:t>System performance and status globally down to each individual subsystem of a single device</a:t>
+            </a:r>
+            <a:endParaRPr sz="1200">
+              <a:solidFill>
+                <a:srgbClr val="FFFFFF"/>
+              </a:solidFill>
+            </a:endParaRPr>
+          </a:p>
+          <a:p>
+            <a:pPr indent="-304800" lvl="2" marL="1371600" rtl="0" algn="l">
+              <a:spcBef>
+                <a:spcPts val="0"/>
+              </a:spcBef>
+              <a:spcAft>
+                <a:spcPts val="0"/>
+              </a:spcAft>
+              <a:buClr>
+                <a:srgbClr val="FFFFFF"/>
+              </a:buClr>
+              <a:buSzPts val="1200"/>
+              <a:buChar char="■"/>
+            </a:pPr>
+            <a:r>
+              <a:rPr lang="en" sz="1200">
+                <a:solidFill>
+                  <a:srgbClr val="FFFFFF"/>
+                </a:solidFill>
+              </a:rPr>
+              <a:t>Appropriate metrics and report hierarchy based on user selected feature</a:t>
+            </a:r>
+            <a:endParaRPr sz="1200">
+              <a:solidFill>
+                <a:srgbClr val="FFFFFF"/>
+              </a:solidFill>
+            </a:endParaRPr>
+          </a:p>
+          <a:p>
+            <a:pPr indent="-304800" lvl="2" marL="1371600" rtl="0" algn="l">
+              <a:spcBef>
+                <a:spcPts val="0"/>
+              </a:spcBef>
+              <a:spcAft>
+                <a:spcPts val="0"/>
+              </a:spcAft>
+              <a:buClr>
+                <a:srgbClr val="FFFFFF"/>
+              </a:buClr>
+              <a:buSzPts val="1200"/>
+              <a:buChar char="■"/>
+            </a:pPr>
+            <a:r>
+              <a:rPr lang="en" sz="1200">
+                <a:solidFill>
+                  <a:srgbClr val="FFFFFF"/>
+                </a:solidFill>
+              </a:rPr>
+              <a:t>Reporting solutions</a:t>
+            </a:r>
+            <a:endParaRPr sz="1200">
+              <a:solidFill>
+                <a:srgbClr val="FFFFFF"/>
+              </a:solidFill>
+            </a:endParaRPr>
+          </a:p>
+          <a:p>
+            <a:pPr indent="-304800" lvl="1" marL="914400" rtl="0" algn="l">
+              <a:spcBef>
+                <a:spcPts val="0"/>
+              </a:spcBef>
+              <a:spcAft>
+                <a:spcPts val="0"/>
+              </a:spcAft>
+              <a:buClr>
+                <a:srgbClr val="FFFFFF"/>
+              </a:buClr>
+              <a:buSzPts val="1200"/>
+              <a:buChar char="○"/>
+            </a:pPr>
+            <a:r>
+              <a:rPr lang="en" sz="1200">
+                <a:solidFill>
+                  <a:srgbClr val="FFFFFF"/>
+                </a:solidFill>
+              </a:rPr>
+              <a:t>Manual control</a:t>
+            </a:r>
+            <a:endParaRPr sz="1200">
+              <a:solidFill>
+                <a:srgbClr val="FFFFFF"/>
+              </a:solidFill>
+            </a:endParaRPr>
+          </a:p>
+          <a:p>
+            <a:pPr indent="-304800" lvl="2" marL="1371600" rtl="0" algn="l">
+              <a:spcBef>
+                <a:spcPts val="0"/>
+              </a:spcBef>
+              <a:spcAft>
+                <a:spcPts val="0"/>
+              </a:spcAft>
+              <a:buClr>
+                <a:srgbClr val="FFFFFF"/>
+              </a:buClr>
+              <a:buSzPts val="1200"/>
+              <a:buChar char="■"/>
+            </a:pPr>
+            <a:r>
+              <a:rPr lang="en" sz="1200">
+                <a:solidFill>
+                  <a:srgbClr val="FFFFFF"/>
+                </a:solidFill>
+              </a:rPr>
+              <a:t>Stop, start, restart, pause, and reset</a:t>
+            </a:r>
+            <a:endParaRPr sz="1200">
+              <a:solidFill>
+                <a:srgbClr val="FFFFFF"/>
+              </a:solidFill>
+            </a:endParaRPr>
+          </a:p>
+          <a:p>
+            <a:pPr indent="-304800" lvl="1" marL="914400" rtl="0" algn="l">
+              <a:spcBef>
+                <a:spcPts val="0"/>
+              </a:spcBef>
+              <a:spcAft>
+                <a:spcPts val="0"/>
+              </a:spcAft>
+              <a:buClr>
+                <a:srgbClr val="FFFFFF"/>
+              </a:buClr>
+              <a:buSzPts val="1200"/>
+              <a:buChar char="○"/>
+            </a:pPr>
+            <a:r>
+              <a:rPr lang="en" sz="1200">
+                <a:solidFill>
+                  <a:srgbClr val="FFFFFF"/>
+                </a:solidFill>
+              </a:rPr>
+              <a:t>UX/UI survey for CS Forum</a:t>
+            </a:r>
+            <a:endParaRPr sz="1200">
+              <a:solidFill>
+                <a:srgbClr val="FFFFFF"/>
+              </a:solidFill>
+            </a:endParaRPr>
+          </a:p>
+          <a:p>
+            <a:pPr indent="-304800" lvl="2" marL="1371600" rtl="0" algn="l">
+              <a:spcBef>
+                <a:spcPts val="0"/>
+              </a:spcBef>
+              <a:spcAft>
+                <a:spcPts val="0"/>
+              </a:spcAft>
+              <a:buClr>
+                <a:srgbClr val="FFFFFF"/>
+              </a:buClr>
+              <a:buSzPts val="1200"/>
+              <a:buChar char="■"/>
+            </a:pPr>
+            <a:r>
+              <a:rPr lang="en" sz="1200">
+                <a:solidFill>
+                  <a:srgbClr val="FFFFFF"/>
+                </a:solidFill>
+              </a:rPr>
+              <a:t>Appropriate hierarchy based on what user selected</a:t>
+            </a:r>
+            <a:endParaRPr sz="1200">
+              <a:solidFill>
+                <a:srgbClr val="FFFFFF"/>
+              </a:solidFill>
+            </a:endParaRPr>
+          </a:p>
+          <a:p>
+            <a:pPr indent="-304800" lvl="0" marL="457200" rtl="0" algn="l">
+              <a:spcBef>
+                <a:spcPts val="0"/>
+              </a:spcBef>
+              <a:spcAft>
+                <a:spcPts val="0"/>
+              </a:spcAft>
+              <a:buClr>
+                <a:srgbClr val="FFFFFF"/>
+              </a:buClr>
+              <a:buSzPts val="1200"/>
+              <a:buChar char="●"/>
+            </a:pPr>
+            <a:r>
+              <a:rPr lang="en" sz="1200">
+                <a:solidFill>
+                  <a:srgbClr val="FFFFFF"/>
+                </a:solidFill>
+              </a:rPr>
+              <a:t>One production actuator working on control board</a:t>
+            </a:r>
+            <a:endParaRPr sz="1200">
+              <a:solidFill>
+                <a:srgbClr val="FFFFFF"/>
+              </a:solidFill>
+            </a:endParaRPr>
+          </a:p>
+          <a:p>
+            <a:pPr indent="-304800" lvl="1" marL="914400" rtl="0" algn="l">
+              <a:spcBef>
+                <a:spcPts val="0"/>
+              </a:spcBef>
+              <a:spcAft>
+                <a:spcPts val="0"/>
+              </a:spcAft>
+              <a:buClr>
+                <a:srgbClr val="FFFFFF"/>
+              </a:buClr>
+              <a:buSzPts val="1200"/>
+              <a:buChar char="○"/>
+            </a:pPr>
+            <a:r>
+              <a:rPr lang="en" sz="1200">
+                <a:solidFill>
+                  <a:srgbClr val="FFFFFF"/>
+                </a:solidFill>
+              </a:rPr>
+              <a:t>Not working in system</a:t>
+            </a:r>
+            <a:endParaRPr sz="1200">
+              <a:solidFill>
+                <a:srgbClr val="FFFFFF"/>
+              </a:solidFill>
+            </a:endParaRPr>
+          </a:p>
+          <a:p>
+            <a:pPr indent="-304800" lvl="0" marL="457200" rtl="0" algn="l">
+              <a:spcBef>
+                <a:spcPts val="0"/>
+              </a:spcBef>
+              <a:spcAft>
+                <a:spcPts val="0"/>
+              </a:spcAft>
+              <a:buClr>
+                <a:srgbClr val="FFFFFF"/>
+              </a:buClr>
+              <a:buSzPts val="1200"/>
+              <a:buChar char="●"/>
+            </a:pPr>
+            <a:r>
+              <a:rPr lang="en" sz="1200">
+                <a:solidFill>
+                  <a:srgbClr val="FFFFFF"/>
+                </a:solidFill>
+              </a:rPr>
+              <a:t>Testing progress</a:t>
+            </a:r>
+            <a:endParaRPr sz="1200">
+              <a:solidFill>
+                <a:srgbClr val="FFFFFF"/>
+              </a:solidFill>
+            </a:endParaRPr>
+          </a:p>
+        </p:txBody>
+      </p:sp>
+    </p:spTree>
+  </p:cSld>
+  <p:clrMapOvr>
+    <a:masterClrMapping/>
+  </p:clrMapOvr>
+</p:sld>
+</file>
+
+<file path=ppt/slides/slide15.xml><?xml version="1.0" encoding="utf-8"?>
+<p:sld xmlns:a="http://schemas.openxmlformats.org/drawingml/2006/main" xmlns:r="http://schemas.openxmlformats.org/officeDocument/2006/relationships" xmlns:mc="http://schemas.openxmlformats.org/markup-compatibility/2006" xmlns:mv="urn:schemas-microsoft-com:mac:vml" xmlns:p="http://schemas.openxmlformats.org/presentationml/2006/main" xmlns:c="http://schemas.openxmlformats.org/drawingml/2006/chart" xmlns:dgm="http://schemas.openxmlformats.org/drawingml/2006/diagram" xmlns:o="urn:schemas-microsoft-com:office:office" xmlns:v="urn:schemas-microsoft-com:vml" xmlns:pvml="urn:schemas-microsoft-com:office:powerpoint" xmlns:com="http://schemas.openxmlformats.org/drawingml/2006/compatibility" xmlns:p14="http://schemas.microsoft.com/office/powerpoint/2010/main" xmlns:p15="http://schemas.microsoft.com/office/powerpoint/2012/main">
+  <p:cSld>
+    <p:spTree>
+      <p:nvGrpSpPr>
+        <p:cNvPr id="247" name="Shape 247"/>
+        <p:cNvGrpSpPr/>
+        <p:nvPr/>
+      </p:nvGrpSpPr>
+      <p:grpSpPr>
+        <a:xfrm>
+          <a:off x="0" y="0"/>
+          <a:ext cx="0" cy="0"/>
+          <a:chOff x="0" y="0"/>
+          <a:chExt cx="0" cy="0"/>
+        </a:xfrm>
+      </p:grpSpPr>
+      <p:sp>
+        <p:nvSpPr>
+          <p:cNvPr id="248" name="Google Shape;248;p27"/>
+          <p:cNvSpPr txBox="1"/>
+          <p:nvPr>
+            <p:ph type="title"/>
+          </p:nvPr>
+        </p:nvSpPr>
+        <p:spPr>
+          <a:xfrm>
+            <a:off x="1297500" y="393750"/>
+            <a:ext cx="7038900" cy="914100"/>
+          </a:xfrm>
+          <a:prstGeom prst="rect">
+            <a:avLst/>
+          </a:prstGeom>
+        </p:spPr>
+        <p:txBody>
+          <a:bodyPr anchorCtr="0" anchor="t" bIns="91425" lIns="91425" spcFirstLastPara="1" rIns="91425" wrap="square" tIns="91425">
+            <a:noAutofit/>
+          </a:bodyPr>
+          <a:lstStyle/>
+          <a:p>
+            <a:pPr indent="0" lvl="0" marL="0" rtl="0" algn="l">
+              <a:spcBef>
+                <a:spcPts val="0"/>
+              </a:spcBef>
+              <a:spcAft>
+                <a:spcPts val="0"/>
+              </a:spcAft>
+              <a:buNone/>
+            </a:pPr>
+            <a:r>
+              <a:rPr lang="en"/>
+              <a:t>Fifth &amp; Sixth Milestone </a:t>
+            </a:r>
+            <a:endParaRPr/>
+          </a:p>
+        </p:txBody>
+      </p:sp>
+      <p:sp>
+        <p:nvSpPr>
+          <p:cNvPr id="249" name="Google Shape;249;p27"/>
+          <p:cNvSpPr txBox="1"/>
+          <p:nvPr>
+            <p:ph idx="1" type="body"/>
+          </p:nvPr>
+        </p:nvSpPr>
+        <p:spPr>
+          <a:xfrm>
+            <a:off x="1297500" y="1079250"/>
+            <a:ext cx="3521400" cy="2911200"/>
+          </a:xfrm>
+          <a:prstGeom prst="rect">
+            <a:avLst/>
+          </a:prstGeom>
+        </p:spPr>
+        <p:txBody>
+          <a:bodyPr anchorCtr="0" anchor="t" bIns="91425" lIns="91425" spcFirstLastPara="1" rIns="91425" wrap="square" tIns="91425">
+            <a:noAutofit/>
+          </a:bodyPr>
+          <a:lstStyle/>
+          <a:p>
+            <a:pPr indent="0" lvl="0" marL="0" rtl="0" algn="l">
+              <a:spcBef>
+                <a:spcPts val="1800"/>
+              </a:spcBef>
+              <a:spcAft>
+                <a:spcPts val="0"/>
+              </a:spcAft>
+              <a:buNone/>
+            </a:pPr>
+            <a:r>
+              <a:rPr b="1" lang="en" sz="1200">
+                <a:solidFill>
+                  <a:srgbClr val="FFFFFF"/>
+                </a:solidFill>
+              </a:rPr>
+              <a:t>Fifth Milestone - Due March 23rd</a:t>
+            </a:r>
+            <a:endParaRPr b="1" sz="1200">
+              <a:solidFill>
+                <a:srgbClr val="FFFFFF"/>
+              </a:solidFill>
+            </a:endParaRPr>
+          </a:p>
+          <a:p>
+            <a:pPr indent="-304800" lvl="0" marL="457200" rtl="0" algn="l">
+              <a:spcBef>
+                <a:spcPts val="600"/>
+              </a:spcBef>
+              <a:spcAft>
+                <a:spcPts val="0"/>
+              </a:spcAft>
+              <a:buClr>
+                <a:srgbClr val="FFFFFF"/>
+              </a:buClr>
+              <a:buSzPts val="1200"/>
+              <a:buChar char="●"/>
+            </a:pPr>
+            <a:r>
+              <a:rPr lang="en" sz="1200">
+                <a:solidFill>
+                  <a:srgbClr val="FFFFFF"/>
+                </a:solidFill>
+              </a:rPr>
+              <a:t>Functional setup of actual actuators and sensors working with system</a:t>
+            </a:r>
+            <a:endParaRPr sz="1200">
+              <a:solidFill>
+                <a:srgbClr val="FFFFFF"/>
+              </a:solidFill>
+            </a:endParaRPr>
+          </a:p>
+          <a:p>
+            <a:pPr indent="-304800" lvl="1" marL="914400" rtl="0" algn="l">
+              <a:spcBef>
+                <a:spcPts val="0"/>
+              </a:spcBef>
+              <a:spcAft>
+                <a:spcPts val="0"/>
+              </a:spcAft>
+              <a:buClr>
+                <a:srgbClr val="FFFFFF"/>
+              </a:buClr>
+              <a:buSzPts val="1200"/>
+              <a:buChar char="○"/>
+            </a:pPr>
+            <a:r>
+              <a:rPr lang="en" sz="1200">
+                <a:solidFill>
+                  <a:srgbClr val="FFFFFF"/>
+                </a:solidFill>
+              </a:rPr>
+              <a:t>Seeding head on track</a:t>
+            </a:r>
+            <a:endParaRPr sz="1200">
+              <a:solidFill>
+                <a:srgbClr val="FFFFFF"/>
+              </a:solidFill>
+            </a:endParaRPr>
+          </a:p>
+          <a:p>
+            <a:pPr indent="-304800" lvl="1" marL="914400" rtl="0" algn="l">
+              <a:spcBef>
+                <a:spcPts val="0"/>
+              </a:spcBef>
+              <a:spcAft>
+                <a:spcPts val="0"/>
+              </a:spcAft>
+              <a:buClr>
+                <a:srgbClr val="FFFFFF"/>
+              </a:buClr>
+              <a:buSzPts val="1200"/>
+              <a:buChar char="○"/>
+            </a:pPr>
+            <a:r>
+              <a:rPr lang="en" sz="1200">
+                <a:solidFill>
+                  <a:srgbClr val="FFFFFF"/>
+                </a:solidFill>
+              </a:rPr>
+              <a:t>Light and fan</a:t>
+            </a:r>
+            <a:endParaRPr sz="1200">
+              <a:solidFill>
+                <a:srgbClr val="FFFFFF"/>
+              </a:solidFill>
+            </a:endParaRPr>
+          </a:p>
+          <a:p>
+            <a:pPr indent="-304800" lvl="1" marL="914400" rtl="0" algn="l">
+              <a:spcBef>
+                <a:spcPts val="0"/>
+              </a:spcBef>
+              <a:spcAft>
+                <a:spcPts val="0"/>
+              </a:spcAft>
+              <a:buClr>
+                <a:srgbClr val="FFFFFF"/>
+              </a:buClr>
+              <a:buSzPts val="1200"/>
+              <a:buChar char="○"/>
+            </a:pPr>
+            <a:r>
+              <a:rPr lang="en" sz="1200">
+                <a:solidFill>
+                  <a:srgbClr val="FFFFFF"/>
+                </a:solidFill>
+              </a:rPr>
+              <a:t>Linear actuator</a:t>
+            </a:r>
+            <a:endParaRPr sz="1200">
+              <a:solidFill>
+                <a:srgbClr val="FFFFFF"/>
+              </a:solidFill>
+            </a:endParaRPr>
+          </a:p>
+          <a:p>
+            <a:pPr indent="-304800" lvl="1" marL="914400" rtl="0" algn="l">
+              <a:spcBef>
+                <a:spcPts val="0"/>
+              </a:spcBef>
+              <a:spcAft>
+                <a:spcPts val="0"/>
+              </a:spcAft>
+              <a:buClr>
+                <a:srgbClr val="FFFFFF"/>
+              </a:buClr>
+              <a:buSzPts val="1200"/>
+              <a:buChar char="○"/>
+            </a:pPr>
+            <a:r>
+              <a:rPr lang="en" sz="1200">
+                <a:solidFill>
+                  <a:srgbClr val="FFFFFF"/>
+                </a:solidFill>
+              </a:rPr>
+              <a:t>Nema motors</a:t>
+            </a:r>
+            <a:endParaRPr sz="1200">
+              <a:solidFill>
+                <a:srgbClr val="FFFFFF"/>
+              </a:solidFill>
+            </a:endParaRPr>
+          </a:p>
+          <a:p>
+            <a:pPr indent="-304800" lvl="1" marL="914400" rtl="0" algn="l">
+              <a:spcBef>
+                <a:spcPts val="0"/>
+              </a:spcBef>
+              <a:spcAft>
+                <a:spcPts val="0"/>
+              </a:spcAft>
+              <a:buClr>
+                <a:srgbClr val="FFFFFF"/>
+              </a:buClr>
+              <a:buSzPts val="1200"/>
+              <a:buChar char="○"/>
+            </a:pPr>
+            <a:r>
+              <a:rPr lang="en" sz="1200">
+                <a:solidFill>
+                  <a:srgbClr val="FFFFFF"/>
+                </a:solidFill>
+              </a:rPr>
+              <a:t>Moisture sensor</a:t>
+            </a:r>
+            <a:endParaRPr sz="1200">
+              <a:solidFill>
+                <a:srgbClr val="FFFFFF"/>
+              </a:solidFill>
+            </a:endParaRPr>
+          </a:p>
+          <a:p>
+            <a:pPr indent="-304800" lvl="0" marL="457200" rtl="0" algn="l">
+              <a:spcBef>
+                <a:spcPts val="0"/>
+              </a:spcBef>
+              <a:spcAft>
+                <a:spcPts val="0"/>
+              </a:spcAft>
+              <a:buClr>
+                <a:srgbClr val="FFFFFF"/>
+              </a:buClr>
+              <a:buSzPts val="1200"/>
+              <a:buChar char="●"/>
+            </a:pPr>
+            <a:r>
+              <a:rPr lang="en" sz="1200">
+                <a:solidFill>
+                  <a:srgbClr val="FFFFFF"/>
+                </a:solidFill>
+              </a:rPr>
+              <a:t>Working POC of application to configure and manage device</a:t>
+            </a:r>
+            <a:endParaRPr sz="1200">
+              <a:solidFill>
+                <a:srgbClr val="FFFFFF"/>
+              </a:solidFill>
+            </a:endParaRPr>
+          </a:p>
+          <a:p>
+            <a:pPr indent="-304800" lvl="0" marL="457200" rtl="0" algn="l">
+              <a:spcBef>
+                <a:spcPts val="0"/>
+              </a:spcBef>
+              <a:spcAft>
+                <a:spcPts val="0"/>
+              </a:spcAft>
+              <a:buClr>
+                <a:srgbClr val="FFFFFF"/>
+              </a:buClr>
+              <a:buSzPts val="1200"/>
+              <a:buChar char="●"/>
+            </a:pPr>
+            <a:r>
+              <a:rPr lang="en" sz="1200">
+                <a:solidFill>
+                  <a:srgbClr val="FFFFFF"/>
+                </a:solidFill>
+              </a:rPr>
+              <a:t>Working config  feature - low priority</a:t>
+            </a:r>
+            <a:endParaRPr sz="1200">
+              <a:solidFill>
+                <a:srgbClr val="FFFFFF"/>
+              </a:solidFill>
+            </a:endParaRPr>
+          </a:p>
+          <a:p>
+            <a:pPr indent="-304800" lvl="0" marL="457200" rtl="0" algn="l">
+              <a:spcBef>
+                <a:spcPts val="0"/>
+              </a:spcBef>
+              <a:spcAft>
+                <a:spcPts val="0"/>
+              </a:spcAft>
+              <a:buClr>
+                <a:srgbClr val="FFFFFF"/>
+              </a:buClr>
+              <a:buSzPts val="1200"/>
+              <a:buChar char="●"/>
+            </a:pPr>
+            <a:r>
+              <a:rPr lang="en" sz="1200">
+                <a:solidFill>
+                  <a:srgbClr val="FFFFFF"/>
+                </a:solidFill>
+              </a:rPr>
+              <a:t>Metrics for reports</a:t>
+            </a:r>
+            <a:endParaRPr sz="1200">
+              <a:solidFill>
+                <a:srgbClr val="FFFFFF"/>
+              </a:solidFill>
+            </a:endParaRPr>
+          </a:p>
+          <a:p>
+            <a:pPr indent="-304800" lvl="0" marL="457200" rtl="0" algn="l">
+              <a:spcBef>
+                <a:spcPts val="0"/>
+              </a:spcBef>
+              <a:spcAft>
+                <a:spcPts val="0"/>
+              </a:spcAft>
+              <a:buClr>
+                <a:srgbClr val="FFFFFF"/>
+              </a:buClr>
+              <a:buSzPts val="1200"/>
+              <a:buChar char="●"/>
+            </a:pPr>
+            <a:r>
+              <a:rPr lang="en" sz="1200">
+                <a:solidFill>
+                  <a:srgbClr val="FFFFFF"/>
+                </a:solidFill>
+              </a:rPr>
+              <a:t>Testing rules in SonarQube</a:t>
+            </a:r>
+            <a:endParaRPr sz="1200">
+              <a:solidFill>
+                <a:srgbClr val="FFFFFF"/>
+              </a:solidFill>
+            </a:endParaRPr>
+          </a:p>
+          <a:p>
+            <a:pPr indent="-304800" lvl="0" marL="457200" rtl="0" algn="l">
+              <a:spcBef>
+                <a:spcPts val="0"/>
+              </a:spcBef>
+              <a:spcAft>
+                <a:spcPts val="0"/>
+              </a:spcAft>
+              <a:buClr>
+                <a:srgbClr val="FFFFFF"/>
+              </a:buClr>
+              <a:buSzPts val="1200"/>
+              <a:buChar char="●"/>
+            </a:pPr>
+            <a:r>
+              <a:rPr lang="en" sz="1200">
+                <a:solidFill>
+                  <a:srgbClr val="FFFFFF"/>
+                </a:solidFill>
+              </a:rPr>
+              <a:t>Testing scripts</a:t>
+            </a:r>
+            <a:endParaRPr sz="1200">
+              <a:solidFill>
+                <a:srgbClr val="FFFFFF"/>
+              </a:solidFill>
+            </a:endParaRPr>
+          </a:p>
+          <a:p>
+            <a:pPr indent="0" lvl="0" marL="0" rtl="0" algn="l">
+              <a:spcBef>
+                <a:spcPts val="0"/>
+              </a:spcBef>
+              <a:spcAft>
+                <a:spcPts val="1600"/>
+              </a:spcAft>
+              <a:buNone/>
+            </a:pPr>
+            <a:r>
+              <a:t/>
+            </a:r>
+            <a:endParaRPr sz="1200">
+              <a:solidFill>
+                <a:srgbClr val="FFFFFF"/>
+              </a:solidFill>
+            </a:endParaRPr>
+          </a:p>
+        </p:txBody>
+      </p:sp>
+      <p:sp>
+        <p:nvSpPr>
+          <p:cNvPr id="250" name="Google Shape;250;p27"/>
+          <p:cNvSpPr txBox="1"/>
+          <p:nvPr>
+            <p:ph idx="1" type="body"/>
+          </p:nvPr>
+        </p:nvSpPr>
+        <p:spPr>
+          <a:xfrm>
+            <a:off x="5083500" y="1079250"/>
+            <a:ext cx="3521400" cy="2911200"/>
+          </a:xfrm>
+          <a:prstGeom prst="rect">
+            <a:avLst/>
+          </a:prstGeom>
+        </p:spPr>
+        <p:txBody>
+          <a:bodyPr anchorCtr="0" anchor="t" bIns="91425" lIns="91425" spcFirstLastPara="1" rIns="91425" wrap="square" tIns="91425">
+            <a:noAutofit/>
+          </a:bodyPr>
+          <a:lstStyle/>
+          <a:p>
+            <a:pPr indent="0" lvl="0" marL="0" rtl="0" algn="l">
+              <a:spcBef>
+                <a:spcPts val="1800"/>
+              </a:spcBef>
+              <a:spcAft>
+                <a:spcPts val="0"/>
+              </a:spcAft>
+              <a:buNone/>
+            </a:pPr>
+            <a:r>
+              <a:rPr b="1" lang="en" sz="1200">
+                <a:solidFill>
+                  <a:srgbClr val="FFFFFF"/>
+                </a:solidFill>
+              </a:rPr>
+              <a:t>Sixth Milestone - Due April 20th</a:t>
+            </a:r>
+            <a:endParaRPr b="1" sz="1200">
+              <a:solidFill>
+                <a:srgbClr val="FFFFFF"/>
+              </a:solidFill>
+            </a:endParaRPr>
+          </a:p>
+          <a:p>
+            <a:pPr indent="-304800" lvl="0" marL="457200" rtl="0" algn="l">
+              <a:spcBef>
+                <a:spcPts val="600"/>
+              </a:spcBef>
+              <a:spcAft>
+                <a:spcPts val="0"/>
+              </a:spcAft>
+              <a:buClr>
+                <a:srgbClr val="FFFFFF"/>
+              </a:buClr>
+              <a:buSzPts val="1200"/>
+              <a:buChar char="●"/>
+            </a:pPr>
+            <a:r>
+              <a:rPr lang="en" sz="1200">
+                <a:solidFill>
+                  <a:srgbClr val="FFFFFF"/>
+                </a:solidFill>
+              </a:rPr>
+              <a:t>Finalized build of device with system</a:t>
+            </a:r>
+            <a:endParaRPr sz="1200">
+              <a:solidFill>
+                <a:srgbClr val="FFFFFF"/>
+              </a:solidFill>
+            </a:endParaRPr>
+          </a:p>
+          <a:p>
+            <a:pPr indent="-304800" lvl="0" marL="457200" rtl="0" algn="l">
+              <a:spcBef>
+                <a:spcPts val="0"/>
+              </a:spcBef>
+              <a:spcAft>
+                <a:spcPts val="0"/>
+              </a:spcAft>
+              <a:buClr>
+                <a:srgbClr val="FFFFFF"/>
+              </a:buClr>
+              <a:buSzPts val="1200"/>
+              <a:buChar char="●"/>
+            </a:pPr>
+            <a:r>
+              <a:rPr lang="en" sz="1200">
+                <a:solidFill>
+                  <a:srgbClr val="FFFFFF"/>
+                </a:solidFill>
+              </a:rPr>
+              <a:t>Finished application</a:t>
+            </a:r>
+            <a:endParaRPr sz="1200">
+              <a:solidFill>
+                <a:srgbClr val="FFFFFF"/>
+              </a:solidFill>
+            </a:endParaRPr>
+          </a:p>
+          <a:p>
+            <a:pPr indent="-304800" lvl="0" marL="457200" rtl="0" algn="l">
+              <a:spcBef>
+                <a:spcPts val="0"/>
+              </a:spcBef>
+              <a:spcAft>
+                <a:spcPts val="0"/>
+              </a:spcAft>
+              <a:buClr>
+                <a:srgbClr val="FFFFFF"/>
+              </a:buClr>
+              <a:buSzPts val="1200"/>
+              <a:buChar char="●"/>
+            </a:pPr>
+            <a:r>
+              <a:rPr lang="en" sz="1200">
+                <a:solidFill>
+                  <a:srgbClr val="FFFFFF"/>
+                </a:solidFill>
+              </a:rPr>
+              <a:t>Finished download service</a:t>
+            </a:r>
+            <a:endParaRPr sz="1200">
+              <a:solidFill>
+                <a:srgbClr val="FFFFFF"/>
+              </a:solidFill>
+            </a:endParaRPr>
+          </a:p>
+          <a:p>
+            <a:pPr indent="-304800" lvl="0" marL="457200" rtl="0" algn="l">
+              <a:spcBef>
+                <a:spcPts val="0"/>
+              </a:spcBef>
+              <a:spcAft>
+                <a:spcPts val="0"/>
+              </a:spcAft>
+              <a:buClr>
+                <a:srgbClr val="FFFFFF"/>
+              </a:buClr>
+              <a:buSzPts val="1200"/>
+              <a:buChar char="●"/>
+            </a:pPr>
+            <a:r>
+              <a:rPr lang="en" sz="1200">
+                <a:solidFill>
+                  <a:srgbClr val="FFFFFF"/>
+                </a:solidFill>
+              </a:rPr>
+              <a:t>Final user manual</a:t>
+            </a:r>
+            <a:endParaRPr sz="1200">
+              <a:solidFill>
+                <a:srgbClr val="FFFFFF"/>
+              </a:solidFill>
+            </a:endParaRPr>
+          </a:p>
+          <a:p>
+            <a:pPr indent="-304800" lvl="0" marL="457200" rtl="0" algn="l">
+              <a:spcBef>
+                <a:spcPts val="0"/>
+              </a:spcBef>
+              <a:spcAft>
+                <a:spcPts val="0"/>
+              </a:spcAft>
+              <a:buClr>
+                <a:srgbClr val="FFFFFF"/>
+              </a:buClr>
+              <a:buSzPts val="1200"/>
+              <a:buChar char="●"/>
+            </a:pPr>
+            <a:r>
+              <a:rPr lang="en" sz="1200">
+                <a:solidFill>
+                  <a:srgbClr val="FFFFFF"/>
+                </a:solidFill>
+              </a:rPr>
+              <a:t>Finished reports</a:t>
+            </a:r>
+            <a:endParaRPr sz="1200">
+              <a:solidFill>
+                <a:srgbClr val="FFFFFF"/>
+              </a:solidFill>
+            </a:endParaRPr>
+          </a:p>
+          <a:p>
+            <a:pPr indent="-304800" lvl="0" marL="457200" rtl="0" algn="l">
+              <a:spcBef>
+                <a:spcPts val="0"/>
+              </a:spcBef>
+              <a:spcAft>
+                <a:spcPts val="0"/>
+              </a:spcAft>
+              <a:buClr>
+                <a:srgbClr val="FFFFFF"/>
+              </a:buClr>
+              <a:buSzPts val="1200"/>
+              <a:buChar char="●"/>
+            </a:pPr>
+            <a:r>
+              <a:rPr lang="en" sz="1200">
+                <a:solidFill>
+                  <a:srgbClr val="FFFFFF"/>
+                </a:solidFill>
+              </a:rPr>
+              <a:t>Testing</a:t>
+            </a:r>
+            <a:endParaRPr sz="1200">
+              <a:solidFill>
+                <a:srgbClr val="FFFFFF"/>
+              </a:solidFill>
+            </a:endParaRPr>
+          </a:p>
+          <a:p>
+            <a:pPr indent="-304800" lvl="0" marL="457200" rtl="0" algn="l">
+              <a:spcBef>
+                <a:spcPts val="0"/>
+              </a:spcBef>
+              <a:spcAft>
+                <a:spcPts val="0"/>
+              </a:spcAft>
+              <a:buClr>
+                <a:srgbClr val="FFFFFF"/>
+              </a:buClr>
+              <a:buSzPts val="1200"/>
+              <a:buChar char="●"/>
+            </a:pPr>
+            <a:r>
+              <a:rPr lang="en" sz="1200">
+                <a:solidFill>
+                  <a:srgbClr val="FFFFFF"/>
+                </a:solidFill>
+              </a:rPr>
+              <a:t>User manual complete draft</a:t>
+            </a:r>
+            <a:endParaRPr sz="1200">
+              <a:solidFill>
+                <a:srgbClr val="FFFFFF"/>
+              </a:solidFill>
+            </a:endParaRPr>
+          </a:p>
+          <a:p>
+            <a:pPr indent="-304800" lvl="0" marL="457200" rtl="0" algn="l">
+              <a:spcBef>
+                <a:spcPts val="0"/>
+              </a:spcBef>
+              <a:spcAft>
+                <a:spcPts val="0"/>
+              </a:spcAft>
+              <a:buClr>
+                <a:srgbClr val="FFFFFF"/>
+              </a:buClr>
+              <a:buSzPts val="1200"/>
+              <a:buChar char="●"/>
+            </a:pPr>
+            <a:r>
+              <a:rPr lang="en" sz="1200">
+                <a:solidFill>
+                  <a:srgbClr val="FFFFFF"/>
+                </a:solidFill>
+              </a:rPr>
+              <a:t>Evaluation on:</a:t>
+            </a:r>
+            <a:endParaRPr sz="1200">
+              <a:solidFill>
+                <a:srgbClr val="FFFFFF"/>
+              </a:solidFill>
+            </a:endParaRPr>
+          </a:p>
+          <a:p>
+            <a:pPr indent="-304800" lvl="1" marL="914400" rtl="0" algn="l">
+              <a:spcBef>
+                <a:spcPts val="0"/>
+              </a:spcBef>
+              <a:spcAft>
+                <a:spcPts val="0"/>
+              </a:spcAft>
+              <a:buClr>
+                <a:srgbClr val="FFFFFF"/>
+              </a:buClr>
+              <a:buSzPts val="1200"/>
+              <a:buChar char="○"/>
+            </a:pPr>
+            <a:r>
+              <a:rPr lang="en" sz="1200">
+                <a:solidFill>
+                  <a:srgbClr val="FFFFFF"/>
+                </a:solidFill>
+              </a:rPr>
+              <a:t>Crop yield</a:t>
+            </a:r>
+            <a:endParaRPr sz="1200">
+              <a:solidFill>
+                <a:srgbClr val="FFFFFF"/>
+              </a:solidFill>
+            </a:endParaRPr>
+          </a:p>
+          <a:p>
+            <a:pPr indent="-304800" lvl="1" marL="914400" rtl="0" algn="l">
+              <a:spcBef>
+                <a:spcPts val="0"/>
+              </a:spcBef>
+              <a:spcAft>
+                <a:spcPts val="0"/>
+              </a:spcAft>
+              <a:buClr>
+                <a:srgbClr val="FFFFFF"/>
+              </a:buClr>
+              <a:buSzPts val="1200"/>
+              <a:buChar char="○"/>
+            </a:pPr>
+            <a:r>
+              <a:rPr lang="en" sz="1200">
+                <a:solidFill>
+                  <a:srgbClr val="FFFFFF"/>
+                </a:solidFill>
+              </a:rPr>
+              <a:t>Multicycle experiments and tests</a:t>
+            </a:r>
+            <a:endParaRPr sz="1200">
+              <a:solidFill>
+                <a:srgbClr val="FFFFFF"/>
+              </a:solidFill>
+            </a:endParaRPr>
+          </a:p>
+          <a:p>
+            <a:pPr indent="-304800" lvl="1" marL="914400" rtl="0" algn="l">
+              <a:spcBef>
+                <a:spcPts val="0"/>
+              </a:spcBef>
+              <a:spcAft>
+                <a:spcPts val="0"/>
+              </a:spcAft>
+              <a:buClr>
+                <a:srgbClr val="FFFFFF"/>
+              </a:buClr>
+              <a:buSzPts val="1200"/>
+              <a:buChar char="○"/>
+            </a:pPr>
+            <a:r>
+              <a:rPr lang="en" sz="1200">
+                <a:solidFill>
+                  <a:srgbClr val="FFFFFF"/>
+                </a:solidFill>
+              </a:rPr>
+              <a:t>Failure and success criteria</a:t>
+            </a:r>
+            <a:endParaRPr sz="1200">
+              <a:solidFill>
+                <a:srgbClr val="FFFFFF"/>
+              </a:solidFill>
+            </a:endParaRPr>
+          </a:p>
+          <a:p>
+            <a:pPr indent="0" lvl="0" marL="0" rtl="0" algn="l">
+              <a:spcBef>
+                <a:spcPts val="0"/>
+              </a:spcBef>
+              <a:spcAft>
+                <a:spcPts val="1600"/>
+              </a:spcAft>
+              <a:buNone/>
+            </a:pPr>
+            <a:r>
+              <a:t/>
+            </a:r>
+            <a:endParaRPr sz="1600">
+              <a:solidFill>
+                <a:srgbClr val="000000"/>
+              </a:solidFill>
+              <a:latin typeface="Times New Roman"/>
+              <a:ea typeface="Times New Roman"/>
+              <a:cs typeface="Times New Roman"/>
+              <a:sym typeface="Times New Roman"/>
+            </a:endParaRPr>
+          </a:p>
+        </p:txBody>
+      </p:sp>
+    </p:spTree>
+  </p:cSld>
+  <p:clrMapOvr>
+    <a:masterClrMapping/>
+  </p:clrMapOvr>
+</p:sld>
+</file>
+
+<file path=ppt/slides/slide16.xml><?xml version="1.0" encoding="utf-8"?>
+<p:sld xmlns:a="http://schemas.openxmlformats.org/drawingml/2006/main" xmlns:r="http://schemas.openxmlformats.org/officeDocument/2006/relationships" xmlns:mc="http://schemas.openxmlformats.org/markup-compatibility/2006" xmlns:mv="urn:schemas-microsoft-com:mac:vml" xmlns:p="http://schemas.openxmlformats.org/presentationml/2006/main" xmlns:c="http://schemas.openxmlformats.org/drawingml/2006/chart" xmlns:dgm="http://schemas.openxmlformats.org/drawingml/2006/diagram" xmlns:o="urn:schemas-microsoft-com:office:office" xmlns:v="urn:schemas-microsoft-com:vml" xmlns:pvml="urn:schemas-microsoft-com:office:powerpoint" xmlns:com="http://schemas.openxmlformats.org/drawingml/2006/compatibility" xmlns:p14="http://schemas.microsoft.com/office/powerpoint/2010/main" xmlns:p15="http://schemas.microsoft.com/office/powerpoint/2012/main">
+  <p:cSld>
+    <p:spTree>
+      <p:nvGrpSpPr>
+        <p:cNvPr id="254" name="Shape 254"/>
+        <p:cNvGrpSpPr/>
+        <p:nvPr/>
+      </p:nvGrpSpPr>
+      <p:grpSpPr>
+        <a:xfrm>
+          <a:off x="0" y="0"/>
+          <a:ext cx="0" cy="0"/>
+          <a:chOff x="0" y="0"/>
+          <a:chExt cx="0" cy="0"/>
+        </a:xfrm>
+      </p:grpSpPr>
+      <p:sp>
+        <p:nvSpPr>
+          <p:cNvPr id="255" name="Google Shape;255;p28"/>
+          <p:cNvSpPr txBox="1"/>
+          <p:nvPr>
+            <p:ph type="title"/>
+          </p:nvPr>
+        </p:nvSpPr>
+        <p:spPr>
+          <a:xfrm>
+            <a:off x="1297500" y="393750"/>
+            <a:ext cx="7038900" cy="914100"/>
+          </a:xfrm>
+          <a:prstGeom prst="rect">
+            <a:avLst/>
+          </a:prstGeom>
+        </p:spPr>
+        <p:txBody>
+          <a:bodyPr anchorCtr="0" anchor="t" bIns="91425" lIns="91425" spcFirstLastPara="1" rIns="91425" wrap="square" tIns="91425">
+            <a:noAutofit/>
+          </a:bodyPr>
+          <a:lstStyle/>
+          <a:p>
+            <a:pPr indent="0" lvl="0" marL="0" rtl="0" algn="l">
+              <a:spcBef>
+                <a:spcPts val="0"/>
+              </a:spcBef>
+              <a:spcAft>
+                <a:spcPts val="0"/>
+              </a:spcAft>
+              <a:buNone/>
+            </a:pPr>
+            <a:r>
+              <a:t/>
+            </a:r>
+            <a:endParaRPr/>
+          </a:p>
+        </p:txBody>
+      </p:sp>
+      <p:sp>
+        <p:nvSpPr>
+          <p:cNvPr id="256" name="Google Shape;256;p28"/>
           <p:cNvSpPr txBox="1"/>
           <p:nvPr>
             <p:ph idx="1" type="body"/>
@@ -10353,371 +12999,50 @@
           </a:bodyPr>
           <a:lstStyle/>
           <a:p>
-            <a:pPr indent="-304800" lvl="0" marL="457200" rtl="0" algn="l">
-              <a:spcBef>
-                <a:spcPts val="0"/>
-              </a:spcBef>
-              <a:spcAft>
-                <a:spcPts val="0"/>
-              </a:spcAft>
-              <a:buClr>
-                <a:srgbClr val="FFFFFF"/>
-              </a:buClr>
-              <a:buSzPts val="1200"/>
-              <a:buChar char="●"/>
+            <a:pPr indent="0" lvl="0" marL="0" rtl="0" algn="l">
+              <a:spcBef>
+                <a:spcPts val="0"/>
+              </a:spcBef>
+              <a:spcAft>
+                <a:spcPts val="1600"/>
+              </a:spcAft>
+              <a:buNone/>
             </a:pPr>
             <a:r>
-              <a:rPr lang="en" sz="1200">
-                <a:solidFill>
-                  <a:srgbClr val="FFFFFF"/>
-                </a:solidFill>
-              </a:rPr>
-              <a:t>Design for application used to manage device</a:t>
+              <a:t/>
             </a:r>
-            <a:endParaRPr sz="1200">
-              <a:solidFill>
-                <a:srgbClr val="FFFFFF"/>
-              </a:solidFill>
-            </a:endParaRPr>
-          </a:p>
-          <a:p>
-            <a:pPr indent="-304800" lvl="1" marL="914400" rtl="0" algn="l">
-              <a:spcBef>
-                <a:spcPts val="0"/>
-              </a:spcBef>
-              <a:spcAft>
-                <a:spcPts val="0"/>
-              </a:spcAft>
-              <a:buClr>
-                <a:srgbClr val="FFFFFF"/>
-              </a:buClr>
-              <a:buSzPts val="1200"/>
-              <a:buChar char="○"/>
-            </a:pPr>
-            <a:r>
-              <a:rPr lang="en" sz="1200">
-                <a:solidFill>
-                  <a:srgbClr val="FFFFFF"/>
-                </a:solidFill>
-              </a:rPr>
-              <a:t>Configuration</a:t>
-            </a:r>
-            <a:endParaRPr sz="1200">
-              <a:solidFill>
-                <a:srgbClr val="FFFFFF"/>
-              </a:solidFill>
-            </a:endParaRPr>
-          </a:p>
-          <a:p>
-            <a:pPr indent="-304800" lvl="2" marL="1371600" rtl="0" algn="l">
-              <a:spcBef>
-                <a:spcPts val="0"/>
-              </a:spcBef>
-              <a:spcAft>
-                <a:spcPts val="0"/>
-              </a:spcAft>
-              <a:buClr>
-                <a:srgbClr val="FFFFFF"/>
-              </a:buClr>
-              <a:buSzPts val="1200"/>
-              <a:buChar char="■"/>
-            </a:pPr>
-            <a:r>
-              <a:rPr lang="en" sz="1200">
-                <a:solidFill>
-                  <a:srgbClr val="FFFFFF"/>
-                </a:solidFill>
-              </a:rPr>
-              <a:t>Design for configuration library service where users can select new configurations for device, i.e. apples, lettuce, etc.</a:t>
-            </a:r>
-            <a:endParaRPr sz="1200">
-              <a:solidFill>
-                <a:srgbClr val="FFFFFF"/>
-              </a:solidFill>
-            </a:endParaRPr>
-          </a:p>
-          <a:p>
-            <a:pPr indent="-304800" lvl="1" marL="914400" rtl="0" algn="l">
-              <a:spcBef>
-                <a:spcPts val="0"/>
-              </a:spcBef>
-              <a:spcAft>
-                <a:spcPts val="0"/>
-              </a:spcAft>
-              <a:buClr>
-                <a:srgbClr val="FFFFFF"/>
-              </a:buClr>
-              <a:buSzPts val="1200"/>
-              <a:buChar char="○"/>
-            </a:pPr>
-            <a:r>
-              <a:rPr lang="en" sz="1200">
-                <a:solidFill>
-                  <a:srgbClr val="FFFFFF"/>
-                </a:solidFill>
-              </a:rPr>
-              <a:t>Reports</a:t>
-            </a:r>
-            <a:endParaRPr sz="1200">
-              <a:solidFill>
-                <a:srgbClr val="FFFFFF"/>
-              </a:solidFill>
-            </a:endParaRPr>
-          </a:p>
-          <a:p>
-            <a:pPr indent="-304800" lvl="2" marL="1371600" rtl="0" algn="l">
-              <a:spcBef>
-                <a:spcPts val="0"/>
-              </a:spcBef>
-              <a:spcAft>
-                <a:spcPts val="0"/>
-              </a:spcAft>
-              <a:buClr>
-                <a:srgbClr val="FFFFFF"/>
-              </a:buClr>
-              <a:buSzPts val="1200"/>
-              <a:buChar char="■"/>
-            </a:pPr>
-            <a:r>
-              <a:rPr lang="en" sz="1200">
-                <a:solidFill>
-                  <a:srgbClr val="FFFFFF"/>
-                </a:solidFill>
-              </a:rPr>
-              <a:t>System performance and status globally down to each individual subsystem of a single device</a:t>
-            </a:r>
-            <a:endParaRPr sz="1200">
-              <a:solidFill>
-                <a:srgbClr val="FFFFFF"/>
-              </a:solidFill>
-            </a:endParaRPr>
-          </a:p>
-          <a:p>
-            <a:pPr indent="-304800" lvl="2" marL="1371600" rtl="0" algn="l">
-              <a:spcBef>
-                <a:spcPts val="0"/>
-              </a:spcBef>
-              <a:spcAft>
-                <a:spcPts val="0"/>
-              </a:spcAft>
-              <a:buClr>
-                <a:srgbClr val="FFFFFF"/>
-              </a:buClr>
-              <a:buSzPts val="1200"/>
-              <a:buChar char="■"/>
-            </a:pPr>
-            <a:r>
-              <a:rPr lang="en" sz="1200">
-                <a:solidFill>
-                  <a:srgbClr val="FFFFFF"/>
-                </a:solidFill>
-              </a:rPr>
-              <a:t>Appropriate metrics and report hierarchy based on user selected feature</a:t>
-            </a:r>
-            <a:endParaRPr sz="1200">
-              <a:solidFill>
-                <a:srgbClr val="FFFFFF"/>
-              </a:solidFill>
-            </a:endParaRPr>
-          </a:p>
-          <a:p>
-            <a:pPr indent="-304800" lvl="1" marL="914400" rtl="0" algn="l">
-              <a:spcBef>
-                <a:spcPts val="0"/>
-              </a:spcBef>
-              <a:spcAft>
-                <a:spcPts val="0"/>
-              </a:spcAft>
-              <a:buClr>
-                <a:srgbClr val="FFFFFF"/>
-              </a:buClr>
-              <a:buSzPts val="1200"/>
-              <a:buChar char="○"/>
-            </a:pPr>
-            <a:r>
-              <a:rPr lang="en" sz="1200">
-                <a:solidFill>
-                  <a:srgbClr val="FFFFFF"/>
-                </a:solidFill>
-              </a:rPr>
-              <a:t>Manual control</a:t>
-            </a:r>
-            <a:endParaRPr sz="1200">
-              <a:solidFill>
-                <a:srgbClr val="FFFFFF"/>
-              </a:solidFill>
-            </a:endParaRPr>
-          </a:p>
-          <a:p>
-            <a:pPr indent="-304800" lvl="2" marL="1371600" rtl="0" algn="l">
-              <a:spcBef>
-                <a:spcPts val="0"/>
-              </a:spcBef>
-              <a:spcAft>
-                <a:spcPts val="0"/>
-              </a:spcAft>
-              <a:buClr>
-                <a:srgbClr val="FFFFFF"/>
-              </a:buClr>
-              <a:buSzPts val="1200"/>
-              <a:buChar char="■"/>
-            </a:pPr>
-            <a:r>
-              <a:rPr lang="en" sz="1200">
-                <a:solidFill>
-                  <a:srgbClr val="FFFFFF"/>
-                </a:solidFill>
-              </a:rPr>
-              <a:t>Stop, start, restart, pause, and reset</a:t>
-            </a:r>
-            <a:endParaRPr sz="1200">
-              <a:solidFill>
-                <a:srgbClr val="FFFFFF"/>
-              </a:solidFill>
-            </a:endParaRPr>
-          </a:p>
-          <a:p>
-            <a:pPr indent="-304800" lvl="1" marL="914400" rtl="0" algn="l">
-              <a:spcBef>
-                <a:spcPts val="0"/>
-              </a:spcBef>
-              <a:spcAft>
-                <a:spcPts val="0"/>
-              </a:spcAft>
-              <a:buClr>
-                <a:srgbClr val="FFFFFF"/>
-              </a:buClr>
-              <a:buSzPts val="1200"/>
-              <a:buChar char="○"/>
-            </a:pPr>
-            <a:r>
-              <a:rPr lang="en" sz="1200">
-                <a:solidFill>
-                  <a:srgbClr val="FFFFFF"/>
-                </a:solidFill>
-              </a:rPr>
-              <a:t>UX/UI survey for CS Forum</a:t>
-            </a:r>
-            <a:endParaRPr sz="1200">
-              <a:solidFill>
-                <a:srgbClr val="FFFFFF"/>
-              </a:solidFill>
-            </a:endParaRPr>
-          </a:p>
-          <a:p>
-            <a:pPr indent="-304800" lvl="2" marL="1371600" rtl="0" algn="l">
-              <a:spcBef>
-                <a:spcPts val="0"/>
-              </a:spcBef>
-              <a:spcAft>
-                <a:spcPts val="0"/>
-              </a:spcAft>
-              <a:buClr>
-                <a:srgbClr val="FFFFFF"/>
-              </a:buClr>
-              <a:buSzPts val="1200"/>
-              <a:buChar char="■"/>
-            </a:pPr>
-            <a:r>
-              <a:rPr lang="en" sz="1200">
-                <a:solidFill>
-                  <a:srgbClr val="FFFFFF"/>
-                </a:solidFill>
-              </a:rPr>
-              <a:t>Appropriate hierarchy based on what user selected</a:t>
-            </a:r>
-            <a:endParaRPr sz="1200">
-              <a:solidFill>
-                <a:srgbClr val="FFFFFF"/>
-              </a:solidFill>
-            </a:endParaRPr>
-          </a:p>
-          <a:p>
-            <a:pPr indent="-304800" lvl="0" marL="457200" rtl="0" algn="l">
-              <a:spcBef>
-                <a:spcPts val="0"/>
-              </a:spcBef>
-              <a:spcAft>
-                <a:spcPts val="0"/>
-              </a:spcAft>
-              <a:buClr>
-                <a:srgbClr val="FFFFFF"/>
-              </a:buClr>
-              <a:buSzPts val="1200"/>
-              <a:buChar char="●"/>
-            </a:pPr>
-            <a:r>
-              <a:rPr lang="en" sz="1200">
-                <a:solidFill>
-                  <a:srgbClr val="FFFFFF"/>
-                </a:solidFill>
-              </a:rPr>
-              <a:t>One production actuator working on control board</a:t>
-            </a:r>
-            <a:endParaRPr sz="1200">
-              <a:solidFill>
-                <a:srgbClr val="FFFFFF"/>
-              </a:solidFill>
-            </a:endParaRPr>
-          </a:p>
-          <a:p>
-            <a:pPr indent="-304800" lvl="1" marL="914400" rtl="0" algn="l">
-              <a:spcBef>
-                <a:spcPts val="0"/>
-              </a:spcBef>
-              <a:spcAft>
-                <a:spcPts val="0"/>
-              </a:spcAft>
-              <a:buClr>
-                <a:srgbClr val="FFFFFF"/>
-              </a:buClr>
-              <a:buSzPts val="1200"/>
-              <a:buChar char="○"/>
-            </a:pPr>
-            <a:r>
-              <a:rPr lang="en" sz="1200">
-                <a:solidFill>
-                  <a:srgbClr val="FFFFFF"/>
-                </a:solidFill>
-              </a:rPr>
-              <a:t>Not working in system</a:t>
-            </a:r>
-            <a:endParaRPr sz="1200">
-              <a:solidFill>
-                <a:srgbClr val="FFFFFF"/>
-              </a:solidFill>
-            </a:endParaRPr>
-          </a:p>
-          <a:p>
-            <a:pPr indent="-304800" lvl="0" marL="457200" rtl="0" algn="l">
-              <a:spcBef>
-                <a:spcPts val="0"/>
-              </a:spcBef>
-              <a:spcAft>
-                <a:spcPts val="0"/>
-              </a:spcAft>
-              <a:buClr>
-                <a:srgbClr val="FFFFFF"/>
-              </a:buClr>
-              <a:buSzPts val="1200"/>
-              <a:buChar char="●"/>
-            </a:pPr>
-            <a:r>
-              <a:rPr lang="en" sz="1200">
-                <a:solidFill>
-                  <a:srgbClr val="FFFFFF"/>
-                </a:solidFill>
-              </a:rPr>
-              <a:t>Testing progress</a:t>
-            </a:r>
-            <a:endParaRPr sz="1200">
-              <a:solidFill>
-                <a:srgbClr val="FFFFFF"/>
-              </a:solidFill>
-            </a:endParaRPr>
+            <a:endParaRPr/>
           </a:p>
         </p:txBody>
       </p:sp>
+      <p:pic>
+        <p:nvPicPr>
+          <p:cNvPr id="257" name="Google Shape;257;p28"/>
+          <p:cNvPicPr preferRelativeResize="0"/>
+          <p:nvPr/>
+        </p:nvPicPr>
+        <p:blipFill>
+          <a:blip r:embed="rId3">
+            <a:alphaModFix/>
+          </a:blip>
+          <a:stretch>
+            <a:fillRect/>
+          </a:stretch>
+        </p:blipFill>
+        <p:spPr>
+          <a:xfrm>
+            <a:off x="309563" y="0"/>
+            <a:ext cx="8524875" cy="5143500"/>
+          </a:xfrm>
+          <a:prstGeom prst="rect">
+            <a:avLst/>
+          </a:prstGeom>
+          <a:noFill/>
+          <a:ln>
+            <a:noFill/>
+          </a:ln>
+        </p:spPr>
+      </p:pic>
     </p:spTree>
   </p:cSld>
   <p:clrMapOvr>
@@ -10726,12 +13051,12 @@
 </p:sld>
 </file>
 
-<file path=ppt/slides/slide11.xml><?xml version="1.0" encoding="utf-8"?>
+<file path=ppt/slides/slide17.xml><?xml version="1.0" encoding="utf-8"?>
 <p:sld xmlns:a="http://schemas.openxmlformats.org/drawingml/2006/main" xmlns:r="http://schemas.openxmlformats.org/officeDocument/2006/relationships" xmlns:mc="http://schemas.openxmlformats.org/markup-compatibility/2006" xmlns:mv="urn:schemas-microsoft-com:mac:vml" xmlns:p="http://schemas.openxmlformats.org/presentationml/2006/main" xmlns:c="http://schemas.openxmlformats.org/drawingml/2006/chart" xmlns:dgm="http://schemas.openxmlformats.org/drawingml/2006/diagram" xmlns:o="urn:schemas-microsoft-com:office:office" xmlns:v="urn:schemas-microsoft-com:vml" xmlns:pvml="urn:schemas-microsoft-com:office:powerpoint" xmlns:com="http://schemas.openxmlformats.org/drawingml/2006/compatibility" xmlns:p14="http://schemas.microsoft.com/office/powerpoint/2010/main" xmlns:p15="http://schemas.microsoft.com/office/powerpoint/2012/main">
   <p:cSld>
     <p:spTree>
       <p:nvGrpSpPr>
-        <p:cNvPr id="196" name="Shape 196"/>
+        <p:cNvPr id="261" name="Shape 261"/>
         <p:cNvGrpSpPr/>
         <p:nvPr/>
       </p:nvGrpSpPr>
@@ -10745,826 +13070,7 @@
       </p:grpSpPr>
       <p:sp>
         <p:nvSpPr>
-          <p:cNvPr id="197" name="Google Shape;197;p23"/>
-          <p:cNvSpPr txBox="1"/>
-          <p:nvPr>
-            <p:ph type="title"/>
-          </p:nvPr>
-        </p:nvSpPr>
-        <p:spPr>
-          <a:xfrm>
-            <a:off x="1297500" y="393750"/>
-            <a:ext cx="7038900" cy="914100"/>
-          </a:xfrm>
-          <a:prstGeom prst="rect">
-            <a:avLst/>
-          </a:prstGeom>
-        </p:spPr>
-        <p:txBody>
-          <a:bodyPr anchorCtr="0" anchor="t" bIns="91425" lIns="91425" spcFirstLastPara="1" rIns="91425" wrap="square" tIns="91425">
-            <a:noAutofit/>
-          </a:bodyPr>
-          <a:lstStyle/>
-          <a:p>
-            <a:pPr indent="0" lvl="0" marL="0" rtl="0" algn="l">
-              <a:spcBef>
-                <a:spcPts val="0"/>
-              </a:spcBef>
-              <a:spcAft>
-                <a:spcPts val="0"/>
-              </a:spcAft>
-              <a:buNone/>
-            </a:pPr>
-            <a:r>
-              <a:rPr lang="en"/>
-              <a:t>Fifth &amp; Sixth Milestone </a:t>
-            </a:r>
-            <a:endParaRPr/>
-          </a:p>
-        </p:txBody>
-      </p:sp>
-      <p:sp>
-        <p:nvSpPr>
-          <p:cNvPr id="198" name="Google Shape;198;p23"/>
-          <p:cNvSpPr txBox="1"/>
-          <p:nvPr>
-            <p:ph idx="1" type="body"/>
-          </p:nvPr>
-        </p:nvSpPr>
-        <p:spPr>
-          <a:xfrm>
-            <a:off x="1297500" y="1307850"/>
-            <a:ext cx="3521400" cy="2911200"/>
-          </a:xfrm>
-          <a:prstGeom prst="rect">
-            <a:avLst/>
-          </a:prstGeom>
-        </p:spPr>
-        <p:txBody>
-          <a:bodyPr anchorCtr="0" anchor="t" bIns="91425" lIns="91425" spcFirstLastPara="1" rIns="91425" wrap="square" tIns="91425">
-            <a:noAutofit/>
-          </a:bodyPr>
-          <a:lstStyle/>
-          <a:p>
-            <a:pPr indent="0" lvl="0" marL="0" rtl="0" algn="l">
-              <a:spcBef>
-                <a:spcPts val="1800"/>
-              </a:spcBef>
-              <a:spcAft>
-                <a:spcPts val="0"/>
-              </a:spcAft>
-              <a:buNone/>
-            </a:pPr>
-            <a:r>
-              <a:rPr b="1" lang="en" sz="1200">
-                <a:solidFill>
-                  <a:srgbClr val="FFFFFF"/>
-                </a:solidFill>
-              </a:rPr>
-              <a:t>Fifth Milestone - Due March 23rd</a:t>
-            </a:r>
-            <a:endParaRPr b="1" sz="1200">
-              <a:solidFill>
-                <a:srgbClr val="FFFFFF"/>
-              </a:solidFill>
-            </a:endParaRPr>
-          </a:p>
-          <a:p>
-            <a:pPr indent="-304800" lvl="0" marL="457200" rtl="0" algn="l">
-              <a:spcBef>
-                <a:spcPts val="600"/>
-              </a:spcBef>
-              <a:spcAft>
-                <a:spcPts val="0"/>
-              </a:spcAft>
-              <a:buClr>
-                <a:srgbClr val="FFFFFF"/>
-              </a:buClr>
-              <a:buSzPts val="1200"/>
-              <a:buChar char="●"/>
-            </a:pPr>
-            <a:r>
-              <a:rPr lang="en" sz="1200">
-                <a:solidFill>
-                  <a:srgbClr val="FFFFFF"/>
-                </a:solidFill>
-              </a:rPr>
-              <a:t>Functional setup of actual actuators and sensors working with system</a:t>
-            </a:r>
-            <a:endParaRPr sz="1200">
-              <a:solidFill>
-                <a:srgbClr val="FFFFFF"/>
-              </a:solidFill>
-            </a:endParaRPr>
-          </a:p>
-          <a:p>
-            <a:pPr indent="-304800" lvl="1" marL="914400" rtl="0" algn="l">
-              <a:spcBef>
-                <a:spcPts val="0"/>
-              </a:spcBef>
-              <a:spcAft>
-                <a:spcPts val="0"/>
-              </a:spcAft>
-              <a:buClr>
-                <a:srgbClr val="FFFFFF"/>
-              </a:buClr>
-              <a:buSzPts val="1200"/>
-              <a:buChar char="○"/>
-            </a:pPr>
-            <a:r>
-              <a:rPr lang="en" sz="1200">
-                <a:solidFill>
-                  <a:srgbClr val="FFFFFF"/>
-                </a:solidFill>
-              </a:rPr>
-              <a:t>Seeding head on track</a:t>
-            </a:r>
-            <a:endParaRPr sz="1200">
-              <a:solidFill>
-                <a:srgbClr val="FFFFFF"/>
-              </a:solidFill>
-            </a:endParaRPr>
-          </a:p>
-          <a:p>
-            <a:pPr indent="-304800" lvl="1" marL="914400" rtl="0" algn="l">
-              <a:spcBef>
-                <a:spcPts val="0"/>
-              </a:spcBef>
-              <a:spcAft>
-                <a:spcPts val="0"/>
-              </a:spcAft>
-              <a:buClr>
-                <a:srgbClr val="FFFFFF"/>
-              </a:buClr>
-              <a:buSzPts val="1200"/>
-              <a:buChar char="○"/>
-            </a:pPr>
-            <a:r>
-              <a:rPr lang="en" sz="1200">
-                <a:solidFill>
-                  <a:srgbClr val="FFFFFF"/>
-                </a:solidFill>
-              </a:rPr>
-              <a:t>Light and fan</a:t>
-            </a:r>
-            <a:endParaRPr sz="1200">
-              <a:solidFill>
-                <a:srgbClr val="FFFFFF"/>
-              </a:solidFill>
-            </a:endParaRPr>
-          </a:p>
-          <a:p>
-            <a:pPr indent="-304800" lvl="1" marL="914400" rtl="0" algn="l">
-              <a:spcBef>
-                <a:spcPts val="0"/>
-              </a:spcBef>
-              <a:spcAft>
-                <a:spcPts val="0"/>
-              </a:spcAft>
-              <a:buClr>
-                <a:srgbClr val="FFFFFF"/>
-              </a:buClr>
-              <a:buSzPts val="1200"/>
-              <a:buChar char="○"/>
-            </a:pPr>
-            <a:r>
-              <a:rPr lang="en" sz="1200">
-                <a:solidFill>
-                  <a:srgbClr val="FFFFFF"/>
-                </a:solidFill>
-              </a:rPr>
-              <a:t>Linear actuator</a:t>
-            </a:r>
-            <a:endParaRPr sz="1200">
-              <a:solidFill>
-                <a:srgbClr val="FFFFFF"/>
-              </a:solidFill>
-            </a:endParaRPr>
-          </a:p>
-          <a:p>
-            <a:pPr indent="-304800" lvl="1" marL="914400" rtl="0" algn="l">
-              <a:spcBef>
-                <a:spcPts val="0"/>
-              </a:spcBef>
-              <a:spcAft>
-                <a:spcPts val="0"/>
-              </a:spcAft>
-              <a:buClr>
-                <a:srgbClr val="FFFFFF"/>
-              </a:buClr>
-              <a:buSzPts val="1200"/>
-              <a:buChar char="○"/>
-            </a:pPr>
-            <a:r>
-              <a:rPr lang="en" sz="1200">
-                <a:solidFill>
-                  <a:srgbClr val="FFFFFF"/>
-                </a:solidFill>
-              </a:rPr>
-              <a:t>Nema motors</a:t>
-            </a:r>
-            <a:endParaRPr sz="1200">
-              <a:solidFill>
-                <a:srgbClr val="FFFFFF"/>
-              </a:solidFill>
-            </a:endParaRPr>
-          </a:p>
-          <a:p>
-            <a:pPr indent="-304800" lvl="1" marL="914400" rtl="0" algn="l">
-              <a:spcBef>
-                <a:spcPts val="0"/>
-              </a:spcBef>
-              <a:spcAft>
-                <a:spcPts val="0"/>
-              </a:spcAft>
-              <a:buClr>
-                <a:srgbClr val="FFFFFF"/>
-              </a:buClr>
-              <a:buSzPts val="1200"/>
-              <a:buChar char="○"/>
-            </a:pPr>
-            <a:r>
-              <a:rPr lang="en" sz="1200">
-                <a:solidFill>
-                  <a:srgbClr val="FFFFFF"/>
-                </a:solidFill>
-              </a:rPr>
-              <a:t>Moisture sensor</a:t>
-            </a:r>
-            <a:endParaRPr sz="1200">
-              <a:solidFill>
-                <a:srgbClr val="FFFFFF"/>
-              </a:solidFill>
-            </a:endParaRPr>
-          </a:p>
-          <a:p>
-            <a:pPr indent="-304800" lvl="0" marL="457200" rtl="0" algn="l">
-              <a:spcBef>
-                <a:spcPts val="0"/>
-              </a:spcBef>
-              <a:spcAft>
-                <a:spcPts val="0"/>
-              </a:spcAft>
-              <a:buClr>
-                <a:srgbClr val="FFFFFF"/>
-              </a:buClr>
-              <a:buSzPts val="1200"/>
-              <a:buChar char="●"/>
-            </a:pPr>
-            <a:r>
-              <a:rPr lang="en" sz="1200">
-                <a:solidFill>
-                  <a:srgbClr val="FFFFFF"/>
-                </a:solidFill>
-              </a:rPr>
-              <a:t>Working POC of application to configure and manage device</a:t>
-            </a:r>
-            <a:endParaRPr sz="1200">
-              <a:solidFill>
-                <a:srgbClr val="FFFFFF"/>
-              </a:solidFill>
-            </a:endParaRPr>
-          </a:p>
-          <a:p>
-            <a:pPr indent="-304800" lvl="0" marL="457200" rtl="0" algn="l">
-              <a:spcBef>
-                <a:spcPts val="0"/>
-              </a:spcBef>
-              <a:spcAft>
-                <a:spcPts val="0"/>
-              </a:spcAft>
-              <a:buClr>
-                <a:srgbClr val="FFFFFF"/>
-              </a:buClr>
-              <a:buSzPts val="1200"/>
-              <a:buChar char="●"/>
-            </a:pPr>
-            <a:r>
-              <a:rPr lang="en" sz="1200">
-                <a:solidFill>
-                  <a:srgbClr val="FFFFFF"/>
-                </a:solidFill>
-              </a:rPr>
-              <a:t>Working config download service - low priority should be easy</a:t>
-            </a:r>
-            <a:endParaRPr sz="1200">
-              <a:solidFill>
-                <a:srgbClr val="FFFFFF"/>
-              </a:solidFill>
-            </a:endParaRPr>
-          </a:p>
-          <a:p>
-            <a:pPr indent="-304800" lvl="0" marL="457200" rtl="0" algn="l">
-              <a:spcBef>
-                <a:spcPts val="0"/>
-              </a:spcBef>
-              <a:spcAft>
-                <a:spcPts val="0"/>
-              </a:spcAft>
-              <a:buClr>
-                <a:srgbClr val="FFFFFF"/>
-              </a:buClr>
-              <a:buSzPts val="1200"/>
-              <a:buChar char="●"/>
-            </a:pPr>
-            <a:r>
-              <a:rPr lang="en" sz="1200">
-                <a:solidFill>
-                  <a:srgbClr val="FFFFFF"/>
-                </a:solidFill>
-              </a:rPr>
-              <a:t>Metrics for reports</a:t>
-            </a:r>
-            <a:endParaRPr sz="1200">
-              <a:solidFill>
-                <a:srgbClr val="FFFFFF"/>
-              </a:solidFill>
-            </a:endParaRPr>
-          </a:p>
-          <a:p>
-            <a:pPr indent="-304800" lvl="0" marL="457200" rtl="0" algn="l">
-              <a:spcBef>
-                <a:spcPts val="0"/>
-              </a:spcBef>
-              <a:spcAft>
-                <a:spcPts val="0"/>
-              </a:spcAft>
-              <a:buClr>
-                <a:srgbClr val="FFFFFF"/>
-              </a:buClr>
-              <a:buSzPts val="1200"/>
-              <a:buChar char="●"/>
-            </a:pPr>
-            <a:r>
-              <a:rPr lang="en" sz="1200">
-                <a:solidFill>
-                  <a:srgbClr val="FFFFFF"/>
-                </a:solidFill>
-              </a:rPr>
-              <a:t>Testing rules in SonarQube</a:t>
-            </a:r>
-            <a:endParaRPr sz="1200">
-              <a:solidFill>
-                <a:srgbClr val="FFFFFF"/>
-              </a:solidFill>
-            </a:endParaRPr>
-          </a:p>
-          <a:p>
-            <a:pPr indent="-304800" lvl="0" marL="457200" rtl="0" algn="l">
-              <a:spcBef>
-                <a:spcPts val="0"/>
-              </a:spcBef>
-              <a:spcAft>
-                <a:spcPts val="0"/>
-              </a:spcAft>
-              <a:buClr>
-                <a:srgbClr val="FFFFFF"/>
-              </a:buClr>
-              <a:buSzPts val="1200"/>
-              <a:buChar char="●"/>
-            </a:pPr>
-            <a:r>
-              <a:rPr lang="en" sz="1200">
-                <a:solidFill>
-                  <a:srgbClr val="FFFFFF"/>
-                </a:solidFill>
-              </a:rPr>
-              <a:t>Testing scripts</a:t>
-            </a:r>
-            <a:endParaRPr sz="1200">
-              <a:solidFill>
-                <a:srgbClr val="FFFFFF"/>
-              </a:solidFill>
-            </a:endParaRPr>
-          </a:p>
-          <a:p>
-            <a:pPr indent="0" lvl="0" marL="0" rtl="0" algn="l">
-              <a:spcBef>
-                <a:spcPts val="0"/>
-              </a:spcBef>
-              <a:spcAft>
-                <a:spcPts val="1600"/>
-              </a:spcAft>
-              <a:buNone/>
-            </a:pPr>
-            <a:r>
-              <a:t/>
-            </a:r>
-            <a:endParaRPr sz="1200">
-              <a:solidFill>
-                <a:srgbClr val="FFFFFF"/>
-              </a:solidFill>
-            </a:endParaRPr>
-          </a:p>
-        </p:txBody>
-      </p:sp>
-      <p:sp>
-        <p:nvSpPr>
-          <p:cNvPr id="199" name="Google Shape;199;p23"/>
-          <p:cNvSpPr txBox="1"/>
-          <p:nvPr>
-            <p:ph idx="1" type="body"/>
-          </p:nvPr>
-        </p:nvSpPr>
-        <p:spPr>
-          <a:xfrm>
-            <a:off x="5083500" y="1307850"/>
-            <a:ext cx="3521400" cy="2911200"/>
-          </a:xfrm>
-          <a:prstGeom prst="rect">
-            <a:avLst/>
-          </a:prstGeom>
-        </p:spPr>
-        <p:txBody>
-          <a:bodyPr anchorCtr="0" anchor="t" bIns="91425" lIns="91425" spcFirstLastPara="1" rIns="91425" wrap="square" tIns="91425">
-            <a:noAutofit/>
-          </a:bodyPr>
-          <a:lstStyle/>
-          <a:p>
-            <a:pPr indent="0" lvl="0" marL="0" rtl="0" algn="l">
-              <a:spcBef>
-                <a:spcPts val="1800"/>
-              </a:spcBef>
-              <a:spcAft>
-                <a:spcPts val="0"/>
-              </a:spcAft>
-              <a:buNone/>
-            </a:pPr>
-            <a:r>
-              <a:rPr b="1" lang="en" sz="1200">
-                <a:solidFill>
-                  <a:srgbClr val="FFFFFF"/>
-                </a:solidFill>
-              </a:rPr>
-              <a:t>Sixth Milestone - Due April 20th</a:t>
-            </a:r>
-            <a:endParaRPr b="1" sz="1200">
-              <a:solidFill>
-                <a:srgbClr val="FFFFFF"/>
-              </a:solidFill>
-            </a:endParaRPr>
-          </a:p>
-          <a:p>
-            <a:pPr indent="-304800" lvl="0" marL="457200" rtl="0" algn="l">
-              <a:spcBef>
-                <a:spcPts val="600"/>
-              </a:spcBef>
-              <a:spcAft>
-                <a:spcPts val="0"/>
-              </a:spcAft>
-              <a:buClr>
-                <a:srgbClr val="FFFFFF"/>
-              </a:buClr>
-              <a:buSzPts val="1200"/>
-              <a:buChar char="●"/>
-            </a:pPr>
-            <a:r>
-              <a:rPr lang="en" sz="1200">
-                <a:solidFill>
-                  <a:srgbClr val="FFFFFF"/>
-                </a:solidFill>
-              </a:rPr>
-              <a:t>Finalized build of device with system</a:t>
-            </a:r>
-            <a:endParaRPr sz="1200">
-              <a:solidFill>
-                <a:srgbClr val="FFFFFF"/>
-              </a:solidFill>
-            </a:endParaRPr>
-          </a:p>
-          <a:p>
-            <a:pPr indent="-304800" lvl="0" marL="457200" rtl="0" algn="l">
-              <a:spcBef>
-                <a:spcPts val="0"/>
-              </a:spcBef>
-              <a:spcAft>
-                <a:spcPts val="0"/>
-              </a:spcAft>
-              <a:buClr>
-                <a:srgbClr val="FFFFFF"/>
-              </a:buClr>
-              <a:buSzPts val="1200"/>
-              <a:buChar char="●"/>
-            </a:pPr>
-            <a:r>
-              <a:rPr lang="en" sz="1200">
-                <a:solidFill>
-                  <a:srgbClr val="FFFFFF"/>
-                </a:solidFill>
-              </a:rPr>
-              <a:t>Finished application</a:t>
-            </a:r>
-            <a:endParaRPr sz="1200">
-              <a:solidFill>
-                <a:srgbClr val="FFFFFF"/>
-              </a:solidFill>
-            </a:endParaRPr>
-          </a:p>
-          <a:p>
-            <a:pPr indent="-304800" lvl="0" marL="457200" rtl="0" algn="l">
-              <a:spcBef>
-                <a:spcPts val="0"/>
-              </a:spcBef>
-              <a:spcAft>
-                <a:spcPts val="0"/>
-              </a:spcAft>
-              <a:buClr>
-                <a:srgbClr val="FFFFFF"/>
-              </a:buClr>
-              <a:buSzPts val="1200"/>
-              <a:buChar char="●"/>
-            </a:pPr>
-            <a:r>
-              <a:rPr lang="en" sz="1200">
-                <a:solidFill>
-                  <a:srgbClr val="FFFFFF"/>
-                </a:solidFill>
-              </a:rPr>
-              <a:t>Finished download service</a:t>
-            </a:r>
-            <a:endParaRPr sz="1200">
-              <a:solidFill>
-                <a:srgbClr val="FFFFFF"/>
-              </a:solidFill>
-            </a:endParaRPr>
-          </a:p>
-          <a:p>
-            <a:pPr indent="-304800" lvl="0" marL="457200" rtl="0" algn="l">
-              <a:spcBef>
-                <a:spcPts val="0"/>
-              </a:spcBef>
-              <a:spcAft>
-                <a:spcPts val="0"/>
-              </a:spcAft>
-              <a:buClr>
-                <a:srgbClr val="FFFFFF"/>
-              </a:buClr>
-              <a:buSzPts val="1200"/>
-              <a:buChar char="●"/>
-            </a:pPr>
-            <a:r>
-              <a:rPr lang="en" sz="1200">
-                <a:solidFill>
-                  <a:srgbClr val="FFFFFF"/>
-                </a:solidFill>
-              </a:rPr>
-              <a:t>Final user manual</a:t>
-            </a:r>
-            <a:endParaRPr sz="1200">
-              <a:solidFill>
-                <a:srgbClr val="FFFFFF"/>
-              </a:solidFill>
-            </a:endParaRPr>
-          </a:p>
-          <a:p>
-            <a:pPr indent="-304800" lvl="0" marL="457200" rtl="0" algn="l">
-              <a:spcBef>
-                <a:spcPts val="0"/>
-              </a:spcBef>
-              <a:spcAft>
-                <a:spcPts val="0"/>
-              </a:spcAft>
-              <a:buClr>
-                <a:srgbClr val="FFFFFF"/>
-              </a:buClr>
-              <a:buSzPts val="1200"/>
-              <a:buChar char="●"/>
-            </a:pPr>
-            <a:r>
-              <a:rPr lang="en" sz="1200">
-                <a:solidFill>
-                  <a:srgbClr val="FFFFFF"/>
-                </a:solidFill>
-              </a:rPr>
-              <a:t>Finished reports</a:t>
-            </a:r>
-            <a:endParaRPr sz="1200">
-              <a:solidFill>
-                <a:srgbClr val="FFFFFF"/>
-              </a:solidFill>
-            </a:endParaRPr>
-          </a:p>
-          <a:p>
-            <a:pPr indent="-304800" lvl="0" marL="457200" rtl="0" algn="l">
-              <a:spcBef>
-                <a:spcPts val="0"/>
-              </a:spcBef>
-              <a:spcAft>
-                <a:spcPts val="0"/>
-              </a:spcAft>
-              <a:buClr>
-                <a:srgbClr val="FFFFFF"/>
-              </a:buClr>
-              <a:buSzPts val="1200"/>
-              <a:buChar char="●"/>
-            </a:pPr>
-            <a:r>
-              <a:rPr lang="en" sz="1200">
-                <a:solidFill>
-                  <a:srgbClr val="FFFFFF"/>
-                </a:solidFill>
-              </a:rPr>
-              <a:t>Testing</a:t>
-            </a:r>
-            <a:endParaRPr sz="1200">
-              <a:solidFill>
-                <a:srgbClr val="FFFFFF"/>
-              </a:solidFill>
-            </a:endParaRPr>
-          </a:p>
-          <a:p>
-            <a:pPr indent="-304800" lvl="0" marL="457200" rtl="0" algn="l">
-              <a:spcBef>
-                <a:spcPts val="0"/>
-              </a:spcBef>
-              <a:spcAft>
-                <a:spcPts val="0"/>
-              </a:spcAft>
-              <a:buClr>
-                <a:srgbClr val="FFFFFF"/>
-              </a:buClr>
-              <a:buSzPts val="1200"/>
-              <a:buChar char="●"/>
-            </a:pPr>
-            <a:r>
-              <a:rPr lang="en" sz="1200">
-                <a:solidFill>
-                  <a:srgbClr val="FFFFFF"/>
-                </a:solidFill>
-              </a:rPr>
-              <a:t>User manual complete draft</a:t>
-            </a:r>
-            <a:endParaRPr sz="1200">
-              <a:solidFill>
-                <a:srgbClr val="FFFFFF"/>
-              </a:solidFill>
-            </a:endParaRPr>
-          </a:p>
-          <a:p>
-            <a:pPr indent="-304800" lvl="0" marL="457200" rtl="0" algn="l">
-              <a:spcBef>
-                <a:spcPts val="0"/>
-              </a:spcBef>
-              <a:spcAft>
-                <a:spcPts val="0"/>
-              </a:spcAft>
-              <a:buClr>
-                <a:srgbClr val="FFFFFF"/>
-              </a:buClr>
-              <a:buSzPts val="1200"/>
-              <a:buChar char="●"/>
-            </a:pPr>
-            <a:r>
-              <a:rPr lang="en" sz="1200">
-                <a:solidFill>
-                  <a:srgbClr val="FFFFFF"/>
-                </a:solidFill>
-              </a:rPr>
-              <a:t>Evaluation on:</a:t>
-            </a:r>
-            <a:endParaRPr sz="1200">
-              <a:solidFill>
-                <a:srgbClr val="FFFFFF"/>
-              </a:solidFill>
-            </a:endParaRPr>
-          </a:p>
-          <a:p>
-            <a:pPr indent="-304800" lvl="1" marL="914400" rtl="0" algn="l">
-              <a:spcBef>
-                <a:spcPts val="0"/>
-              </a:spcBef>
-              <a:spcAft>
-                <a:spcPts val="0"/>
-              </a:spcAft>
-              <a:buClr>
-                <a:srgbClr val="FFFFFF"/>
-              </a:buClr>
-              <a:buSzPts val="1200"/>
-              <a:buChar char="○"/>
-            </a:pPr>
-            <a:r>
-              <a:rPr lang="en" sz="1200">
-                <a:solidFill>
-                  <a:srgbClr val="FFFFFF"/>
-                </a:solidFill>
-              </a:rPr>
-              <a:t>Crop yield</a:t>
-            </a:r>
-            <a:endParaRPr sz="1200">
-              <a:solidFill>
-                <a:srgbClr val="FFFFFF"/>
-              </a:solidFill>
-            </a:endParaRPr>
-          </a:p>
-          <a:p>
-            <a:pPr indent="-304800" lvl="1" marL="914400" rtl="0" algn="l">
-              <a:spcBef>
-                <a:spcPts val="0"/>
-              </a:spcBef>
-              <a:spcAft>
-                <a:spcPts val="0"/>
-              </a:spcAft>
-              <a:buClr>
-                <a:srgbClr val="FFFFFF"/>
-              </a:buClr>
-              <a:buSzPts val="1200"/>
-              <a:buChar char="○"/>
-            </a:pPr>
-            <a:r>
-              <a:rPr lang="en" sz="1200">
-                <a:solidFill>
-                  <a:srgbClr val="FFFFFF"/>
-                </a:solidFill>
-              </a:rPr>
-              <a:t>Multicycle experiments and tests</a:t>
-            </a:r>
-            <a:endParaRPr sz="1200">
-              <a:solidFill>
-                <a:srgbClr val="FFFFFF"/>
-              </a:solidFill>
-            </a:endParaRPr>
-          </a:p>
-          <a:p>
-            <a:pPr indent="-304800" lvl="1" marL="914400" rtl="0" algn="l">
-              <a:spcBef>
-                <a:spcPts val="0"/>
-              </a:spcBef>
-              <a:spcAft>
-                <a:spcPts val="0"/>
-              </a:spcAft>
-              <a:buClr>
-                <a:srgbClr val="FFFFFF"/>
-              </a:buClr>
-              <a:buSzPts val="1200"/>
-              <a:buChar char="○"/>
-            </a:pPr>
-            <a:r>
-              <a:rPr lang="en" sz="1200">
-                <a:solidFill>
-                  <a:srgbClr val="FFFFFF"/>
-                </a:solidFill>
-              </a:rPr>
-              <a:t>Failure and success criteria</a:t>
-            </a:r>
-            <a:endParaRPr sz="1200">
-              <a:solidFill>
-                <a:srgbClr val="FFFFFF"/>
-              </a:solidFill>
-            </a:endParaRPr>
-          </a:p>
-          <a:p>
-            <a:pPr indent="0" lvl="0" marL="0" rtl="0" algn="l">
-              <a:spcBef>
-                <a:spcPts val="0"/>
-              </a:spcBef>
-              <a:spcAft>
-                <a:spcPts val="1600"/>
-              </a:spcAft>
-              <a:buNone/>
-            </a:pPr>
-            <a:r>
-              <a:t/>
-            </a:r>
-            <a:endParaRPr sz="1600">
-              <a:solidFill>
-                <a:srgbClr val="000000"/>
-              </a:solidFill>
-              <a:latin typeface="Times New Roman"/>
-              <a:ea typeface="Times New Roman"/>
-              <a:cs typeface="Times New Roman"/>
-              <a:sym typeface="Times New Roman"/>
-            </a:endParaRPr>
-          </a:p>
-        </p:txBody>
-      </p:sp>
-    </p:spTree>
-  </p:cSld>
-  <p:clrMapOvr>
-    <a:masterClrMapping/>
-  </p:clrMapOvr>
-</p:sld>
-</file>
-
-<file path=ppt/slides/slide12.xml><?xml version="1.0" encoding="utf-8"?>
-<p:sld xmlns:a="http://schemas.openxmlformats.org/drawingml/2006/main" xmlns:r="http://schemas.openxmlformats.org/officeDocument/2006/relationships" xmlns:mc="http://schemas.openxmlformats.org/markup-compatibility/2006" xmlns:mv="urn:schemas-microsoft-com:mac:vml" xmlns:p="http://schemas.openxmlformats.org/presentationml/2006/main" xmlns:c="http://schemas.openxmlformats.org/drawingml/2006/chart" xmlns:dgm="http://schemas.openxmlformats.org/drawingml/2006/diagram" xmlns:o="urn:schemas-microsoft-com:office:office" xmlns:v="urn:schemas-microsoft-com:vml" xmlns:pvml="urn:schemas-microsoft-com:office:powerpoint" xmlns:com="http://schemas.openxmlformats.org/drawingml/2006/compatibility" xmlns:p14="http://schemas.microsoft.com/office/powerpoint/2010/main" xmlns:p15="http://schemas.microsoft.com/office/powerpoint/2012/main">
-  <p:cSld>
-    <p:spTree>
-      <p:nvGrpSpPr>
-        <p:cNvPr id="203" name="Shape 203"/>
-        <p:cNvGrpSpPr/>
-        <p:nvPr/>
-      </p:nvGrpSpPr>
-      <p:grpSpPr>
-        <a:xfrm>
-          <a:off x="0" y="0"/>
-          <a:ext cx="0" cy="0"/>
-          <a:chOff x="0" y="0"/>
-          <a:chExt cx="0" cy="0"/>
-        </a:xfrm>
-      </p:grpSpPr>
-      <p:sp>
-        <p:nvSpPr>
-          <p:cNvPr id="204" name="Google Shape;204;p24"/>
+          <p:cNvPr id="262" name="Google Shape;262;p29"/>
           <p:cNvSpPr txBox="1"/>
           <p:nvPr>
             <p:ph type="title"/>
@@ -12128,23 +13634,6 @@
             </a:pPr>
             <a:r>
               <a:rPr lang="en" sz="1000"/>
-              <a:t>Chris Mateo</a:t>
-            </a:r>
-            <a:endParaRPr sz="1000"/>
-          </a:p>
-          <a:p>
-            <a:pPr indent="-292100" lvl="2" marL="1371600" rtl="0" algn="l">
-              <a:spcBef>
-                <a:spcPts val="0"/>
-              </a:spcBef>
-              <a:spcAft>
-                <a:spcPts val="0"/>
-              </a:spcAft>
-              <a:buSzPts val="1000"/>
-              <a:buChar char="■"/>
-            </a:pPr>
-            <a:r>
-              <a:rPr lang="en" sz="1000"/>
               <a:t>POC: Ken Gibbs</a:t>
             </a:r>
             <a:endParaRPr sz="1000"/>
@@ -12294,8 +13783,8 @@
         </p:nvSpPr>
         <p:spPr>
           <a:xfrm>
-            <a:off x="1297500" y="1567550"/>
-            <a:ext cx="7038900" cy="2911200"/>
+            <a:off x="1297500" y="1110350"/>
+            <a:ext cx="3325200" cy="2911200"/>
           </a:xfrm>
           <a:prstGeom prst="rect">
             <a:avLst/>
@@ -12318,24 +13807,37 @@
             </a:pPr>
             <a:r>
               <a:rPr lang="en"/>
-              <a:t>Current </a:t>
+              <a:t>Goals:</a:t>
             </a:r>
+            <a:endParaRPr/>
+          </a:p>
+          <a:p>
+            <a:pPr indent="-311150" lvl="0" marL="457200" rtl="0" algn="l">
+              <a:spcBef>
+                <a:spcPts val="1600"/>
+              </a:spcBef>
+              <a:spcAft>
+                <a:spcPts val="0"/>
+              </a:spcAft>
+              <a:buSzPts val="1300"/>
+              <a:buChar char="●"/>
+            </a:pPr>
             <a:r>
               <a:rPr lang="en"/>
-              <a:t>goals:</a:t>
+              <a:t>To provide a renewable food source for astronaut</a:t>
             </a:r>
             <a:endParaRPr/>
           </a:p>
           <a:p>
-            <a:pPr indent="-311150" lvl="0" marL="457200" rtl="0" algn="l">
-              <a:spcBef>
-                <a:spcPts val="1600"/>
-              </a:spcBef>
-              <a:spcAft>
-                <a:spcPts val="0"/>
-              </a:spcAft>
-              <a:buSzPts val="1300"/>
-              <a:buChar char="●"/>
+            <a:pPr indent="-298450" lvl="1" marL="914400" rtl="0" algn="l">
+              <a:spcBef>
+                <a:spcPts val="0"/>
+              </a:spcBef>
+              <a:spcAft>
+                <a:spcPts val="0"/>
+              </a:spcAft>
+              <a:buSzPts val="1100"/>
+              <a:buChar char="○"/>
             </a:pPr>
             <a:r>
               <a:rPr lang="en"/>
@@ -12348,7 +13850,7 @@
             <a:endParaRPr/>
           </a:p>
           <a:p>
-            <a:pPr indent="-298450" lvl="1" marL="914400" rtl="0" algn="l">
+            <a:pPr indent="-298450" lvl="2" marL="1371600" rtl="0" algn="l">
               <a:spcBef>
                 <a:spcPts val="0"/>
               </a:spcBef>
@@ -12356,7 +13858,7 @@
                 <a:spcPts val="0"/>
               </a:spcAft>
               <a:buSzPts val="1100"/>
-              <a:buChar char="○"/>
+              <a:buChar char="■"/>
             </a:pPr>
             <a:r>
               <a:rPr lang="en"/>
@@ -12365,6 +13867,23 @@
             <a:endParaRPr/>
           </a:p>
           <a:p>
+            <a:pPr indent="-298450" lvl="1" marL="914400" rtl="0" algn="l">
+              <a:spcBef>
+                <a:spcPts val="0"/>
+              </a:spcBef>
+              <a:spcAft>
+                <a:spcPts val="0"/>
+              </a:spcAft>
+              <a:buSzPts val="1100"/>
+              <a:buChar char="○"/>
+            </a:pPr>
+            <a:r>
+              <a:rPr lang="en"/>
+              <a:t>Improve crew morale</a:t>
+            </a:r>
+            <a:endParaRPr/>
+          </a:p>
+          <a:p>
             <a:pPr indent="-311150" lvl="0" marL="457200" rtl="0" algn="l">
               <a:spcBef>
                 <a:spcPts val="0"/>
@@ -12374,6 +13893,23 @@
               </a:spcAft>
               <a:buSzPts val="1300"/>
               <a:buChar char="●"/>
+            </a:pPr>
+            <a:r>
+              <a:rPr lang="en"/>
+              <a:t>Automate various parts of the device</a:t>
+            </a:r>
+            <a:endParaRPr/>
+          </a:p>
+          <a:p>
+            <a:pPr indent="-298450" lvl="1" marL="914400" rtl="0" algn="l">
+              <a:spcBef>
+                <a:spcPts val="0"/>
+              </a:spcBef>
+              <a:spcAft>
+                <a:spcPts val="0"/>
+              </a:spcAft>
+              <a:buSzPts val="1100"/>
+              <a:buChar char="○"/>
             </a:pPr>
             <a:r>
               <a:rPr lang="en"/>
@@ -12382,7 +13918,7 @@
             <a:endParaRPr/>
           </a:p>
           <a:p>
-            <a:pPr indent="-298450" lvl="1" marL="914400" rtl="0" algn="l">
+            <a:pPr indent="-298450" lvl="2" marL="1371600" rtl="0" algn="l">
               <a:spcBef>
                 <a:spcPts val="0"/>
               </a:spcBef>
@@ -12390,7 +13926,7 @@
                 <a:spcPts val="0"/>
               </a:spcAft>
               <a:buSzPts val="1100"/>
-              <a:buChar char="○"/>
+              <a:buChar char="■"/>
             </a:pPr>
             <a:r>
               <a:rPr lang="en"/>
@@ -12402,8 +13938,144 @@
             </a:r>
             <a:endParaRPr/>
           </a:p>
+          <a:p>
+            <a:pPr indent="-311150" lvl="0" marL="457200" rtl="0" algn="l">
+              <a:spcBef>
+                <a:spcPts val="0"/>
+              </a:spcBef>
+              <a:spcAft>
+                <a:spcPts val="0"/>
+              </a:spcAft>
+              <a:buSzPts val="1300"/>
+              <a:buChar char="●"/>
+            </a:pPr>
+            <a:r>
+              <a:rPr lang="en"/>
+              <a:t>An application </a:t>
+            </a:r>
+            <a:endParaRPr/>
+          </a:p>
+          <a:p>
+            <a:pPr indent="-298450" lvl="1" marL="914400" rtl="0" algn="l">
+              <a:spcBef>
+                <a:spcPts val="0"/>
+              </a:spcBef>
+              <a:spcAft>
+                <a:spcPts val="0"/>
+              </a:spcAft>
+              <a:buSzPts val="1100"/>
+              <a:buChar char="○"/>
+            </a:pPr>
+            <a:r>
+              <a:rPr lang="en"/>
+              <a:t>Providing configuration tools, reports, and manual control of the device</a:t>
+            </a:r>
+            <a:endParaRPr/>
+          </a:p>
         </p:txBody>
       </p:sp>
+      <p:pic>
+        <p:nvPicPr>
+          <p:cNvPr id="149" name="Google Shape;149;p15"/>
+          <p:cNvPicPr preferRelativeResize="0"/>
+          <p:nvPr/>
+        </p:nvPicPr>
+        <p:blipFill>
+          <a:blip r:embed="rId3">
+            <a:alphaModFix/>
+          </a:blip>
+          <a:stretch>
+            <a:fillRect/>
+          </a:stretch>
+        </p:blipFill>
+        <p:spPr>
+          <a:xfrm>
+            <a:off x="6032625" y="1496568"/>
+            <a:ext cx="1836825" cy="1836825"/>
+          </a:xfrm>
+          <a:prstGeom prst="rect">
+            <a:avLst/>
+          </a:prstGeom>
+          <a:noFill/>
+          <a:ln cap="flat" cmpd="sng" w="19050">
+            <a:solidFill>
+              <a:srgbClr val="D9D9D9"/>
+            </a:solidFill>
+            <a:prstDash val="solid"/>
+            <a:round/>
+            <a:headEnd len="sm" w="sm" type="none"/>
+            <a:tailEnd len="sm" w="sm" type="none"/>
+          </a:ln>
+        </p:spPr>
+      </p:pic>
+      <p:pic>
+        <p:nvPicPr>
+          <p:cNvPr id="150" name="Google Shape;150;p15"/>
+          <p:cNvPicPr preferRelativeResize="0"/>
+          <p:nvPr/>
+        </p:nvPicPr>
+        <p:blipFill>
+          <a:blip r:embed="rId4">
+            <a:alphaModFix/>
+          </a:blip>
+          <a:stretch>
+            <a:fillRect/>
+          </a:stretch>
+        </p:blipFill>
+        <p:spPr>
+          <a:xfrm>
+            <a:off x="5856275" y="3429240"/>
+            <a:ext cx="2189525" cy="1460835"/>
+          </a:xfrm>
+          <a:prstGeom prst="rect">
+            <a:avLst/>
+          </a:prstGeom>
+          <a:noFill/>
+          <a:ln cap="flat" cmpd="sng" w="19050">
+            <a:solidFill>
+              <a:schemeClr val="dk2"/>
+            </a:solidFill>
+            <a:prstDash val="solid"/>
+            <a:round/>
+            <a:headEnd len="sm" w="sm" type="none"/>
+            <a:tailEnd len="sm" w="sm" type="none"/>
+          </a:ln>
+        </p:spPr>
+      </p:pic>
+      <p:pic>
+        <p:nvPicPr>
+          <p:cNvPr id="151" name="Google Shape;151;p15"/>
+          <p:cNvPicPr preferRelativeResize="0"/>
+          <p:nvPr/>
+        </p:nvPicPr>
+        <p:blipFill>
+          <a:blip r:embed="rId5">
+            <a:alphaModFix/>
+          </a:blip>
+          <a:stretch>
+            <a:fillRect/>
+          </a:stretch>
+        </p:blipFill>
+        <p:spPr>
+          <a:xfrm>
+            <a:off x="5878525" y="300888"/>
+            <a:ext cx="2145025" cy="1099833"/>
+          </a:xfrm>
+          <a:prstGeom prst="rect">
+            <a:avLst/>
+          </a:prstGeom>
+          <a:noFill/>
+          <a:ln cap="flat" cmpd="sng" w="19050">
+            <a:solidFill>
+              <a:schemeClr val="dk2"/>
+            </a:solidFill>
+            <a:prstDash val="solid"/>
+            <a:round/>
+            <a:headEnd len="sm" w="sm" type="none"/>
+            <a:tailEnd len="sm" w="sm" type="none"/>
+          </a:ln>
+        </p:spPr>
+      </p:pic>
     </p:spTree>
   </p:cSld>
   <p:clrMapOvr>
@@ -12417,7 +14089,7 @@
   <p:cSld>
     <p:spTree>
       <p:nvGrpSpPr>
-        <p:cNvPr id="152" name="Shape 152"/>
+        <p:cNvPr id="155" name="Shape 155"/>
         <p:cNvGrpSpPr/>
         <p:nvPr/>
       </p:nvGrpSpPr>
@@ -12431,7 +14103,590 @@
       </p:grpSpPr>
       <p:sp>
         <p:nvSpPr>
-          <p:cNvPr id="153" name="Google Shape;153;p16"/>
+          <p:cNvPr id="156" name="Google Shape;156;p16"/>
+          <p:cNvSpPr txBox="1"/>
+          <p:nvPr>
+            <p:ph type="title"/>
+          </p:nvPr>
+        </p:nvSpPr>
+        <p:spPr>
+          <a:xfrm>
+            <a:off x="1297500" y="393750"/>
+            <a:ext cx="7038900" cy="914100"/>
+          </a:xfrm>
+          <a:prstGeom prst="rect">
+            <a:avLst/>
+          </a:prstGeom>
+        </p:spPr>
+        <p:txBody>
+          <a:bodyPr anchorCtr="0" anchor="t" bIns="91425" lIns="91425" spcFirstLastPara="1" rIns="91425" wrap="square" tIns="91425">
+            <a:noAutofit/>
+          </a:bodyPr>
+          <a:lstStyle/>
+          <a:p>
+            <a:pPr indent="0" lvl="0" marL="0" rtl="0" algn="l">
+              <a:spcBef>
+                <a:spcPts val="0"/>
+              </a:spcBef>
+              <a:spcAft>
+                <a:spcPts val="0"/>
+              </a:spcAft>
+              <a:buNone/>
+            </a:pPr>
+            <a:r>
+              <a:rPr lang="en"/>
+              <a:t>Novel Features</a:t>
+            </a:r>
+            <a:endParaRPr/>
+          </a:p>
+        </p:txBody>
+      </p:sp>
+      <p:sp>
+        <p:nvSpPr>
+          <p:cNvPr id="157" name="Google Shape;157;p16"/>
+          <p:cNvSpPr txBox="1"/>
+          <p:nvPr>
+            <p:ph idx="1" type="body"/>
+          </p:nvPr>
+        </p:nvSpPr>
+        <p:spPr>
+          <a:xfrm>
+            <a:off x="1297500" y="1307850"/>
+            <a:ext cx="4648200" cy="3171000"/>
+          </a:xfrm>
+          <a:prstGeom prst="rect">
+            <a:avLst/>
+          </a:prstGeom>
+        </p:spPr>
+        <p:txBody>
+          <a:bodyPr anchorCtr="0" anchor="t" bIns="91425" lIns="91425" spcFirstLastPara="1" rIns="91425" wrap="square" tIns="91425">
+            <a:noAutofit/>
+          </a:bodyPr>
+          <a:lstStyle/>
+          <a:p>
+            <a:pPr indent="-317500" lvl="0" marL="457200" rtl="0" algn="l">
+              <a:lnSpc>
+                <a:spcPct val="150000"/>
+              </a:lnSpc>
+              <a:spcBef>
+                <a:spcPts val="0"/>
+              </a:spcBef>
+              <a:spcAft>
+                <a:spcPts val="0"/>
+              </a:spcAft>
+              <a:buSzPts val="1400"/>
+              <a:buChar char="●"/>
+            </a:pPr>
+            <a:r>
+              <a:rPr lang="en" sz="1400"/>
+              <a:t>Low-power autonomous multiple-cycle growth and harvesting of food for astronauts</a:t>
+            </a:r>
+            <a:endParaRPr sz="1400"/>
+          </a:p>
+          <a:p>
+            <a:pPr indent="-317500" lvl="0" marL="457200" rtl="0" algn="l">
+              <a:lnSpc>
+                <a:spcPct val="150000"/>
+              </a:lnSpc>
+              <a:spcBef>
+                <a:spcPts val="0"/>
+              </a:spcBef>
+              <a:spcAft>
+                <a:spcPts val="0"/>
+              </a:spcAft>
+              <a:buSzPts val="1400"/>
+              <a:buChar char="●"/>
+            </a:pPr>
+            <a:r>
+              <a:rPr lang="en" sz="1400"/>
+              <a:t>Utilizing the latest in sensor, actuator, and software technology to protect and optimize throughput of said food</a:t>
+            </a:r>
+            <a:endParaRPr sz="1400"/>
+          </a:p>
+          <a:p>
+            <a:pPr indent="-317500" lvl="0" marL="457200" rtl="0" algn="l">
+              <a:lnSpc>
+                <a:spcPct val="150000"/>
+              </a:lnSpc>
+              <a:spcBef>
+                <a:spcPts val="0"/>
+              </a:spcBef>
+              <a:spcAft>
+                <a:spcPts val="0"/>
+              </a:spcAft>
+              <a:buSzPts val="1400"/>
+              <a:buChar char="●"/>
+            </a:pPr>
+            <a:r>
+              <a:rPr lang="en" sz="1400"/>
+              <a:t>Detecting diseased or under-grown plants using vision-based data</a:t>
+            </a:r>
+            <a:endParaRPr sz="1400"/>
+          </a:p>
+          <a:p>
+            <a:pPr indent="-317500" lvl="0" marL="457200" rtl="0" algn="l">
+              <a:lnSpc>
+                <a:spcPct val="150000"/>
+              </a:lnSpc>
+              <a:spcBef>
+                <a:spcPts val="0"/>
+              </a:spcBef>
+              <a:spcAft>
+                <a:spcPts val="0"/>
+              </a:spcAft>
+              <a:buSzPts val="1400"/>
+              <a:buChar char="●"/>
+            </a:pPr>
+            <a:r>
+              <a:rPr lang="en" sz="1400"/>
+              <a:t>Web application that can run on Mac, Linux, and Windows to control autonomous device(s)</a:t>
+            </a:r>
+            <a:endParaRPr sz="1400"/>
+          </a:p>
+          <a:p>
+            <a:pPr indent="-317500" lvl="0" marL="457200" rtl="0" algn="l">
+              <a:lnSpc>
+                <a:spcPct val="150000"/>
+              </a:lnSpc>
+              <a:spcBef>
+                <a:spcPts val="0"/>
+              </a:spcBef>
+              <a:spcAft>
+                <a:spcPts val="0"/>
+              </a:spcAft>
+              <a:buSzPts val="1400"/>
+              <a:buChar char="●"/>
+            </a:pPr>
+            <a:r>
+              <a:rPr lang="en" sz="1400"/>
+              <a:t>Library to store and access configurations for autonomous devices</a:t>
+            </a:r>
+            <a:endParaRPr sz="1400"/>
+          </a:p>
+        </p:txBody>
+      </p:sp>
+      <p:pic>
+        <p:nvPicPr>
+          <p:cNvPr id="158" name="Google Shape;158;p16"/>
+          <p:cNvPicPr preferRelativeResize="0"/>
+          <p:nvPr/>
+        </p:nvPicPr>
+        <p:blipFill>
+          <a:blip r:embed="rId3">
+            <a:alphaModFix/>
+          </a:blip>
+          <a:stretch>
+            <a:fillRect/>
+          </a:stretch>
+        </p:blipFill>
+        <p:spPr>
+          <a:xfrm>
+            <a:off x="6290400" y="1983300"/>
+            <a:ext cx="2426776" cy="1820075"/>
+          </a:xfrm>
+          <a:prstGeom prst="rect">
+            <a:avLst/>
+          </a:prstGeom>
+          <a:noFill/>
+          <a:ln cap="flat" cmpd="sng" w="19050">
+            <a:solidFill>
+              <a:schemeClr val="dk2"/>
+            </a:solidFill>
+            <a:prstDash val="solid"/>
+            <a:round/>
+            <a:headEnd len="sm" w="sm" type="none"/>
+            <a:tailEnd len="sm" w="sm" type="none"/>
+          </a:ln>
+        </p:spPr>
+      </p:pic>
+    </p:spTree>
+  </p:cSld>
+  <p:clrMapOvr>
+    <a:masterClrMapping/>
+  </p:clrMapOvr>
+</p:sld>
+</file>
+
+<file path=ppt/slides/slide5.xml><?xml version="1.0" encoding="utf-8"?>
+<p:sld xmlns:a="http://schemas.openxmlformats.org/drawingml/2006/main" xmlns:r="http://schemas.openxmlformats.org/officeDocument/2006/relationships" xmlns:mc="http://schemas.openxmlformats.org/markup-compatibility/2006" xmlns:mv="urn:schemas-microsoft-com:mac:vml" xmlns:p="http://schemas.openxmlformats.org/presentationml/2006/main" xmlns:c="http://schemas.openxmlformats.org/drawingml/2006/chart" xmlns:dgm="http://schemas.openxmlformats.org/drawingml/2006/diagram" xmlns:o="urn:schemas-microsoft-com:office:office" xmlns:v="urn:schemas-microsoft-com:vml" xmlns:pvml="urn:schemas-microsoft-com:office:powerpoint" xmlns:com="http://schemas.openxmlformats.org/drawingml/2006/compatibility" xmlns:p14="http://schemas.microsoft.com/office/powerpoint/2010/main" xmlns:p15="http://schemas.microsoft.com/office/powerpoint/2012/main">
+  <p:cSld>
+    <p:spTree>
+      <p:nvGrpSpPr>
+        <p:cNvPr id="162" name="Shape 162"/>
+        <p:cNvGrpSpPr/>
+        <p:nvPr/>
+      </p:nvGrpSpPr>
+      <p:grpSpPr>
+        <a:xfrm>
+          <a:off x="0" y="0"/>
+          <a:ext cx="0" cy="0"/>
+          <a:chOff x="0" y="0"/>
+          <a:chExt cx="0" cy="0"/>
+        </a:xfrm>
+      </p:grpSpPr>
+      <p:sp>
+        <p:nvSpPr>
+          <p:cNvPr id="163" name="Google Shape;163;p17"/>
+          <p:cNvSpPr txBox="1"/>
+          <p:nvPr>
+            <p:ph type="title"/>
+          </p:nvPr>
+        </p:nvSpPr>
+        <p:spPr>
+          <a:xfrm>
+            <a:off x="1297500" y="393750"/>
+            <a:ext cx="7038900" cy="914100"/>
+          </a:xfrm>
+          <a:prstGeom prst="rect">
+            <a:avLst/>
+          </a:prstGeom>
+        </p:spPr>
+        <p:txBody>
+          <a:bodyPr anchorCtr="0" anchor="t" bIns="91425" lIns="91425" spcFirstLastPara="1" rIns="91425" wrap="square" tIns="91425">
+            <a:noAutofit/>
+          </a:bodyPr>
+          <a:lstStyle/>
+          <a:p>
+            <a:pPr indent="0" lvl="0" marL="0" rtl="0" algn="l">
+              <a:spcBef>
+                <a:spcPts val="0"/>
+              </a:spcBef>
+              <a:spcAft>
+                <a:spcPts val="0"/>
+              </a:spcAft>
+              <a:buNone/>
+            </a:pPr>
+            <a:r>
+              <a:rPr lang="en"/>
+              <a:t>Technical </a:t>
+            </a:r>
+            <a:r>
+              <a:rPr lang="en"/>
+              <a:t>Challenges</a:t>
+            </a:r>
+            <a:r>
+              <a:rPr lang="en"/>
+              <a:t> </a:t>
+            </a:r>
+            <a:endParaRPr/>
+          </a:p>
+        </p:txBody>
+      </p:sp>
+      <p:sp>
+        <p:nvSpPr>
+          <p:cNvPr id="164" name="Google Shape;164;p17"/>
+          <p:cNvSpPr txBox="1"/>
+          <p:nvPr>
+            <p:ph idx="1" type="body"/>
+          </p:nvPr>
+        </p:nvSpPr>
+        <p:spPr>
+          <a:xfrm>
+            <a:off x="1297500" y="1567550"/>
+            <a:ext cx="7038900" cy="2911200"/>
+          </a:xfrm>
+          <a:prstGeom prst="rect">
+            <a:avLst/>
+          </a:prstGeom>
+        </p:spPr>
+        <p:txBody>
+          <a:bodyPr anchorCtr="0" anchor="t" bIns="91425" lIns="91425" spcFirstLastPara="1" rIns="91425" wrap="square" tIns="91425">
+            <a:noAutofit/>
+          </a:bodyPr>
+          <a:lstStyle/>
+          <a:p>
+            <a:pPr indent="-311150" lvl="0" marL="457200" rtl="0" algn="l">
+              <a:spcBef>
+                <a:spcPts val="0"/>
+              </a:spcBef>
+              <a:spcAft>
+                <a:spcPts val="0"/>
+              </a:spcAft>
+              <a:buSzPts val="1300"/>
+              <a:buChar char="●"/>
+            </a:pPr>
+            <a:r>
+              <a:rPr lang="en"/>
+              <a:t>Programming microcontrollers, possibly in conjunction with and/or parallel to other single board computers. </a:t>
+            </a:r>
+            <a:endParaRPr/>
+          </a:p>
+          <a:p>
+            <a:pPr indent="-311150" lvl="0" marL="457200" rtl="0" algn="l">
+              <a:spcBef>
+                <a:spcPts val="0"/>
+              </a:spcBef>
+              <a:spcAft>
+                <a:spcPts val="0"/>
+              </a:spcAft>
+              <a:buSzPts val="1300"/>
+              <a:buChar char="●"/>
+            </a:pPr>
+            <a:r>
+              <a:rPr lang="en"/>
+              <a:t>Scheduling of sensors and mechanical components to reduce energy consumption and maximise throughput. </a:t>
+            </a:r>
+            <a:endParaRPr/>
+          </a:p>
+          <a:p>
+            <a:pPr indent="-311150" lvl="0" marL="457200" rtl="0" algn="l">
+              <a:spcBef>
+                <a:spcPts val="0"/>
+              </a:spcBef>
+              <a:spcAft>
+                <a:spcPts val="0"/>
+              </a:spcAft>
+              <a:buSzPts val="1300"/>
+              <a:buChar char="●"/>
+            </a:pPr>
+            <a:r>
+              <a:rPr lang="en"/>
+              <a:t>Communicating between sensors and mechanical components. </a:t>
+            </a:r>
+            <a:endParaRPr/>
+          </a:p>
+          <a:p>
+            <a:pPr indent="-311150" lvl="0" marL="457200" rtl="0" algn="l">
+              <a:spcBef>
+                <a:spcPts val="0"/>
+              </a:spcBef>
+              <a:spcAft>
+                <a:spcPts val="0"/>
+              </a:spcAft>
+              <a:buSzPts val="1300"/>
+              <a:buChar char="●"/>
+            </a:pPr>
+            <a:r>
+              <a:rPr lang="en"/>
+              <a:t>Processing and abstracting sensor data. </a:t>
+            </a:r>
+            <a:endParaRPr/>
+          </a:p>
+          <a:p>
+            <a:pPr indent="-311150" lvl="0" marL="457200" rtl="0" algn="l">
+              <a:spcBef>
+                <a:spcPts val="0"/>
+              </a:spcBef>
+              <a:spcAft>
+                <a:spcPts val="0"/>
+              </a:spcAft>
+              <a:buSzPts val="1300"/>
+              <a:buChar char="●"/>
+            </a:pPr>
+            <a:r>
+              <a:rPr lang="en"/>
+              <a:t>New algorithms no one on the team has used before. </a:t>
+            </a:r>
+            <a:endParaRPr>
+              <a:solidFill>
+                <a:srgbClr val="FF0000"/>
+              </a:solidFill>
+            </a:endParaRPr>
+          </a:p>
+          <a:p>
+            <a:pPr indent="-311150" lvl="0" marL="457200" rtl="0" algn="l">
+              <a:spcBef>
+                <a:spcPts val="0"/>
+              </a:spcBef>
+              <a:spcAft>
+                <a:spcPts val="0"/>
+              </a:spcAft>
+              <a:buClr>
+                <a:srgbClr val="FF0000"/>
+              </a:buClr>
+              <a:buSzPts val="1300"/>
+              <a:buChar char="●"/>
+            </a:pPr>
+            <a:r>
+              <a:rPr lang="en">
+                <a:solidFill>
+                  <a:srgbClr val="FF0000"/>
+                </a:solidFill>
+              </a:rPr>
+              <a:t>Enterprise web application </a:t>
+            </a:r>
+            <a:endParaRPr>
+              <a:solidFill>
+                <a:srgbClr val="FF0000"/>
+              </a:solidFill>
+            </a:endParaRPr>
+          </a:p>
+          <a:p>
+            <a:pPr indent="-311150" lvl="0" marL="457200" rtl="0" algn="l">
+              <a:spcBef>
+                <a:spcPts val="0"/>
+              </a:spcBef>
+              <a:spcAft>
+                <a:spcPts val="0"/>
+              </a:spcAft>
+              <a:buClr>
+                <a:srgbClr val="FF0000"/>
+              </a:buClr>
+              <a:buSzPts val="1300"/>
+              <a:buChar char="●"/>
+            </a:pPr>
+            <a:r>
+              <a:rPr lang="en">
+                <a:solidFill>
+                  <a:srgbClr val="FF0000"/>
+                </a:solidFill>
+              </a:rPr>
+              <a:t>Designing effective reports </a:t>
+            </a:r>
+            <a:endParaRPr>
+              <a:solidFill>
+                <a:srgbClr val="FF0000"/>
+              </a:solidFill>
+            </a:endParaRPr>
+          </a:p>
+          <a:p>
+            <a:pPr indent="-311150" lvl="0" marL="457200" rtl="0" algn="l">
+              <a:spcBef>
+                <a:spcPts val="0"/>
+              </a:spcBef>
+              <a:spcAft>
+                <a:spcPts val="0"/>
+              </a:spcAft>
+              <a:buClr>
+                <a:srgbClr val="FF0000"/>
+              </a:buClr>
+              <a:buSzPts val="1300"/>
+              <a:buChar char="●"/>
+            </a:pPr>
+            <a:r>
+              <a:rPr lang="en">
+                <a:solidFill>
+                  <a:srgbClr val="FF0000"/>
+                </a:solidFill>
+              </a:rPr>
+              <a:t>USB and Wi-Fi communication</a:t>
+            </a:r>
+            <a:endParaRPr>
+              <a:solidFill>
+                <a:srgbClr val="FF0000"/>
+              </a:solidFill>
+            </a:endParaRPr>
+          </a:p>
+        </p:txBody>
+      </p:sp>
+      <p:pic>
+        <p:nvPicPr>
+          <p:cNvPr id="165" name="Google Shape;165;p17"/>
+          <p:cNvPicPr preferRelativeResize="0"/>
+          <p:nvPr/>
+        </p:nvPicPr>
+        <p:blipFill>
+          <a:blip r:embed="rId3">
+            <a:alphaModFix/>
+          </a:blip>
+          <a:stretch>
+            <a:fillRect/>
+          </a:stretch>
+        </p:blipFill>
+        <p:spPr>
+          <a:xfrm>
+            <a:off x="6074671" y="3088488"/>
+            <a:ext cx="2787150" cy="1836825"/>
+          </a:xfrm>
+          <a:prstGeom prst="rect">
+            <a:avLst/>
+          </a:prstGeom>
+          <a:noFill/>
+          <a:ln cap="flat" cmpd="sng" w="19050">
+            <a:solidFill>
+              <a:srgbClr val="D9D9D9"/>
+            </a:solidFill>
+            <a:prstDash val="solid"/>
+            <a:round/>
+            <a:headEnd len="sm" w="sm" type="none"/>
+            <a:tailEnd len="sm" w="sm" type="none"/>
+          </a:ln>
+        </p:spPr>
+      </p:pic>
+      <p:pic>
+        <p:nvPicPr>
+          <p:cNvPr id="166" name="Google Shape;166;p17"/>
+          <p:cNvPicPr preferRelativeResize="0"/>
+          <p:nvPr/>
+        </p:nvPicPr>
+        <p:blipFill>
+          <a:blip r:embed="rId4">
+            <a:alphaModFix/>
+          </a:blip>
+          <a:stretch>
+            <a:fillRect/>
+          </a:stretch>
+        </p:blipFill>
+        <p:spPr>
+          <a:xfrm>
+            <a:off x="5175850" y="4011225"/>
+            <a:ext cx="914100" cy="914100"/>
+          </a:xfrm>
+          <a:prstGeom prst="rect">
+            <a:avLst/>
+          </a:prstGeom>
+          <a:noFill/>
+          <a:ln>
+            <a:noFill/>
+          </a:ln>
+        </p:spPr>
+      </p:pic>
+      <p:pic>
+        <p:nvPicPr>
+          <p:cNvPr id="167" name="Google Shape;167;p17"/>
+          <p:cNvPicPr preferRelativeResize="0"/>
+          <p:nvPr/>
+        </p:nvPicPr>
+        <p:blipFill>
+          <a:blip r:embed="rId5">
+            <a:alphaModFix/>
+          </a:blip>
+          <a:stretch>
+            <a:fillRect/>
+          </a:stretch>
+        </p:blipFill>
+        <p:spPr>
+          <a:xfrm>
+            <a:off x="4190525" y="4011225"/>
+            <a:ext cx="914100" cy="914100"/>
+          </a:xfrm>
+          <a:prstGeom prst="rect">
+            <a:avLst/>
+          </a:prstGeom>
+          <a:noFill/>
+          <a:ln>
+            <a:noFill/>
+          </a:ln>
+        </p:spPr>
+      </p:pic>
+    </p:spTree>
+  </p:cSld>
+  <p:clrMapOvr>
+    <a:masterClrMapping/>
+  </p:clrMapOvr>
+</p:sld>
+</file>
+
+<file path=ppt/slides/slide6.xml><?xml version="1.0" encoding="utf-8"?>
+<p:sld xmlns:a="http://schemas.openxmlformats.org/drawingml/2006/main" xmlns:r="http://schemas.openxmlformats.org/officeDocument/2006/relationships" xmlns:mc="http://schemas.openxmlformats.org/markup-compatibility/2006" xmlns:mv="urn:schemas-microsoft-com:mac:vml" xmlns:p="http://schemas.openxmlformats.org/presentationml/2006/main" xmlns:c="http://schemas.openxmlformats.org/drawingml/2006/chart" xmlns:dgm="http://schemas.openxmlformats.org/drawingml/2006/diagram" xmlns:o="urn:schemas-microsoft-com:office:office" xmlns:v="urn:schemas-microsoft-com:vml" xmlns:pvml="urn:schemas-microsoft-com:office:powerpoint" xmlns:com="http://schemas.openxmlformats.org/drawingml/2006/compatibility" xmlns:p14="http://schemas.microsoft.com/office/powerpoint/2010/main" xmlns:p15="http://schemas.microsoft.com/office/powerpoint/2012/main">
+  <p:cSld>
+    <p:spTree>
+      <p:nvGrpSpPr>
+        <p:cNvPr id="171" name="Shape 171"/>
+        <p:cNvGrpSpPr/>
+        <p:nvPr/>
+      </p:nvGrpSpPr>
+      <p:grpSpPr>
+        <a:xfrm>
+          <a:off x="0" y="0"/>
+          <a:ext cx="0" cy="0"/>
+          <a:chOff x="0" y="0"/>
+          <a:chExt cx="0" cy="0"/>
+        </a:xfrm>
+      </p:grpSpPr>
+      <p:sp>
+        <p:nvSpPr>
+          <p:cNvPr id="172" name="Google Shape;172;p18"/>
           <p:cNvSpPr txBox="1"/>
           <p:nvPr>
             <p:ph idx="1" type="body"/>
@@ -12463,7 +14718,7 @@
             </a:pPr>
             <a:r>
               <a:rPr lang="en"/>
-              <a:t>An application will be a one-stop-shop for managing and configuring the device(s):</a:t>
+              <a:t>An application will be the one-stop-shop for managing and configuring the device(s):</a:t>
             </a:r>
             <a:endParaRPr/>
           </a:p>
@@ -12471,7 +14726,7 @@
       </p:sp>
       <p:sp>
         <p:nvSpPr>
-          <p:cNvPr id="154" name="Google Shape;154;p16"/>
+          <p:cNvPr id="173" name="Google Shape;173;p18"/>
           <p:cNvSpPr txBox="1"/>
           <p:nvPr>
             <p:ph type="title"/>
@@ -12511,7 +14766,7 @@
       </p:sp>
       <p:pic>
         <p:nvPicPr>
-          <p:cNvPr id="155" name="Google Shape;155;p16"/>
+          <p:cNvPr id="174" name="Google Shape;174;p18"/>
           <p:cNvPicPr preferRelativeResize="0"/>
           <p:nvPr/>
         </p:nvPicPr>
@@ -12525,179 +14780,21 @@
         </p:blipFill>
         <p:spPr>
           <a:xfrm>
-            <a:off x="3912900" y="0"/>
-            <a:ext cx="4444463" cy="5143501"/>
+            <a:off x="4137325" y="18326"/>
+            <a:ext cx="4331799" cy="5112300"/>
           </a:xfrm>
           <a:prstGeom prst="rect">
             <a:avLst/>
           </a:prstGeom>
           <a:noFill/>
-          <a:ln>
-            <a:noFill/>
-          </a:ln>
-        </p:spPr>
-      </p:pic>
-    </p:spTree>
-  </p:cSld>
-  <p:clrMapOvr>
-    <a:masterClrMapping/>
-  </p:clrMapOvr>
-</p:sld>
-</file>
-
-<file path=ppt/slides/slide5.xml><?xml version="1.0" encoding="utf-8"?>
-<p:sld xmlns:a="http://schemas.openxmlformats.org/drawingml/2006/main" xmlns:r="http://schemas.openxmlformats.org/officeDocument/2006/relationships" xmlns:mc="http://schemas.openxmlformats.org/markup-compatibility/2006" xmlns:mv="urn:schemas-microsoft-com:mac:vml" xmlns:p="http://schemas.openxmlformats.org/presentationml/2006/main" xmlns:c="http://schemas.openxmlformats.org/drawingml/2006/chart" xmlns:dgm="http://schemas.openxmlformats.org/drawingml/2006/diagram" xmlns:o="urn:schemas-microsoft-com:office:office" xmlns:v="urn:schemas-microsoft-com:vml" xmlns:pvml="urn:schemas-microsoft-com:office:powerpoint" xmlns:com="http://schemas.openxmlformats.org/drawingml/2006/compatibility" xmlns:p14="http://schemas.microsoft.com/office/powerpoint/2010/main" xmlns:p15="http://schemas.microsoft.com/office/powerpoint/2012/main">
-  <p:cSld>
-    <p:spTree>
-      <p:nvGrpSpPr>
-        <p:cNvPr id="159" name="Shape 159"/>
-        <p:cNvGrpSpPr/>
-        <p:nvPr/>
-      </p:nvGrpSpPr>
-      <p:grpSpPr>
-        <a:xfrm>
-          <a:off x="0" y="0"/>
-          <a:ext cx="0" cy="0"/>
-          <a:chOff x="0" y="0"/>
-          <a:chExt cx="0" cy="0"/>
-        </a:xfrm>
-      </p:grpSpPr>
-      <p:pic>
-        <p:nvPicPr>
-          <p:cNvPr id="160" name="Google Shape;160;p17"/>
-          <p:cNvPicPr preferRelativeResize="0"/>
-          <p:nvPr/>
-        </p:nvPicPr>
-        <p:blipFill>
-          <a:blip r:embed="rId3">
-            <a:alphaModFix/>
-          </a:blip>
-          <a:stretch>
-            <a:fillRect/>
-          </a:stretch>
-        </p:blipFill>
-        <p:spPr>
-          <a:xfrm>
-            <a:off x="1128817" y="806325"/>
-            <a:ext cx="6886366" cy="3530849"/>
-          </a:xfrm>
-          <a:prstGeom prst="rect">
-            <a:avLst/>
-          </a:prstGeom>
-          <a:noFill/>
-          <a:ln>
-            <a:noFill/>
-          </a:ln>
-        </p:spPr>
-      </p:pic>
-      <p:sp>
-        <p:nvSpPr>
-          <p:cNvPr id="161" name="Google Shape;161;p17"/>
-          <p:cNvSpPr txBox="1"/>
-          <p:nvPr/>
-        </p:nvSpPr>
-        <p:spPr>
-          <a:xfrm>
-            <a:off x="1157100" y="4522600"/>
-            <a:ext cx="4522500" cy="373800"/>
-          </a:xfrm>
-          <a:prstGeom prst="rect">
-            <a:avLst/>
-          </a:prstGeom>
-          <a:noFill/>
-          <a:ln>
-            <a:noFill/>
-          </a:ln>
-        </p:spPr>
-        <p:txBody>
-          <a:bodyPr anchorCtr="0" anchor="t" bIns="91425" lIns="91425" spcFirstLastPara="1" rIns="91425" wrap="square" tIns="91425">
-            <a:noAutofit/>
-          </a:bodyPr>
-          <a:lstStyle/>
-          <a:p>
-            <a:pPr indent="0" lvl="0" marL="0" rtl="0" algn="l">
-              <a:spcBef>
-                <a:spcPts val="0"/>
-              </a:spcBef>
-              <a:spcAft>
-                <a:spcPts val="0"/>
-              </a:spcAft>
-              <a:buNone/>
-            </a:pPr>
-            <a:r>
-              <a:rPr lang="en">
-                <a:solidFill>
-                  <a:srgbClr val="FFFFFF"/>
-                </a:solidFill>
-                <a:latin typeface="Lato"/>
-                <a:ea typeface="Lato"/>
-                <a:cs typeface="Lato"/>
-                <a:sym typeface="Lato"/>
-              </a:rPr>
-              <a:t>.NET Core web app attempt 1</a:t>
-            </a:r>
-            <a:endParaRPr>
-              <a:solidFill>
-                <a:srgbClr val="FFFFFF"/>
-              </a:solidFill>
-              <a:latin typeface="Lato"/>
-              <a:ea typeface="Lato"/>
-              <a:cs typeface="Lato"/>
-              <a:sym typeface="Lato"/>
-            </a:endParaRPr>
-          </a:p>
-        </p:txBody>
-      </p:sp>
-    </p:spTree>
-  </p:cSld>
-  <p:clrMapOvr>
-    <a:masterClrMapping/>
-  </p:clrMapOvr>
-</p:sld>
-</file>
-
-<file path=ppt/slides/slide6.xml><?xml version="1.0" encoding="utf-8"?>
-<p:sld xmlns:a="http://schemas.openxmlformats.org/drawingml/2006/main" xmlns:r="http://schemas.openxmlformats.org/officeDocument/2006/relationships" xmlns:mc="http://schemas.openxmlformats.org/markup-compatibility/2006" xmlns:mv="urn:schemas-microsoft-com:mac:vml" xmlns:p="http://schemas.openxmlformats.org/presentationml/2006/main" xmlns:c="http://schemas.openxmlformats.org/drawingml/2006/chart" xmlns:dgm="http://schemas.openxmlformats.org/drawingml/2006/diagram" xmlns:o="urn:schemas-microsoft-com:office:office" xmlns:v="urn:schemas-microsoft-com:vml" xmlns:pvml="urn:schemas-microsoft-com:office:powerpoint" xmlns:com="http://schemas.openxmlformats.org/drawingml/2006/compatibility" xmlns:p14="http://schemas.microsoft.com/office/powerpoint/2010/main" xmlns:p15="http://schemas.microsoft.com/office/powerpoint/2012/main">
-  <p:cSld>
-    <p:spTree>
-      <p:nvGrpSpPr>
-        <p:cNvPr id="165" name="Shape 165"/>
-        <p:cNvGrpSpPr/>
-        <p:nvPr/>
-      </p:nvGrpSpPr>
-      <p:grpSpPr>
-        <a:xfrm>
-          <a:off x="0" y="0"/>
-          <a:ext cx="0" cy="0"/>
-          <a:chOff x="0" y="0"/>
-          <a:chExt cx="0" cy="0"/>
-        </a:xfrm>
-      </p:grpSpPr>
-      <p:pic>
-        <p:nvPicPr>
-          <p:cNvPr id="166" name="Google Shape;166;p18"/>
-          <p:cNvPicPr preferRelativeResize="0"/>
-          <p:nvPr/>
-        </p:nvPicPr>
-        <p:blipFill>
-          <a:blip r:embed="rId3">
-            <a:alphaModFix/>
-          </a:blip>
-          <a:stretch>
-            <a:fillRect/>
-          </a:stretch>
-        </p:blipFill>
-        <p:spPr>
-          <a:xfrm>
-            <a:off x="1776299" y="386913"/>
-            <a:ext cx="5591402" cy="4369674"/>
-          </a:xfrm>
-          <a:prstGeom prst="rect">
-            <a:avLst/>
-          </a:prstGeom>
-          <a:noFill/>
-          <a:ln>
-            <a:noFill/>
+          <a:ln cap="flat" cmpd="sng" w="19050">
+            <a:solidFill>
+              <a:schemeClr val="dk2"/>
+            </a:solidFill>
+            <a:prstDash val="solid"/>
+            <a:round/>
+            <a:headEnd len="sm" w="sm" type="none"/>
+            <a:tailEnd len="sm" w="sm" type="none"/>
           </a:ln>
         </p:spPr>
       </p:pic>
@@ -12714,7 +14811,7 @@
   <p:cSld>
     <p:spTree>
       <p:nvGrpSpPr>
-        <p:cNvPr id="170" name="Shape 170"/>
+        <p:cNvPr id="178" name="Shape 178"/>
         <p:cNvGrpSpPr/>
         <p:nvPr/>
       </p:nvGrpSpPr>
@@ -12726,9 +14823,89 @@
           <a:chExt cx="0" cy="0"/>
         </a:xfrm>
       </p:grpSpPr>
+      <p:sp>
+        <p:nvSpPr>
+          <p:cNvPr id="179" name="Google Shape;179;p19"/>
+          <p:cNvSpPr txBox="1"/>
+          <p:nvPr>
+            <p:ph idx="1" type="body"/>
+          </p:nvPr>
+        </p:nvSpPr>
+        <p:spPr>
+          <a:xfrm>
+            <a:off x="1297500" y="1567550"/>
+            <a:ext cx="2463000" cy="2911200"/>
+          </a:xfrm>
+          <a:prstGeom prst="rect">
+            <a:avLst/>
+          </a:prstGeom>
+        </p:spPr>
+        <p:txBody>
+          <a:bodyPr anchorCtr="0" anchor="t" bIns="91425" lIns="91425" spcFirstLastPara="1" rIns="91425" wrap="square" tIns="91425">
+            <a:noAutofit/>
+          </a:bodyPr>
+          <a:lstStyle/>
+          <a:p>
+            <a:pPr indent="0" lvl="0" marL="0" rtl="0" algn="l">
+              <a:spcBef>
+                <a:spcPts val="0"/>
+              </a:spcBef>
+              <a:spcAft>
+                <a:spcPts val="1600"/>
+              </a:spcAft>
+              <a:buNone/>
+            </a:pPr>
+            <a:r>
+              <a:rPr lang="en"/>
+              <a:t>An application will be the one-stop-shop for managing and configuring the device(s):</a:t>
+            </a:r>
+            <a:endParaRPr/>
+          </a:p>
+        </p:txBody>
+      </p:sp>
+      <p:sp>
+        <p:nvSpPr>
+          <p:cNvPr id="180" name="Google Shape;180;p19"/>
+          <p:cNvSpPr txBox="1"/>
+          <p:nvPr>
+            <p:ph type="title"/>
+          </p:nvPr>
+        </p:nvSpPr>
+        <p:spPr>
+          <a:xfrm>
+            <a:off x="1297500" y="393750"/>
+            <a:ext cx="7038900" cy="914100"/>
+          </a:xfrm>
+          <a:prstGeom prst="rect">
+            <a:avLst/>
+          </a:prstGeom>
+        </p:spPr>
+        <p:txBody>
+          <a:bodyPr anchorCtr="0" anchor="t" bIns="91425" lIns="91425" spcFirstLastPara="1" rIns="91425" wrap="square" tIns="91425">
+            <a:noAutofit/>
+          </a:bodyPr>
+          <a:lstStyle/>
+          <a:p>
+            <a:pPr indent="0" lvl="0" marL="0" rtl="0" algn="l">
+              <a:spcBef>
+                <a:spcPts val="0"/>
+              </a:spcBef>
+              <a:spcAft>
+                <a:spcPts val="0"/>
+              </a:spcAft>
+              <a:buNone/>
+            </a:pPr>
+            <a:r>
+              <a:rPr lang="en"/>
+              <a:t>Approach</a:t>
+            </a:r>
+            <a:endParaRPr/>
+          </a:p>
+        </p:txBody>
+      </p:sp>
       <p:pic>
         <p:nvPicPr>
-          <p:cNvPr id="171" name="Google Shape;171;p19"/>
+          <p:cNvPr id="181" name="Google Shape;181;p19"/>
           <p:cNvPicPr preferRelativeResize="0"/>
           <p:nvPr/>
         </p:nvPicPr>
@@ -12742,99 +14919,88 @@
         </p:blipFill>
         <p:spPr>
           <a:xfrm>
-            <a:off x="1738368" y="386334"/>
-            <a:ext cx="5667264" cy="4370832"/>
+            <a:off x="4137325" y="18326"/>
+            <a:ext cx="4331799" cy="5112300"/>
           </a:xfrm>
           <a:prstGeom prst="rect">
             <a:avLst/>
           </a:prstGeom>
           <a:noFill/>
-          <a:ln>
-            <a:noFill/>
+          <a:ln cap="flat" cmpd="sng" w="19050">
+            <a:solidFill>
+              <a:schemeClr val="dk2"/>
+            </a:solidFill>
+            <a:prstDash val="solid"/>
+            <a:round/>
+            <a:headEnd len="sm" w="sm" type="none"/>
+            <a:tailEnd len="sm" w="sm" type="none"/>
           </a:ln>
         </p:spPr>
       </p:pic>
       <p:sp>
         <p:nvSpPr>
-          <p:cNvPr id="172" name="Google Shape;172;p19"/>
+          <p:cNvPr id="182" name="Google Shape;182;p19"/>
+          <p:cNvSpPr/>
+          <p:nvPr/>
+        </p:nvSpPr>
+        <p:spPr>
+          <a:xfrm>
+            <a:off x="7803200" y="1358000"/>
+            <a:ext cx="568500" cy="485400"/>
+          </a:xfrm>
+          <a:prstGeom prst="ellipse">
+            <a:avLst/>
+          </a:prstGeom>
+          <a:noFill/>
+          <a:ln cap="flat" cmpd="sng" w="9525">
+            <a:solidFill>
+              <a:srgbClr val="FF0000"/>
+            </a:solidFill>
+            <a:prstDash val="solid"/>
+            <a:round/>
+            <a:headEnd len="sm" w="sm" type="none"/>
+            <a:tailEnd len="sm" w="sm" type="none"/>
+          </a:ln>
+        </p:spPr>
+        <p:txBody>
+          <a:bodyPr anchorCtr="0" anchor="ctr" bIns="91425" lIns="91425" spcFirstLastPara="1" rIns="91425" wrap="square" tIns="91425">
+            <a:noAutofit/>
+          </a:bodyPr>
+          <a:lstStyle/>
+          <a:p>
+            <a:pPr indent="0" lvl="0" marL="0" rtl="0" algn="l">
+              <a:spcBef>
+                <a:spcPts val="0"/>
+              </a:spcBef>
+              <a:spcAft>
+                <a:spcPts val="0"/>
+              </a:spcAft>
+              <a:buNone/>
+            </a:pPr>
+            <a:r>
+              <a:t/>
+            </a:r>
+            <a:endParaRPr/>
+          </a:p>
+        </p:txBody>
+      </p:sp>
+      <p:sp>
+        <p:nvSpPr>
+          <p:cNvPr id="183" name="Google Shape;183;p19"/>
           <p:cNvSpPr txBox="1"/>
           <p:nvPr/>
         </p:nvSpPr>
         <p:spPr>
           <a:xfrm>
-            <a:off x="3374393" y="1702784"/>
-            <a:ext cx="3604200" cy="2304900"/>
+            <a:off x="4207700" y="1942025"/>
+            <a:ext cx="1358100" cy="534900"/>
           </a:xfrm>
           <a:prstGeom prst="rect">
             <a:avLst/>
           </a:prstGeom>
-          <a:noFill/>
-          <a:ln>
-            <a:noFill/>
-          </a:ln>
-        </p:spPr>
-        <p:txBody>
-          <a:bodyPr anchorCtr="0" anchor="t" bIns="91425" lIns="91425" spcFirstLastPara="1" rIns="91425" wrap="square" tIns="91425">
-            <a:noAutofit/>
-          </a:bodyPr>
-          <a:lstStyle/>
-          <a:p>
-            <a:pPr indent="0" lvl="0" marL="0" rtl="0" algn="l">
-              <a:spcBef>
-                <a:spcPts val="0"/>
-              </a:spcBef>
-              <a:spcAft>
-                <a:spcPts val="0"/>
-              </a:spcAft>
-              <a:buNone/>
-            </a:pPr>
-            <a:r>
-              <a:rPr lang="en" u="sng">
-                <a:solidFill>
-                  <a:srgbClr val="FF0000"/>
-                </a:solidFill>
-                <a:latin typeface="Lato"/>
-                <a:ea typeface="Lato"/>
-                <a:cs typeface="Lato"/>
-                <a:sym typeface="Lato"/>
-              </a:rPr>
-              <a:t>Config file builds GUI here</a:t>
-            </a:r>
-            <a:endParaRPr u="sng">
-              <a:solidFill>
-                <a:srgbClr val="FF0000"/>
-              </a:solidFill>
-              <a:latin typeface="Lato"/>
-              <a:ea typeface="Lato"/>
-              <a:cs typeface="Lato"/>
-              <a:sym typeface="Lato"/>
-            </a:endParaRPr>
-          </a:p>
-        </p:txBody>
-      </p:sp>
-      <p:pic>
-        <p:nvPicPr>
-          <p:cNvPr id="173" name="Google Shape;173;p19"/>
-          <p:cNvPicPr preferRelativeResize="0"/>
-          <p:nvPr/>
-        </p:nvPicPr>
-        <p:blipFill>
-          <a:blip r:embed="rId4">
-            <a:alphaModFix/>
-          </a:blip>
-          <a:stretch>
-            <a:fillRect/>
-          </a:stretch>
-        </p:blipFill>
-        <p:spPr>
-          <a:xfrm>
-            <a:off x="6895215" y="1541620"/>
-            <a:ext cx="1604161" cy="2564700"/>
-          </a:xfrm>
-          <a:prstGeom prst="rect">
-            <a:avLst/>
-          </a:prstGeom>
-          <a:noFill/>
+          <a:solidFill>
+            <a:srgbClr val="FFFFFF"/>
+          </a:solidFill>
           <a:ln cap="flat" cmpd="sng" w="19050">
             <a:solidFill>
               <a:srgbClr val="FF0000"/>
@@ -12845,23 +15011,64 @@
             <a:tailEnd len="sm" w="sm" type="none"/>
           </a:ln>
         </p:spPr>
-      </p:pic>
+        <p:txBody>
+          <a:bodyPr anchorCtr="0" anchor="t" bIns="91425" lIns="91425" spcFirstLastPara="1" rIns="91425" wrap="square" tIns="91425">
+            <a:noAutofit/>
+          </a:bodyPr>
+          <a:lstStyle/>
+          <a:p>
+            <a:pPr indent="0" lvl="0" marL="0" rtl="0" algn="l">
+              <a:spcBef>
+                <a:spcPts val="0"/>
+              </a:spcBef>
+              <a:spcAft>
+                <a:spcPts val="0"/>
+              </a:spcAft>
+              <a:buNone/>
+            </a:pPr>
+            <a:r>
+              <a:rPr lang="en" sz="1000">
+                <a:solidFill>
+                  <a:srgbClr val="FF0000"/>
+                </a:solidFill>
+                <a:latin typeface="Lato"/>
+                <a:ea typeface="Lato"/>
+                <a:cs typeface="Lato"/>
+                <a:sym typeface="Lato"/>
+              </a:rPr>
+              <a:t>Builds gui and saves device configuration</a:t>
+            </a:r>
+            <a:endParaRPr sz="1000">
+              <a:solidFill>
+                <a:srgbClr val="FF0000"/>
+              </a:solidFill>
+              <a:latin typeface="Lato"/>
+              <a:ea typeface="Lato"/>
+              <a:cs typeface="Lato"/>
+              <a:sym typeface="Lato"/>
+            </a:endParaRPr>
+          </a:p>
+        </p:txBody>
+      </p:sp>
       <p:cxnSp>
         <p:nvCxnSpPr>
-          <p:cNvPr id="174" name="Google Shape;174;p19"/>
-          <p:cNvCxnSpPr/>
+          <p:cNvPr id="184" name="Google Shape;184;p19"/>
+          <p:cNvCxnSpPr>
+            <a:stCxn id="183" idx="3"/>
+            <a:endCxn id="182" idx="3"/>
+          </p:cNvCxnSpPr>
           <p:nvPr/>
         </p:nvCxnSpPr>
         <p:spPr>
-          <a:xfrm flipH="1">
-            <a:off x="5460925" y="1580456"/>
-            <a:ext cx="1425300" cy="402300"/>
+          <a:xfrm flipH="1" rot="10800000">
+            <a:off x="5565800" y="1772375"/>
+            <a:ext cx="2320800" cy="437100"/>
           </a:xfrm>
           <a:prstGeom prst="straightConnector1">
             <a:avLst/>
           </a:prstGeom>
           <a:noFill/>
-          <a:ln cap="flat" cmpd="sng" w="19050">
+          <a:ln cap="flat" cmpd="sng" w="9525">
             <a:solidFill>
               <a:srgbClr val="FF0000"/>
             </a:solidFill>
@@ -12885,7 +15092,7 @@
   <p:cSld>
     <p:spTree>
       <p:nvGrpSpPr>
-        <p:cNvPr id="178" name="Shape 178"/>
+        <p:cNvPr id="188" name="Shape 188"/>
         <p:cNvGrpSpPr/>
         <p:nvPr/>
       </p:nvGrpSpPr>
@@ -12899,7 +15106,47 @@
       </p:grpSpPr>
       <p:sp>
         <p:nvSpPr>
-          <p:cNvPr id="179" name="Google Shape;179;p20"/>
+          <p:cNvPr id="189" name="Google Shape;189;p20"/>
+          <p:cNvSpPr txBox="1"/>
+          <p:nvPr>
+            <p:ph idx="1" type="body"/>
+          </p:nvPr>
+        </p:nvSpPr>
+        <p:spPr>
+          <a:xfrm>
+            <a:off x="1297500" y="1567550"/>
+            <a:ext cx="2463000" cy="2911200"/>
+          </a:xfrm>
+          <a:prstGeom prst="rect">
+            <a:avLst/>
+          </a:prstGeom>
+        </p:spPr>
+        <p:txBody>
+          <a:bodyPr anchorCtr="0" anchor="t" bIns="91425" lIns="91425" spcFirstLastPara="1" rIns="91425" wrap="square" tIns="91425">
+            <a:noAutofit/>
+          </a:bodyPr>
+          <a:lstStyle/>
+          <a:p>
+            <a:pPr indent="0" lvl="0" marL="0" rtl="0" algn="l">
+              <a:spcBef>
+                <a:spcPts val="0"/>
+              </a:spcBef>
+              <a:spcAft>
+                <a:spcPts val="1600"/>
+              </a:spcAft>
+              <a:buNone/>
+            </a:pPr>
+            <a:r>
+              <a:rPr lang="en"/>
+              <a:t>An application will be the one-stop-shop for managing and configuring the device(s):</a:t>
+            </a:r>
+            <a:endParaRPr/>
+          </a:p>
+        </p:txBody>
+      </p:sp>
+      <p:sp>
+        <p:nvSpPr>
+          <p:cNvPr id="190" name="Google Shape;190;p20"/>
           <p:cNvSpPr txBox="1"/>
           <p:nvPr>
             <p:ph type="title"/>
@@ -12931,7 +15178,88 @@
             </a:pPr>
             <a:r>
               <a:rPr lang="en"/>
-              <a:t>Novel Features</a:t>
+              <a:t>Approach</a:t>
+            </a:r>
+            <a:endParaRPr/>
+          </a:p>
+        </p:txBody>
+      </p:sp>
+      <p:pic>
+        <p:nvPicPr>
+          <p:cNvPr id="191" name="Google Shape;191;p20"/>
+          <p:cNvPicPr preferRelativeResize="0"/>
+          <p:nvPr/>
+        </p:nvPicPr>
+        <p:blipFill>
+          <a:blip r:embed="rId3">
+            <a:alphaModFix/>
+          </a:blip>
+          <a:stretch>
+            <a:fillRect/>
+          </a:stretch>
+        </p:blipFill>
+        <p:spPr>
+          <a:xfrm>
+            <a:off x="4137325" y="18326"/>
+            <a:ext cx="4331799" cy="5112300"/>
+          </a:xfrm>
+          <a:prstGeom prst="rect">
+            <a:avLst/>
+          </a:prstGeom>
+          <a:noFill/>
+          <a:ln cap="flat" cmpd="sng" w="19050">
+            <a:solidFill>
+              <a:schemeClr val="dk2"/>
+            </a:solidFill>
+            <a:prstDash val="solid"/>
+            <a:round/>
+            <a:headEnd len="sm" w="sm" type="none"/>
+            <a:tailEnd len="sm" w="sm" type="none"/>
+          </a:ln>
+        </p:spPr>
+      </p:pic>
+      <p:sp>
+        <p:nvSpPr>
+          <p:cNvPr id="192" name="Google Shape;192;p20"/>
+          <p:cNvSpPr/>
+          <p:nvPr/>
+        </p:nvSpPr>
+        <p:spPr>
+          <a:xfrm>
+            <a:off x="6987000" y="2571750"/>
+            <a:ext cx="568500" cy="485400"/>
+          </a:xfrm>
+          <a:prstGeom prst="ellipse">
+            <a:avLst/>
+          </a:prstGeom>
+          <a:noFill/>
+          <a:ln cap="flat" cmpd="sng" w="9525">
+            <a:solidFill>
+              <a:srgbClr val="FF0000"/>
+            </a:solidFill>
+            <a:prstDash val="solid"/>
+            <a:round/>
+            <a:headEnd len="sm" w="sm" type="none"/>
+            <a:tailEnd len="sm" w="sm" type="none"/>
+          </a:ln>
+        </p:spPr>
+        <p:txBody>
+          <a:bodyPr anchorCtr="0" anchor="ctr" bIns="91425" lIns="91425" spcFirstLastPara="1" rIns="91425" wrap="square" tIns="91425">
+            <a:noAutofit/>
+          </a:bodyPr>
+          <a:lstStyle/>
+          <a:p>
+            <a:pPr indent="0" lvl="0" marL="0" rtl="0" algn="l">
+              <a:spcBef>
+                <a:spcPts val="0"/>
+              </a:spcBef>
+              <a:spcAft>
+                <a:spcPts val="0"/>
+              </a:spcAft>
+              <a:buNone/>
+            </a:pPr>
+            <a:r>
+              <a:t/>
             </a:r>
             <a:endParaRPr/>
           </a:p>
@@ -12939,20 +15267,30 @@
       </p:sp>
       <p:sp>
         <p:nvSpPr>
-          <p:cNvPr id="180" name="Google Shape;180;p20"/>
+          <p:cNvPr id="193" name="Google Shape;193;p20"/>
           <p:cNvSpPr txBox="1"/>
-          <p:nvPr>
-            <p:ph idx="1" type="body"/>
-          </p:nvPr>
+          <p:nvPr/>
         </p:nvSpPr>
         <p:spPr>
           <a:xfrm>
-            <a:off x="1297500" y="1567550"/>
-            <a:ext cx="7038900" cy="2911200"/>
+            <a:off x="4242875" y="1688700"/>
+            <a:ext cx="1358100" cy="1217400"/>
           </a:xfrm>
           <a:prstGeom prst="rect">
             <a:avLst/>
           </a:prstGeom>
+          <a:solidFill>
+            <a:srgbClr val="FFFFFF"/>
+          </a:solidFill>
+          <a:ln cap="flat" cmpd="sng" w="19050">
+            <a:solidFill>
+              <a:srgbClr val="FF0000"/>
+            </a:solidFill>
+            <a:prstDash val="solid"/>
+            <a:round/>
+            <a:headEnd len="sm" w="sm" type="none"/>
+            <a:tailEnd len="sm" w="sm" type="none"/>
+          </a:ln>
         </p:spPr>
         <p:txBody>
           <a:bodyPr anchorCtr="0" anchor="t" bIns="91425" lIns="91425" spcFirstLastPara="1" rIns="91425" wrap="square" tIns="91425">
@@ -12960,107 +15298,80 @@
           </a:bodyPr>
           <a:lstStyle/>
           <a:p>
-            <a:pPr indent="-317500" lvl="0" marL="457200" rtl="0" algn="l">
-              <a:lnSpc>
-                <a:spcPct val="150000"/>
-              </a:lnSpc>
-              <a:spcBef>
-                <a:spcPts val="0"/>
-              </a:spcBef>
-              <a:spcAft>
-                <a:spcPts val="0"/>
-              </a:spcAft>
-              <a:buSzPts val="1400"/>
-              <a:buChar char="●"/>
+            <a:pPr indent="0" lvl="0" marL="0" rtl="0" algn="l">
+              <a:spcBef>
+                <a:spcPts val="0"/>
+              </a:spcBef>
+              <a:spcAft>
+                <a:spcPts val="0"/>
+              </a:spcAft>
+              <a:buNone/>
             </a:pPr>
             <a:r>
-              <a:rPr lang="en" sz="1400"/>
-              <a:t>Low-power autonomous multiple-cycle growth and harvesting of food for astronauts</a:t>
+              <a:rPr lang="en" sz="1000">
+                <a:solidFill>
+                  <a:srgbClr val="FF0000"/>
+                </a:solidFill>
+                <a:latin typeface="Lato"/>
+                <a:ea typeface="Lato"/>
+                <a:cs typeface="Lato"/>
+                <a:sym typeface="Lato"/>
+              </a:rPr>
+              <a:t>Saves </a:t>
             </a:r>
-            <a:endParaRPr sz="1400"/>
-          </a:p>
-          <a:p>
-            <a:pPr indent="-317500" lvl="0" marL="457200" rtl="0" algn="l">
-              <a:lnSpc>
-                <a:spcPct val="150000"/>
-              </a:lnSpc>
-              <a:spcBef>
-                <a:spcPts val="0"/>
-              </a:spcBef>
-              <a:spcAft>
-                <a:spcPts val="0"/>
-              </a:spcAft>
-              <a:buSzPts val="1400"/>
-              <a:buChar char="●"/>
-            </a:pPr>
             <a:r>
-              <a:rPr lang="en" sz="1400"/>
-              <a:t>Utilizing the latest in sensor, actuator, and software technology to protect and optimize throughput of said food</a:t>
+              <a:rPr lang="en" sz="1000">
+                <a:solidFill>
+                  <a:srgbClr val="FF0000"/>
+                </a:solidFill>
+                <a:latin typeface="Lato"/>
+                <a:ea typeface="Lato"/>
+                <a:cs typeface="Lato"/>
+                <a:sym typeface="Lato"/>
+              </a:rPr>
+              <a:t>device configuration, may be stored in db field. Modified when device is connected and config is updated.</a:t>
             </a:r>
-            <a:endParaRPr sz="1400"/>
-          </a:p>
-          <a:p>
-            <a:pPr indent="-317500" lvl="0" marL="457200" rtl="0" algn="l">
-              <a:lnSpc>
-                <a:spcPct val="150000"/>
-              </a:lnSpc>
-              <a:spcBef>
-                <a:spcPts val="0"/>
-              </a:spcBef>
-              <a:spcAft>
-                <a:spcPts val="0"/>
-              </a:spcAft>
-              <a:buSzPts val="1400"/>
-              <a:buChar char="●"/>
-            </a:pPr>
-            <a:r>
-              <a:rPr lang="en" sz="1400"/>
-              <a:t>Detecting diseased or under-grown plants using vision-based data</a:t>
-            </a:r>
-            <a:endParaRPr sz="1400"/>
-          </a:p>
-          <a:p>
-            <a:pPr indent="-317500" lvl="0" marL="457200" rtl="0" algn="l">
-              <a:lnSpc>
-                <a:spcPct val="150000"/>
-              </a:lnSpc>
-              <a:spcBef>
-                <a:spcPts val="0"/>
-              </a:spcBef>
-              <a:spcAft>
-                <a:spcPts val="0"/>
-              </a:spcAft>
-              <a:buSzPts val="1400"/>
-              <a:buChar char="●"/>
-            </a:pPr>
-            <a:r>
-              <a:rPr lang="en" sz="1400"/>
-              <a:t>Web application that can run on Mac, Linux, and Windows to control autonomous devices.</a:t>
-            </a:r>
-            <a:endParaRPr sz="1400"/>
-          </a:p>
-          <a:p>
-            <a:pPr indent="-317500" lvl="0" marL="457200" rtl="0" algn="l">
-              <a:lnSpc>
-                <a:spcPct val="150000"/>
-              </a:lnSpc>
-              <a:spcBef>
-                <a:spcPts val="0"/>
-              </a:spcBef>
-              <a:spcAft>
-                <a:spcPts val="0"/>
-              </a:spcAft>
-              <a:buSzPts val="1400"/>
-              <a:buChar char="●"/>
-            </a:pPr>
-            <a:r>
-              <a:rPr lang="en" sz="1400"/>
-              <a:t>Library to store and access configurations for autonomous devices.</a:t>
-            </a:r>
-            <a:endParaRPr sz="1400"/>
+            <a:endParaRPr sz="1000">
+              <a:solidFill>
+                <a:srgbClr val="FF0000"/>
+              </a:solidFill>
+              <a:latin typeface="Lato"/>
+              <a:ea typeface="Lato"/>
+              <a:cs typeface="Lato"/>
+              <a:sym typeface="Lato"/>
+            </a:endParaRPr>
           </a:p>
         </p:txBody>
       </p:sp>
+      <p:cxnSp>
+        <p:nvCxnSpPr>
+          <p:cNvPr id="194" name="Google Shape;194;p20"/>
+          <p:cNvCxnSpPr>
+            <a:stCxn id="193" idx="3"/>
+            <a:endCxn id="192" idx="2"/>
+          </p:cNvCxnSpPr>
+          <p:nvPr/>
+        </p:nvCxnSpPr>
+        <p:spPr>
+          <a:xfrm>
+            <a:off x="5600975" y="2297400"/>
+            <a:ext cx="1386000" cy="517200"/>
+          </a:xfrm>
+          <a:prstGeom prst="straightConnector1">
+            <a:avLst/>
+          </a:prstGeom>
+          <a:noFill/>
+          <a:ln cap="flat" cmpd="sng" w="9525">
+            <a:solidFill>
+              <a:srgbClr val="FF0000"/>
+            </a:solidFill>
+            <a:prstDash val="solid"/>
+            <a:round/>
+            <a:headEnd len="med" w="med" type="none"/>
+            <a:tailEnd len="med" w="med" type="none"/>
+          </a:ln>
+        </p:spPr>
+      </p:cxnSp>
     </p:spTree>
   </p:cSld>
   <p:clrMapOvr>
@@ -13074,7 +15385,7 @@
   <p:cSld>
     <p:spTree>
       <p:nvGrpSpPr>
-        <p:cNvPr id="184" name="Shape 184"/>
+        <p:cNvPr id="198" name="Shape 198"/>
         <p:cNvGrpSpPr/>
         <p:nvPr/>
       </p:nvGrpSpPr>
@@ -13088,7 +15399,47 @@
       </p:grpSpPr>
       <p:sp>
         <p:nvSpPr>
-          <p:cNvPr id="185" name="Google Shape;185;p21"/>
+          <p:cNvPr id="199" name="Google Shape;199;p21"/>
+          <p:cNvSpPr txBox="1"/>
+          <p:nvPr>
+            <p:ph idx="1" type="body"/>
+          </p:nvPr>
+        </p:nvSpPr>
+        <p:spPr>
+          <a:xfrm>
+            <a:off x="1297500" y="1567550"/>
+            <a:ext cx="2463000" cy="2911200"/>
+          </a:xfrm>
+          <a:prstGeom prst="rect">
+            <a:avLst/>
+          </a:prstGeom>
+        </p:spPr>
+        <p:txBody>
+          <a:bodyPr anchorCtr="0" anchor="t" bIns="91425" lIns="91425" spcFirstLastPara="1" rIns="91425" wrap="square" tIns="91425">
+            <a:noAutofit/>
+          </a:bodyPr>
+          <a:lstStyle/>
+          <a:p>
+            <a:pPr indent="0" lvl="0" marL="0" rtl="0" algn="l">
+              <a:spcBef>
+                <a:spcPts val="0"/>
+              </a:spcBef>
+              <a:spcAft>
+                <a:spcPts val="1600"/>
+              </a:spcAft>
+              <a:buNone/>
+            </a:pPr>
+            <a:r>
+              <a:rPr lang="en"/>
+              <a:t>An application will be the one-stop-shop for managing and configuring the device(s):</a:t>
+            </a:r>
+            <a:endParaRPr/>
+          </a:p>
+        </p:txBody>
+      </p:sp>
+      <p:sp>
+        <p:nvSpPr>
+          <p:cNvPr id="200" name="Google Shape;200;p21"/>
           <p:cNvSpPr txBox="1"/>
           <p:nvPr>
             <p:ph type="title"/>
@@ -13120,15 +15471,88 @@
             </a:pPr>
             <a:r>
               <a:rPr lang="en"/>
-              <a:t>Technical </a:t>
+              <a:t>Approach</a:t>
             </a:r>
+            <a:endParaRPr/>
+          </a:p>
+        </p:txBody>
+      </p:sp>
+      <p:pic>
+        <p:nvPicPr>
+          <p:cNvPr id="201" name="Google Shape;201;p21"/>
+          <p:cNvPicPr preferRelativeResize="0"/>
+          <p:nvPr/>
+        </p:nvPicPr>
+        <p:blipFill>
+          <a:blip r:embed="rId3">
+            <a:alphaModFix/>
+          </a:blip>
+          <a:stretch>
+            <a:fillRect/>
+          </a:stretch>
+        </p:blipFill>
+        <p:spPr>
+          <a:xfrm>
+            <a:off x="4137325" y="18326"/>
+            <a:ext cx="4331799" cy="5112300"/>
+          </a:xfrm>
+          <a:prstGeom prst="rect">
+            <a:avLst/>
+          </a:prstGeom>
+          <a:noFill/>
+          <a:ln cap="flat" cmpd="sng" w="19050">
+            <a:solidFill>
+              <a:schemeClr val="dk2"/>
+            </a:solidFill>
+            <a:prstDash val="solid"/>
+            <a:round/>
+            <a:headEnd len="sm" w="sm" type="none"/>
+            <a:tailEnd len="sm" w="sm" type="none"/>
+          </a:ln>
+        </p:spPr>
+      </p:pic>
+      <p:sp>
+        <p:nvSpPr>
+          <p:cNvPr id="202" name="Google Shape;202;p21"/>
+          <p:cNvSpPr/>
+          <p:nvPr/>
+        </p:nvSpPr>
+        <p:spPr>
+          <a:xfrm>
+            <a:off x="6987000" y="2571750"/>
+            <a:ext cx="568500" cy="485400"/>
+          </a:xfrm>
+          <a:prstGeom prst="ellipse">
+            <a:avLst/>
+          </a:prstGeom>
+          <a:noFill/>
+          <a:ln cap="flat" cmpd="sng" w="9525">
+            <a:solidFill>
+              <a:srgbClr val="FF0000"/>
+            </a:solidFill>
+            <a:prstDash val="solid"/>
+            <a:round/>
+            <a:headEnd len="sm" w="sm" type="none"/>
+            <a:tailEnd len="sm" w="sm" type="none"/>
+          </a:ln>
+        </p:spPr>
+        <p:txBody>
+          <a:bodyPr anchorCtr="0" anchor="ctr" bIns="91425" lIns="91425" spcFirstLastPara="1" rIns="91425" wrap="square" tIns="91425">
+            <a:noAutofit/>
+          </a:bodyPr>
+          <a:lstStyle/>
+          <a:p>
+            <a:pPr indent="0" lvl="0" marL="0" rtl="0" algn="l">
+              <a:spcBef>
+                <a:spcPts val="0"/>
+              </a:spcBef>
+              <a:spcAft>
+                <a:spcPts val="0"/>
+              </a:spcAft>
+              <a:buNone/>
+            </a:pPr>
             <a:r>
-              <a:rPr lang="en"/>
-              <a:t>Challenges</a:t>
-            </a:r>
-            <a:r>
-              <a:rPr lang="en"/>
-              <a:t> </a:t>
+              <a:t/>
             </a:r>
             <a:endParaRPr/>
           </a:p>
@@ -13136,20 +15560,30 @@
       </p:sp>
       <p:sp>
         <p:nvSpPr>
-          <p:cNvPr id="186" name="Google Shape;186;p21"/>
+          <p:cNvPr id="203" name="Google Shape;203;p21"/>
           <p:cNvSpPr txBox="1"/>
-          <p:nvPr>
-            <p:ph idx="1" type="body"/>
-          </p:nvPr>
+          <p:nvPr/>
         </p:nvSpPr>
         <p:spPr>
           <a:xfrm>
-            <a:off x="1297500" y="1567550"/>
-            <a:ext cx="7038900" cy="2911200"/>
+            <a:off x="4242875" y="1688700"/>
+            <a:ext cx="1358100" cy="1217400"/>
           </a:xfrm>
           <a:prstGeom prst="rect">
             <a:avLst/>
           </a:prstGeom>
+          <a:solidFill>
+            <a:srgbClr val="FFFFFF"/>
+          </a:solidFill>
+          <a:ln cap="flat" cmpd="sng" w="19050">
+            <a:solidFill>
+              <a:srgbClr val="FF0000"/>
+            </a:solidFill>
+            <a:prstDash val="solid"/>
+            <a:round/>
+            <a:headEnd len="sm" w="sm" type="none"/>
+            <a:tailEnd len="sm" w="sm" type="none"/>
+          </a:ln>
         </p:spPr>
         <p:txBody>
           <a:bodyPr anchorCtr="0" anchor="t" bIns="91425" lIns="91425" spcFirstLastPara="1" rIns="91425" wrap="square" tIns="91425">
@@ -13157,72 +15591,183 @@
           </a:bodyPr>
           <a:lstStyle/>
           <a:p>
-            <a:pPr indent="-311150" lvl="0" marL="457200" rtl="0" algn="l">
-              <a:spcBef>
-                <a:spcPts val="0"/>
-              </a:spcBef>
-              <a:spcAft>
-                <a:spcPts val="0"/>
-              </a:spcAft>
-              <a:buSzPts val="1300"/>
-              <a:buChar char="●"/>
+            <a:pPr indent="0" lvl="0" marL="0" rtl="0" algn="l">
+              <a:spcBef>
+                <a:spcPts val="0"/>
+              </a:spcBef>
+              <a:spcAft>
+                <a:spcPts val="0"/>
+              </a:spcAft>
+              <a:buNone/>
             </a:pPr>
             <a:r>
-              <a:rPr lang="en"/>
-              <a:t>Client/Server design </a:t>
+              <a:rPr lang="en" sz="1000">
+                <a:solidFill>
+                  <a:srgbClr val="FF0000"/>
+                </a:solidFill>
+                <a:latin typeface="Lato"/>
+                <a:ea typeface="Lato"/>
+                <a:cs typeface="Lato"/>
+                <a:sym typeface="Lato"/>
+              </a:rPr>
+              <a:t>Saves device configuration, may be stored in db field. Modified when device is connected and config is updated.</a:t>
+            </a:r>
+            <a:endParaRPr sz="1000">
+              <a:solidFill>
+                <a:srgbClr val="FF0000"/>
+              </a:solidFill>
+              <a:latin typeface="Lato"/>
+              <a:ea typeface="Lato"/>
+              <a:cs typeface="Lato"/>
+              <a:sym typeface="Lato"/>
+            </a:endParaRPr>
+          </a:p>
+        </p:txBody>
+      </p:sp>
+      <p:cxnSp>
+        <p:nvCxnSpPr>
+          <p:cNvPr id="204" name="Google Shape;204;p21"/>
+          <p:cNvCxnSpPr>
+            <a:stCxn id="203" idx="3"/>
+            <a:endCxn id="202" idx="2"/>
+          </p:cNvCxnSpPr>
+          <p:nvPr/>
+        </p:nvCxnSpPr>
+        <p:spPr>
+          <a:xfrm>
+            <a:off x="5600975" y="2297400"/>
+            <a:ext cx="1386000" cy="517200"/>
+          </a:xfrm>
+          <a:prstGeom prst="straightConnector1">
+            <a:avLst/>
+          </a:prstGeom>
+          <a:noFill/>
+          <a:ln cap="flat" cmpd="sng" w="9525">
+            <a:solidFill>
+              <a:srgbClr val="FF0000"/>
+            </a:solidFill>
+            <a:prstDash val="solid"/>
+            <a:round/>
+            <a:headEnd len="med" w="med" type="none"/>
+            <a:tailEnd len="med" w="med" type="none"/>
+          </a:ln>
+        </p:spPr>
+      </p:cxnSp>
+      <p:sp>
+        <p:nvSpPr>
+          <p:cNvPr id="205" name="Google Shape;205;p21"/>
+          <p:cNvSpPr/>
+          <p:nvPr/>
+        </p:nvSpPr>
+        <p:spPr>
+          <a:xfrm rot="7446929">
+            <a:off x="8105858" y="2307919"/>
+            <a:ext cx="907709" cy="372852"/>
+          </a:xfrm>
+          <a:prstGeom prst="rightArrow">
+            <a:avLst>
+              <a:gd fmla="val 50000" name="adj1"/>
+              <a:gd fmla="val 50000" name="adj2"/>
+            </a:avLst>
+          </a:prstGeom>
+          <a:solidFill>
+            <a:srgbClr val="FF0000"/>
+          </a:solidFill>
+          <a:ln cap="flat" cmpd="sng" w="9525">
+            <a:solidFill>
+              <a:srgbClr val="FF0000"/>
+            </a:solidFill>
+            <a:prstDash val="solid"/>
+            <a:round/>
+            <a:headEnd len="sm" w="sm" type="none"/>
+            <a:tailEnd len="sm" w="sm" type="none"/>
+          </a:ln>
+        </p:spPr>
+        <p:txBody>
+          <a:bodyPr anchorCtr="0" anchor="ctr" bIns="91425" lIns="91425" spcFirstLastPara="1" rIns="91425" wrap="square" tIns="91425">
+            <a:noAutofit/>
+          </a:bodyPr>
+          <a:lstStyle/>
+          <a:p>
+            <a:pPr indent="0" lvl="0" marL="0" rtl="0" algn="l">
+              <a:spcBef>
+                <a:spcPts val="0"/>
+              </a:spcBef>
+              <a:spcAft>
+                <a:spcPts val="0"/>
+              </a:spcAft>
+              <a:buNone/>
+            </a:pPr>
+            <a:r>
+              <a:t/>
             </a:r>
             <a:endParaRPr/>
           </a:p>
-          <a:p>
-            <a:pPr indent="-311150" lvl="0" marL="457200" rtl="0" algn="l">
-              <a:spcBef>
-                <a:spcPts val="0"/>
-              </a:spcBef>
-              <a:spcAft>
-                <a:spcPts val="0"/>
-              </a:spcAft>
-              <a:buSzPts val="1300"/>
-              <a:buChar char="●"/>
+        </p:txBody>
+      </p:sp>
+      <p:sp>
+        <p:nvSpPr>
+          <p:cNvPr id="206" name="Google Shape;206;p21"/>
+          <p:cNvSpPr txBox="1"/>
+          <p:nvPr/>
+        </p:nvSpPr>
+        <p:spPr>
+          <a:xfrm>
+            <a:off x="7917300" y="1784125"/>
+            <a:ext cx="1107600" cy="358800"/>
+          </a:xfrm>
+          <a:prstGeom prst="rect">
+            <a:avLst/>
+          </a:prstGeom>
+          <a:solidFill>
+            <a:srgbClr val="FFFFFF"/>
+          </a:solidFill>
+          <a:ln cap="flat" cmpd="sng" w="19050">
+            <a:solidFill>
+              <a:srgbClr val="FF0000"/>
+            </a:solidFill>
+            <a:prstDash val="solid"/>
+            <a:round/>
+            <a:headEnd len="sm" w="sm" type="none"/>
+            <a:tailEnd len="sm" w="sm" type="none"/>
+          </a:ln>
+        </p:spPr>
+        <p:txBody>
+          <a:bodyPr anchorCtr="0" anchor="t" bIns="91425" lIns="91425" spcFirstLastPara="1" rIns="91425" wrap="square" tIns="91425">
+            <a:noAutofit/>
+          </a:bodyPr>
+          <a:lstStyle/>
+          <a:p>
+            <a:pPr indent="0" lvl="0" marL="0" rtl="0" algn="l">
+              <a:spcBef>
+                <a:spcPts val="0"/>
+              </a:spcBef>
+              <a:spcAft>
+                <a:spcPts val="0"/>
+              </a:spcAft>
+              <a:buNone/>
             </a:pPr>
             <a:r>
-              <a:rPr lang="en"/>
-              <a:t>Enterprise web application </a:t>
+              <a:rPr lang="en" sz="800">
+                <a:solidFill>
+                  <a:srgbClr val="FF0000"/>
+                </a:solidFill>
+                <a:latin typeface="Lato"/>
+                <a:ea typeface="Lato"/>
+                <a:cs typeface="Lato"/>
+                <a:sym typeface="Lato"/>
+              </a:rPr>
+              <a:t>Probably will be stored here</a:t>
             </a:r>
-            <a:endParaRPr/>
-          </a:p>
-          <a:p>
-            <a:pPr indent="-311150" lvl="0" marL="457200" rtl="0" algn="l">
-              <a:spcBef>
-                <a:spcPts val="0"/>
-              </a:spcBef>
-              <a:spcAft>
-                <a:spcPts val="0"/>
-              </a:spcAft>
-              <a:buSzPts val="1300"/>
-              <a:buChar char="●"/>
-            </a:pPr>
-            <a:r>
-              <a:rPr lang="en"/>
-              <a:t>Designing effective reports </a:t>
-            </a:r>
-            <a:endParaRPr/>
-          </a:p>
-          <a:p>
-            <a:pPr indent="-311150" lvl="0" marL="457200" rtl="0" algn="l">
-              <a:spcBef>
-                <a:spcPts val="0"/>
-              </a:spcBef>
-              <a:spcAft>
-                <a:spcPts val="0"/>
-              </a:spcAft>
-              <a:buSzPts val="1300"/>
-              <a:buChar char="●"/>
-            </a:pPr>
-            <a:r>
-              <a:rPr lang="en"/>
-              <a:t>USB and Wi-Fi communication</a:t>
-            </a:r>
-            <a:endParaRPr/>
+            <a:endParaRPr sz="800">
+              <a:solidFill>
+                <a:srgbClr val="FF0000"/>
+              </a:solidFill>
+              <a:latin typeface="Lato"/>
+              <a:ea typeface="Lato"/>
+              <a:cs typeface="Lato"/>
+              <a:sym typeface="Lato"/>
+            </a:endParaRPr>
           </a:p>
         </p:txBody>
       </p:sp>

--- a/docs/ProjectPlanPresentation2ndSemester.pptx
+++ b/docs/ProjectPlanPresentation2ndSemester.pptx
@@ -11585,23 +11585,6 @@
             </a:pPr>
             <a:r>
               <a:rPr lang="en"/>
-              <a:t>Researched and purchased drivers</a:t>
-            </a:r>
-            <a:endParaRPr/>
-          </a:p>
-          <a:p>
-            <a:pPr indent="-311150" lvl="0" marL="457200" rtl="0" algn="l">
-              <a:spcBef>
-                <a:spcPts val="0"/>
-              </a:spcBef>
-              <a:spcAft>
-                <a:spcPts val="0"/>
-              </a:spcAft>
-              <a:buSzPts val="1300"/>
-              <a:buChar char="●"/>
-            </a:pPr>
-            <a:r>
-              <a:rPr lang="en"/>
               <a:t>Tested system with two week run with no issues</a:t>
             </a:r>
             <a:endParaRPr/>

--- a/docs/ProjectPlanPresentation2ndSemester.pptx
+++ b/docs/ProjectPlanPresentation2ndSemester.pptx
@@ -2,46 +2,48 @@
 <file path=ppt/presentation.xml><?xml version="1.0" encoding="utf-8"?>
 <p:presentation xmlns:a="http://schemas.openxmlformats.org/drawingml/2006/main" xmlns:r="http://schemas.openxmlformats.org/officeDocument/2006/relationships" xmlns:mc="http://schemas.openxmlformats.org/markup-compatibility/2006" xmlns:mv="urn:schemas-microsoft-com:mac:vml" xmlns:p="http://schemas.openxmlformats.org/presentationml/2006/main" xmlns:c="http://schemas.openxmlformats.org/drawingml/2006/chart" xmlns:dgm="http://schemas.openxmlformats.org/drawingml/2006/diagram" xmlns:o="urn:schemas-microsoft-com:office:office" xmlns:v="urn:schemas-microsoft-com:vml" xmlns:pvml="urn:schemas-microsoft-com:office:powerpoint" xmlns:com="http://schemas.openxmlformats.org/drawingml/2006/compatibility" xmlns:p14="http://schemas.microsoft.com/office/powerpoint/2010/main" xmlns:p15="http://schemas.microsoft.com/office/powerpoint/2012/main" autoCompressPictures="0" embedTrueTypeFonts="1" strictFirstAndLastChars="0" saveSubsetFonts="1">
   <p:sldMasterIdLst>
-    <p:sldMasterId id="2147483659" r:id="rId4"/>
+    <p:sldMasterId id="2147483659" r:id="rId5"/>
   </p:sldMasterIdLst>
   <p:notesMasterIdLst>
-    <p:notesMasterId r:id="rId5"/>
+    <p:notesMasterId r:id="rId6"/>
   </p:notesMasterIdLst>
   <p:sldIdLst>
-    <p:sldId id="256" r:id="rId6"/>
-    <p:sldId id="257" r:id="rId7"/>
-    <p:sldId id="258" r:id="rId8"/>
-    <p:sldId id="259" r:id="rId9"/>
-    <p:sldId id="260" r:id="rId10"/>
-    <p:sldId id="261" r:id="rId11"/>
-    <p:sldId id="262" r:id="rId12"/>
-    <p:sldId id="263" r:id="rId13"/>
-    <p:sldId id="264" r:id="rId14"/>
-    <p:sldId id="265" r:id="rId15"/>
-    <p:sldId id="266" r:id="rId16"/>
-    <p:sldId id="267" r:id="rId17"/>
-    <p:sldId id="268" r:id="rId18"/>
-    <p:sldId id="269" r:id="rId19"/>
-    <p:sldId id="270" r:id="rId20"/>
-    <p:sldId id="271" r:id="rId21"/>
-    <p:sldId id="272" r:id="rId22"/>
+    <p:sldId id="256" r:id="rId7"/>
+    <p:sldId id="257" r:id="rId8"/>
+    <p:sldId id="258" r:id="rId9"/>
+    <p:sldId id="259" r:id="rId10"/>
+    <p:sldId id="260" r:id="rId11"/>
+    <p:sldId id="261" r:id="rId12"/>
+    <p:sldId id="262" r:id="rId13"/>
+    <p:sldId id="263" r:id="rId14"/>
+    <p:sldId id="264" r:id="rId15"/>
+    <p:sldId id="265" r:id="rId16"/>
+    <p:sldId id="266" r:id="rId17"/>
+    <p:sldId id="267" r:id="rId18"/>
+    <p:sldId id="268" r:id="rId19"/>
+    <p:sldId id="269" r:id="rId20"/>
+    <p:sldId id="270" r:id="rId21"/>
+    <p:sldId id="271" r:id="rId22"/>
+    <p:sldId id="272" r:id="rId23"/>
+    <p:sldId id="273" r:id="rId24"/>
+    <p:sldId id="274" r:id="rId25"/>
   </p:sldIdLst>
   <p:sldSz cy="5143500" cx="9144000"/>
   <p:notesSz cx="6858000" cy="9144000"/>
   <p:embeddedFontLst>
     <p:embeddedFont>
       <p:font typeface="Montserrat"/>
-      <p:regular r:id="rId23"/>
-      <p:bold r:id="rId24"/>
-      <p:italic r:id="rId25"/>
-      <p:boldItalic r:id="rId26"/>
+      <p:regular r:id="rId26"/>
+      <p:bold r:id="rId27"/>
+      <p:italic r:id="rId28"/>
+      <p:boldItalic r:id="rId29"/>
     </p:embeddedFont>
     <p:embeddedFont>
       <p:font typeface="Lato"/>
-      <p:regular r:id="rId27"/>
-      <p:bold r:id="rId28"/>
-      <p:italic r:id="rId29"/>
-      <p:boldItalic r:id="rId30"/>
+      <p:regular r:id="rId30"/>
+      <p:bold r:id="rId31"/>
+      <p:italic r:id="rId32"/>
+      <p:boldItalic r:id="rId33"/>
     </p:embeddedFont>
   </p:embeddedFontLst>
   <p:defaultTextStyle>
@@ -822,7 +824,7 @@
   <p:cSld>
     <p:spTree>
       <p:nvGrpSpPr>
-        <p:cNvPr id="207" name="Shape 207"/>
+        <p:cNvPr id="198" name="Shape 198"/>
         <p:cNvGrpSpPr/>
         <p:nvPr/>
       </p:nvGrpSpPr>
@@ -836,7 +838,7 @@
       </p:grpSpPr>
       <p:sp>
         <p:nvSpPr>
-          <p:cNvPr id="208" name="Google Shape;208;g6df3908219_0_444:notes"/>
+          <p:cNvPr id="199" name="Google Shape;199;g6e2517c15a_0_34:notes"/>
           <p:cNvSpPr/>
           <p:nvPr>
             <p:ph idx="2" type="sldImg"/>
@@ -871,7 +873,7 @@
       </p:sp>
       <p:sp>
         <p:nvSpPr>
-          <p:cNvPr id="209" name="Google Shape;209;g6df3908219_0_444:notes"/>
+          <p:cNvPr id="200" name="Google Shape;200;g6e2517c15a_0_34:notes"/>
           <p:cNvSpPr txBox="1"/>
           <p:nvPr>
             <p:ph idx="1" type="body"/>
@@ -921,7 +923,7 @@
   <p:cSld>
     <p:spTree>
       <p:nvGrpSpPr>
-        <p:cNvPr id="213" name="Shape 213"/>
+        <p:cNvPr id="208" name="Shape 208"/>
         <p:cNvGrpSpPr/>
         <p:nvPr/>
       </p:nvGrpSpPr>
@@ -935,7 +937,7 @@
       </p:grpSpPr>
       <p:sp>
         <p:nvSpPr>
-          <p:cNvPr id="214" name="Google Shape;214;g6df3908219_0_430:notes"/>
+          <p:cNvPr id="209" name="Google Shape;209;g6e2517c15a_0_46:notes"/>
           <p:cNvSpPr/>
           <p:nvPr>
             <p:ph idx="2" type="sldImg"/>
@@ -970,7 +972,7 @@
       </p:sp>
       <p:sp>
         <p:nvSpPr>
-          <p:cNvPr id="215" name="Google Shape;215;g6df3908219_0_430:notes"/>
+          <p:cNvPr id="210" name="Google Shape;210;g6e2517c15a_0_46:notes"/>
           <p:cNvSpPr txBox="1"/>
           <p:nvPr>
             <p:ph idx="1" type="body"/>
@@ -1020,7 +1022,7 @@
   <p:cSld>
     <p:spTree>
       <p:nvGrpSpPr>
-        <p:cNvPr id="219" name="Shape 219"/>
+        <p:cNvPr id="220" name="Shape 220"/>
         <p:cNvGrpSpPr/>
         <p:nvPr/>
       </p:nvGrpSpPr>
@@ -1034,7 +1036,7 @@
       </p:grpSpPr>
       <p:sp>
         <p:nvSpPr>
-          <p:cNvPr id="220" name="Google Shape;220;g6df3908219_0_437:notes"/>
+          <p:cNvPr id="221" name="Google Shape;221;g6df3908219_0_444:notes"/>
           <p:cNvSpPr/>
           <p:nvPr>
             <p:ph idx="2" type="sldImg"/>
@@ -1069,7 +1071,7 @@
       </p:sp>
       <p:sp>
         <p:nvSpPr>
-          <p:cNvPr id="221" name="Google Shape;221;g6df3908219_0_437:notes"/>
+          <p:cNvPr id="222" name="Google Shape;222;g6df3908219_0_444:notes"/>
           <p:cNvSpPr txBox="1"/>
           <p:nvPr>
             <p:ph idx="1" type="body"/>
@@ -1119,7 +1121,7 @@
   <p:cSld>
     <p:spTree>
       <p:nvGrpSpPr>
-        <p:cNvPr id="228" name="Shape 228"/>
+        <p:cNvPr id="226" name="Shape 226"/>
         <p:cNvGrpSpPr/>
         <p:nvPr/>
       </p:nvGrpSpPr>
@@ -1133,7 +1135,7 @@
       </p:grpSpPr>
       <p:sp>
         <p:nvSpPr>
-          <p:cNvPr id="229" name="Google Shape;229;g6e2517c15a_0_7:notes"/>
+          <p:cNvPr id="227" name="Google Shape;227;g6df3908219_0_430:notes"/>
           <p:cNvSpPr/>
           <p:nvPr>
             <p:ph idx="2" type="sldImg"/>
@@ -1168,7 +1170,7 @@
       </p:sp>
       <p:sp>
         <p:nvSpPr>
-          <p:cNvPr id="230" name="Google Shape;230;g6e2517c15a_0_7:notes"/>
+          <p:cNvPr id="228" name="Google Shape;228;g6df3908219_0_430:notes"/>
           <p:cNvSpPr txBox="1"/>
           <p:nvPr>
             <p:ph idx="1" type="body"/>
@@ -1199,8 +1201,7 @@
               <a:buNone/>
             </a:pPr>
             <a:r>
-              <a:rPr lang="en"/>
-              <a:t>There are several reasons that adjusting the stepper driver current is important.  If the current is too high the stepper motors themselves will get hot and are more likely to end up in your trash bin, and no one wants that, but on the other side if your current is to low, you will end up with shifted layers in your prints or movements that are inconsistent. If you are having the following issues you definitely need to check the driver current:   Hot or extremely warm motors, Shifted Layers in middle of the print, odd pauses or inconsistent.</a:t>
+              <a:t/>
             </a:r>
             <a:endParaRPr/>
           </a:p>
@@ -1219,7 +1220,7 @@
   <p:cSld>
     <p:spTree>
       <p:nvGrpSpPr>
-        <p:cNvPr id="238" name="Shape 238"/>
+        <p:cNvPr id="232" name="Shape 232"/>
         <p:cNvGrpSpPr/>
         <p:nvPr/>
       </p:nvGrpSpPr>
@@ -1233,7 +1234,7 @@
       </p:grpSpPr>
       <p:sp>
         <p:nvSpPr>
-          <p:cNvPr id="239" name="Google Shape;239;g6df3908219_0_417:notes"/>
+          <p:cNvPr id="233" name="Google Shape;233;g6df3908219_0_437:notes"/>
           <p:cNvSpPr/>
           <p:nvPr>
             <p:ph idx="2" type="sldImg"/>
@@ -1268,7 +1269,7 @@
       </p:sp>
       <p:sp>
         <p:nvSpPr>
-          <p:cNvPr id="240" name="Google Shape;240;g6df3908219_0_417:notes"/>
+          <p:cNvPr id="234" name="Google Shape;234;g6df3908219_0_437:notes"/>
           <p:cNvSpPr txBox="1"/>
           <p:nvPr>
             <p:ph idx="1" type="body"/>
@@ -1299,8 +1300,7 @@
               <a:buNone/>
             </a:pPr>
             <a:r>
-              <a:rPr lang="en"/>
-              <a:t>Reporting solutions used telerik, can use something like My-FyiReporting </a:t>
+              <a:t/>
             </a:r>
             <a:endParaRPr/>
           </a:p>
@@ -1319,7 +1319,7 @@
   <p:cSld>
     <p:spTree>
       <p:nvGrpSpPr>
-        <p:cNvPr id="244" name="Shape 244"/>
+        <p:cNvPr id="241" name="Shape 241"/>
         <p:cNvGrpSpPr/>
         <p:nvPr/>
       </p:nvGrpSpPr>
@@ -1333,7 +1333,7 @@
       </p:grpSpPr>
       <p:sp>
         <p:nvSpPr>
-          <p:cNvPr id="245" name="Google Shape;245;g6df3908219_0_424:notes"/>
+          <p:cNvPr id="242" name="Google Shape;242;g6e2517c15a_0_7:notes"/>
           <p:cNvSpPr/>
           <p:nvPr>
             <p:ph idx="2" type="sldImg"/>
@@ -1368,7 +1368,7 @@
       </p:sp>
       <p:sp>
         <p:nvSpPr>
-          <p:cNvPr id="246" name="Google Shape;246;g6df3908219_0_424:notes"/>
+          <p:cNvPr id="243" name="Google Shape;243;g6e2517c15a_0_7:notes"/>
           <p:cNvSpPr txBox="1"/>
           <p:nvPr>
             <p:ph idx="1" type="body"/>
@@ -1399,7 +1399,8 @@
               <a:buNone/>
             </a:pPr>
             <a:r>
-              <a:t/>
+              <a:rPr lang="en"/>
+              <a:t>There are several reasons that adjusting the stepper driver current is important.  If the current is too high the stepper motors themselves will get hot and are more likely to end up in your trash bin, and no one wants that, but on the other side if your current is to low, you will end up with shifted layers in your prints or movements that are inconsistent. If you are having the following issues you definitely need to check the driver current:   Hot or extremely warm motors, Shifted Layers in middle of the print, odd pauses or inconsistent.</a:t>
             </a:r>
             <a:endParaRPr/>
           </a:p>
@@ -1432,7 +1433,7 @@
       </p:grpSpPr>
       <p:sp>
         <p:nvSpPr>
-          <p:cNvPr id="252" name="Google Shape;252;g6e2517c15a_0_68:notes"/>
+          <p:cNvPr id="252" name="Google Shape;252;g6df3908219_0_417:notes"/>
           <p:cNvSpPr/>
           <p:nvPr>
             <p:ph idx="2" type="sldImg"/>
@@ -1467,7 +1468,7 @@
       </p:sp>
       <p:sp>
         <p:nvSpPr>
-          <p:cNvPr id="253" name="Google Shape;253;g6e2517c15a_0_68:notes"/>
+          <p:cNvPr id="253" name="Google Shape;253;g6df3908219_0_417:notes"/>
           <p:cNvSpPr txBox="1"/>
           <p:nvPr>
             <p:ph idx="1" type="body"/>
@@ -1498,7 +1499,8 @@
               <a:buNone/>
             </a:pPr>
             <a:r>
-              <a:t/>
+              <a:rPr lang="en"/>
+              <a:t>Reporting solutions used telerik, can use something like My-FyiReporting </a:t>
             </a:r>
             <a:endParaRPr/>
           </a:p>
@@ -1517,7 +1519,7 @@
   <p:cSld>
     <p:spTree>
       <p:nvGrpSpPr>
-        <p:cNvPr id="258" name="Shape 258"/>
+        <p:cNvPr id="257" name="Shape 257"/>
         <p:cNvGrpSpPr/>
         <p:nvPr/>
       </p:nvGrpSpPr>
@@ -1531,7 +1533,7 @@
       </p:grpSpPr>
       <p:sp>
         <p:nvSpPr>
-          <p:cNvPr id="259" name="Google Shape;259;g6df3908219_0_451:notes"/>
+          <p:cNvPr id="258" name="Google Shape;258;g6df3908219_0_424:notes"/>
           <p:cNvSpPr/>
           <p:nvPr>
             <p:ph idx="2" type="sldImg"/>
@@ -1566,7 +1568,205 @@
       </p:sp>
       <p:sp>
         <p:nvSpPr>
-          <p:cNvPr id="260" name="Google Shape;260;g6df3908219_0_451:notes"/>
+          <p:cNvPr id="259" name="Google Shape;259;g6df3908219_0_424:notes"/>
+          <p:cNvSpPr txBox="1"/>
+          <p:nvPr>
+            <p:ph idx="1" type="body"/>
+          </p:nvPr>
+        </p:nvSpPr>
+        <p:spPr>
+          <a:xfrm>
+            <a:off x="685800" y="4343400"/>
+            <a:ext cx="5486400" cy="4114800"/>
+          </a:xfrm>
+          <a:prstGeom prst="rect">
+            <a:avLst/>
+          </a:prstGeom>
+        </p:spPr>
+        <p:txBody>
+          <a:bodyPr anchorCtr="0" anchor="t" bIns="91425" lIns="91425" spcFirstLastPara="1" rIns="91425" wrap="square" tIns="91425">
+            <a:noAutofit/>
+          </a:bodyPr>
+          <a:lstStyle/>
+          <a:p>
+            <a:pPr indent="0" lvl="0" marL="0" rtl="0" algn="l">
+              <a:spcBef>
+                <a:spcPts val="0"/>
+              </a:spcBef>
+              <a:spcAft>
+                <a:spcPts val="0"/>
+              </a:spcAft>
+              <a:buNone/>
+            </a:pPr>
+            <a:r>
+              <a:t/>
+            </a:r>
+            <a:endParaRPr/>
+          </a:p>
+        </p:txBody>
+      </p:sp>
+    </p:spTree>
+  </p:cSld>
+  <p:clrMapOvr>
+    <a:masterClrMapping/>
+  </p:clrMapOvr>
+</p:notes>
+</file>
+
+<file path=ppt/notesSlides/notesSlide18.xml><?xml version="1.0" encoding="utf-8"?>
+<p:notes xmlns:a="http://schemas.openxmlformats.org/drawingml/2006/main" xmlns:r="http://schemas.openxmlformats.org/officeDocument/2006/relationships" xmlns:mc="http://schemas.openxmlformats.org/markup-compatibility/2006" xmlns:mv="urn:schemas-microsoft-com:mac:vml" xmlns:p="http://schemas.openxmlformats.org/presentationml/2006/main" xmlns:c="http://schemas.openxmlformats.org/drawingml/2006/chart" xmlns:dgm="http://schemas.openxmlformats.org/drawingml/2006/diagram" xmlns:o="urn:schemas-microsoft-com:office:office" xmlns:v="urn:schemas-microsoft-com:vml" xmlns:pvml="urn:schemas-microsoft-com:office:powerpoint" xmlns:com="http://schemas.openxmlformats.org/drawingml/2006/compatibility" xmlns:p14="http://schemas.microsoft.com/office/powerpoint/2010/main" xmlns:p15="http://schemas.microsoft.com/office/powerpoint/2012/main" showMasterPhAnim="0" showMasterSp="0">
+  <p:cSld>
+    <p:spTree>
+      <p:nvGrpSpPr>
+        <p:cNvPr id="264" name="Shape 264"/>
+        <p:cNvGrpSpPr/>
+        <p:nvPr/>
+      </p:nvGrpSpPr>
+      <p:grpSpPr>
+        <a:xfrm>
+          <a:off x="0" y="0"/>
+          <a:ext cx="0" cy="0"/>
+          <a:chOff x="0" y="0"/>
+          <a:chExt cx="0" cy="0"/>
+        </a:xfrm>
+      </p:grpSpPr>
+      <p:sp>
+        <p:nvSpPr>
+          <p:cNvPr id="265" name="Google Shape;265;g6e2517c15a_0_68:notes"/>
+          <p:cNvSpPr/>
+          <p:nvPr>
+            <p:ph idx="2" type="sldImg"/>
+          </p:nvPr>
+        </p:nvSpPr>
+        <p:spPr>
+          <a:xfrm>
+            <a:off x="381300" y="685800"/>
+            <a:ext cx="6096000" cy="3429000"/>
+          </a:xfrm>
+          <a:custGeom>
+            <a:rect b="b" l="l" r="r" t="t"/>
+            <a:pathLst>
+              <a:path extrusionOk="0" h="120000" w="120000">
+                <a:moveTo>
+                  <a:pt x="0" y="0"/>
+                </a:moveTo>
+                <a:lnTo>
+                  <a:pt x="120000" y="0"/>
+                </a:lnTo>
+                <a:lnTo>
+                  <a:pt x="120000" y="120000"/>
+                </a:lnTo>
+                <a:lnTo>
+                  <a:pt x="0" y="120000"/>
+                </a:lnTo>
+                <a:close/>
+              </a:path>
+            </a:pathLst>
+          </a:custGeom>
+        </p:spPr>
+      </p:sp>
+      <p:sp>
+        <p:nvSpPr>
+          <p:cNvPr id="266" name="Google Shape;266;g6e2517c15a_0_68:notes"/>
+          <p:cNvSpPr txBox="1"/>
+          <p:nvPr>
+            <p:ph idx="1" type="body"/>
+          </p:nvPr>
+        </p:nvSpPr>
+        <p:spPr>
+          <a:xfrm>
+            <a:off x="685800" y="4343400"/>
+            <a:ext cx="5486400" cy="4114800"/>
+          </a:xfrm>
+          <a:prstGeom prst="rect">
+            <a:avLst/>
+          </a:prstGeom>
+        </p:spPr>
+        <p:txBody>
+          <a:bodyPr anchorCtr="0" anchor="t" bIns="91425" lIns="91425" spcFirstLastPara="1" rIns="91425" wrap="square" tIns="91425">
+            <a:noAutofit/>
+          </a:bodyPr>
+          <a:lstStyle/>
+          <a:p>
+            <a:pPr indent="0" lvl="0" marL="0" rtl="0" algn="l">
+              <a:spcBef>
+                <a:spcPts val="0"/>
+              </a:spcBef>
+              <a:spcAft>
+                <a:spcPts val="0"/>
+              </a:spcAft>
+              <a:buNone/>
+            </a:pPr>
+            <a:r>
+              <a:t/>
+            </a:r>
+            <a:endParaRPr/>
+          </a:p>
+        </p:txBody>
+      </p:sp>
+    </p:spTree>
+  </p:cSld>
+  <p:clrMapOvr>
+    <a:masterClrMapping/>
+  </p:clrMapOvr>
+</p:notes>
+</file>
+
+<file path=ppt/notesSlides/notesSlide19.xml><?xml version="1.0" encoding="utf-8"?>
+<p:notes xmlns:a="http://schemas.openxmlformats.org/drawingml/2006/main" xmlns:r="http://schemas.openxmlformats.org/officeDocument/2006/relationships" xmlns:mc="http://schemas.openxmlformats.org/markup-compatibility/2006" xmlns:mv="urn:schemas-microsoft-com:mac:vml" xmlns:p="http://schemas.openxmlformats.org/presentationml/2006/main" xmlns:c="http://schemas.openxmlformats.org/drawingml/2006/chart" xmlns:dgm="http://schemas.openxmlformats.org/drawingml/2006/diagram" xmlns:o="urn:schemas-microsoft-com:office:office" xmlns:v="urn:schemas-microsoft-com:vml" xmlns:pvml="urn:schemas-microsoft-com:office:powerpoint" xmlns:com="http://schemas.openxmlformats.org/drawingml/2006/compatibility" xmlns:p14="http://schemas.microsoft.com/office/powerpoint/2010/main" xmlns:p15="http://schemas.microsoft.com/office/powerpoint/2012/main" showMasterPhAnim="0" showMasterSp="0">
+  <p:cSld>
+    <p:spTree>
+      <p:nvGrpSpPr>
+        <p:cNvPr id="271" name="Shape 271"/>
+        <p:cNvGrpSpPr/>
+        <p:nvPr/>
+      </p:nvGrpSpPr>
+      <p:grpSpPr>
+        <a:xfrm>
+          <a:off x="0" y="0"/>
+          <a:ext cx="0" cy="0"/>
+          <a:chOff x="0" y="0"/>
+          <a:chExt cx="0" cy="0"/>
+        </a:xfrm>
+      </p:grpSpPr>
+      <p:sp>
+        <p:nvSpPr>
+          <p:cNvPr id="272" name="Google Shape;272;g6df3908219_0_451:notes"/>
+          <p:cNvSpPr/>
+          <p:nvPr>
+            <p:ph idx="2" type="sldImg"/>
+          </p:nvPr>
+        </p:nvSpPr>
+        <p:spPr>
+          <a:xfrm>
+            <a:off x="381300" y="685800"/>
+            <a:ext cx="6096000" cy="3429000"/>
+          </a:xfrm>
+          <a:custGeom>
+            <a:rect b="b" l="l" r="r" t="t"/>
+            <a:pathLst>
+              <a:path extrusionOk="0" h="120000" w="120000">
+                <a:moveTo>
+                  <a:pt x="0" y="0"/>
+                </a:moveTo>
+                <a:lnTo>
+                  <a:pt x="120000" y="0"/>
+                </a:lnTo>
+                <a:lnTo>
+                  <a:pt x="120000" y="120000"/>
+                </a:lnTo>
+                <a:lnTo>
+                  <a:pt x="0" y="120000"/>
+                </a:lnTo>
+                <a:close/>
+              </a:path>
+            </a:pathLst>
+          </a:custGeom>
+        </p:spPr>
+      </p:sp>
+      <p:sp>
+        <p:nvSpPr>
+          <p:cNvPr id="273" name="Google Shape;273;g6df3908219_0_451:notes"/>
           <p:cNvSpPr txBox="1"/>
           <p:nvPr>
             <p:ph idx="1" type="body"/>
@@ -2026,7 +2226,7 @@
       </p:grpSpPr>
       <p:sp>
         <p:nvSpPr>
-          <p:cNvPr id="169" name="Google Shape;169;g6df3908219_0_271:notes"/>
+          <p:cNvPr id="169" name="Google Shape;169;g6f12553dd9_0_0:notes"/>
           <p:cNvSpPr/>
           <p:nvPr>
             <p:ph idx="2" type="sldImg"/>
@@ -2061,7 +2261,7 @@
       </p:sp>
       <p:sp>
         <p:nvSpPr>
-          <p:cNvPr id="170" name="Google Shape;170;g6df3908219_0_271:notes"/>
+          <p:cNvPr id="170" name="Google Shape;170;g6f12553dd9_0_0:notes"/>
           <p:cNvSpPr txBox="1"/>
           <p:nvPr>
             <p:ph idx="1" type="body"/>
@@ -2125,7 +2325,7 @@
       </p:grpSpPr>
       <p:sp>
         <p:nvSpPr>
-          <p:cNvPr id="176" name="Google Shape;176;g6e2517c15a_0_26:notes"/>
+          <p:cNvPr id="176" name="Google Shape;176;g6f12553dd9_0_6:notes"/>
           <p:cNvSpPr/>
           <p:nvPr>
             <p:ph idx="2" type="sldImg"/>
@@ -2160,7 +2360,7 @@
       </p:sp>
       <p:sp>
         <p:nvSpPr>
-          <p:cNvPr id="177" name="Google Shape;177;g6e2517c15a_0_26:notes"/>
+          <p:cNvPr id="177" name="Google Shape;177;g6f12553dd9_0_6:notes"/>
           <p:cNvSpPr txBox="1"/>
           <p:nvPr>
             <p:ph idx="1" type="body"/>
@@ -2210,7 +2410,7 @@
   <p:cSld>
     <p:spTree>
       <p:nvGrpSpPr>
-        <p:cNvPr id="185" name="Shape 185"/>
+        <p:cNvPr id="181" name="Shape 181"/>
         <p:cNvGrpSpPr/>
         <p:nvPr/>
       </p:nvGrpSpPr>
@@ -2224,7 +2424,7 @@
       </p:grpSpPr>
       <p:sp>
         <p:nvSpPr>
-          <p:cNvPr id="186" name="Google Shape;186;g6e2517c15a_0_34:notes"/>
+          <p:cNvPr id="182" name="Google Shape;182;g6df3908219_0_271:notes"/>
           <p:cNvSpPr/>
           <p:nvPr>
             <p:ph idx="2" type="sldImg"/>
@@ -2259,7 +2459,7 @@
       </p:sp>
       <p:sp>
         <p:nvSpPr>
-          <p:cNvPr id="187" name="Google Shape;187;g6e2517c15a_0_34:notes"/>
+          <p:cNvPr id="183" name="Google Shape;183;g6df3908219_0_271:notes"/>
           <p:cNvSpPr txBox="1"/>
           <p:nvPr>
             <p:ph idx="1" type="body"/>
@@ -2309,7 +2509,7 @@
   <p:cSld>
     <p:spTree>
       <p:nvGrpSpPr>
-        <p:cNvPr id="195" name="Shape 195"/>
+        <p:cNvPr id="188" name="Shape 188"/>
         <p:cNvGrpSpPr/>
         <p:nvPr/>
       </p:nvGrpSpPr>
@@ -2323,7 +2523,7 @@
       </p:grpSpPr>
       <p:sp>
         <p:nvSpPr>
-          <p:cNvPr id="196" name="Google Shape;196;g6e2517c15a_0_46:notes"/>
+          <p:cNvPr id="189" name="Google Shape;189;g6e2517c15a_0_26:notes"/>
           <p:cNvSpPr/>
           <p:nvPr>
             <p:ph idx="2" type="sldImg"/>
@@ -2358,7 +2558,7 @@
       </p:sp>
       <p:sp>
         <p:nvSpPr>
-          <p:cNvPr id="197" name="Google Shape;197;g6e2517c15a_0_46:notes"/>
+          <p:cNvPr id="190" name="Google Shape;190;g6e2517c15a_0_26:notes"/>
           <p:cNvSpPr txBox="1"/>
           <p:nvPr>
             <p:ph idx="1" type="body"/>
@@ -10776,7 +10976,699 @@
   <p:cSld>
     <p:spTree>
       <p:nvGrpSpPr>
-        <p:cNvPr id="210" name="Shape 210"/>
+        <p:cNvPr id="201" name="Shape 201"/>
+        <p:cNvGrpSpPr/>
+        <p:nvPr/>
+      </p:nvGrpSpPr>
+      <p:grpSpPr>
+        <a:xfrm>
+          <a:off x="0" y="0"/>
+          <a:ext cx="0" cy="0"/>
+          <a:chOff x="0" y="0"/>
+          <a:chExt cx="0" cy="0"/>
+        </a:xfrm>
+      </p:grpSpPr>
+      <p:sp>
+        <p:nvSpPr>
+          <p:cNvPr id="202" name="Google Shape;202;p22"/>
+          <p:cNvSpPr txBox="1"/>
+          <p:nvPr>
+            <p:ph idx="1" type="body"/>
+          </p:nvPr>
+        </p:nvSpPr>
+        <p:spPr>
+          <a:xfrm>
+            <a:off x="1297500" y="1567550"/>
+            <a:ext cx="2463000" cy="2911200"/>
+          </a:xfrm>
+          <a:prstGeom prst="rect">
+            <a:avLst/>
+          </a:prstGeom>
+        </p:spPr>
+        <p:txBody>
+          <a:bodyPr anchorCtr="0" anchor="t" bIns="91425" lIns="91425" spcFirstLastPara="1" rIns="91425" wrap="square" tIns="91425">
+            <a:noAutofit/>
+          </a:bodyPr>
+          <a:lstStyle/>
+          <a:p>
+            <a:pPr indent="0" lvl="0" marL="0" rtl="0" algn="l">
+              <a:spcBef>
+                <a:spcPts val="0"/>
+              </a:spcBef>
+              <a:spcAft>
+                <a:spcPts val="1600"/>
+              </a:spcAft>
+              <a:buNone/>
+            </a:pPr>
+            <a:r>
+              <a:rPr lang="en"/>
+              <a:t>An application will be the one-stop-shop for managing and configuring the device(s):</a:t>
+            </a:r>
+            <a:endParaRPr/>
+          </a:p>
+        </p:txBody>
+      </p:sp>
+      <p:sp>
+        <p:nvSpPr>
+          <p:cNvPr id="203" name="Google Shape;203;p22"/>
+          <p:cNvSpPr txBox="1"/>
+          <p:nvPr>
+            <p:ph type="title"/>
+          </p:nvPr>
+        </p:nvSpPr>
+        <p:spPr>
+          <a:xfrm>
+            <a:off x="1297500" y="393750"/>
+            <a:ext cx="7038900" cy="914100"/>
+          </a:xfrm>
+          <a:prstGeom prst="rect">
+            <a:avLst/>
+          </a:prstGeom>
+        </p:spPr>
+        <p:txBody>
+          <a:bodyPr anchorCtr="0" anchor="t" bIns="91425" lIns="91425" spcFirstLastPara="1" rIns="91425" wrap="square" tIns="91425">
+            <a:noAutofit/>
+          </a:bodyPr>
+          <a:lstStyle/>
+          <a:p>
+            <a:pPr indent="0" lvl="0" marL="0" rtl="0" algn="l">
+              <a:spcBef>
+                <a:spcPts val="0"/>
+              </a:spcBef>
+              <a:spcAft>
+                <a:spcPts val="0"/>
+              </a:spcAft>
+              <a:buNone/>
+            </a:pPr>
+            <a:r>
+              <a:rPr lang="en"/>
+              <a:t>Approach</a:t>
+            </a:r>
+            <a:endParaRPr/>
+          </a:p>
+        </p:txBody>
+      </p:sp>
+      <p:pic>
+        <p:nvPicPr>
+          <p:cNvPr id="204" name="Google Shape;204;p22"/>
+          <p:cNvPicPr preferRelativeResize="0"/>
+          <p:nvPr/>
+        </p:nvPicPr>
+        <p:blipFill>
+          <a:blip r:embed="rId3">
+            <a:alphaModFix/>
+          </a:blip>
+          <a:stretch>
+            <a:fillRect/>
+          </a:stretch>
+        </p:blipFill>
+        <p:spPr>
+          <a:xfrm>
+            <a:off x="4137325" y="18326"/>
+            <a:ext cx="4331799" cy="5112300"/>
+          </a:xfrm>
+          <a:prstGeom prst="rect">
+            <a:avLst/>
+          </a:prstGeom>
+          <a:noFill/>
+          <a:ln cap="flat" cmpd="sng" w="19050">
+            <a:solidFill>
+              <a:schemeClr val="dk2"/>
+            </a:solidFill>
+            <a:prstDash val="solid"/>
+            <a:round/>
+            <a:headEnd len="sm" w="sm" type="none"/>
+            <a:tailEnd len="sm" w="sm" type="none"/>
+          </a:ln>
+        </p:spPr>
+      </p:pic>
+      <p:sp>
+        <p:nvSpPr>
+          <p:cNvPr id="205" name="Google Shape;205;p22"/>
+          <p:cNvSpPr/>
+          <p:nvPr/>
+        </p:nvSpPr>
+        <p:spPr>
+          <a:xfrm>
+            <a:off x="6987000" y="2571750"/>
+            <a:ext cx="568500" cy="485400"/>
+          </a:xfrm>
+          <a:prstGeom prst="ellipse">
+            <a:avLst/>
+          </a:prstGeom>
+          <a:noFill/>
+          <a:ln cap="flat" cmpd="sng" w="9525">
+            <a:solidFill>
+              <a:srgbClr val="FF0000"/>
+            </a:solidFill>
+            <a:prstDash val="solid"/>
+            <a:round/>
+            <a:headEnd len="sm" w="sm" type="none"/>
+            <a:tailEnd len="sm" w="sm" type="none"/>
+          </a:ln>
+        </p:spPr>
+        <p:txBody>
+          <a:bodyPr anchorCtr="0" anchor="ctr" bIns="91425" lIns="91425" spcFirstLastPara="1" rIns="91425" wrap="square" tIns="91425">
+            <a:noAutofit/>
+          </a:bodyPr>
+          <a:lstStyle/>
+          <a:p>
+            <a:pPr indent="0" lvl="0" marL="0" rtl="0" algn="l">
+              <a:spcBef>
+                <a:spcPts val="0"/>
+              </a:spcBef>
+              <a:spcAft>
+                <a:spcPts val="0"/>
+              </a:spcAft>
+              <a:buNone/>
+            </a:pPr>
+            <a:r>
+              <a:t/>
+            </a:r>
+            <a:endParaRPr/>
+          </a:p>
+        </p:txBody>
+      </p:sp>
+      <p:sp>
+        <p:nvSpPr>
+          <p:cNvPr id="206" name="Google Shape;206;p22"/>
+          <p:cNvSpPr txBox="1"/>
+          <p:nvPr/>
+        </p:nvSpPr>
+        <p:spPr>
+          <a:xfrm>
+            <a:off x="4242875" y="1688700"/>
+            <a:ext cx="1358100" cy="1217400"/>
+          </a:xfrm>
+          <a:prstGeom prst="rect">
+            <a:avLst/>
+          </a:prstGeom>
+          <a:solidFill>
+            <a:srgbClr val="FFFFFF"/>
+          </a:solidFill>
+          <a:ln cap="flat" cmpd="sng" w="19050">
+            <a:solidFill>
+              <a:srgbClr val="FF0000"/>
+            </a:solidFill>
+            <a:prstDash val="solid"/>
+            <a:round/>
+            <a:headEnd len="sm" w="sm" type="none"/>
+            <a:tailEnd len="sm" w="sm" type="none"/>
+          </a:ln>
+        </p:spPr>
+        <p:txBody>
+          <a:bodyPr anchorCtr="0" anchor="t" bIns="91425" lIns="91425" spcFirstLastPara="1" rIns="91425" wrap="square" tIns="91425">
+            <a:noAutofit/>
+          </a:bodyPr>
+          <a:lstStyle/>
+          <a:p>
+            <a:pPr indent="0" lvl="0" marL="0" rtl="0" algn="l">
+              <a:spcBef>
+                <a:spcPts val="0"/>
+              </a:spcBef>
+              <a:spcAft>
+                <a:spcPts val="0"/>
+              </a:spcAft>
+              <a:buNone/>
+            </a:pPr>
+            <a:r>
+              <a:rPr lang="en" sz="1000">
+                <a:solidFill>
+                  <a:srgbClr val="FF0000"/>
+                </a:solidFill>
+                <a:latin typeface="Lato"/>
+                <a:ea typeface="Lato"/>
+                <a:cs typeface="Lato"/>
+                <a:sym typeface="Lato"/>
+              </a:rPr>
+              <a:t>Saves </a:t>
+            </a:r>
+            <a:r>
+              <a:rPr lang="en" sz="1000">
+                <a:solidFill>
+                  <a:srgbClr val="FF0000"/>
+                </a:solidFill>
+                <a:latin typeface="Lato"/>
+                <a:ea typeface="Lato"/>
+                <a:cs typeface="Lato"/>
+                <a:sym typeface="Lato"/>
+              </a:rPr>
+              <a:t>device configuration, may be stored in db field. Modified when device is connected and config is updated.</a:t>
+            </a:r>
+            <a:endParaRPr sz="1000">
+              <a:solidFill>
+                <a:srgbClr val="FF0000"/>
+              </a:solidFill>
+              <a:latin typeface="Lato"/>
+              <a:ea typeface="Lato"/>
+              <a:cs typeface="Lato"/>
+              <a:sym typeface="Lato"/>
+            </a:endParaRPr>
+          </a:p>
+        </p:txBody>
+      </p:sp>
+      <p:cxnSp>
+        <p:nvCxnSpPr>
+          <p:cNvPr id="207" name="Google Shape;207;p22"/>
+          <p:cNvCxnSpPr>
+            <a:stCxn id="206" idx="3"/>
+            <a:endCxn id="205" idx="2"/>
+          </p:cNvCxnSpPr>
+          <p:nvPr/>
+        </p:nvCxnSpPr>
+        <p:spPr>
+          <a:xfrm>
+            <a:off x="5600975" y="2297400"/>
+            <a:ext cx="1386000" cy="517200"/>
+          </a:xfrm>
+          <a:prstGeom prst="straightConnector1">
+            <a:avLst/>
+          </a:prstGeom>
+          <a:noFill/>
+          <a:ln cap="flat" cmpd="sng" w="9525">
+            <a:solidFill>
+              <a:srgbClr val="FF0000"/>
+            </a:solidFill>
+            <a:prstDash val="solid"/>
+            <a:round/>
+            <a:headEnd len="med" w="med" type="none"/>
+            <a:tailEnd len="med" w="med" type="none"/>
+          </a:ln>
+        </p:spPr>
+      </p:cxnSp>
+    </p:spTree>
+  </p:cSld>
+  <p:clrMapOvr>
+    <a:masterClrMapping/>
+  </p:clrMapOvr>
+</p:sld>
+</file>
+
+<file path=ppt/slides/slide11.xml><?xml version="1.0" encoding="utf-8"?>
+<p:sld xmlns:a="http://schemas.openxmlformats.org/drawingml/2006/main" xmlns:r="http://schemas.openxmlformats.org/officeDocument/2006/relationships" xmlns:mc="http://schemas.openxmlformats.org/markup-compatibility/2006" xmlns:mv="urn:schemas-microsoft-com:mac:vml" xmlns:p="http://schemas.openxmlformats.org/presentationml/2006/main" xmlns:c="http://schemas.openxmlformats.org/drawingml/2006/chart" xmlns:dgm="http://schemas.openxmlformats.org/drawingml/2006/diagram" xmlns:o="urn:schemas-microsoft-com:office:office" xmlns:v="urn:schemas-microsoft-com:vml" xmlns:pvml="urn:schemas-microsoft-com:office:powerpoint" xmlns:com="http://schemas.openxmlformats.org/drawingml/2006/compatibility" xmlns:p14="http://schemas.microsoft.com/office/powerpoint/2010/main" xmlns:p15="http://schemas.microsoft.com/office/powerpoint/2012/main">
+  <p:cSld>
+    <p:spTree>
+      <p:nvGrpSpPr>
+        <p:cNvPr id="211" name="Shape 211"/>
+        <p:cNvGrpSpPr/>
+        <p:nvPr/>
+      </p:nvGrpSpPr>
+      <p:grpSpPr>
+        <a:xfrm>
+          <a:off x="0" y="0"/>
+          <a:ext cx="0" cy="0"/>
+          <a:chOff x="0" y="0"/>
+          <a:chExt cx="0" cy="0"/>
+        </a:xfrm>
+      </p:grpSpPr>
+      <p:sp>
+        <p:nvSpPr>
+          <p:cNvPr id="212" name="Google Shape;212;p23"/>
+          <p:cNvSpPr txBox="1"/>
+          <p:nvPr>
+            <p:ph idx="1" type="body"/>
+          </p:nvPr>
+        </p:nvSpPr>
+        <p:spPr>
+          <a:xfrm>
+            <a:off x="1297500" y="1567550"/>
+            <a:ext cx="2463000" cy="2911200"/>
+          </a:xfrm>
+          <a:prstGeom prst="rect">
+            <a:avLst/>
+          </a:prstGeom>
+        </p:spPr>
+        <p:txBody>
+          <a:bodyPr anchorCtr="0" anchor="t" bIns="91425" lIns="91425" spcFirstLastPara="1" rIns="91425" wrap="square" tIns="91425">
+            <a:noAutofit/>
+          </a:bodyPr>
+          <a:lstStyle/>
+          <a:p>
+            <a:pPr indent="0" lvl="0" marL="0" rtl="0" algn="l">
+              <a:spcBef>
+                <a:spcPts val="0"/>
+              </a:spcBef>
+              <a:spcAft>
+                <a:spcPts val="1600"/>
+              </a:spcAft>
+              <a:buNone/>
+            </a:pPr>
+            <a:r>
+              <a:rPr lang="en"/>
+              <a:t>An application will be the one-stop-shop for managing and configuring the device(s):</a:t>
+            </a:r>
+            <a:endParaRPr/>
+          </a:p>
+        </p:txBody>
+      </p:sp>
+      <p:sp>
+        <p:nvSpPr>
+          <p:cNvPr id="213" name="Google Shape;213;p23"/>
+          <p:cNvSpPr txBox="1"/>
+          <p:nvPr>
+            <p:ph type="title"/>
+          </p:nvPr>
+        </p:nvSpPr>
+        <p:spPr>
+          <a:xfrm>
+            <a:off x="1297500" y="393750"/>
+            <a:ext cx="7038900" cy="914100"/>
+          </a:xfrm>
+          <a:prstGeom prst="rect">
+            <a:avLst/>
+          </a:prstGeom>
+        </p:spPr>
+        <p:txBody>
+          <a:bodyPr anchorCtr="0" anchor="t" bIns="91425" lIns="91425" spcFirstLastPara="1" rIns="91425" wrap="square" tIns="91425">
+            <a:noAutofit/>
+          </a:bodyPr>
+          <a:lstStyle/>
+          <a:p>
+            <a:pPr indent="0" lvl="0" marL="0" rtl="0" algn="l">
+              <a:spcBef>
+                <a:spcPts val="0"/>
+              </a:spcBef>
+              <a:spcAft>
+                <a:spcPts val="0"/>
+              </a:spcAft>
+              <a:buNone/>
+            </a:pPr>
+            <a:r>
+              <a:rPr lang="en"/>
+              <a:t>Approach</a:t>
+            </a:r>
+            <a:endParaRPr/>
+          </a:p>
+        </p:txBody>
+      </p:sp>
+      <p:pic>
+        <p:nvPicPr>
+          <p:cNvPr id="214" name="Google Shape;214;p23"/>
+          <p:cNvPicPr preferRelativeResize="0"/>
+          <p:nvPr/>
+        </p:nvPicPr>
+        <p:blipFill>
+          <a:blip r:embed="rId3">
+            <a:alphaModFix/>
+          </a:blip>
+          <a:stretch>
+            <a:fillRect/>
+          </a:stretch>
+        </p:blipFill>
+        <p:spPr>
+          <a:xfrm>
+            <a:off x="4137325" y="18326"/>
+            <a:ext cx="4331799" cy="5112300"/>
+          </a:xfrm>
+          <a:prstGeom prst="rect">
+            <a:avLst/>
+          </a:prstGeom>
+          <a:noFill/>
+          <a:ln cap="flat" cmpd="sng" w="19050">
+            <a:solidFill>
+              <a:schemeClr val="dk2"/>
+            </a:solidFill>
+            <a:prstDash val="solid"/>
+            <a:round/>
+            <a:headEnd len="sm" w="sm" type="none"/>
+            <a:tailEnd len="sm" w="sm" type="none"/>
+          </a:ln>
+        </p:spPr>
+      </p:pic>
+      <p:sp>
+        <p:nvSpPr>
+          <p:cNvPr id="215" name="Google Shape;215;p23"/>
+          <p:cNvSpPr/>
+          <p:nvPr/>
+        </p:nvSpPr>
+        <p:spPr>
+          <a:xfrm>
+            <a:off x="6987000" y="2571750"/>
+            <a:ext cx="568500" cy="485400"/>
+          </a:xfrm>
+          <a:prstGeom prst="ellipse">
+            <a:avLst/>
+          </a:prstGeom>
+          <a:noFill/>
+          <a:ln cap="flat" cmpd="sng" w="9525">
+            <a:solidFill>
+              <a:srgbClr val="FF0000"/>
+            </a:solidFill>
+            <a:prstDash val="solid"/>
+            <a:round/>
+            <a:headEnd len="sm" w="sm" type="none"/>
+            <a:tailEnd len="sm" w="sm" type="none"/>
+          </a:ln>
+        </p:spPr>
+        <p:txBody>
+          <a:bodyPr anchorCtr="0" anchor="ctr" bIns="91425" lIns="91425" spcFirstLastPara="1" rIns="91425" wrap="square" tIns="91425">
+            <a:noAutofit/>
+          </a:bodyPr>
+          <a:lstStyle/>
+          <a:p>
+            <a:pPr indent="0" lvl="0" marL="0" rtl="0" algn="l">
+              <a:spcBef>
+                <a:spcPts val="0"/>
+              </a:spcBef>
+              <a:spcAft>
+                <a:spcPts val="0"/>
+              </a:spcAft>
+              <a:buNone/>
+            </a:pPr>
+            <a:r>
+              <a:t/>
+            </a:r>
+            <a:endParaRPr/>
+          </a:p>
+        </p:txBody>
+      </p:sp>
+      <p:sp>
+        <p:nvSpPr>
+          <p:cNvPr id="216" name="Google Shape;216;p23"/>
+          <p:cNvSpPr txBox="1"/>
+          <p:nvPr/>
+        </p:nvSpPr>
+        <p:spPr>
+          <a:xfrm>
+            <a:off x="4242875" y="1688700"/>
+            <a:ext cx="1358100" cy="1217400"/>
+          </a:xfrm>
+          <a:prstGeom prst="rect">
+            <a:avLst/>
+          </a:prstGeom>
+          <a:solidFill>
+            <a:srgbClr val="FFFFFF"/>
+          </a:solidFill>
+          <a:ln cap="flat" cmpd="sng" w="19050">
+            <a:solidFill>
+              <a:srgbClr val="FF0000"/>
+            </a:solidFill>
+            <a:prstDash val="solid"/>
+            <a:round/>
+            <a:headEnd len="sm" w="sm" type="none"/>
+            <a:tailEnd len="sm" w="sm" type="none"/>
+          </a:ln>
+        </p:spPr>
+        <p:txBody>
+          <a:bodyPr anchorCtr="0" anchor="t" bIns="91425" lIns="91425" spcFirstLastPara="1" rIns="91425" wrap="square" tIns="91425">
+            <a:noAutofit/>
+          </a:bodyPr>
+          <a:lstStyle/>
+          <a:p>
+            <a:pPr indent="0" lvl="0" marL="0" rtl="0" algn="l">
+              <a:spcBef>
+                <a:spcPts val="0"/>
+              </a:spcBef>
+              <a:spcAft>
+                <a:spcPts val="0"/>
+              </a:spcAft>
+              <a:buNone/>
+            </a:pPr>
+            <a:r>
+              <a:rPr lang="en" sz="1000">
+                <a:solidFill>
+                  <a:srgbClr val="FF0000"/>
+                </a:solidFill>
+                <a:latin typeface="Lato"/>
+                <a:ea typeface="Lato"/>
+                <a:cs typeface="Lato"/>
+                <a:sym typeface="Lato"/>
+              </a:rPr>
+              <a:t>Saves device configuration, may be stored in db field. Modified when device is connected and config is updated.</a:t>
+            </a:r>
+            <a:endParaRPr sz="1000">
+              <a:solidFill>
+                <a:srgbClr val="FF0000"/>
+              </a:solidFill>
+              <a:latin typeface="Lato"/>
+              <a:ea typeface="Lato"/>
+              <a:cs typeface="Lato"/>
+              <a:sym typeface="Lato"/>
+            </a:endParaRPr>
+          </a:p>
+        </p:txBody>
+      </p:sp>
+      <p:cxnSp>
+        <p:nvCxnSpPr>
+          <p:cNvPr id="217" name="Google Shape;217;p23"/>
+          <p:cNvCxnSpPr>
+            <a:stCxn id="216" idx="3"/>
+            <a:endCxn id="215" idx="2"/>
+          </p:cNvCxnSpPr>
+          <p:nvPr/>
+        </p:nvCxnSpPr>
+        <p:spPr>
+          <a:xfrm>
+            <a:off x="5600975" y="2297400"/>
+            <a:ext cx="1386000" cy="517200"/>
+          </a:xfrm>
+          <a:prstGeom prst="straightConnector1">
+            <a:avLst/>
+          </a:prstGeom>
+          <a:noFill/>
+          <a:ln cap="flat" cmpd="sng" w="9525">
+            <a:solidFill>
+              <a:srgbClr val="FF0000"/>
+            </a:solidFill>
+            <a:prstDash val="solid"/>
+            <a:round/>
+            <a:headEnd len="med" w="med" type="none"/>
+            <a:tailEnd len="med" w="med" type="none"/>
+          </a:ln>
+        </p:spPr>
+      </p:cxnSp>
+      <p:sp>
+        <p:nvSpPr>
+          <p:cNvPr id="218" name="Google Shape;218;p23"/>
+          <p:cNvSpPr/>
+          <p:nvPr/>
+        </p:nvSpPr>
+        <p:spPr>
+          <a:xfrm rot="7446929">
+            <a:off x="8105858" y="2307919"/>
+            <a:ext cx="907709" cy="372852"/>
+          </a:xfrm>
+          <a:prstGeom prst="rightArrow">
+            <a:avLst>
+              <a:gd fmla="val 50000" name="adj1"/>
+              <a:gd fmla="val 50000" name="adj2"/>
+            </a:avLst>
+          </a:prstGeom>
+          <a:solidFill>
+            <a:srgbClr val="FF0000"/>
+          </a:solidFill>
+          <a:ln cap="flat" cmpd="sng" w="9525">
+            <a:solidFill>
+              <a:srgbClr val="FF0000"/>
+            </a:solidFill>
+            <a:prstDash val="solid"/>
+            <a:round/>
+            <a:headEnd len="sm" w="sm" type="none"/>
+            <a:tailEnd len="sm" w="sm" type="none"/>
+          </a:ln>
+        </p:spPr>
+        <p:txBody>
+          <a:bodyPr anchorCtr="0" anchor="ctr" bIns="91425" lIns="91425" spcFirstLastPara="1" rIns="91425" wrap="square" tIns="91425">
+            <a:noAutofit/>
+          </a:bodyPr>
+          <a:lstStyle/>
+          <a:p>
+            <a:pPr indent="0" lvl="0" marL="0" rtl="0" algn="l">
+              <a:spcBef>
+                <a:spcPts val="0"/>
+              </a:spcBef>
+              <a:spcAft>
+                <a:spcPts val="0"/>
+              </a:spcAft>
+              <a:buNone/>
+            </a:pPr>
+            <a:r>
+              <a:t/>
+            </a:r>
+            <a:endParaRPr/>
+          </a:p>
+        </p:txBody>
+      </p:sp>
+      <p:sp>
+        <p:nvSpPr>
+          <p:cNvPr id="219" name="Google Shape;219;p23"/>
+          <p:cNvSpPr txBox="1"/>
+          <p:nvPr/>
+        </p:nvSpPr>
+        <p:spPr>
+          <a:xfrm>
+            <a:off x="7917300" y="1784125"/>
+            <a:ext cx="1107600" cy="358800"/>
+          </a:xfrm>
+          <a:prstGeom prst="rect">
+            <a:avLst/>
+          </a:prstGeom>
+          <a:solidFill>
+            <a:srgbClr val="FFFFFF"/>
+          </a:solidFill>
+          <a:ln cap="flat" cmpd="sng" w="19050">
+            <a:solidFill>
+              <a:srgbClr val="FF0000"/>
+            </a:solidFill>
+            <a:prstDash val="solid"/>
+            <a:round/>
+            <a:headEnd len="sm" w="sm" type="none"/>
+            <a:tailEnd len="sm" w="sm" type="none"/>
+          </a:ln>
+        </p:spPr>
+        <p:txBody>
+          <a:bodyPr anchorCtr="0" anchor="t" bIns="91425" lIns="91425" spcFirstLastPara="1" rIns="91425" wrap="square" tIns="91425">
+            <a:noAutofit/>
+          </a:bodyPr>
+          <a:lstStyle/>
+          <a:p>
+            <a:pPr indent="0" lvl="0" marL="0" rtl="0" algn="l">
+              <a:spcBef>
+                <a:spcPts val="0"/>
+              </a:spcBef>
+              <a:spcAft>
+                <a:spcPts val="0"/>
+              </a:spcAft>
+              <a:buNone/>
+            </a:pPr>
+            <a:r>
+              <a:rPr lang="en" sz="800">
+                <a:solidFill>
+                  <a:srgbClr val="FF0000"/>
+                </a:solidFill>
+                <a:latin typeface="Lato"/>
+                <a:ea typeface="Lato"/>
+                <a:cs typeface="Lato"/>
+                <a:sym typeface="Lato"/>
+              </a:rPr>
+              <a:t>Probably will be stored here</a:t>
+            </a:r>
+            <a:endParaRPr sz="800">
+              <a:solidFill>
+                <a:srgbClr val="FF0000"/>
+              </a:solidFill>
+              <a:latin typeface="Lato"/>
+              <a:ea typeface="Lato"/>
+              <a:cs typeface="Lato"/>
+              <a:sym typeface="Lato"/>
+            </a:endParaRPr>
+          </a:p>
+        </p:txBody>
+      </p:sp>
+    </p:spTree>
+  </p:cSld>
+  <p:clrMapOvr>
+    <a:masterClrMapping/>
+  </p:clrMapOvr>
+</p:sld>
+</file>
+
+<file path=ppt/slides/slide12.xml><?xml version="1.0" encoding="utf-8"?>
+<p:sld xmlns:a="http://schemas.openxmlformats.org/drawingml/2006/main" xmlns:r="http://schemas.openxmlformats.org/officeDocument/2006/relationships" xmlns:mc="http://schemas.openxmlformats.org/markup-compatibility/2006" xmlns:mv="urn:schemas-microsoft-com:mac:vml" xmlns:p="http://schemas.openxmlformats.org/presentationml/2006/main" xmlns:c="http://schemas.openxmlformats.org/drawingml/2006/chart" xmlns:dgm="http://schemas.openxmlformats.org/drawingml/2006/diagram" xmlns:o="urn:schemas-microsoft-com:office:office" xmlns:v="urn:schemas-microsoft-com:vml" xmlns:pvml="urn:schemas-microsoft-com:office:powerpoint" xmlns:com="http://schemas.openxmlformats.org/drawingml/2006/compatibility" xmlns:p14="http://schemas.microsoft.com/office/powerpoint/2010/main" xmlns:p15="http://schemas.microsoft.com/office/powerpoint/2012/main">
+  <p:cSld>
+    <p:spTree>
+      <p:nvGrpSpPr>
+        <p:cNvPr id="223" name="Shape 223"/>
         <p:cNvGrpSpPr/>
         <p:nvPr/>
       </p:nvGrpSpPr>
@@ -10790,7 +11682,7 @@
       </p:grpSpPr>
       <p:pic>
         <p:nvPicPr>
-          <p:cNvPr id="211" name="Google Shape;211;p22"/>
+          <p:cNvPr id="224" name="Google Shape;224;p24"/>
           <p:cNvPicPr preferRelativeResize="0"/>
           <p:nvPr/>
         </p:nvPicPr>
@@ -10818,7 +11710,7 @@
       </p:pic>
       <p:sp>
         <p:nvSpPr>
-          <p:cNvPr id="212" name="Google Shape;212;p22"/>
+          <p:cNvPr id="225" name="Google Shape;225;p24"/>
           <p:cNvSpPr txBox="1"/>
           <p:nvPr/>
         </p:nvSpPr>
@@ -10882,12 +11774,12 @@
 </p:sld>
 </file>
 
-<file path=ppt/slides/slide11.xml><?xml version="1.0" encoding="utf-8"?>
+<file path=ppt/slides/slide13.xml><?xml version="1.0" encoding="utf-8"?>
 <p:sld xmlns:a="http://schemas.openxmlformats.org/drawingml/2006/main" xmlns:r="http://schemas.openxmlformats.org/officeDocument/2006/relationships" xmlns:mc="http://schemas.openxmlformats.org/markup-compatibility/2006" xmlns:mv="urn:schemas-microsoft-com:mac:vml" xmlns:p="http://schemas.openxmlformats.org/presentationml/2006/main" xmlns:c="http://schemas.openxmlformats.org/drawingml/2006/chart" xmlns:dgm="http://schemas.openxmlformats.org/drawingml/2006/diagram" xmlns:o="urn:schemas-microsoft-com:office:office" xmlns:v="urn:schemas-microsoft-com:vml" xmlns:pvml="urn:schemas-microsoft-com:office:powerpoint" xmlns:com="http://schemas.openxmlformats.org/drawingml/2006/compatibility" xmlns:p14="http://schemas.microsoft.com/office/powerpoint/2010/main" xmlns:p15="http://schemas.microsoft.com/office/powerpoint/2012/main">
   <p:cSld>
     <p:spTree>
       <p:nvGrpSpPr>
-        <p:cNvPr id="216" name="Shape 216"/>
+        <p:cNvPr id="229" name="Shape 229"/>
         <p:cNvGrpSpPr/>
         <p:nvPr/>
       </p:nvGrpSpPr>
@@ -10901,7 +11793,7 @@
       </p:grpSpPr>
       <p:pic>
         <p:nvPicPr>
-          <p:cNvPr id="217" name="Google Shape;217;p23"/>
+          <p:cNvPr id="230" name="Google Shape;230;p25"/>
           <p:cNvPicPr preferRelativeResize="0"/>
           <p:nvPr/>
         </p:nvPicPr>
@@ -10934,7 +11826,7 @@
       </p:pic>
       <p:sp>
         <p:nvSpPr>
-          <p:cNvPr id="218" name="Google Shape;218;p23"/>
+          <p:cNvPr id="231" name="Google Shape;231;p25"/>
           <p:cNvSpPr txBox="1"/>
           <p:nvPr/>
         </p:nvSpPr>
@@ -10998,12 +11890,12 @@
 </p:sld>
 </file>
 
-<file path=ppt/slides/slide12.xml><?xml version="1.0" encoding="utf-8"?>
+<file path=ppt/slides/slide14.xml><?xml version="1.0" encoding="utf-8"?>
 <p:sld xmlns:a="http://schemas.openxmlformats.org/drawingml/2006/main" xmlns:r="http://schemas.openxmlformats.org/officeDocument/2006/relationships" xmlns:mc="http://schemas.openxmlformats.org/markup-compatibility/2006" xmlns:mv="urn:schemas-microsoft-com:mac:vml" xmlns:p="http://schemas.openxmlformats.org/presentationml/2006/main" xmlns:c="http://schemas.openxmlformats.org/drawingml/2006/chart" xmlns:dgm="http://schemas.openxmlformats.org/drawingml/2006/diagram" xmlns:o="urn:schemas-microsoft-com:office:office" xmlns:v="urn:schemas-microsoft-com:vml" xmlns:pvml="urn:schemas-microsoft-com:office:powerpoint" xmlns:com="http://schemas.openxmlformats.org/drawingml/2006/compatibility" xmlns:p14="http://schemas.microsoft.com/office/powerpoint/2010/main" xmlns:p15="http://schemas.microsoft.com/office/powerpoint/2012/main">
   <p:cSld>
     <p:spTree>
       <p:nvGrpSpPr>
-        <p:cNvPr id="222" name="Shape 222"/>
+        <p:cNvPr id="235" name="Shape 235"/>
         <p:cNvGrpSpPr/>
         <p:nvPr/>
       </p:nvGrpSpPr>
@@ -11017,7 +11909,7 @@
       </p:grpSpPr>
       <p:pic>
         <p:nvPicPr>
-          <p:cNvPr id="223" name="Google Shape;223;p24"/>
+          <p:cNvPr id="236" name="Google Shape;236;p26"/>
           <p:cNvPicPr preferRelativeResize="0"/>
           <p:nvPr/>
         </p:nvPicPr>
@@ -11051,7 +11943,7 @@
       </p:pic>
       <p:sp>
         <p:nvSpPr>
-          <p:cNvPr id="224" name="Google Shape;224;p24"/>
+          <p:cNvPr id="237" name="Google Shape;237;p26"/>
           <p:cNvSpPr txBox="1"/>
           <p:nvPr/>
         </p:nvSpPr>
@@ -11109,7 +12001,7 @@
       </p:sp>
       <p:pic>
         <p:nvPicPr>
-          <p:cNvPr id="225" name="Google Shape;225;p24"/>
+          <p:cNvPr id="238" name="Google Shape;238;p26"/>
           <p:cNvPicPr preferRelativeResize="0"/>
           <p:nvPr/>
         </p:nvPicPr>
@@ -11143,7 +12035,7 @@
       </p:pic>
       <p:cxnSp>
         <p:nvCxnSpPr>
-          <p:cNvPr id="226" name="Google Shape;226;p24"/>
+          <p:cNvPr id="239" name="Google Shape;239;p26"/>
           <p:cNvCxnSpPr/>
           <p:nvPr/>
         </p:nvCxnSpPr>
@@ -11169,7 +12061,7 @@
       </p:cxnSp>
       <p:sp>
         <p:nvSpPr>
-          <p:cNvPr id="227" name="Google Shape;227;p24"/>
+          <p:cNvPr id="240" name="Google Shape;240;p26"/>
           <p:cNvSpPr txBox="1"/>
           <p:nvPr/>
         </p:nvSpPr>
@@ -11233,12 +12125,12 @@
 </p:sld>
 </file>
 
-<file path=ppt/slides/slide13.xml><?xml version="1.0" encoding="utf-8"?>
+<file path=ppt/slides/slide15.xml><?xml version="1.0" encoding="utf-8"?>
 <p:sld xmlns:a="http://schemas.openxmlformats.org/drawingml/2006/main" xmlns:r="http://schemas.openxmlformats.org/officeDocument/2006/relationships" xmlns:mc="http://schemas.openxmlformats.org/markup-compatibility/2006" xmlns:mv="urn:schemas-microsoft-com:mac:vml" xmlns:p="http://schemas.openxmlformats.org/presentationml/2006/main" xmlns:c="http://schemas.openxmlformats.org/drawingml/2006/chart" xmlns:dgm="http://schemas.openxmlformats.org/drawingml/2006/diagram" xmlns:o="urn:schemas-microsoft-com:office:office" xmlns:v="urn:schemas-microsoft-com:vml" xmlns:pvml="urn:schemas-microsoft-com:office:powerpoint" xmlns:com="http://schemas.openxmlformats.org/drawingml/2006/compatibility" xmlns:p14="http://schemas.microsoft.com/office/powerpoint/2010/main" xmlns:p15="http://schemas.microsoft.com/office/powerpoint/2012/main">
   <p:cSld>
     <p:spTree>
       <p:nvGrpSpPr>
-        <p:cNvPr id="231" name="Shape 231"/>
+        <p:cNvPr id="244" name="Shape 244"/>
         <p:cNvGrpSpPr/>
         <p:nvPr/>
       </p:nvGrpSpPr>
@@ -11252,7 +12144,7 @@
       </p:grpSpPr>
       <p:sp>
         <p:nvSpPr>
-          <p:cNvPr id="232" name="Google Shape;232;p25"/>
+          <p:cNvPr id="245" name="Google Shape;245;p27"/>
           <p:cNvSpPr txBox="1"/>
           <p:nvPr>
             <p:ph type="title"/>
@@ -11292,7 +12184,7 @@
       </p:sp>
       <p:sp>
         <p:nvSpPr>
-          <p:cNvPr id="233" name="Google Shape;233;p25"/>
+          <p:cNvPr id="246" name="Google Shape;246;p27"/>
           <p:cNvSpPr txBox="1"/>
           <p:nvPr>
             <p:ph idx="1" type="body"/>
@@ -11433,7 +12325,7 @@
       </p:sp>
       <p:pic>
         <p:nvPicPr>
-          <p:cNvPr id="234" name="Google Shape;234;p25"/>
+          <p:cNvPr id="247" name="Google Shape;247;p27"/>
           <p:cNvPicPr preferRelativeResize="0"/>
           <p:nvPr/>
         </p:nvPicPr>
@@ -11467,7 +12359,7 @@
       </p:pic>
       <p:pic>
         <p:nvPicPr>
-          <p:cNvPr id="235" name="Google Shape;235;p25"/>
+          <p:cNvPr id="248" name="Google Shape;248;p27"/>
           <p:cNvPicPr preferRelativeResize="0"/>
           <p:nvPr/>
         </p:nvPicPr>
@@ -11501,7 +12393,7 @@
       </p:pic>
       <p:pic>
         <p:nvPicPr>
-          <p:cNvPr id="236" name="Google Shape;236;p25"/>
+          <p:cNvPr id="249" name="Google Shape;249;p27"/>
           <p:cNvPicPr preferRelativeResize="0"/>
           <p:nvPr/>
         </p:nvPicPr>
@@ -11535,7 +12427,7 @@
       </p:pic>
       <p:sp>
         <p:nvSpPr>
-          <p:cNvPr id="237" name="Google Shape;237;p25"/>
+          <p:cNvPr id="250" name="Google Shape;250;p27"/>
           <p:cNvSpPr txBox="1"/>
           <p:nvPr>
             <p:ph idx="1" type="body"/>
@@ -11588,1310 +12480,6 @@
               <a:t>Tested system with two week run with no issues</a:t>
             </a:r>
             <a:endParaRPr/>
-          </a:p>
-        </p:txBody>
-      </p:sp>
-    </p:spTree>
-  </p:cSld>
-  <p:clrMapOvr>
-    <a:masterClrMapping/>
-  </p:clrMapOvr>
-</p:sld>
-</file>
-
-<file path=ppt/slides/slide14.xml><?xml version="1.0" encoding="utf-8"?>
-<p:sld xmlns:a="http://schemas.openxmlformats.org/drawingml/2006/main" xmlns:r="http://schemas.openxmlformats.org/officeDocument/2006/relationships" xmlns:mc="http://schemas.openxmlformats.org/markup-compatibility/2006" xmlns:mv="urn:schemas-microsoft-com:mac:vml" xmlns:p="http://schemas.openxmlformats.org/presentationml/2006/main" xmlns:c="http://schemas.openxmlformats.org/drawingml/2006/chart" xmlns:dgm="http://schemas.openxmlformats.org/drawingml/2006/diagram" xmlns:o="urn:schemas-microsoft-com:office:office" xmlns:v="urn:schemas-microsoft-com:vml" xmlns:pvml="urn:schemas-microsoft-com:office:powerpoint" xmlns:com="http://schemas.openxmlformats.org/drawingml/2006/compatibility" xmlns:p14="http://schemas.microsoft.com/office/powerpoint/2010/main" xmlns:p15="http://schemas.microsoft.com/office/powerpoint/2012/main">
-  <p:cSld>
-    <p:spTree>
-      <p:nvGrpSpPr>
-        <p:cNvPr id="241" name="Shape 241"/>
-        <p:cNvGrpSpPr/>
-        <p:nvPr/>
-      </p:nvGrpSpPr>
-      <p:grpSpPr>
-        <a:xfrm>
-          <a:off x="0" y="0"/>
-          <a:ext cx="0" cy="0"/>
-          <a:chOff x="0" y="0"/>
-          <a:chExt cx="0" cy="0"/>
-        </a:xfrm>
-      </p:grpSpPr>
-      <p:sp>
-        <p:nvSpPr>
-          <p:cNvPr id="242" name="Google Shape;242;p26"/>
-          <p:cNvSpPr txBox="1"/>
-          <p:nvPr>
-            <p:ph type="title"/>
-          </p:nvPr>
-        </p:nvSpPr>
-        <p:spPr>
-          <a:xfrm>
-            <a:off x="1297500" y="393750"/>
-            <a:ext cx="7038900" cy="914100"/>
-          </a:xfrm>
-          <a:prstGeom prst="rect">
-            <a:avLst/>
-          </a:prstGeom>
-        </p:spPr>
-        <p:txBody>
-          <a:bodyPr anchorCtr="0" anchor="t" bIns="91425" lIns="91425" spcFirstLastPara="1" rIns="91425" wrap="square" tIns="91425">
-            <a:noAutofit/>
-          </a:bodyPr>
-          <a:lstStyle/>
-          <a:p>
-            <a:pPr indent="0" lvl="0" marL="0" rtl="0" algn="l">
-              <a:spcBef>
-                <a:spcPts val="0"/>
-              </a:spcBef>
-              <a:spcAft>
-                <a:spcPts val="0"/>
-              </a:spcAft>
-              <a:buNone/>
-            </a:pPr>
-            <a:r>
-              <a:rPr lang="en"/>
-              <a:t>Fourth </a:t>
-            </a:r>
-            <a:r>
-              <a:rPr lang="en"/>
-              <a:t>Milestone - Due February 17th</a:t>
-            </a:r>
-            <a:endParaRPr/>
-          </a:p>
-        </p:txBody>
-      </p:sp>
-      <p:sp>
-        <p:nvSpPr>
-          <p:cNvPr id="243" name="Google Shape;243;p26"/>
-          <p:cNvSpPr txBox="1"/>
-          <p:nvPr>
-            <p:ph idx="1" type="body"/>
-          </p:nvPr>
-        </p:nvSpPr>
-        <p:spPr>
-          <a:xfrm>
-            <a:off x="1297500" y="1338950"/>
-            <a:ext cx="7038900" cy="2911200"/>
-          </a:xfrm>
-          <a:prstGeom prst="rect">
-            <a:avLst/>
-          </a:prstGeom>
-        </p:spPr>
-        <p:txBody>
-          <a:bodyPr anchorCtr="0" anchor="t" bIns="91425" lIns="91425" spcFirstLastPara="1" rIns="91425" wrap="square" tIns="91425">
-            <a:noAutofit/>
-          </a:bodyPr>
-          <a:lstStyle/>
-          <a:p>
-            <a:pPr indent="-304800" lvl="0" marL="457200" rtl="0" algn="l">
-              <a:spcBef>
-                <a:spcPts val="0"/>
-              </a:spcBef>
-              <a:spcAft>
-                <a:spcPts val="0"/>
-              </a:spcAft>
-              <a:buClr>
-                <a:srgbClr val="FFFFFF"/>
-              </a:buClr>
-              <a:buSzPts val="1200"/>
-              <a:buChar char="●"/>
-            </a:pPr>
-            <a:r>
-              <a:rPr lang="en" sz="1200">
-                <a:solidFill>
-                  <a:srgbClr val="FFFFFF"/>
-                </a:solidFill>
-              </a:rPr>
-              <a:t>Design for application used to manage device</a:t>
-            </a:r>
-            <a:endParaRPr sz="1200">
-              <a:solidFill>
-                <a:srgbClr val="FFFFFF"/>
-              </a:solidFill>
-            </a:endParaRPr>
-          </a:p>
-          <a:p>
-            <a:pPr indent="-304800" lvl="1" marL="914400" rtl="0" algn="l">
-              <a:spcBef>
-                <a:spcPts val="0"/>
-              </a:spcBef>
-              <a:spcAft>
-                <a:spcPts val="0"/>
-              </a:spcAft>
-              <a:buClr>
-                <a:srgbClr val="FFFFFF"/>
-              </a:buClr>
-              <a:buSzPts val="1200"/>
-              <a:buChar char="○"/>
-            </a:pPr>
-            <a:r>
-              <a:rPr lang="en" sz="1200">
-                <a:solidFill>
-                  <a:srgbClr val="FFFFFF"/>
-                </a:solidFill>
-              </a:rPr>
-              <a:t>Configuration</a:t>
-            </a:r>
-            <a:endParaRPr sz="1200">
-              <a:solidFill>
-                <a:srgbClr val="FFFFFF"/>
-              </a:solidFill>
-            </a:endParaRPr>
-          </a:p>
-          <a:p>
-            <a:pPr indent="-304800" lvl="2" marL="1371600" rtl="0" algn="l">
-              <a:spcBef>
-                <a:spcPts val="0"/>
-              </a:spcBef>
-              <a:spcAft>
-                <a:spcPts val="0"/>
-              </a:spcAft>
-              <a:buClr>
-                <a:srgbClr val="FFFFFF"/>
-              </a:buClr>
-              <a:buSzPts val="1200"/>
-              <a:buChar char="■"/>
-            </a:pPr>
-            <a:r>
-              <a:rPr lang="en" sz="1200">
-                <a:solidFill>
-                  <a:srgbClr val="FFFFFF"/>
-                </a:solidFill>
-              </a:rPr>
-              <a:t>Design for configuration library service where users can select new configurations for device, i.e. apples, lettuce, etc.</a:t>
-            </a:r>
-            <a:endParaRPr sz="1200">
-              <a:solidFill>
-                <a:srgbClr val="FFFFFF"/>
-              </a:solidFill>
-            </a:endParaRPr>
-          </a:p>
-          <a:p>
-            <a:pPr indent="-304800" lvl="1" marL="914400" rtl="0" algn="l">
-              <a:spcBef>
-                <a:spcPts val="0"/>
-              </a:spcBef>
-              <a:spcAft>
-                <a:spcPts val="0"/>
-              </a:spcAft>
-              <a:buClr>
-                <a:srgbClr val="FFFFFF"/>
-              </a:buClr>
-              <a:buSzPts val="1200"/>
-              <a:buChar char="○"/>
-            </a:pPr>
-            <a:r>
-              <a:rPr lang="en" sz="1200">
-                <a:solidFill>
-                  <a:srgbClr val="FFFFFF"/>
-                </a:solidFill>
-              </a:rPr>
-              <a:t>Reports</a:t>
-            </a:r>
-            <a:endParaRPr sz="1200">
-              <a:solidFill>
-                <a:srgbClr val="FFFFFF"/>
-              </a:solidFill>
-            </a:endParaRPr>
-          </a:p>
-          <a:p>
-            <a:pPr indent="-304800" lvl="2" marL="1371600" rtl="0" algn="l">
-              <a:spcBef>
-                <a:spcPts val="0"/>
-              </a:spcBef>
-              <a:spcAft>
-                <a:spcPts val="0"/>
-              </a:spcAft>
-              <a:buClr>
-                <a:srgbClr val="FFFFFF"/>
-              </a:buClr>
-              <a:buSzPts val="1200"/>
-              <a:buChar char="■"/>
-            </a:pPr>
-            <a:r>
-              <a:rPr lang="en" sz="1200">
-                <a:solidFill>
-                  <a:srgbClr val="FFFFFF"/>
-                </a:solidFill>
-              </a:rPr>
-              <a:t>System performance and status globally down to each individual subsystem of a single device</a:t>
-            </a:r>
-            <a:endParaRPr sz="1200">
-              <a:solidFill>
-                <a:srgbClr val="FFFFFF"/>
-              </a:solidFill>
-            </a:endParaRPr>
-          </a:p>
-          <a:p>
-            <a:pPr indent="-304800" lvl="2" marL="1371600" rtl="0" algn="l">
-              <a:spcBef>
-                <a:spcPts val="0"/>
-              </a:spcBef>
-              <a:spcAft>
-                <a:spcPts val="0"/>
-              </a:spcAft>
-              <a:buClr>
-                <a:srgbClr val="FFFFFF"/>
-              </a:buClr>
-              <a:buSzPts val="1200"/>
-              <a:buChar char="■"/>
-            </a:pPr>
-            <a:r>
-              <a:rPr lang="en" sz="1200">
-                <a:solidFill>
-                  <a:srgbClr val="FFFFFF"/>
-                </a:solidFill>
-              </a:rPr>
-              <a:t>Appropriate metrics and report hierarchy based on user selected feature</a:t>
-            </a:r>
-            <a:endParaRPr sz="1200">
-              <a:solidFill>
-                <a:srgbClr val="FFFFFF"/>
-              </a:solidFill>
-            </a:endParaRPr>
-          </a:p>
-          <a:p>
-            <a:pPr indent="-304800" lvl="2" marL="1371600" rtl="0" algn="l">
-              <a:spcBef>
-                <a:spcPts val="0"/>
-              </a:spcBef>
-              <a:spcAft>
-                <a:spcPts val="0"/>
-              </a:spcAft>
-              <a:buClr>
-                <a:srgbClr val="FFFFFF"/>
-              </a:buClr>
-              <a:buSzPts val="1200"/>
-              <a:buChar char="■"/>
-            </a:pPr>
-            <a:r>
-              <a:rPr lang="en" sz="1200">
-                <a:solidFill>
-                  <a:srgbClr val="FFFFFF"/>
-                </a:solidFill>
-              </a:rPr>
-              <a:t>Reporting solutions</a:t>
-            </a:r>
-            <a:endParaRPr sz="1200">
-              <a:solidFill>
-                <a:srgbClr val="FFFFFF"/>
-              </a:solidFill>
-            </a:endParaRPr>
-          </a:p>
-          <a:p>
-            <a:pPr indent="-304800" lvl="1" marL="914400" rtl="0" algn="l">
-              <a:spcBef>
-                <a:spcPts val="0"/>
-              </a:spcBef>
-              <a:spcAft>
-                <a:spcPts val="0"/>
-              </a:spcAft>
-              <a:buClr>
-                <a:srgbClr val="FFFFFF"/>
-              </a:buClr>
-              <a:buSzPts val="1200"/>
-              <a:buChar char="○"/>
-            </a:pPr>
-            <a:r>
-              <a:rPr lang="en" sz="1200">
-                <a:solidFill>
-                  <a:srgbClr val="FFFFFF"/>
-                </a:solidFill>
-              </a:rPr>
-              <a:t>Manual control</a:t>
-            </a:r>
-            <a:endParaRPr sz="1200">
-              <a:solidFill>
-                <a:srgbClr val="FFFFFF"/>
-              </a:solidFill>
-            </a:endParaRPr>
-          </a:p>
-          <a:p>
-            <a:pPr indent="-304800" lvl="2" marL="1371600" rtl="0" algn="l">
-              <a:spcBef>
-                <a:spcPts val="0"/>
-              </a:spcBef>
-              <a:spcAft>
-                <a:spcPts val="0"/>
-              </a:spcAft>
-              <a:buClr>
-                <a:srgbClr val="FFFFFF"/>
-              </a:buClr>
-              <a:buSzPts val="1200"/>
-              <a:buChar char="■"/>
-            </a:pPr>
-            <a:r>
-              <a:rPr lang="en" sz="1200">
-                <a:solidFill>
-                  <a:srgbClr val="FFFFFF"/>
-                </a:solidFill>
-              </a:rPr>
-              <a:t>Stop, start, restart, pause, and reset</a:t>
-            </a:r>
-            <a:endParaRPr sz="1200">
-              <a:solidFill>
-                <a:srgbClr val="FFFFFF"/>
-              </a:solidFill>
-            </a:endParaRPr>
-          </a:p>
-          <a:p>
-            <a:pPr indent="-304800" lvl="1" marL="914400" rtl="0" algn="l">
-              <a:spcBef>
-                <a:spcPts val="0"/>
-              </a:spcBef>
-              <a:spcAft>
-                <a:spcPts val="0"/>
-              </a:spcAft>
-              <a:buClr>
-                <a:srgbClr val="FFFFFF"/>
-              </a:buClr>
-              <a:buSzPts val="1200"/>
-              <a:buChar char="○"/>
-            </a:pPr>
-            <a:r>
-              <a:rPr lang="en" sz="1200">
-                <a:solidFill>
-                  <a:srgbClr val="FFFFFF"/>
-                </a:solidFill>
-              </a:rPr>
-              <a:t>UX/UI survey for CS Forum</a:t>
-            </a:r>
-            <a:endParaRPr sz="1200">
-              <a:solidFill>
-                <a:srgbClr val="FFFFFF"/>
-              </a:solidFill>
-            </a:endParaRPr>
-          </a:p>
-          <a:p>
-            <a:pPr indent="-304800" lvl="2" marL="1371600" rtl="0" algn="l">
-              <a:spcBef>
-                <a:spcPts val="0"/>
-              </a:spcBef>
-              <a:spcAft>
-                <a:spcPts val="0"/>
-              </a:spcAft>
-              <a:buClr>
-                <a:srgbClr val="FFFFFF"/>
-              </a:buClr>
-              <a:buSzPts val="1200"/>
-              <a:buChar char="■"/>
-            </a:pPr>
-            <a:r>
-              <a:rPr lang="en" sz="1200">
-                <a:solidFill>
-                  <a:srgbClr val="FFFFFF"/>
-                </a:solidFill>
-              </a:rPr>
-              <a:t>Appropriate hierarchy based on what user selected</a:t>
-            </a:r>
-            <a:endParaRPr sz="1200">
-              <a:solidFill>
-                <a:srgbClr val="FFFFFF"/>
-              </a:solidFill>
-            </a:endParaRPr>
-          </a:p>
-          <a:p>
-            <a:pPr indent="-304800" lvl="0" marL="457200" rtl="0" algn="l">
-              <a:spcBef>
-                <a:spcPts val="0"/>
-              </a:spcBef>
-              <a:spcAft>
-                <a:spcPts val="0"/>
-              </a:spcAft>
-              <a:buClr>
-                <a:srgbClr val="FFFFFF"/>
-              </a:buClr>
-              <a:buSzPts val="1200"/>
-              <a:buChar char="●"/>
-            </a:pPr>
-            <a:r>
-              <a:rPr lang="en" sz="1200">
-                <a:solidFill>
-                  <a:srgbClr val="FFFFFF"/>
-                </a:solidFill>
-              </a:rPr>
-              <a:t>One production actuator working on control board</a:t>
-            </a:r>
-            <a:endParaRPr sz="1200">
-              <a:solidFill>
-                <a:srgbClr val="FFFFFF"/>
-              </a:solidFill>
-            </a:endParaRPr>
-          </a:p>
-          <a:p>
-            <a:pPr indent="-304800" lvl="1" marL="914400" rtl="0" algn="l">
-              <a:spcBef>
-                <a:spcPts val="0"/>
-              </a:spcBef>
-              <a:spcAft>
-                <a:spcPts val="0"/>
-              </a:spcAft>
-              <a:buClr>
-                <a:srgbClr val="FFFFFF"/>
-              </a:buClr>
-              <a:buSzPts val="1200"/>
-              <a:buChar char="○"/>
-            </a:pPr>
-            <a:r>
-              <a:rPr lang="en" sz="1200">
-                <a:solidFill>
-                  <a:srgbClr val="FFFFFF"/>
-                </a:solidFill>
-              </a:rPr>
-              <a:t>Not working in system</a:t>
-            </a:r>
-            <a:endParaRPr sz="1200">
-              <a:solidFill>
-                <a:srgbClr val="FFFFFF"/>
-              </a:solidFill>
-            </a:endParaRPr>
-          </a:p>
-          <a:p>
-            <a:pPr indent="-304800" lvl="0" marL="457200" rtl="0" algn="l">
-              <a:spcBef>
-                <a:spcPts val="0"/>
-              </a:spcBef>
-              <a:spcAft>
-                <a:spcPts val="0"/>
-              </a:spcAft>
-              <a:buClr>
-                <a:srgbClr val="FFFFFF"/>
-              </a:buClr>
-              <a:buSzPts val="1200"/>
-              <a:buChar char="●"/>
-            </a:pPr>
-            <a:r>
-              <a:rPr lang="en" sz="1200">
-                <a:solidFill>
-                  <a:srgbClr val="FFFFFF"/>
-                </a:solidFill>
-              </a:rPr>
-              <a:t>Testing progress</a:t>
-            </a:r>
-            <a:endParaRPr sz="1200">
-              <a:solidFill>
-                <a:srgbClr val="FFFFFF"/>
-              </a:solidFill>
-            </a:endParaRPr>
-          </a:p>
-        </p:txBody>
-      </p:sp>
-    </p:spTree>
-  </p:cSld>
-  <p:clrMapOvr>
-    <a:masterClrMapping/>
-  </p:clrMapOvr>
-</p:sld>
-</file>
-
-<file path=ppt/slides/slide15.xml><?xml version="1.0" encoding="utf-8"?>
-<p:sld xmlns:a="http://schemas.openxmlformats.org/drawingml/2006/main" xmlns:r="http://schemas.openxmlformats.org/officeDocument/2006/relationships" xmlns:mc="http://schemas.openxmlformats.org/markup-compatibility/2006" xmlns:mv="urn:schemas-microsoft-com:mac:vml" xmlns:p="http://schemas.openxmlformats.org/presentationml/2006/main" xmlns:c="http://schemas.openxmlformats.org/drawingml/2006/chart" xmlns:dgm="http://schemas.openxmlformats.org/drawingml/2006/diagram" xmlns:o="urn:schemas-microsoft-com:office:office" xmlns:v="urn:schemas-microsoft-com:vml" xmlns:pvml="urn:schemas-microsoft-com:office:powerpoint" xmlns:com="http://schemas.openxmlformats.org/drawingml/2006/compatibility" xmlns:p14="http://schemas.microsoft.com/office/powerpoint/2010/main" xmlns:p15="http://schemas.microsoft.com/office/powerpoint/2012/main">
-  <p:cSld>
-    <p:spTree>
-      <p:nvGrpSpPr>
-        <p:cNvPr id="247" name="Shape 247"/>
-        <p:cNvGrpSpPr/>
-        <p:nvPr/>
-      </p:nvGrpSpPr>
-      <p:grpSpPr>
-        <a:xfrm>
-          <a:off x="0" y="0"/>
-          <a:ext cx="0" cy="0"/>
-          <a:chOff x="0" y="0"/>
-          <a:chExt cx="0" cy="0"/>
-        </a:xfrm>
-      </p:grpSpPr>
-      <p:sp>
-        <p:nvSpPr>
-          <p:cNvPr id="248" name="Google Shape;248;p27"/>
-          <p:cNvSpPr txBox="1"/>
-          <p:nvPr>
-            <p:ph type="title"/>
-          </p:nvPr>
-        </p:nvSpPr>
-        <p:spPr>
-          <a:xfrm>
-            <a:off x="1297500" y="393750"/>
-            <a:ext cx="7038900" cy="914100"/>
-          </a:xfrm>
-          <a:prstGeom prst="rect">
-            <a:avLst/>
-          </a:prstGeom>
-        </p:spPr>
-        <p:txBody>
-          <a:bodyPr anchorCtr="0" anchor="t" bIns="91425" lIns="91425" spcFirstLastPara="1" rIns="91425" wrap="square" tIns="91425">
-            <a:noAutofit/>
-          </a:bodyPr>
-          <a:lstStyle/>
-          <a:p>
-            <a:pPr indent="0" lvl="0" marL="0" rtl="0" algn="l">
-              <a:spcBef>
-                <a:spcPts val="0"/>
-              </a:spcBef>
-              <a:spcAft>
-                <a:spcPts val="0"/>
-              </a:spcAft>
-              <a:buNone/>
-            </a:pPr>
-            <a:r>
-              <a:rPr lang="en"/>
-              <a:t>Fifth &amp; Sixth Milestone </a:t>
-            </a:r>
-            <a:endParaRPr/>
-          </a:p>
-        </p:txBody>
-      </p:sp>
-      <p:sp>
-        <p:nvSpPr>
-          <p:cNvPr id="249" name="Google Shape;249;p27"/>
-          <p:cNvSpPr txBox="1"/>
-          <p:nvPr>
-            <p:ph idx="1" type="body"/>
-          </p:nvPr>
-        </p:nvSpPr>
-        <p:spPr>
-          <a:xfrm>
-            <a:off x="1297500" y="1079250"/>
-            <a:ext cx="3521400" cy="2911200"/>
-          </a:xfrm>
-          <a:prstGeom prst="rect">
-            <a:avLst/>
-          </a:prstGeom>
-        </p:spPr>
-        <p:txBody>
-          <a:bodyPr anchorCtr="0" anchor="t" bIns="91425" lIns="91425" spcFirstLastPara="1" rIns="91425" wrap="square" tIns="91425">
-            <a:noAutofit/>
-          </a:bodyPr>
-          <a:lstStyle/>
-          <a:p>
-            <a:pPr indent="0" lvl="0" marL="0" rtl="0" algn="l">
-              <a:spcBef>
-                <a:spcPts val="1800"/>
-              </a:spcBef>
-              <a:spcAft>
-                <a:spcPts val="0"/>
-              </a:spcAft>
-              <a:buNone/>
-            </a:pPr>
-            <a:r>
-              <a:rPr b="1" lang="en" sz="1200">
-                <a:solidFill>
-                  <a:srgbClr val="FFFFFF"/>
-                </a:solidFill>
-              </a:rPr>
-              <a:t>Fifth Milestone - Due March 23rd</a:t>
-            </a:r>
-            <a:endParaRPr b="1" sz="1200">
-              <a:solidFill>
-                <a:srgbClr val="FFFFFF"/>
-              </a:solidFill>
-            </a:endParaRPr>
-          </a:p>
-          <a:p>
-            <a:pPr indent="-304800" lvl="0" marL="457200" rtl="0" algn="l">
-              <a:spcBef>
-                <a:spcPts val="600"/>
-              </a:spcBef>
-              <a:spcAft>
-                <a:spcPts val="0"/>
-              </a:spcAft>
-              <a:buClr>
-                <a:srgbClr val="FFFFFF"/>
-              </a:buClr>
-              <a:buSzPts val="1200"/>
-              <a:buChar char="●"/>
-            </a:pPr>
-            <a:r>
-              <a:rPr lang="en" sz="1200">
-                <a:solidFill>
-                  <a:srgbClr val="FFFFFF"/>
-                </a:solidFill>
-              </a:rPr>
-              <a:t>Functional setup of actual actuators and sensors working with system</a:t>
-            </a:r>
-            <a:endParaRPr sz="1200">
-              <a:solidFill>
-                <a:srgbClr val="FFFFFF"/>
-              </a:solidFill>
-            </a:endParaRPr>
-          </a:p>
-          <a:p>
-            <a:pPr indent="-304800" lvl="1" marL="914400" rtl="0" algn="l">
-              <a:spcBef>
-                <a:spcPts val="0"/>
-              </a:spcBef>
-              <a:spcAft>
-                <a:spcPts val="0"/>
-              </a:spcAft>
-              <a:buClr>
-                <a:srgbClr val="FFFFFF"/>
-              </a:buClr>
-              <a:buSzPts val="1200"/>
-              <a:buChar char="○"/>
-            </a:pPr>
-            <a:r>
-              <a:rPr lang="en" sz="1200">
-                <a:solidFill>
-                  <a:srgbClr val="FFFFFF"/>
-                </a:solidFill>
-              </a:rPr>
-              <a:t>Seeding head on track</a:t>
-            </a:r>
-            <a:endParaRPr sz="1200">
-              <a:solidFill>
-                <a:srgbClr val="FFFFFF"/>
-              </a:solidFill>
-            </a:endParaRPr>
-          </a:p>
-          <a:p>
-            <a:pPr indent="-304800" lvl="1" marL="914400" rtl="0" algn="l">
-              <a:spcBef>
-                <a:spcPts val="0"/>
-              </a:spcBef>
-              <a:spcAft>
-                <a:spcPts val="0"/>
-              </a:spcAft>
-              <a:buClr>
-                <a:srgbClr val="FFFFFF"/>
-              </a:buClr>
-              <a:buSzPts val="1200"/>
-              <a:buChar char="○"/>
-            </a:pPr>
-            <a:r>
-              <a:rPr lang="en" sz="1200">
-                <a:solidFill>
-                  <a:srgbClr val="FFFFFF"/>
-                </a:solidFill>
-              </a:rPr>
-              <a:t>Light and fan</a:t>
-            </a:r>
-            <a:endParaRPr sz="1200">
-              <a:solidFill>
-                <a:srgbClr val="FFFFFF"/>
-              </a:solidFill>
-            </a:endParaRPr>
-          </a:p>
-          <a:p>
-            <a:pPr indent="-304800" lvl="1" marL="914400" rtl="0" algn="l">
-              <a:spcBef>
-                <a:spcPts val="0"/>
-              </a:spcBef>
-              <a:spcAft>
-                <a:spcPts val="0"/>
-              </a:spcAft>
-              <a:buClr>
-                <a:srgbClr val="FFFFFF"/>
-              </a:buClr>
-              <a:buSzPts val="1200"/>
-              <a:buChar char="○"/>
-            </a:pPr>
-            <a:r>
-              <a:rPr lang="en" sz="1200">
-                <a:solidFill>
-                  <a:srgbClr val="FFFFFF"/>
-                </a:solidFill>
-              </a:rPr>
-              <a:t>Linear actuator</a:t>
-            </a:r>
-            <a:endParaRPr sz="1200">
-              <a:solidFill>
-                <a:srgbClr val="FFFFFF"/>
-              </a:solidFill>
-            </a:endParaRPr>
-          </a:p>
-          <a:p>
-            <a:pPr indent="-304800" lvl="1" marL="914400" rtl="0" algn="l">
-              <a:spcBef>
-                <a:spcPts val="0"/>
-              </a:spcBef>
-              <a:spcAft>
-                <a:spcPts val="0"/>
-              </a:spcAft>
-              <a:buClr>
-                <a:srgbClr val="FFFFFF"/>
-              </a:buClr>
-              <a:buSzPts val="1200"/>
-              <a:buChar char="○"/>
-            </a:pPr>
-            <a:r>
-              <a:rPr lang="en" sz="1200">
-                <a:solidFill>
-                  <a:srgbClr val="FFFFFF"/>
-                </a:solidFill>
-              </a:rPr>
-              <a:t>Nema motors</a:t>
-            </a:r>
-            <a:endParaRPr sz="1200">
-              <a:solidFill>
-                <a:srgbClr val="FFFFFF"/>
-              </a:solidFill>
-            </a:endParaRPr>
-          </a:p>
-          <a:p>
-            <a:pPr indent="-304800" lvl="1" marL="914400" rtl="0" algn="l">
-              <a:spcBef>
-                <a:spcPts val="0"/>
-              </a:spcBef>
-              <a:spcAft>
-                <a:spcPts val="0"/>
-              </a:spcAft>
-              <a:buClr>
-                <a:srgbClr val="FFFFFF"/>
-              </a:buClr>
-              <a:buSzPts val="1200"/>
-              <a:buChar char="○"/>
-            </a:pPr>
-            <a:r>
-              <a:rPr lang="en" sz="1200">
-                <a:solidFill>
-                  <a:srgbClr val="FFFFFF"/>
-                </a:solidFill>
-              </a:rPr>
-              <a:t>Moisture sensor</a:t>
-            </a:r>
-            <a:endParaRPr sz="1200">
-              <a:solidFill>
-                <a:srgbClr val="FFFFFF"/>
-              </a:solidFill>
-            </a:endParaRPr>
-          </a:p>
-          <a:p>
-            <a:pPr indent="-304800" lvl="0" marL="457200" rtl="0" algn="l">
-              <a:spcBef>
-                <a:spcPts val="0"/>
-              </a:spcBef>
-              <a:spcAft>
-                <a:spcPts val="0"/>
-              </a:spcAft>
-              <a:buClr>
-                <a:srgbClr val="FFFFFF"/>
-              </a:buClr>
-              <a:buSzPts val="1200"/>
-              <a:buChar char="●"/>
-            </a:pPr>
-            <a:r>
-              <a:rPr lang="en" sz="1200">
-                <a:solidFill>
-                  <a:srgbClr val="FFFFFF"/>
-                </a:solidFill>
-              </a:rPr>
-              <a:t>Working POC of application to configure and manage device</a:t>
-            </a:r>
-            <a:endParaRPr sz="1200">
-              <a:solidFill>
-                <a:srgbClr val="FFFFFF"/>
-              </a:solidFill>
-            </a:endParaRPr>
-          </a:p>
-          <a:p>
-            <a:pPr indent="-304800" lvl="0" marL="457200" rtl="0" algn="l">
-              <a:spcBef>
-                <a:spcPts val="0"/>
-              </a:spcBef>
-              <a:spcAft>
-                <a:spcPts val="0"/>
-              </a:spcAft>
-              <a:buClr>
-                <a:srgbClr val="FFFFFF"/>
-              </a:buClr>
-              <a:buSzPts val="1200"/>
-              <a:buChar char="●"/>
-            </a:pPr>
-            <a:r>
-              <a:rPr lang="en" sz="1200">
-                <a:solidFill>
-                  <a:srgbClr val="FFFFFF"/>
-                </a:solidFill>
-              </a:rPr>
-              <a:t>Working config  feature - low priority</a:t>
-            </a:r>
-            <a:endParaRPr sz="1200">
-              <a:solidFill>
-                <a:srgbClr val="FFFFFF"/>
-              </a:solidFill>
-            </a:endParaRPr>
-          </a:p>
-          <a:p>
-            <a:pPr indent="-304800" lvl="0" marL="457200" rtl="0" algn="l">
-              <a:spcBef>
-                <a:spcPts val="0"/>
-              </a:spcBef>
-              <a:spcAft>
-                <a:spcPts val="0"/>
-              </a:spcAft>
-              <a:buClr>
-                <a:srgbClr val="FFFFFF"/>
-              </a:buClr>
-              <a:buSzPts val="1200"/>
-              <a:buChar char="●"/>
-            </a:pPr>
-            <a:r>
-              <a:rPr lang="en" sz="1200">
-                <a:solidFill>
-                  <a:srgbClr val="FFFFFF"/>
-                </a:solidFill>
-              </a:rPr>
-              <a:t>Metrics for reports</a:t>
-            </a:r>
-            <a:endParaRPr sz="1200">
-              <a:solidFill>
-                <a:srgbClr val="FFFFFF"/>
-              </a:solidFill>
-            </a:endParaRPr>
-          </a:p>
-          <a:p>
-            <a:pPr indent="-304800" lvl="0" marL="457200" rtl="0" algn="l">
-              <a:spcBef>
-                <a:spcPts val="0"/>
-              </a:spcBef>
-              <a:spcAft>
-                <a:spcPts val="0"/>
-              </a:spcAft>
-              <a:buClr>
-                <a:srgbClr val="FFFFFF"/>
-              </a:buClr>
-              <a:buSzPts val="1200"/>
-              <a:buChar char="●"/>
-            </a:pPr>
-            <a:r>
-              <a:rPr lang="en" sz="1200">
-                <a:solidFill>
-                  <a:srgbClr val="FFFFFF"/>
-                </a:solidFill>
-              </a:rPr>
-              <a:t>Testing rules in SonarQube</a:t>
-            </a:r>
-            <a:endParaRPr sz="1200">
-              <a:solidFill>
-                <a:srgbClr val="FFFFFF"/>
-              </a:solidFill>
-            </a:endParaRPr>
-          </a:p>
-          <a:p>
-            <a:pPr indent="-304800" lvl="0" marL="457200" rtl="0" algn="l">
-              <a:spcBef>
-                <a:spcPts val="0"/>
-              </a:spcBef>
-              <a:spcAft>
-                <a:spcPts val="0"/>
-              </a:spcAft>
-              <a:buClr>
-                <a:srgbClr val="FFFFFF"/>
-              </a:buClr>
-              <a:buSzPts val="1200"/>
-              <a:buChar char="●"/>
-            </a:pPr>
-            <a:r>
-              <a:rPr lang="en" sz="1200">
-                <a:solidFill>
-                  <a:srgbClr val="FFFFFF"/>
-                </a:solidFill>
-              </a:rPr>
-              <a:t>Testing scripts</a:t>
-            </a:r>
-            <a:endParaRPr sz="1200">
-              <a:solidFill>
-                <a:srgbClr val="FFFFFF"/>
-              </a:solidFill>
-            </a:endParaRPr>
-          </a:p>
-          <a:p>
-            <a:pPr indent="0" lvl="0" marL="0" rtl="0" algn="l">
-              <a:spcBef>
-                <a:spcPts val="0"/>
-              </a:spcBef>
-              <a:spcAft>
-                <a:spcPts val="1600"/>
-              </a:spcAft>
-              <a:buNone/>
-            </a:pPr>
-            <a:r>
-              <a:t/>
-            </a:r>
-            <a:endParaRPr sz="1200">
-              <a:solidFill>
-                <a:srgbClr val="FFFFFF"/>
-              </a:solidFill>
-            </a:endParaRPr>
-          </a:p>
-        </p:txBody>
-      </p:sp>
-      <p:sp>
-        <p:nvSpPr>
-          <p:cNvPr id="250" name="Google Shape;250;p27"/>
-          <p:cNvSpPr txBox="1"/>
-          <p:nvPr>
-            <p:ph idx="1" type="body"/>
-          </p:nvPr>
-        </p:nvSpPr>
-        <p:spPr>
-          <a:xfrm>
-            <a:off x="5083500" y="1079250"/>
-            <a:ext cx="3521400" cy="2911200"/>
-          </a:xfrm>
-          <a:prstGeom prst="rect">
-            <a:avLst/>
-          </a:prstGeom>
-        </p:spPr>
-        <p:txBody>
-          <a:bodyPr anchorCtr="0" anchor="t" bIns="91425" lIns="91425" spcFirstLastPara="1" rIns="91425" wrap="square" tIns="91425">
-            <a:noAutofit/>
-          </a:bodyPr>
-          <a:lstStyle/>
-          <a:p>
-            <a:pPr indent="0" lvl="0" marL="0" rtl="0" algn="l">
-              <a:spcBef>
-                <a:spcPts val="1800"/>
-              </a:spcBef>
-              <a:spcAft>
-                <a:spcPts val="0"/>
-              </a:spcAft>
-              <a:buNone/>
-            </a:pPr>
-            <a:r>
-              <a:rPr b="1" lang="en" sz="1200">
-                <a:solidFill>
-                  <a:srgbClr val="FFFFFF"/>
-                </a:solidFill>
-              </a:rPr>
-              <a:t>Sixth Milestone - Due April 20th</a:t>
-            </a:r>
-            <a:endParaRPr b="1" sz="1200">
-              <a:solidFill>
-                <a:srgbClr val="FFFFFF"/>
-              </a:solidFill>
-            </a:endParaRPr>
-          </a:p>
-          <a:p>
-            <a:pPr indent="-304800" lvl="0" marL="457200" rtl="0" algn="l">
-              <a:spcBef>
-                <a:spcPts val="600"/>
-              </a:spcBef>
-              <a:spcAft>
-                <a:spcPts val="0"/>
-              </a:spcAft>
-              <a:buClr>
-                <a:srgbClr val="FFFFFF"/>
-              </a:buClr>
-              <a:buSzPts val="1200"/>
-              <a:buChar char="●"/>
-            </a:pPr>
-            <a:r>
-              <a:rPr lang="en" sz="1200">
-                <a:solidFill>
-                  <a:srgbClr val="FFFFFF"/>
-                </a:solidFill>
-              </a:rPr>
-              <a:t>Finalized build of device with system</a:t>
-            </a:r>
-            <a:endParaRPr sz="1200">
-              <a:solidFill>
-                <a:srgbClr val="FFFFFF"/>
-              </a:solidFill>
-            </a:endParaRPr>
-          </a:p>
-          <a:p>
-            <a:pPr indent="-304800" lvl="0" marL="457200" rtl="0" algn="l">
-              <a:spcBef>
-                <a:spcPts val="0"/>
-              </a:spcBef>
-              <a:spcAft>
-                <a:spcPts val="0"/>
-              </a:spcAft>
-              <a:buClr>
-                <a:srgbClr val="FFFFFF"/>
-              </a:buClr>
-              <a:buSzPts val="1200"/>
-              <a:buChar char="●"/>
-            </a:pPr>
-            <a:r>
-              <a:rPr lang="en" sz="1200">
-                <a:solidFill>
-                  <a:srgbClr val="FFFFFF"/>
-                </a:solidFill>
-              </a:rPr>
-              <a:t>Finished application</a:t>
-            </a:r>
-            <a:endParaRPr sz="1200">
-              <a:solidFill>
-                <a:srgbClr val="FFFFFF"/>
-              </a:solidFill>
-            </a:endParaRPr>
-          </a:p>
-          <a:p>
-            <a:pPr indent="-304800" lvl="0" marL="457200" rtl="0" algn="l">
-              <a:spcBef>
-                <a:spcPts val="0"/>
-              </a:spcBef>
-              <a:spcAft>
-                <a:spcPts val="0"/>
-              </a:spcAft>
-              <a:buClr>
-                <a:srgbClr val="FFFFFF"/>
-              </a:buClr>
-              <a:buSzPts val="1200"/>
-              <a:buChar char="●"/>
-            </a:pPr>
-            <a:r>
-              <a:rPr lang="en" sz="1200">
-                <a:solidFill>
-                  <a:srgbClr val="FFFFFF"/>
-                </a:solidFill>
-              </a:rPr>
-              <a:t>Finished download service</a:t>
-            </a:r>
-            <a:endParaRPr sz="1200">
-              <a:solidFill>
-                <a:srgbClr val="FFFFFF"/>
-              </a:solidFill>
-            </a:endParaRPr>
-          </a:p>
-          <a:p>
-            <a:pPr indent="-304800" lvl="0" marL="457200" rtl="0" algn="l">
-              <a:spcBef>
-                <a:spcPts val="0"/>
-              </a:spcBef>
-              <a:spcAft>
-                <a:spcPts val="0"/>
-              </a:spcAft>
-              <a:buClr>
-                <a:srgbClr val="FFFFFF"/>
-              </a:buClr>
-              <a:buSzPts val="1200"/>
-              <a:buChar char="●"/>
-            </a:pPr>
-            <a:r>
-              <a:rPr lang="en" sz="1200">
-                <a:solidFill>
-                  <a:srgbClr val="FFFFFF"/>
-                </a:solidFill>
-              </a:rPr>
-              <a:t>Final user manual</a:t>
-            </a:r>
-            <a:endParaRPr sz="1200">
-              <a:solidFill>
-                <a:srgbClr val="FFFFFF"/>
-              </a:solidFill>
-            </a:endParaRPr>
-          </a:p>
-          <a:p>
-            <a:pPr indent="-304800" lvl="0" marL="457200" rtl="0" algn="l">
-              <a:spcBef>
-                <a:spcPts val="0"/>
-              </a:spcBef>
-              <a:spcAft>
-                <a:spcPts val="0"/>
-              </a:spcAft>
-              <a:buClr>
-                <a:srgbClr val="FFFFFF"/>
-              </a:buClr>
-              <a:buSzPts val="1200"/>
-              <a:buChar char="●"/>
-            </a:pPr>
-            <a:r>
-              <a:rPr lang="en" sz="1200">
-                <a:solidFill>
-                  <a:srgbClr val="FFFFFF"/>
-                </a:solidFill>
-              </a:rPr>
-              <a:t>Finished reports</a:t>
-            </a:r>
-            <a:endParaRPr sz="1200">
-              <a:solidFill>
-                <a:srgbClr val="FFFFFF"/>
-              </a:solidFill>
-            </a:endParaRPr>
-          </a:p>
-          <a:p>
-            <a:pPr indent="-304800" lvl="0" marL="457200" rtl="0" algn="l">
-              <a:spcBef>
-                <a:spcPts val="0"/>
-              </a:spcBef>
-              <a:spcAft>
-                <a:spcPts val="0"/>
-              </a:spcAft>
-              <a:buClr>
-                <a:srgbClr val="FFFFFF"/>
-              </a:buClr>
-              <a:buSzPts val="1200"/>
-              <a:buChar char="●"/>
-            </a:pPr>
-            <a:r>
-              <a:rPr lang="en" sz="1200">
-                <a:solidFill>
-                  <a:srgbClr val="FFFFFF"/>
-                </a:solidFill>
-              </a:rPr>
-              <a:t>Testing</a:t>
-            </a:r>
-            <a:endParaRPr sz="1200">
-              <a:solidFill>
-                <a:srgbClr val="FFFFFF"/>
-              </a:solidFill>
-            </a:endParaRPr>
-          </a:p>
-          <a:p>
-            <a:pPr indent="-304800" lvl="0" marL="457200" rtl="0" algn="l">
-              <a:spcBef>
-                <a:spcPts val="0"/>
-              </a:spcBef>
-              <a:spcAft>
-                <a:spcPts val="0"/>
-              </a:spcAft>
-              <a:buClr>
-                <a:srgbClr val="FFFFFF"/>
-              </a:buClr>
-              <a:buSzPts val="1200"/>
-              <a:buChar char="●"/>
-            </a:pPr>
-            <a:r>
-              <a:rPr lang="en" sz="1200">
-                <a:solidFill>
-                  <a:srgbClr val="FFFFFF"/>
-                </a:solidFill>
-              </a:rPr>
-              <a:t>User manual complete draft</a:t>
-            </a:r>
-            <a:endParaRPr sz="1200">
-              <a:solidFill>
-                <a:srgbClr val="FFFFFF"/>
-              </a:solidFill>
-            </a:endParaRPr>
-          </a:p>
-          <a:p>
-            <a:pPr indent="-304800" lvl="0" marL="457200" rtl="0" algn="l">
-              <a:spcBef>
-                <a:spcPts val="0"/>
-              </a:spcBef>
-              <a:spcAft>
-                <a:spcPts val="0"/>
-              </a:spcAft>
-              <a:buClr>
-                <a:srgbClr val="FFFFFF"/>
-              </a:buClr>
-              <a:buSzPts val="1200"/>
-              <a:buChar char="●"/>
-            </a:pPr>
-            <a:r>
-              <a:rPr lang="en" sz="1200">
-                <a:solidFill>
-                  <a:srgbClr val="FFFFFF"/>
-                </a:solidFill>
-              </a:rPr>
-              <a:t>Evaluation on:</a:t>
-            </a:r>
-            <a:endParaRPr sz="1200">
-              <a:solidFill>
-                <a:srgbClr val="FFFFFF"/>
-              </a:solidFill>
-            </a:endParaRPr>
-          </a:p>
-          <a:p>
-            <a:pPr indent="-304800" lvl="1" marL="914400" rtl="0" algn="l">
-              <a:spcBef>
-                <a:spcPts val="0"/>
-              </a:spcBef>
-              <a:spcAft>
-                <a:spcPts val="0"/>
-              </a:spcAft>
-              <a:buClr>
-                <a:srgbClr val="FFFFFF"/>
-              </a:buClr>
-              <a:buSzPts val="1200"/>
-              <a:buChar char="○"/>
-            </a:pPr>
-            <a:r>
-              <a:rPr lang="en" sz="1200">
-                <a:solidFill>
-                  <a:srgbClr val="FFFFFF"/>
-                </a:solidFill>
-              </a:rPr>
-              <a:t>Crop yield</a:t>
-            </a:r>
-            <a:endParaRPr sz="1200">
-              <a:solidFill>
-                <a:srgbClr val="FFFFFF"/>
-              </a:solidFill>
-            </a:endParaRPr>
-          </a:p>
-          <a:p>
-            <a:pPr indent="-304800" lvl="1" marL="914400" rtl="0" algn="l">
-              <a:spcBef>
-                <a:spcPts val="0"/>
-              </a:spcBef>
-              <a:spcAft>
-                <a:spcPts val="0"/>
-              </a:spcAft>
-              <a:buClr>
-                <a:srgbClr val="FFFFFF"/>
-              </a:buClr>
-              <a:buSzPts val="1200"/>
-              <a:buChar char="○"/>
-            </a:pPr>
-            <a:r>
-              <a:rPr lang="en" sz="1200">
-                <a:solidFill>
-                  <a:srgbClr val="FFFFFF"/>
-                </a:solidFill>
-              </a:rPr>
-              <a:t>Multicycle experiments and tests</a:t>
-            </a:r>
-            <a:endParaRPr sz="1200">
-              <a:solidFill>
-                <a:srgbClr val="FFFFFF"/>
-              </a:solidFill>
-            </a:endParaRPr>
-          </a:p>
-          <a:p>
-            <a:pPr indent="-304800" lvl="1" marL="914400" rtl="0" algn="l">
-              <a:spcBef>
-                <a:spcPts val="0"/>
-              </a:spcBef>
-              <a:spcAft>
-                <a:spcPts val="0"/>
-              </a:spcAft>
-              <a:buClr>
-                <a:srgbClr val="FFFFFF"/>
-              </a:buClr>
-              <a:buSzPts val="1200"/>
-              <a:buChar char="○"/>
-            </a:pPr>
-            <a:r>
-              <a:rPr lang="en" sz="1200">
-                <a:solidFill>
-                  <a:srgbClr val="FFFFFF"/>
-                </a:solidFill>
-              </a:rPr>
-              <a:t>Failure and success criteria</a:t>
-            </a:r>
-            <a:endParaRPr sz="1200">
-              <a:solidFill>
-                <a:srgbClr val="FFFFFF"/>
-              </a:solidFill>
-            </a:endParaRPr>
-          </a:p>
-          <a:p>
-            <a:pPr indent="0" lvl="0" marL="0" rtl="0" algn="l">
-              <a:spcBef>
-                <a:spcPts val="0"/>
-              </a:spcBef>
-              <a:spcAft>
-                <a:spcPts val="1600"/>
-              </a:spcAft>
-              <a:buNone/>
-            </a:pPr>
-            <a:r>
-              <a:t/>
-            </a:r>
-            <a:endParaRPr sz="1600">
-              <a:solidFill>
-                <a:srgbClr val="000000"/>
-              </a:solidFill>
-              <a:latin typeface="Times New Roman"/>
-              <a:ea typeface="Times New Roman"/>
-              <a:cs typeface="Times New Roman"/>
-              <a:sym typeface="Times New Roman"/>
-            </a:endParaRPr>
           </a:p>
         </p:txBody>
       </p:sp>
@@ -12953,6 +12541,1310 @@
               <a:buNone/>
             </a:pPr>
             <a:r>
+              <a:rPr lang="en"/>
+              <a:t>Fourth </a:t>
+            </a:r>
+            <a:r>
+              <a:rPr lang="en"/>
+              <a:t>Milestone - Due February 17th</a:t>
+            </a:r>
+            <a:endParaRPr/>
+          </a:p>
+        </p:txBody>
+      </p:sp>
+      <p:sp>
+        <p:nvSpPr>
+          <p:cNvPr id="256" name="Google Shape;256;p28"/>
+          <p:cNvSpPr txBox="1"/>
+          <p:nvPr>
+            <p:ph idx="1" type="body"/>
+          </p:nvPr>
+        </p:nvSpPr>
+        <p:spPr>
+          <a:xfrm>
+            <a:off x="1297500" y="1338950"/>
+            <a:ext cx="7038900" cy="2911200"/>
+          </a:xfrm>
+          <a:prstGeom prst="rect">
+            <a:avLst/>
+          </a:prstGeom>
+        </p:spPr>
+        <p:txBody>
+          <a:bodyPr anchorCtr="0" anchor="t" bIns="91425" lIns="91425" spcFirstLastPara="1" rIns="91425" wrap="square" tIns="91425">
+            <a:noAutofit/>
+          </a:bodyPr>
+          <a:lstStyle/>
+          <a:p>
+            <a:pPr indent="-304800" lvl="0" marL="457200" rtl="0" algn="l">
+              <a:spcBef>
+                <a:spcPts val="0"/>
+              </a:spcBef>
+              <a:spcAft>
+                <a:spcPts val="0"/>
+              </a:spcAft>
+              <a:buClr>
+                <a:srgbClr val="FFFFFF"/>
+              </a:buClr>
+              <a:buSzPts val="1200"/>
+              <a:buChar char="●"/>
+            </a:pPr>
+            <a:r>
+              <a:rPr lang="en" sz="1200">
+                <a:solidFill>
+                  <a:srgbClr val="FFFFFF"/>
+                </a:solidFill>
+              </a:rPr>
+              <a:t>Design for application used to manage device</a:t>
+            </a:r>
+            <a:endParaRPr sz="1200">
+              <a:solidFill>
+                <a:srgbClr val="FFFFFF"/>
+              </a:solidFill>
+            </a:endParaRPr>
+          </a:p>
+          <a:p>
+            <a:pPr indent="-304800" lvl="1" marL="914400" rtl="0" algn="l">
+              <a:spcBef>
+                <a:spcPts val="0"/>
+              </a:spcBef>
+              <a:spcAft>
+                <a:spcPts val="0"/>
+              </a:spcAft>
+              <a:buClr>
+                <a:srgbClr val="FFFFFF"/>
+              </a:buClr>
+              <a:buSzPts val="1200"/>
+              <a:buChar char="○"/>
+            </a:pPr>
+            <a:r>
+              <a:rPr lang="en" sz="1200">
+                <a:solidFill>
+                  <a:srgbClr val="FFFFFF"/>
+                </a:solidFill>
+              </a:rPr>
+              <a:t>Configuration</a:t>
+            </a:r>
+            <a:endParaRPr sz="1200">
+              <a:solidFill>
+                <a:srgbClr val="FFFFFF"/>
+              </a:solidFill>
+            </a:endParaRPr>
+          </a:p>
+          <a:p>
+            <a:pPr indent="-304800" lvl="2" marL="1371600" rtl="0" algn="l">
+              <a:spcBef>
+                <a:spcPts val="0"/>
+              </a:spcBef>
+              <a:spcAft>
+                <a:spcPts val="0"/>
+              </a:spcAft>
+              <a:buClr>
+                <a:srgbClr val="FFFFFF"/>
+              </a:buClr>
+              <a:buSzPts val="1200"/>
+              <a:buChar char="■"/>
+            </a:pPr>
+            <a:r>
+              <a:rPr lang="en" sz="1200">
+                <a:solidFill>
+                  <a:srgbClr val="FFFFFF"/>
+                </a:solidFill>
+              </a:rPr>
+              <a:t>Design for configuration library service where users can select new configurations for device, i.e. apples, lettuce, etc.</a:t>
+            </a:r>
+            <a:endParaRPr sz="1200">
+              <a:solidFill>
+                <a:srgbClr val="FFFFFF"/>
+              </a:solidFill>
+            </a:endParaRPr>
+          </a:p>
+          <a:p>
+            <a:pPr indent="-304800" lvl="1" marL="914400" rtl="0" algn="l">
+              <a:spcBef>
+                <a:spcPts val="0"/>
+              </a:spcBef>
+              <a:spcAft>
+                <a:spcPts val="0"/>
+              </a:spcAft>
+              <a:buClr>
+                <a:srgbClr val="FFFFFF"/>
+              </a:buClr>
+              <a:buSzPts val="1200"/>
+              <a:buChar char="○"/>
+            </a:pPr>
+            <a:r>
+              <a:rPr lang="en" sz="1200">
+                <a:solidFill>
+                  <a:srgbClr val="FFFFFF"/>
+                </a:solidFill>
+              </a:rPr>
+              <a:t>Reports</a:t>
+            </a:r>
+            <a:endParaRPr sz="1200">
+              <a:solidFill>
+                <a:srgbClr val="FFFFFF"/>
+              </a:solidFill>
+            </a:endParaRPr>
+          </a:p>
+          <a:p>
+            <a:pPr indent="-304800" lvl="2" marL="1371600" rtl="0" algn="l">
+              <a:spcBef>
+                <a:spcPts val="0"/>
+              </a:spcBef>
+              <a:spcAft>
+                <a:spcPts val="0"/>
+              </a:spcAft>
+              <a:buClr>
+                <a:srgbClr val="FFFFFF"/>
+              </a:buClr>
+              <a:buSzPts val="1200"/>
+              <a:buChar char="■"/>
+            </a:pPr>
+            <a:r>
+              <a:rPr lang="en" sz="1200">
+                <a:solidFill>
+                  <a:srgbClr val="FFFFFF"/>
+                </a:solidFill>
+              </a:rPr>
+              <a:t>System performance and status globally down to each individual subsystem of a single device</a:t>
+            </a:r>
+            <a:endParaRPr sz="1200">
+              <a:solidFill>
+                <a:srgbClr val="FFFFFF"/>
+              </a:solidFill>
+            </a:endParaRPr>
+          </a:p>
+          <a:p>
+            <a:pPr indent="-304800" lvl="2" marL="1371600" rtl="0" algn="l">
+              <a:spcBef>
+                <a:spcPts val="0"/>
+              </a:spcBef>
+              <a:spcAft>
+                <a:spcPts val="0"/>
+              </a:spcAft>
+              <a:buClr>
+                <a:srgbClr val="FFFFFF"/>
+              </a:buClr>
+              <a:buSzPts val="1200"/>
+              <a:buChar char="■"/>
+            </a:pPr>
+            <a:r>
+              <a:rPr lang="en" sz="1200">
+                <a:solidFill>
+                  <a:srgbClr val="FFFFFF"/>
+                </a:solidFill>
+              </a:rPr>
+              <a:t>Appropriate metrics and report hierarchy based on user selected feature</a:t>
+            </a:r>
+            <a:endParaRPr sz="1200">
+              <a:solidFill>
+                <a:srgbClr val="FFFFFF"/>
+              </a:solidFill>
+            </a:endParaRPr>
+          </a:p>
+          <a:p>
+            <a:pPr indent="-304800" lvl="2" marL="1371600" rtl="0" algn="l">
+              <a:spcBef>
+                <a:spcPts val="0"/>
+              </a:spcBef>
+              <a:spcAft>
+                <a:spcPts val="0"/>
+              </a:spcAft>
+              <a:buClr>
+                <a:srgbClr val="FFFFFF"/>
+              </a:buClr>
+              <a:buSzPts val="1200"/>
+              <a:buChar char="■"/>
+            </a:pPr>
+            <a:r>
+              <a:rPr lang="en" sz="1200">
+                <a:solidFill>
+                  <a:srgbClr val="FFFFFF"/>
+                </a:solidFill>
+              </a:rPr>
+              <a:t>Reporting solutions</a:t>
+            </a:r>
+            <a:endParaRPr sz="1200">
+              <a:solidFill>
+                <a:srgbClr val="FFFFFF"/>
+              </a:solidFill>
+            </a:endParaRPr>
+          </a:p>
+          <a:p>
+            <a:pPr indent="-304800" lvl="1" marL="914400" rtl="0" algn="l">
+              <a:spcBef>
+                <a:spcPts val="0"/>
+              </a:spcBef>
+              <a:spcAft>
+                <a:spcPts val="0"/>
+              </a:spcAft>
+              <a:buClr>
+                <a:srgbClr val="FFFFFF"/>
+              </a:buClr>
+              <a:buSzPts val="1200"/>
+              <a:buChar char="○"/>
+            </a:pPr>
+            <a:r>
+              <a:rPr lang="en" sz="1200">
+                <a:solidFill>
+                  <a:srgbClr val="FFFFFF"/>
+                </a:solidFill>
+              </a:rPr>
+              <a:t>Manual control</a:t>
+            </a:r>
+            <a:endParaRPr sz="1200">
+              <a:solidFill>
+                <a:srgbClr val="FFFFFF"/>
+              </a:solidFill>
+            </a:endParaRPr>
+          </a:p>
+          <a:p>
+            <a:pPr indent="-304800" lvl="2" marL="1371600" rtl="0" algn="l">
+              <a:spcBef>
+                <a:spcPts val="0"/>
+              </a:spcBef>
+              <a:spcAft>
+                <a:spcPts val="0"/>
+              </a:spcAft>
+              <a:buClr>
+                <a:srgbClr val="FFFFFF"/>
+              </a:buClr>
+              <a:buSzPts val="1200"/>
+              <a:buChar char="■"/>
+            </a:pPr>
+            <a:r>
+              <a:rPr lang="en" sz="1200">
+                <a:solidFill>
+                  <a:srgbClr val="FFFFFF"/>
+                </a:solidFill>
+              </a:rPr>
+              <a:t>Stop, start, restart, pause, and reset</a:t>
+            </a:r>
+            <a:endParaRPr sz="1200">
+              <a:solidFill>
+                <a:srgbClr val="FFFFFF"/>
+              </a:solidFill>
+            </a:endParaRPr>
+          </a:p>
+          <a:p>
+            <a:pPr indent="-304800" lvl="1" marL="914400" rtl="0" algn="l">
+              <a:spcBef>
+                <a:spcPts val="0"/>
+              </a:spcBef>
+              <a:spcAft>
+                <a:spcPts val="0"/>
+              </a:spcAft>
+              <a:buClr>
+                <a:srgbClr val="FFFFFF"/>
+              </a:buClr>
+              <a:buSzPts val="1200"/>
+              <a:buChar char="○"/>
+            </a:pPr>
+            <a:r>
+              <a:rPr lang="en" sz="1200">
+                <a:solidFill>
+                  <a:srgbClr val="FFFFFF"/>
+                </a:solidFill>
+              </a:rPr>
+              <a:t>UX/UI survey for CS Forum</a:t>
+            </a:r>
+            <a:endParaRPr sz="1200">
+              <a:solidFill>
+                <a:srgbClr val="FFFFFF"/>
+              </a:solidFill>
+            </a:endParaRPr>
+          </a:p>
+          <a:p>
+            <a:pPr indent="-304800" lvl="2" marL="1371600" rtl="0" algn="l">
+              <a:spcBef>
+                <a:spcPts val="0"/>
+              </a:spcBef>
+              <a:spcAft>
+                <a:spcPts val="0"/>
+              </a:spcAft>
+              <a:buClr>
+                <a:srgbClr val="FFFFFF"/>
+              </a:buClr>
+              <a:buSzPts val="1200"/>
+              <a:buChar char="■"/>
+            </a:pPr>
+            <a:r>
+              <a:rPr lang="en" sz="1200">
+                <a:solidFill>
+                  <a:srgbClr val="FFFFFF"/>
+                </a:solidFill>
+              </a:rPr>
+              <a:t>Appropriate hierarchy based on what user selected</a:t>
+            </a:r>
+            <a:endParaRPr sz="1200">
+              <a:solidFill>
+                <a:srgbClr val="FFFFFF"/>
+              </a:solidFill>
+            </a:endParaRPr>
+          </a:p>
+          <a:p>
+            <a:pPr indent="-304800" lvl="0" marL="457200" rtl="0" algn="l">
+              <a:spcBef>
+                <a:spcPts val="0"/>
+              </a:spcBef>
+              <a:spcAft>
+                <a:spcPts val="0"/>
+              </a:spcAft>
+              <a:buClr>
+                <a:srgbClr val="FFFFFF"/>
+              </a:buClr>
+              <a:buSzPts val="1200"/>
+              <a:buChar char="●"/>
+            </a:pPr>
+            <a:r>
+              <a:rPr lang="en" sz="1200">
+                <a:solidFill>
+                  <a:srgbClr val="FFFFFF"/>
+                </a:solidFill>
+              </a:rPr>
+              <a:t>One production actuator working on control board</a:t>
+            </a:r>
+            <a:endParaRPr sz="1200">
+              <a:solidFill>
+                <a:srgbClr val="FFFFFF"/>
+              </a:solidFill>
+            </a:endParaRPr>
+          </a:p>
+          <a:p>
+            <a:pPr indent="-304800" lvl="1" marL="914400" rtl="0" algn="l">
+              <a:spcBef>
+                <a:spcPts val="0"/>
+              </a:spcBef>
+              <a:spcAft>
+                <a:spcPts val="0"/>
+              </a:spcAft>
+              <a:buClr>
+                <a:srgbClr val="FFFFFF"/>
+              </a:buClr>
+              <a:buSzPts val="1200"/>
+              <a:buChar char="○"/>
+            </a:pPr>
+            <a:r>
+              <a:rPr lang="en" sz="1200">
+                <a:solidFill>
+                  <a:srgbClr val="FFFFFF"/>
+                </a:solidFill>
+              </a:rPr>
+              <a:t>Not working in system</a:t>
+            </a:r>
+            <a:endParaRPr sz="1200">
+              <a:solidFill>
+                <a:srgbClr val="FFFFFF"/>
+              </a:solidFill>
+            </a:endParaRPr>
+          </a:p>
+          <a:p>
+            <a:pPr indent="-304800" lvl="0" marL="457200" rtl="0" algn="l">
+              <a:spcBef>
+                <a:spcPts val="0"/>
+              </a:spcBef>
+              <a:spcAft>
+                <a:spcPts val="0"/>
+              </a:spcAft>
+              <a:buClr>
+                <a:srgbClr val="FFFFFF"/>
+              </a:buClr>
+              <a:buSzPts val="1200"/>
+              <a:buChar char="●"/>
+            </a:pPr>
+            <a:r>
+              <a:rPr lang="en" sz="1200">
+                <a:solidFill>
+                  <a:srgbClr val="FFFFFF"/>
+                </a:solidFill>
+              </a:rPr>
+              <a:t>Testing progress</a:t>
+            </a:r>
+            <a:endParaRPr sz="1200">
+              <a:solidFill>
+                <a:srgbClr val="FFFFFF"/>
+              </a:solidFill>
+            </a:endParaRPr>
+          </a:p>
+        </p:txBody>
+      </p:sp>
+    </p:spTree>
+  </p:cSld>
+  <p:clrMapOvr>
+    <a:masterClrMapping/>
+  </p:clrMapOvr>
+</p:sld>
+</file>
+
+<file path=ppt/slides/slide17.xml><?xml version="1.0" encoding="utf-8"?>
+<p:sld xmlns:a="http://schemas.openxmlformats.org/drawingml/2006/main" xmlns:r="http://schemas.openxmlformats.org/officeDocument/2006/relationships" xmlns:mc="http://schemas.openxmlformats.org/markup-compatibility/2006" xmlns:mv="urn:schemas-microsoft-com:mac:vml" xmlns:p="http://schemas.openxmlformats.org/presentationml/2006/main" xmlns:c="http://schemas.openxmlformats.org/drawingml/2006/chart" xmlns:dgm="http://schemas.openxmlformats.org/drawingml/2006/diagram" xmlns:o="urn:schemas-microsoft-com:office:office" xmlns:v="urn:schemas-microsoft-com:vml" xmlns:pvml="urn:schemas-microsoft-com:office:powerpoint" xmlns:com="http://schemas.openxmlformats.org/drawingml/2006/compatibility" xmlns:p14="http://schemas.microsoft.com/office/powerpoint/2010/main" xmlns:p15="http://schemas.microsoft.com/office/powerpoint/2012/main">
+  <p:cSld>
+    <p:spTree>
+      <p:nvGrpSpPr>
+        <p:cNvPr id="260" name="Shape 260"/>
+        <p:cNvGrpSpPr/>
+        <p:nvPr/>
+      </p:nvGrpSpPr>
+      <p:grpSpPr>
+        <a:xfrm>
+          <a:off x="0" y="0"/>
+          <a:ext cx="0" cy="0"/>
+          <a:chOff x="0" y="0"/>
+          <a:chExt cx="0" cy="0"/>
+        </a:xfrm>
+      </p:grpSpPr>
+      <p:sp>
+        <p:nvSpPr>
+          <p:cNvPr id="261" name="Google Shape;261;p29"/>
+          <p:cNvSpPr txBox="1"/>
+          <p:nvPr>
+            <p:ph type="title"/>
+          </p:nvPr>
+        </p:nvSpPr>
+        <p:spPr>
+          <a:xfrm>
+            <a:off x="1297500" y="393750"/>
+            <a:ext cx="7038900" cy="914100"/>
+          </a:xfrm>
+          <a:prstGeom prst="rect">
+            <a:avLst/>
+          </a:prstGeom>
+        </p:spPr>
+        <p:txBody>
+          <a:bodyPr anchorCtr="0" anchor="t" bIns="91425" lIns="91425" spcFirstLastPara="1" rIns="91425" wrap="square" tIns="91425">
+            <a:noAutofit/>
+          </a:bodyPr>
+          <a:lstStyle/>
+          <a:p>
+            <a:pPr indent="0" lvl="0" marL="0" rtl="0" algn="l">
+              <a:spcBef>
+                <a:spcPts val="0"/>
+              </a:spcBef>
+              <a:spcAft>
+                <a:spcPts val="0"/>
+              </a:spcAft>
+              <a:buNone/>
+            </a:pPr>
+            <a:r>
+              <a:rPr lang="en"/>
+              <a:t>Fifth &amp; Sixth Milestone </a:t>
+            </a:r>
+            <a:endParaRPr/>
+          </a:p>
+        </p:txBody>
+      </p:sp>
+      <p:sp>
+        <p:nvSpPr>
+          <p:cNvPr id="262" name="Google Shape;262;p29"/>
+          <p:cNvSpPr txBox="1"/>
+          <p:nvPr>
+            <p:ph idx="1" type="body"/>
+          </p:nvPr>
+        </p:nvSpPr>
+        <p:spPr>
+          <a:xfrm>
+            <a:off x="1297500" y="1079250"/>
+            <a:ext cx="3521400" cy="2911200"/>
+          </a:xfrm>
+          <a:prstGeom prst="rect">
+            <a:avLst/>
+          </a:prstGeom>
+        </p:spPr>
+        <p:txBody>
+          <a:bodyPr anchorCtr="0" anchor="t" bIns="91425" lIns="91425" spcFirstLastPara="1" rIns="91425" wrap="square" tIns="91425">
+            <a:noAutofit/>
+          </a:bodyPr>
+          <a:lstStyle/>
+          <a:p>
+            <a:pPr indent="0" lvl="0" marL="0" rtl="0" algn="l">
+              <a:spcBef>
+                <a:spcPts val="1800"/>
+              </a:spcBef>
+              <a:spcAft>
+                <a:spcPts val="0"/>
+              </a:spcAft>
+              <a:buNone/>
+            </a:pPr>
+            <a:r>
+              <a:rPr b="1" lang="en" sz="1200">
+                <a:solidFill>
+                  <a:srgbClr val="FFFFFF"/>
+                </a:solidFill>
+              </a:rPr>
+              <a:t>Fifth Milestone - Due March 23rd</a:t>
+            </a:r>
+            <a:endParaRPr b="1" sz="1200">
+              <a:solidFill>
+                <a:srgbClr val="FFFFFF"/>
+              </a:solidFill>
+            </a:endParaRPr>
+          </a:p>
+          <a:p>
+            <a:pPr indent="-304800" lvl="0" marL="457200" rtl="0" algn="l">
+              <a:spcBef>
+                <a:spcPts val="600"/>
+              </a:spcBef>
+              <a:spcAft>
+                <a:spcPts val="0"/>
+              </a:spcAft>
+              <a:buClr>
+                <a:srgbClr val="FFFFFF"/>
+              </a:buClr>
+              <a:buSzPts val="1200"/>
+              <a:buChar char="●"/>
+            </a:pPr>
+            <a:r>
+              <a:rPr lang="en" sz="1200">
+                <a:solidFill>
+                  <a:srgbClr val="FFFFFF"/>
+                </a:solidFill>
+              </a:rPr>
+              <a:t>Functional setup of actual actuators and sensors working with system</a:t>
+            </a:r>
+            <a:endParaRPr sz="1200">
+              <a:solidFill>
+                <a:srgbClr val="FFFFFF"/>
+              </a:solidFill>
+            </a:endParaRPr>
+          </a:p>
+          <a:p>
+            <a:pPr indent="-304800" lvl="1" marL="914400" rtl="0" algn="l">
+              <a:spcBef>
+                <a:spcPts val="0"/>
+              </a:spcBef>
+              <a:spcAft>
+                <a:spcPts val="0"/>
+              </a:spcAft>
+              <a:buClr>
+                <a:srgbClr val="FFFFFF"/>
+              </a:buClr>
+              <a:buSzPts val="1200"/>
+              <a:buChar char="○"/>
+            </a:pPr>
+            <a:r>
+              <a:rPr lang="en" sz="1200">
+                <a:solidFill>
+                  <a:srgbClr val="FFFFFF"/>
+                </a:solidFill>
+              </a:rPr>
+              <a:t>Seeding head on track</a:t>
+            </a:r>
+            <a:endParaRPr sz="1200">
+              <a:solidFill>
+                <a:srgbClr val="FFFFFF"/>
+              </a:solidFill>
+            </a:endParaRPr>
+          </a:p>
+          <a:p>
+            <a:pPr indent="-304800" lvl="1" marL="914400" rtl="0" algn="l">
+              <a:spcBef>
+                <a:spcPts val="0"/>
+              </a:spcBef>
+              <a:spcAft>
+                <a:spcPts val="0"/>
+              </a:spcAft>
+              <a:buClr>
+                <a:srgbClr val="FFFFFF"/>
+              </a:buClr>
+              <a:buSzPts val="1200"/>
+              <a:buChar char="○"/>
+            </a:pPr>
+            <a:r>
+              <a:rPr lang="en" sz="1200">
+                <a:solidFill>
+                  <a:srgbClr val="FFFFFF"/>
+                </a:solidFill>
+              </a:rPr>
+              <a:t>Light and fan</a:t>
+            </a:r>
+            <a:endParaRPr sz="1200">
+              <a:solidFill>
+                <a:srgbClr val="FFFFFF"/>
+              </a:solidFill>
+            </a:endParaRPr>
+          </a:p>
+          <a:p>
+            <a:pPr indent="-304800" lvl="1" marL="914400" rtl="0" algn="l">
+              <a:spcBef>
+                <a:spcPts val="0"/>
+              </a:spcBef>
+              <a:spcAft>
+                <a:spcPts val="0"/>
+              </a:spcAft>
+              <a:buClr>
+                <a:srgbClr val="FFFFFF"/>
+              </a:buClr>
+              <a:buSzPts val="1200"/>
+              <a:buChar char="○"/>
+            </a:pPr>
+            <a:r>
+              <a:rPr lang="en" sz="1200">
+                <a:solidFill>
+                  <a:srgbClr val="FFFFFF"/>
+                </a:solidFill>
+              </a:rPr>
+              <a:t>Linear actuator</a:t>
+            </a:r>
+            <a:endParaRPr sz="1200">
+              <a:solidFill>
+                <a:srgbClr val="FFFFFF"/>
+              </a:solidFill>
+            </a:endParaRPr>
+          </a:p>
+          <a:p>
+            <a:pPr indent="-304800" lvl="1" marL="914400" rtl="0" algn="l">
+              <a:spcBef>
+                <a:spcPts val="0"/>
+              </a:spcBef>
+              <a:spcAft>
+                <a:spcPts val="0"/>
+              </a:spcAft>
+              <a:buClr>
+                <a:srgbClr val="FFFFFF"/>
+              </a:buClr>
+              <a:buSzPts val="1200"/>
+              <a:buChar char="○"/>
+            </a:pPr>
+            <a:r>
+              <a:rPr lang="en" sz="1200">
+                <a:solidFill>
+                  <a:srgbClr val="FFFFFF"/>
+                </a:solidFill>
+              </a:rPr>
+              <a:t>Nema motors</a:t>
+            </a:r>
+            <a:endParaRPr sz="1200">
+              <a:solidFill>
+                <a:srgbClr val="FFFFFF"/>
+              </a:solidFill>
+            </a:endParaRPr>
+          </a:p>
+          <a:p>
+            <a:pPr indent="-304800" lvl="1" marL="914400" rtl="0" algn="l">
+              <a:spcBef>
+                <a:spcPts val="0"/>
+              </a:spcBef>
+              <a:spcAft>
+                <a:spcPts val="0"/>
+              </a:spcAft>
+              <a:buClr>
+                <a:srgbClr val="FFFFFF"/>
+              </a:buClr>
+              <a:buSzPts val="1200"/>
+              <a:buChar char="○"/>
+            </a:pPr>
+            <a:r>
+              <a:rPr lang="en" sz="1200">
+                <a:solidFill>
+                  <a:srgbClr val="FFFFFF"/>
+                </a:solidFill>
+              </a:rPr>
+              <a:t>Moisture sensor</a:t>
+            </a:r>
+            <a:endParaRPr sz="1200">
+              <a:solidFill>
+                <a:srgbClr val="FFFFFF"/>
+              </a:solidFill>
+            </a:endParaRPr>
+          </a:p>
+          <a:p>
+            <a:pPr indent="-304800" lvl="0" marL="457200" rtl="0" algn="l">
+              <a:spcBef>
+                <a:spcPts val="0"/>
+              </a:spcBef>
+              <a:spcAft>
+                <a:spcPts val="0"/>
+              </a:spcAft>
+              <a:buClr>
+                <a:srgbClr val="FFFFFF"/>
+              </a:buClr>
+              <a:buSzPts val="1200"/>
+              <a:buChar char="●"/>
+            </a:pPr>
+            <a:r>
+              <a:rPr lang="en" sz="1200">
+                <a:solidFill>
+                  <a:srgbClr val="FFFFFF"/>
+                </a:solidFill>
+              </a:rPr>
+              <a:t>Working POC of application to configure and manage device</a:t>
+            </a:r>
+            <a:endParaRPr sz="1200">
+              <a:solidFill>
+                <a:srgbClr val="FFFFFF"/>
+              </a:solidFill>
+            </a:endParaRPr>
+          </a:p>
+          <a:p>
+            <a:pPr indent="-304800" lvl="0" marL="457200" rtl="0" algn="l">
+              <a:spcBef>
+                <a:spcPts val="0"/>
+              </a:spcBef>
+              <a:spcAft>
+                <a:spcPts val="0"/>
+              </a:spcAft>
+              <a:buClr>
+                <a:srgbClr val="FFFFFF"/>
+              </a:buClr>
+              <a:buSzPts val="1200"/>
+              <a:buChar char="●"/>
+            </a:pPr>
+            <a:r>
+              <a:rPr lang="en" sz="1200">
+                <a:solidFill>
+                  <a:srgbClr val="FFFFFF"/>
+                </a:solidFill>
+              </a:rPr>
+              <a:t>Working config  feature - low priority</a:t>
+            </a:r>
+            <a:endParaRPr sz="1200">
+              <a:solidFill>
+                <a:srgbClr val="FFFFFF"/>
+              </a:solidFill>
+            </a:endParaRPr>
+          </a:p>
+          <a:p>
+            <a:pPr indent="-304800" lvl="0" marL="457200" rtl="0" algn="l">
+              <a:spcBef>
+                <a:spcPts val="0"/>
+              </a:spcBef>
+              <a:spcAft>
+                <a:spcPts val="0"/>
+              </a:spcAft>
+              <a:buClr>
+                <a:srgbClr val="FFFFFF"/>
+              </a:buClr>
+              <a:buSzPts val="1200"/>
+              <a:buChar char="●"/>
+            </a:pPr>
+            <a:r>
+              <a:rPr lang="en" sz="1200">
+                <a:solidFill>
+                  <a:srgbClr val="FFFFFF"/>
+                </a:solidFill>
+              </a:rPr>
+              <a:t>Metrics for reports</a:t>
+            </a:r>
+            <a:endParaRPr sz="1200">
+              <a:solidFill>
+                <a:srgbClr val="FFFFFF"/>
+              </a:solidFill>
+            </a:endParaRPr>
+          </a:p>
+          <a:p>
+            <a:pPr indent="-304800" lvl="0" marL="457200" rtl="0" algn="l">
+              <a:spcBef>
+                <a:spcPts val="0"/>
+              </a:spcBef>
+              <a:spcAft>
+                <a:spcPts val="0"/>
+              </a:spcAft>
+              <a:buClr>
+                <a:srgbClr val="FFFFFF"/>
+              </a:buClr>
+              <a:buSzPts val="1200"/>
+              <a:buChar char="●"/>
+            </a:pPr>
+            <a:r>
+              <a:rPr lang="en" sz="1200">
+                <a:solidFill>
+                  <a:srgbClr val="FFFFFF"/>
+                </a:solidFill>
+              </a:rPr>
+              <a:t>Testing rules in SonarQube</a:t>
+            </a:r>
+            <a:endParaRPr sz="1200">
+              <a:solidFill>
+                <a:srgbClr val="FFFFFF"/>
+              </a:solidFill>
+            </a:endParaRPr>
+          </a:p>
+          <a:p>
+            <a:pPr indent="-304800" lvl="0" marL="457200" rtl="0" algn="l">
+              <a:spcBef>
+                <a:spcPts val="0"/>
+              </a:spcBef>
+              <a:spcAft>
+                <a:spcPts val="0"/>
+              </a:spcAft>
+              <a:buClr>
+                <a:srgbClr val="FFFFFF"/>
+              </a:buClr>
+              <a:buSzPts val="1200"/>
+              <a:buChar char="●"/>
+            </a:pPr>
+            <a:r>
+              <a:rPr lang="en" sz="1200">
+                <a:solidFill>
+                  <a:srgbClr val="FFFFFF"/>
+                </a:solidFill>
+              </a:rPr>
+              <a:t>Testing scripts</a:t>
+            </a:r>
+            <a:endParaRPr sz="1200">
+              <a:solidFill>
+                <a:srgbClr val="FFFFFF"/>
+              </a:solidFill>
+            </a:endParaRPr>
+          </a:p>
+          <a:p>
+            <a:pPr indent="0" lvl="0" marL="0" rtl="0" algn="l">
+              <a:spcBef>
+                <a:spcPts val="0"/>
+              </a:spcBef>
+              <a:spcAft>
+                <a:spcPts val="1600"/>
+              </a:spcAft>
+              <a:buNone/>
+            </a:pPr>
+            <a:r>
+              <a:t/>
+            </a:r>
+            <a:endParaRPr sz="1200">
+              <a:solidFill>
+                <a:srgbClr val="FFFFFF"/>
+              </a:solidFill>
+            </a:endParaRPr>
+          </a:p>
+        </p:txBody>
+      </p:sp>
+      <p:sp>
+        <p:nvSpPr>
+          <p:cNvPr id="263" name="Google Shape;263;p29"/>
+          <p:cNvSpPr txBox="1"/>
+          <p:nvPr>
+            <p:ph idx="1" type="body"/>
+          </p:nvPr>
+        </p:nvSpPr>
+        <p:spPr>
+          <a:xfrm>
+            <a:off x="5083500" y="1079250"/>
+            <a:ext cx="3521400" cy="2911200"/>
+          </a:xfrm>
+          <a:prstGeom prst="rect">
+            <a:avLst/>
+          </a:prstGeom>
+        </p:spPr>
+        <p:txBody>
+          <a:bodyPr anchorCtr="0" anchor="t" bIns="91425" lIns="91425" spcFirstLastPara="1" rIns="91425" wrap="square" tIns="91425">
+            <a:noAutofit/>
+          </a:bodyPr>
+          <a:lstStyle/>
+          <a:p>
+            <a:pPr indent="0" lvl="0" marL="0" rtl="0" algn="l">
+              <a:spcBef>
+                <a:spcPts val="1800"/>
+              </a:spcBef>
+              <a:spcAft>
+                <a:spcPts val="0"/>
+              </a:spcAft>
+              <a:buNone/>
+            </a:pPr>
+            <a:r>
+              <a:rPr b="1" lang="en" sz="1200">
+                <a:solidFill>
+                  <a:srgbClr val="FFFFFF"/>
+                </a:solidFill>
+              </a:rPr>
+              <a:t>Sixth Milestone - Due April 20th</a:t>
+            </a:r>
+            <a:endParaRPr b="1" sz="1200">
+              <a:solidFill>
+                <a:srgbClr val="FFFFFF"/>
+              </a:solidFill>
+            </a:endParaRPr>
+          </a:p>
+          <a:p>
+            <a:pPr indent="-304800" lvl="0" marL="457200" rtl="0" algn="l">
+              <a:spcBef>
+                <a:spcPts val="600"/>
+              </a:spcBef>
+              <a:spcAft>
+                <a:spcPts val="0"/>
+              </a:spcAft>
+              <a:buClr>
+                <a:srgbClr val="FFFFFF"/>
+              </a:buClr>
+              <a:buSzPts val="1200"/>
+              <a:buChar char="●"/>
+            </a:pPr>
+            <a:r>
+              <a:rPr lang="en" sz="1200">
+                <a:solidFill>
+                  <a:srgbClr val="FFFFFF"/>
+                </a:solidFill>
+              </a:rPr>
+              <a:t>Finalized build of device with system</a:t>
+            </a:r>
+            <a:endParaRPr sz="1200">
+              <a:solidFill>
+                <a:srgbClr val="FFFFFF"/>
+              </a:solidFill>
+            </a:endParaRPr>
+          </a:p>
+          <a:p>
+            <a:pPr indent="-304800" lvl="0" marL="457200" rtl="0" algn="l">
+              <a:spcBef>
+                <a:spcPts val="0"/>
+              </a:spcBef>
+              <a:spcAft>
+                <a:spcPts val="0"/>
+              </a:spcAft>
+              <a:buClr>
+                <a:srgbClr val="FFFFFF"/>
+              </a:buClr>
+              <a:buSzPts val="1200"/>
+              <a:buChar char="●"/>
+            </a:pPr>
+            <a:r>
+              <a:rPr lang="en" sz="1200">
+                <a:solidFill>
+                  <a:srgbClr val="FFFFFF"/>
+                </a:solidFill>
+              </a:rPr>
+              <a:t>Finished application</a:t>
+            </a:r>
+            <a:endParaRPr sz="1200">
+              <a:solidFill>
+                <a:srgbClr val="FFFFFF"/>
+              </a:solidFill>
+            </a:endParaRPr>
+          </a:p>
+          <a:p>
+            <a:pPr indent="-304800" lvl="0" marL="457200" rtl="0" algn="l">
+              <a:spcBef>
+                <a:spcPts val="0"/>
+              </a:spcBef>
+              <a:spcAft>
+                <a:spcPts val="0"/>
+              </a:spcAft>
+              <a:buClr>
+                <a:srgbClr val="FFFFFF"/>
+              </a:buClr>
+              <a:buSzPts val="1200"/>
+              <a:buChar char="●"/>
+            </a:pPr>
+            <a:r>
+              <a:rPr lang="en" sz="1200">
+                <a:solidFill>
+                  <a:srgbClr val="FFFFFF"/>
+                </a:solidFill>
+              </a:rPr>
+              <a:t>Finished download service</a:t>
+            </a:r>
+            <a:endParaRPr sz="1200">
+              <a:solidFill>
+                <a:srgbClr val="FFFFFF"/>
+              </a:solidFill>
+            </a:endParaRPr>
+          </a:p>
+          <a:p>
+            <a:pPr indent="-304800" lvl="0" marL="457200" rtl="0" algn="l">
+              <a:spcBef>
+                <a:spcPts val="0"/>
+              </a:spcBef>
+              <a:spcAft>
+                <a:spcPts val="0"/>
+              </a:spcAft>
+              <a:buClr>
+                <a:srgbClr val="FFFFFF"/>
+              </a:buClr>
+              <a:buSzPts val="1200"/>
+              <a:buChar char="●"/>
+            </a:pPr>
+            <a:r>
+              <a:rPr lang="en" sz="1200">
+                <a:solidFill>
+                  <a:srgbClr val="FFFFFF"/>
+                </a:solidFill>
+              </a:rPr>
+              <a:t>Final user manual</a:t>
+            </a:r>
+            <a:endParaRPr sz="1200">
+              <a:solidFill>
+                <a:srgbClr val="FFFFFF"/>
+              </a:solidFill>
+            </a:endParaRPr>
+          </a:p>
+          <a:p>
+            <a:pPr indent="-304800" lvl="0" marL="457200" rtl="0" algn="l">
+              <a:spcBef>
+                <a:spcPts val="0"/>
+              </a:spcBef>
+              <a:spcAft>
+                <a:spcPts val="0"/>
+              </a:spcAft>
+              <a:buClr>
+                <a:srgbClr val="FFFFFF"/>
+              </a:buClr>
+              <a:buSzPts val="1200"/>
+              <a:buChar char="●"/>
+            </a:pPr>
+            <a:r>
+              <a:rPr lang="en" sz="1200">
+                <a:solidFill>
+                  <a:srgbClr val="FFFFFF"/>
+                </a:solidFill>
+              </a:rPr>
+              <a:t>Finished reports</a:t>
+            </a:r>
+            <a:endParaRPr sz="1200">
+              <a:solidFill>
+                <a:srgbClr val="FFFFFF"/>
+              </a:solidFill>
+            </a:endParaRPr>
+          </a:p>
+          <a:p>
+            <a:pPr indent="-304800" lvl="0" marL="457200" rtl="0" algn="l">
+              <a:spcBef>
+                <a:spcPts val="0"/>
+              </a:spcBef>
+              <a:spcAft>
+                <a:spcPts val="0"/>
+              </a:spcAft>
+              <a:buClr>
+                <a:srgbClr val="FFFFFF"/>
+              </a:buClr>
+              <a:buSzPts val="1200"/>
+              <a:buChar char="●"/>
+            </a:pPr>
+            <a:r>
+              <a:rPr lang="en" sz="1200">
+                <a:solidFill>
+                  <a:srgbClr val="FFFFFF"/>
+                </a:solidFill>
+              </a:rPr>
+              <a:t>Testing</a:t>
+            </a:r>
+            <a:endParaRPr sz="1200">
+              <a:solidFill>
+                <a:srgbClr val="FFFFFF"/>
+              </a:solidFill>
+            </a:endParaRPr>
+          </a:p>
+          <a:p>
+            <a:pPr indent="-304800" lvl="0" marL="457200" rtl="0" algn="l">
+              <a:spcBef>
+                <a:spcPts val="0"/>
+              </a:spcBef>
+              <a:spcAft>
+                <a:spcPts val="0"/>
+              </a:spcAft>
+              <a:buClr>
+                <a:srgbClr val="FFFFFF"/>
+              </a:buClr>
+              <a:buSzPts val="1200"/>
+              <a:buChar char="●"/>
+            </a:pPr>
+            <a:r>
+              <a:rPr lang="en" sz="1200">
+                <a:solidFill>
+                  <a:srgbClr val="FFFFFF"/>
+                </a:solidFill>
+              </a:rPr>
+              <a:t>User manual complete draft</a:t>
+            </a:r>
+            <a:endParaRPr sz="1200">
+              <a:solidFill>
+                <a:srgbClr val="FFFFFF"/>
+              </a:solidFill>
+            </a:endParaRPr>
+          </a:p>
+          <a:p>
+            <a:pPr indent="-304800" lvl="0" marL="457200" rtl="0" algn="l">
+              <a:spcBef>
+                <a:spcPts val="0"/>
+              </a:spcBef>
+              <a:spcAft>
+                <a:spcPts val="0"/>
+              </a:spcAft>
+              <a:buClr>
+                <a:srgbClr val="FFFFFF"/>
+              </a:buClr>
+              <a:buSzPts val="1200"/>
+              <a:buChar char="●"/>
+            </a:pPr>
+            <a:r>
+              <a:rPr lang="en" sz="1200">
+                <a:solidFill>
+                  <a:srgbClr val="FFFFFF"/>
+                </a:solidFill>
+              </a:rPr>
+              <a:t>Evaluation on:</a:t>
+            </a:r>
+            <a:endParaRPr sz="1200">
+              <a:solidFill>
+                <a:srgbClr val="FFFFFF"/>
+              </a:solidFill>
+            </a:endParaRPr>
+          </a:p>
+          <a:p>
+            <a:pPr indent="-304800" lvl="1" marL="914400" rtl="0" algn="l">
+              <a:spcBef>
+                <a:spcPts val="0"/>
+              </a:spcBef>
+              <a:spcAft>
+                <a:spcPts val="0"/>
+              </a:spcAft>
+              <a:buClr>
+                <a:srgbClr val="FFFFFF"/>
+              </a:buClr>
+              <a:buSzPts val="1200"/>
+              <a:buChar char="○"/>
+            </a:pPr>
+            <a:r>
+              <a:rPr lang="en" sz="1200">
+                <a:solidFill>
+                  <a:srgbClr val="FFFFFF"/>
+                </a:solidFill>
+              </a:rPr>
+              <a:t>Crop yield</a:t>
+            </a:r>
+            <a:endParaRPr sz="1200">
+              <a:solidFill>
+                <a:srgbClr val="FFFFFF"/>
+              </a:solidFill>
+            </a:endParaRPr>
+          </a:p>
+          <a:p>
+            <a:pPr indent="-304800" lvl="1" marL="914400" rtl="0" algn="l">
+              <a:spcBef>
+                <a:spcPts val="0"/>
+              </a:spcBef>
+              <a:spcAft>
+                <a:spcPts val="0"/>
+              </a:spcAft>
+              <a:buClr>
+                <a:srgbClr val="FFFFFF"/>
+              </a:buClr>
+              <a:buSzPts val="1200"/>
+              <a:buChar char="○"/>
+            </a:pPr>
+            <a:r>
+              <a:rPr lang="en" sz="1200">
+                <a:solidFill>
+                  <a:srgbClr val="FFFFFF"/>
+                </a:solidFill>
+              </a:rPr>
+              <a:t>Multicycle experiments and tests</a:t>
+            </a:r>
+            <a:endParaRPr sz="1200">
+              <a:solidFill>
+                <a:srgbClr val="FFFFFF"/>
+              </a:solidFill>
+            </a:endParaRPr>
+          </a:p>
+          <a:p>
+            <a:pPr indent="-304800" lvl="1" marL="914400" rtl="0" algn="l">
+              <a:spcBef>
+                <a:spcPts val="0"/>
+              </a:spcBef>
+              <a:spcAft>
+                <a:spcPts val="0"/>
+              </a:spcAft>
+              <a:buClr>
+                <a:srgbClr val="FFFFFF"/>
+              </a:buClr>
+              <a:buSzPts val="1200"/>
+              <a:buChar char="○"/>
+            </a:pPr>
+            <a:r>
+              <a:rPr lang="en" sz="1200">
+                <a:solidFill>
+                  <a:srgbClr val="FFFFFF"/>
+                </a:solidFill>
+              </a:rPr>
+              <a:t>Failure and success criteria</a:t>
+            </a:r>
+            <a:endParaRPr sz="1200">
+              <a:solidFill>
+                <a:srgbClr val="FFFFFF"/>
+              </a:solidFill>
+            </a:endParaRPr>
+          </a:p>
+          <a:p>
+            <a:pPr indent="0" lvl="0" marL="0" rtl="0" algn="l">
+              <a:spcBef>
+                <a:spcPts val="0"/>
+              </a:spcBef>
+              <a:spcAft>
+                <a:spcPts val="1600"/>
+              </a:spcAft>
+              <a:buNone/>
+            </a:pPr>
+            <a:r>
+              <a:t/>
+            </a:r>
+            <a:endParaRPr sz="1600">
+              <a:solidFill>
+                <a:srgbClr val="000000"/>
+              </a:solidFill>
+              <a:latin typeface="Times New Roman"/>
+              <a:ea typeface="Times New Roman"/>
+              <a:cs typeface="Times New Roman"/>
+              <a:sym typeface="Times New Roman"/>
+            </a:endParaRPr>
+          </a:p>
+        </p:txBody>
+      </p:sp>
+    </p:spTree>
+  </p:cSld>
+  <p:clrMapOvr>
+    <a:masterClrMapping/>
+  </p:clrMapOvr>
+</p:sld>
+</file>
+
+<file path=ppt/slides/slide18.xml><?xml version="1.0" encoding="utf-8"?>
+<p:sld xmlns:a="http://schemas.openxmlformats.org/drawingml/2006/main" xmlns:r="http://schemas.openxmlformats.org/officeDocument/2006/relationships" xmlns:mc="http://schemas.openxmlformats.org/markup-compatibility/2006" xmlns:mv="urn:schemas-microsoft-com:mac:vml" xmlns:p="http://schemas.openxmlformats.org/presentationml/2006/main" xmlns:c="http://schemas.openxmlformats.org/drawingml/2006/chart" xmlns:dgm="http://schemas.openxmlformats.org/drawingml/2006/diagram" xmlns:o="urn:schemas-microsoft-com:office:office" xmlns:v="urn:schemas-microsoft-com:vml" xmlns:pvml="urn:schemas-microsoft-com:office:powerpoint" xmlns:com="http://schemas.openxmlformats.org/drawingml/2006/compatibility" xmlns:p14="http://schemas.microsoft.com/office/powerpoint/2010/main" xmlns:p15="http://schemas.microsoft.com/office/powerpoint/2012/main">
+  <p:cSld>
+    <p:spTree>
+      <p:nvGrpSpPr>
+        <p:cNvPr id="267" name="Shape 267"/>
+        <p:cNvGrpSpPr/>
+        <p:nvPr/>
+      </p:nvGrpSpPr>
+      <p:grpSpPr>
+        <a:xfrm>
+          <a:off x="0" y="0"/>
+          <a:ext cx="0" cy="0"/>
+          <a:chOff x="0" y="0"/>
+          <a:chExt cx="0" cy="0"/>
+        </a:xfrm>
+      </p:grpSpPr>
+      <p:sp>
+        <p:nvSpPr>
+          <p:cNvPr id="268" name="Google Shape;268;p30"/>
+          <p:cNvSpPr txBox="1"/>
+          <p:nvPr>
+            <p:ph type="title"/>
+          </p:nvPr>
+        </p:nvSpPr>
+        <p:spPr>
+          <a:xfrm>
+            <a:off x="1297500" y="393750"/>
+            <a:ext cx="7038900" cy="914100"/>
+          </a:xfrm>
+          <a:prstGeom prst="rect">
+            <a:avLst/>
+          </a:prstGeom>
+        </p:spPr>
+        <p:txBody>
+          <a:bodyPr anchorCtr="0" anchor="t" bIns="91425" lIns="91425" spcFirstLastPara="1" rIns="91425" wrap="square" tIns="91425">
+            <a:noAutofit/>
+          </a:bodyPr>
+          <a:lstStyle/>
+          <a:p>
+            <a:pPr indent="0" lvl="0" marL="0" rtl="0" algn="l">
+              <a:spcBef>
+                <a:spcPts val="0"/>
+              </a:spcBef>
+              <a:spcAft>
+                <a:spcPts val="0"/>
+              </a:spcAft>
+              <a:buNone/>
+            </a:pPr>
+            <a:r>
               <a:t/>
             </a:r>
             <a:endParaRPr/>
@@ -12961,7 +13853,7 @@
       </p:sp>
       <p:sp>
         <p:nvSpPr>
-          <p:cNvPr id="256" name="Google Shape;256;p28"/>
+          <p:cNvPr id="269" name="Google Shape;269;p30"/>
           <p:cNvSpPr txBox="1"/>
           <p:nvPr>
             <p:ph idx="1" type="body"/>
@@ -13000,7 +13892,7 @@
       </p:sp>
       <p:pic>
         <p:nvPicPr>
-          <p:cNvPr id="257" name="Google Shape;257;p28"/>
+          <p:cNvPr id="270" name="Google Shape;270;p30"/>
           <p:cNvPicPr preferRelativeResize="0"/>
           <p:nvPr/>
         </p:nvPicPr>
@@ -13034,12 +13926,12 @@
 </p:sld>
 </file>
 
-<file path=ppt/slides/slide17.xml><?xml version="1.0" encoding="utf-8"?>
+<file path=ppt/slides/slide19.xml><?xml version="1.0" encoding="utf-8"?>
 <p:sld xmlns:a="http://schemas.openxmlformats.org/drawingml/2006/main" xmlns:r="http://schemas.openxmlformats.org/officeDocument/2006/relationships" xmlns:mc="http://schemas.openxmlformats.org/markup-compatibility/2006" xmlns:mv="urn:schemas-microsoft-com:mac:vml" xmlns:p="http://schemas.openxmlformats.org/presentationml/2006/main" xmlns:c="http://schemas.openxmlformats.org/drawingml/2006/chart" xmlns:dgm="http://schemas.openxmlformats.org/drawingml/2006/diagram" xmlns:o="urn:schemas-microsoft-com:office:office" xmlns:v="urn:schemas-microsoft-com:vml" xmlns:pvml="urn:schemas-microsoft-com:office:powerpoint" xmlns:com="http://schemas.openxmlformats.org/drawingml/2006/compatibility" xmlns:p14="http://schemas.microsoft.com/office/powerpoint/2010/main" xmlns:p15="http://schemas.microsoft.com/office/powerpoint/2012/main">
   <p:cSld>
     <p:spTree>
       <p:nvGrpSpPr>
-        <p:cNvPr id="261" name="Shape 261"/>
+        <p:cNvPr id="274" name="Shape 274"/>
         <p:cNvGrpSpPr/>
         <p:nvPr/>
       </p:nvGrpSpPr>
@@ -13053,7 +13945,7 @@
       </p:grpSpPr>
       <p:sp>
         <p:nvSpPr>
-          <p:cNvPr id="262" name="Google Shape;262;p29"/>
+          <p:cNvPr id="275" name="Google Shape;275;p31"/>
           <p:cNvSpPr txBox="1"/>
           <p:nvPr>
             <p:ph type="title"/>
@@ -14672,13 +15564,13 @@
           <p:cNvPr id="172" name="Google Shape;172;p18"/>
           <p:cNvSpPr txBox="1"/>
           <p:nvPr>
-            <p:ph idx="1" type="body"/>
+            <p:ph type="title"/>
           </p:nvPr>
         </p:nvSpPr>
         <p:spPr>
           <a:xfrm>
-            <a:off x="1297500" y="1567550"/>
-            <a:ext cx="2463000" cy="2911200"/>
+            <a:off x="1297500" y="393750"/>
+            <a:ext cx="7038900" cy="914100"/>
           </a:xfrm>
           <a:prstGeom prst="rect">
             <a:avLst/>
@@ -14695,13 +15587,13 @@
                 <a:spcPts val="0"/>
               </a:spcBef>
               <a:spcAft>
-                <a:spcPts val="1600"/>
+                <a:spcPts val="0"/>
               </a:spcAft>
               <a:buNone/>
             </a:pPr>
             <a:r>
               <a:rPr lang="en"/>
-              <a:t>An application will be the one-stop-shop for managing and configuring the device(s):</a:t>
+              <a:t>Progress Summary</a:t>
             </a:r>
             <a:endParaRPr/>
           </a:p>
@@ -14710,6 +15602,1384 @@
       <p:sp>
         <p:nvSpPr>
           <p:cNvPr id="173" name="Google Shape;173;p18"/>
+          <p:cNvSpPr txBox="1"/>
+          <p:nvPr>
+            <p:ph idx="1" type="body"/>
+          </p:nvPr>
+        </p:nvSpPr>
+        <p:spPr>
+          <a:xfrm>
+            <a:off x="1297500" y="1567550"/>
+            <a:ext cx="7038900" cy="2911200"/>
+          </a:xfrm>
+          <a:prstGeom prst="rect">
+            <a:avLst/>
+          </a:prstGeom>
+        </p:spPr>
+        <p:txBody>
+          <a:bodyPr anchorCtr="0" anchor="t" bIns="91425" lIns="91425" spcFirstLastPara="1" rIns="91425" wrap="square" tIns="91425">
+            <a:noAutofit/>
+          </a:bodyPr>
+          <a:lstStyle/>
+          <a:p>
+            <a:pPr indent="0" lvl="0" marL="0" rtl="0" algn="l">
+              <a:spcBef>
+                <a:spcPts val="0"/>
+              </a:spcBef>
+              <a:spcAft>
+                <a:spcPts val="1600"/>
+              </a:spcAft>
+              <a:buNone/>
+            </a:pPr>
+            <a:r>
+              <a:t/>
+            </a:r>
+            <a:endParaRPr/>
+          </a:p>
+        </p:txBody>
+      </p:sp>
+      <p:graphicFrame>
+        <p:nvGraphicFramePr>
+          <p:cNvPr id="174" name="Google Shape;174;p18"/>
+          <p:cNvGraphicFramePr/>
+          <p:nvPr/>
+        </p:nvGraphicFramePr>
+        <p:xfrm>
+          <a:off x="597775" y="1165825"/>
+          <a:ext cx="3000000" cy="3000000"/>
+        </p:xfrm>
+        <a:graphic>
+          <a:graphicData uri="http://schemas.openxmlformats.org/drawingml/2006/table">
+            <a:tbl>
+              <a:tblPr>
+                <a:noFill/>
+                <a:tableStyleId>{6DEED0A3-D25A-484C-A4B1-4DCF43DD274F}</a:tableStyleId>
+              </a:tblPr>
+              <a:tblGrid>
+                <a:gridCol w="4044575"/>
+                <a:gridCol w="4044575"/>
+              </a:tblGrid>
+              <a:tr h="12700">
+                <a:tc>
+                  <a:txBody>
+                    <a:bodyPr/>
+                    <a:lstStyle/>
+                    <a:p>
+                      <a:pPr indent="0" lvl="0" marL="0" rtl="0" algn="ctr">
+                        <a:spcBef>
+                          <a:spcPts val="0"/>
+                        </a:spcBef>
+                        <a:spcAft>
+                          <a:spcPts val="0"/>
+                        </a:spcAft>
+                        <a:buNone/>
+                      </a:pPr>
+                      <a:r>
+                        <a:rPr b="1" lang="en" sz="1000">
+                          <a:latin typeface="Lato"/>
+                          <a:ea typeface="Lato"/>
+                          <a:cs typeface="Lato"/>
+                          <a:sym typeface="Lato"/>
+                        </a:rPr>
+                        <a:t>Task</a:t>
+                      </a:r>
+                      <a:endParaRPr b="1" sz="1000">
+                        <a:latin typeface="Lato"/>
+                        <a:ea typeface="Lato"/>
+                        <a:cs typeface="Lato"/>
+                        <a:sym typeface="Lato"/>
+                      </a:endParaRPr>
+                    </a:p>
+                  </a:txBody>
+                  <a:tcPr marT="63500" marB="63500" marR="63500" marL="63500">
+                    <a:lnB cap="flat" cmpd="sng" w="12700">
+                      <a:solidFill>
+                        <a:srgbClr val="E69138"/>
+                      </a:solidFill>
+                      <a:prstDash val="solid"/>
+                      <a:round/>
+                      <a:headEnd len="sm" w="sm" type="none"/>
+                      <a:tailEnd len="sm" w="sm" type="none"/>
+                    </a:lnB>
+                    <a:solidFill>
+                      <a:srgbClr val="D9D9D9"/>
+                    </a:solidFill>
+                  </a:tcPr>
+                </a:tc>
+                <a:tc>
+                  <a:txBody>
+                    <a:bodyPr/>
+                    <a:lstStyle/>
+                    <a:p>
+                      <a:pPr indent="0" lvl="0" marL="0" rtl="0" algn="l">
+                        <a:spcBef>
+                          <a:spcPts val="0"/>
+                        </a:spcBef>
+                        <a:spcAft>
+                          <a:spcPts val="0"/>
+                        </a:spcAft>
+                        <a:buNone/>
+                      </a:pPr>
+                      <a:r>
+                        <a:rPr b="1" lang="en" sz="1000">
+                          <a:latin typeface="Lato"/>
+                          <a:ea typeface="Lato"/>
+                          <a:cs typeface="Lato"/>
+                          <a:sym typeface="Lato"/>
+                        </a:rPr>
+                        <a:t>Progress</a:t>
+                      </a:r>
+                      <a:endParaRPr b="1" sz="1000">
+                        <a:latin typeface="Lato"/>
+                        <a:ea typeface="Lato"/>
+                        <a:cs typeface="Lato"/>
+                        <a:sym typeface="Lato"/>
+                      </a:endParaRPr>
+                    </a:p>
+                  </a:txBody>
+                  <a:tcPr marT="63500" marB="63500" marR="63500" marL="63500">
+                    <a:lnB cap="flat" cmpd="sng" w="12700">
+                      <a:solidFill>
+                        <a:srgbClr val="F1C232"/>
+                      </a:solidFill>
+                      <a:prstDash val="solid"/>
+                      <a:round/>
+                      <a:headEnd len="sm" w="sm" type="none"/>
+                      <a:tailEnd len="sm" w="sm" type="none"/>
+                    </a:lnB>
+                    <a:solidFill>
+                      <a:srgbClr val="D9D9D9"/>
+                    </a:solidFill>
+                  </a:tcPr>
+                </a:tc>
+              </a:tr>
+              <a:tr h="266700">
+                <a:tc>
+                  <a:txBody>
+                    <a:bodyPr/>
+                    <a:lstStyle/>
+                    <a:p>
+                      <a:pPr indent="0" lvl="0" marL="0" rtl="0" algn="l">
+                        <a:lnSpc>
+                          <a:spcPct val="115000"/>
+                        </a:lnSpc>
+                        <a:spcBef>
+                          <a:spcPts val="0"/>
+                        </a:spcBef>
+                        <a:spcAft>
+                          <a:spcPts val="0"/>
+                        </a:spcAft>
+                        <a:buClr>
+                          <a:srgbClr val="000000"/>
+                        </a:buClr>
+                        <a:buSzPts val="1100"/>
+                        <a:buFont typeface="Arial"/>
+                        <a:buNone/>
+                      </a:pPr>
+                      <a:r>
+                        <a:rPr b="1" lang="en" sz="900">
+                          <a:solidFill>
+                            <a:srgbClr val="B45F06"/>
+                          </a:solidFill>
+                          <a:latin typeface="Lato"/>
+                          <a:ea typeface="Lato"/>
+                          <a:cs typeface="Lato"/>
+                          <a:sym typeface="Lato"/>
+                        </a:rPr>
+                        <a:t>Design for application used to manage device:</a:t>
+                      </a:r>
+                      <a:endParaRPr sz="900">
+                        <a:solidFill>
+                          <a:srgbClr val="B45F06"/>
+                        </a:solidFill>
+                        <a:latin typeface="Lato"/>
+                        <a:ea typeface="Lato"/>
+                        <a:cs typeface="Lato"/>
+                        <a:sym typeface="Lato"/>
+                      </a:endParaRPr>
+                    </a:p>
+                  </a:txBody>
+                  <a:tcPr marT="63500" marB="63500" marR="63500" marL="63500">
+                    <a:lnL cap="flat" cmpd="sng" w="12700">
+                      <a:solidFill>
+                        <a:srgbClr val="E69138"/>
+                      </a:solidFill>
+                      <a:prstDash val="solid"/>
+                      <a:round/>
+                      <a:headEnd len="sm" w="sm" type="none"/>
+                      <a:tailEnd len="sm" w="sm" type="none"/>
+                    </a:lnL>
+                    <a:lnR cap="flat" cmpd="sng" w="12700">
+                      <a:solidFill>
+                        <a:srgbClr val="F1C232"/>
+                      </a:solidFill>
+                      <a:prstDash val="solid"/>
+                      <a:round/>
+                      <a:headEnd len="sm" w="sm" type="none"/>
+                      <a:tailEnd len="sm" w="sm" type="none"/>
+                    </a:lnR>
+                    <a:lnT cap="flat" cmpd="sng" w="12700">
+                      <a:solidFill>
+                        <a:srgbClr val="E69138"/>
+                      </a:solidFill>
+                      <a:prstDash val="solid"/>
+                      <a:round/>
+                      <a:headEnd len="sm" w="sm" type="none"/>
+                      <a:tailEnd len="sm" w="sm" type="none"/>
+                    </a:lnT>
+                    <a:lnB cap="flat" cmpd="sng" w="12700">
+                      <a:solidFill>
+                        <a:srgbClr val="E69138"/>
+                      </a:solidFill>
+                      <a:prstDash val="solid"/>
+                      <a:round/>
+                      <a:headEnd len="sm" w="sm" type="none"/>
+                      <a:tailEnd len="sm" w="sm" type="none"/>
+                    </a:lnB>
+                    <a:solidFill>
+                      <a:srgbClr val="D9D9D9"/>
+                    </a:solidFill>
+                  </a:tcPr>
+                </a:tc>
+                <a:tc>
+                  <a:txBody>
+                    <a:bodyPr/>
+                    <a:lstStyle/>
+                    <a:p>
+                      <a:pPr indent="0" lvl="0" marL="0" rtl="0" algn="ctr">
+                        <a:spcBef>
+                          <a:spcPts val="0"/>
+                        </a:spcBef>
+                        <a:spcAft>
+                          <a:spcPts val="0"/>
+                        </a:spcAft>
+                        <a:buNone/>
+                      </a:pPr>
+                      <a:r>
+                        <a:rPr b="1" lang="en" sz="1200">
+                          <a:latin typeface="Lato"/>
+                          <a:ea typeface="Lato"/>
+                          <a:cs typeface="Lato"/>
+                          <a:sym typeface="Lato"/>
+                        </a:rPr>
+                        <a:t>64%</a:t>
+                      </a:r>
+                      <a:endParaRPr b="1" sz="1200">
+                        <a:latin typeface="Lato"/>
+                        <a:ea typeface="Lato"/>
+                        <a:cs typeface="Lato"/>
+                        <a:sym typeface="Lato"/>
+                      </a:endParaRPr>
+                    </a:p>
+                  </a:txBody>
+                  <a:tcPr marT="63500" marB="63500" marR="63500" marL="63500">
+                    <a:lnL cap="flat" cmpd="sng" w="12700">
+                      <a:solidFill>
+                        <a:srgbClr val="F1C232"/>
+                      </a:solidFill>
+                      <a:prstDash val="solid"/>
+                      <a:round/>
+                      <a:headEnd len="sm" w="sm" type="none"/>
+                      <a:tailEnd len="sm" w="sm" type="none"/>
+                    </a:lnL>
+                    <a:lnR cap="flat" cmpd="sng" w="12700">
+                      <a:solidFill>
+                        <a:srgbClr val="F1C232"/>
+                      </a:solidFill>
+                      <a:prstDash val="solid"/>
+                      <a:round/>
+                      <a:headEnd len="sm" w="sm" type="none"/>
+                      <a:tailEnd len="sm" w="sm" type="none"/>
+                    </a:lnR>
+                    <a:lnT cap="flat" cmpd="sng" w="12700">
+                      <a:solidFill>
+                        <a:srgbClr val="F1C232"/>
+                      </a:solidFill>
+                      <a:prstDash val="solid"/>
+                      <a:round/>
+                      <a:headEnd len="sm" w="sm" type="none"/>
+                      <a:tailEnd len="sm" w="sm" type="none"/>
+                    </a:lnT>
+                    <a:lnB cap="flat" cmpd="sng" w="12700">
+                      <a:solidFill>
+                        <a:srgbClr val="F1C232"/>
+                      </a:solidFill>
+                      <a:prstDash val="solid"/>
+                      <a:round/>
+                      <a:headEnd len="sm" w="sm" type="none"/>
+                      <a:tailEnd len="sm" w="sm" type="none"/>
+                    </a:lnB>
+                    <a:solidFill>
+                      <a:srgbClr val="F3F3F3"/>
+                    </a:solidFill>
+                  </a:tcPr>
+                </a:tc>
+              </a:tr>
+              <a:tr h="266700">
+                <a:tc>
+                  <a:txBody>
+                    <a:bodyPr/>
+                    <a:lstStyle/>
+                    <a:p>
+                      <a:pPr indent="0" lvl="0" marL="0" rtl="0" algn="l">
+                        <a:lnSpc>
+                          <a:spcPct val="115000"/>
+                        </a:lnSpc>
+                        <a:spcBef>
+                          <a:spcPts val="0"/>
+                        </a:spcBef>
+                        <a:spcAft>
+                          <a:spcPts val="0"/>
+                        </a:spcAft>
+                        <a:buNone/>
+                      </a:pPr>
+                      <a:r>
+                        <a:rPr lang="en" sz="900">
+                          <a:latin typeface="Lato"/>
+                          <a:ea typeface="Lato"/>
+                          <a:cs typeface="Lato"/>
+                          <a:sym typeface="Lato"/>
+                        </a:rPr>
+                        <a:t>Configuration</a:t>
+                      </a:r>
+                      <a:endParaRPr sz="900">
+                        <a:latin typeface="Lato"/>
+                        <a:ea typeface="Lato"/>
+                        <a:cs typeface="Lato"/>
+                        <a:sym typeface="Lato"/>
+                      </a:endParaRPr>
+                    </a:p>
+                    <a:p>
+                      <a:pPr indent="0" lvl="0" marL="457200" rtl="0" algn="l">
+                        <a:lnSpc>
+                          <a:spcPct val="115000"/>
+                        </a:lnSpc>
+                        <a:spcBef>
+                          <a:spcPts val="0"/>
+                        </a:spcBef>
+                        <a:spcAft>
+                          <a:spcPts val="0"/>
+                        </a:spcAft>
+                        <a:buNone/>
+                      </a:pPr>
+                      <a:r>
+                        <a:rPr lang="en" sz="900">
+                          <a:latin typeface="Lato"/>
+                          <a:ea typeface="Lato"/>
+                          <a:cs typeface="Lato"/>
+                          <a:sym typeface="Lato"/>
+                        </a:rPr>
+                        <a:t>Design for configuration library service where users can select new configurations for device, i.e. apples, lettuce, et</a:t>
+                      </a:r>
+                      <a:endParaRPr sz="900">
+                        <a:latin typeface="Lato"/>
+                        <a:ea typeface="Lato"/>
+                        <a:cs typeface="Lato"/>
+                        <a:sym typeface="Lato"/>
+                      </a:endParaRPr>
+                    </a:p>
+                  </a:txBody>
+                  <a:tcPr marT="63500" marB="63500" marR="63500" marL="63500">
+                    <a:lnL cap="flat" cmpd="sng" w="12700">
+                      <a:solidFill>
+                        <a:srgbClr val="FF9900"/>
+                      </a:solidFill>
+                      <a:prstDash val="solid"/>
+                      <a:round/>
+                      <a:headEnd len="sm" w="sm" type="none"/>
+                      <a:tailEnd len="sm" w="sm" type="none"/>
+                    </a:lnL>
+                    <a:lnR cap="flat" cmpd="sng" w="12700">
+                      <a:solidFill>
+                        <a:srgbClr val="F1C232"/>
+                      </a:solidFill>
+                      <a:prstDash val="solid"/>
+                      <a:round/>
+                      <a:headEnd len="sm" w="sm" type="none"/>
+                      <a:tailEnd len="sm" w="sm" type="none"/>
+                    </a:lnR>
+                    <a:lnT cap="flat" cmpd="sng" w="12700">
+                      <a:solidFill>
+                        <a:srgbClr val="E69138"/>
+                      </a:solidFill>
+                      <a:prstDash val="solid"/>
+                      <a:round/>
+                      <a:headEnd len="sm" w="sm" type="none"/>
+                      <a:tailEnd len="sm" w="sm" type="none"/>
+                    </a:lnT>
+                    <a:lnB cap="flat" cmpd="sng" w="12700">
+                      <a:solidFill>
+                        <a:srgbClr val="FF9900"/>
+                      </a:solidFill>
+                      <a:prstDash val="solid"/>
+                      <a:round/>
+                      <a:headEnd len="sm" w="sm" type="none"/>
+                      <a:tailEnd len="sm" w="sm" type="none"/>
+                    </a:lnB>
+                    <a:solidFill>
+                      <a:srgbClr val="D9D9D9"/>
+                    </a:solidFill>
+                  </a:tcPr>
+                </a:tc>
+                <a:tc>
+                  <a:txBody>
+                    <a:bodyPr/>
+                    <a:lstStyle/>
+                    <a:p>
+                      <a:pPr indent="0" lvl="0" marL="0" rtl="0" algn="ctr">
+                        <a:spcBef>
+                          <a:spcPts val="0"/>
+                        </a:spcBef>
+                        <a:spcAft>
+                          <a:spcPts val="0"/>
+                        </a:spcAft>
+                        <a:buNone/>
+                      </a:pPr>
+                      <a:r>
+                        <a:rPr lang="en" sz="1200">
+                          <a:latin typeface="Lato"/>
+                          <a:ea typeface="Lato"/>
+                          <a:cs typeface="Lato"/>
+                          <a:sym typeface="Lato"/>
+                        </a:rPr>
+                        <a:t>50%</a:t>
+                      </a:r>
+                      <a:endParaRPr sz="1200">
+                        <a:latin typeface="Lato"/>
+                        <a:ea typeface="Lato"/>
+                        <a:cs typeface="Lato"/>
+                        <a:sym typeface="Lato"/>
+                      </a:endParaRPr>
+                    </a:p>
+                  </a:txBody>
+                  <a:tcPr marT="63500" marB="63500" marR="63500" marL="63500">
+                    <a:lnL cap="flat" cmpd="sng" w="12700">
+                      <a:solidFill>
+                        <a:srgbClr val="F1C232"/>
+                      </a:solidFill>
+                      <a:prstDash val="solid"/>
+                      <a:round/>
+                      <a:headEnd len="sm" w="sm" type="none"/>
+                      <a:tailEnd len="sm" w="sm" type="none"/>
+                    </a:lnL>
+                    <a:lnR cap="flat" cmpd="sng" w="12700">
+                      <a:solidFill>
+                        <a:srgbClr val="F1C232"/>
+                      </a:solidFill>
+                      <a:prstDash val="solid"/>
+                      <a:round/>
+                      <a:headEnd len="sm" w="sm" type="none"/>
+                      <a:tailEnd len="sm" w="sm" type="none"/>
+                    </a:lnR>
+                    <a:lnT cap="flat" cmpd="sng" w="12700">
+                      <a:solidFill>
+                        <a:srgbClr val="F1C232"/>
+                      </a:solidFill>
+                      <a:prstDash val="solid"/>
+                      <a:round/>
+                      <a:headEnd len="sm" w="sm" type="none"/>
+                      <a:tailEnd len="sm" w="sm" type="none"/>
+                    </a:lnT>
+                    <a:lnB cap="flat" cmpd="sng" w="12700">
+                      <a:solidFill>
+                        <a:srgbClr val="F1C232"/>
+                      </a:solidFill>
+                      <a:prstDash val="solid"/>
+                      <a:round/>
+                      <a:headEnd len="sm" w="sm" type="none"/>
+                      <a:tailEnd len="sm" w="sm" type="none"/>
+                    </a:lnB>
+                    <a:solidFill>
+                      <a:srgbClr val="F3F3F3"/>
+                    </a:solidFill>
+                  </a:tcPr>
+                </a:tc>
+              </a:tr>
+              <a:tr h="266700">
+                <a:tc>
+                  <a:txBody>
+                    <a:bodyPr/>
+                    <a:lstStyle/>
+                    <a:p>
+                      <a:pPr indent="0" lvl="0" marL="0" rtl="0" algn="l">
+                        <a:lnSpc>
+                          <a:spcPct val="115000"/>
+                        </a:lnSpc>
+                        <a:spcBef>
+                          <a:spcPts val="0"/>
+                        </a:spcBef>
+                        <a:spcAft>
+                          <a:spcPts val="0"/>
+                        </a:spcAft>
+                        <a:buClr>
+                          <a:srgbClr val="000000"/>
+                        </a:buClr>
+                        <a:buSzPts val="1100"/>
+                        <a:buFont typeface="Arial"/>
+                        <a:buNone/>
+                      </a:pPr>
+                      <a:r>
+                        <a:rPr lang="en" sz="900">
+                          <a:solidFill>
+                            <a:srgbClr val="000000"/>
+                          </a:solidFill>
+                          <a:latin typeface="Lato"/>
+                          <a:ea typeface="Lato"/>
+                          <a:cs typeface="Lato"/>
+                          <a:sym typeface="Lato"/>
+                        </a:rPr>
+                        <a:t>Reports</a:t>
+                      </a:r>
+                      <a:endParaRPr sz="900">
+                        <a:solidFill>
+                          <a:srgbClr val="000000"/>
+                        </a:solidFill>
+                        <a:latin typeface="Lato"/>
+                        <a:ea typeface="Lato"/>
+                        <a:cs typeface="Lato"/>
+                        <a:sym typeface="Lato"/>
+                      </a:endParaRPr>
+                    </a:p>
+                    <a:p>
+                      <a:pPr indent="0" lvl="0" marL="457200" rtl="0" algn="l">
+                        <a:lnSpc>
+                          <a:spcPct val="115000"/>
+                        </a:lnSpc>
+                        <a:spcBef>
+                          <a:spcPts val="0"/>
+                        </a:spcBef>
+                        <a:spcAft>
+                          <a:spcPts val="0"/>
+                        </a:spcAft>
+                        <a:buClr>
+                          <a:srgbClr val="000000"/>
+                        </a:buClr>
+                        <a:buSzPts val="1100"/>
+                        <a:buFont typeface="Arial"/>
+                        <a:buNone/>
+                      </a:pPr>
+                      <a:r>
+                        <a:rPr lang="en" sz="900">
+                          <a:solidFill>
+                            <a:srgbClr val="000000"/>
+                          </a:solidFill>
+                          <a:latin typeface="Lato"/>
+                          <a:ea typeface="Lato"/>
+                          <a:cs typeface="Lato"/>
+                          <a:sym typeface="Lato"/>
+                        </a:rPr>
+                        <a:t>System performance and status globally down to each individual subsystem of a single device</a:t>
+                      </a:r>
+                      <a:endParaRPr sz="900">
+                        <a:solidFill>
+                          <a:srgbClr val="000000"/>
+                        </a:solidFill>
+                        <a:latin typeface="Lato"/>
+                        <a:ea typeface="Lato"/>
+                        <a:cs typeface="Lato"/>
+                        <a:sym typeface="Lato"/>
+                      </a:endParaRPr>
+                    </a:p>
+                    <a:p>
+                      <a:pPr indent="0" lvl="0" marL="457200" rtl="0" algn="l">
+                        <a:lnSpc>
+                          <a:spcPct val="115000"/>
+                        </a:lnSpc>
+                        <a:spcBef>
+                          <a:spcPts val="0"/>
+                        </a:spcBef>
+                        <a:spcAft>
+                          <a:spcPts val="0"/>
+                        </a:spcAft>
+                        <a:buClr>
+                          <a:srgbClr val="000000"/>
+                        </a:buClr>
+                        <a:buSzPts val="1100"/>
+                        <a:buFont typeface="Arial"/>
+                        <a:buNone/>
+                      </a:pPr>
+                      <a:r>
+                        <a:rPr lang="en" sz="900">
+                          <a:solidFill>
+                            <a:srgbClr val="000000"/>
+                          </a:solidFill>
+                          <a:latin typeface="Lato"/>
+                          <a:ea typeface="Lato"/>
+                          <a:cs typeface="Lato"/>
+                          <a:sym typeface="Lato"/>
+                        </a:rPr>
+                        <a:t>Appropriate metrics and report hierarchy based on user selected feature</a:t>
+                      </a:r>
+                      <a:endParaRPr sz="900">
+                        <a:solidFill>
+                          <a:srgbClr val="000000"/>
+                        </a:solidFill>
+                        <a:latin typeface="Lato"/>
+                        <a:ea typeface="Lato"/>
+                        <a:cs typeface="Lato"/>
+                        <a:sym typeface="Lato"/>
+                      </a:endParaRPr>
+                    </a:p>
+                    <a:p>
+                      <a:pPr indent="0" lvl="0" marL="0" rtl="0" algn="l">
+                        <a:lnSpc>
+                          <a:spcPct val="115000"/>
+                        </a:lnSpc>
+                        <a:spcBef>
+                          <a:spcPts val="0"/>
+                        </a:spcBef>
+                        <a:spcAft>
+                          <a:spcPts val="0"/>
+                        </a:spcAft>
+                        <a:buNone/>
+                      </a:pPr>
+                      <a:r>
+                        <a:t/>
+                      </a:r>
+                      <a:endParaRPr sz="900">
+                        <a:latin typeface="Lato"/>
+                        <a:ea typeface="Lato"/>
+                        <a:cs typeface="Lato"/>
+                        <a:sym typeface="Lato"/>
+                      </a:endParaRPr>
+                    </a:p>
+                  </a:txBody>
+                  <a:tcPr marT="63500" marB="63500" marR="63500" marL="63500">
+                    <a:lnL cap="flat" cmpd="sng" w="12700">
+                      <a:solidFill>
+                        <a:srgbClr val="FF9900"/>
+                      </a:solidFill>
+                      <a:prstDash val="solid"/>
+                      <a:round/>
+                      <a:headEnd len="sm" w="sm" type="none"/>
+                      <a:tailEnd len="sm" w="sm" type="none"/>
+                    </a:lnL>
+                    <a:lnR cap="flat" cmpd="sng" w="12700">
+                      <a:solidFill>
+                        <a:srgbClr val="F1C232"/>
+                      </a:solidFill>
+                      <a:prstDash val="solid"/>
+                      <a:round/>
+                      <a:headEnd len="sm" w="sm" type="none"/>
+                      <a:tailEnd len="sm" w="sm" type="none"/>
+                    </a:lnR>
+                    <a:lnT cap="flat" cmpd="sng" w="12700">
+                      <a:solidFill>
+                        <a:srgbClr val="FF9900"/>
+                      </a:solidFill>
+                      <a:prstDash val="solid"/>
+                      <a:round/>
+                      <a:headEnd len="sm" w="sm" type="none"/>
+                      <a:tailEnd len="sm" w="sm" type="none"/>
+                    </a:lnT>
+                    <a:lnB cap="flat" cmpd="sng" w="12700">
+                      <a:solidFill>
+                        <a:srgbClr val="FF9900"/>
+                      </a:solidFill>
+                      <a:prstDash val="solid"/>
+                      <a:round/>
+                      <a:headEnd len="sm" w="sm" type="none"/>
+                      <a:tailEnd len="sm" w="sm" type="none"/>
+                    </a:lnB>
+                    <a:solidFill>
+                      <a:srgbClr val="D9D9D9"/>
+                    </a:solidFill>
+                  </a:tcPr>
+                </a:tc>
+                <a:tc>
+                  <a:txBody>
+                    <a:bodyPr/>
+                    <a:lstStyle/>
+                    <a:p>
+                      <a:pPr indent="0" lvl="0" marL="0" rtl="0" algn="ctr">
+                        <a:spcBef>
+                          <a:spcPts val="0"/>
+                        </a:spcBef>
+                        <a:spcAft>
+                          <a:spcPts val="0"/>
+                        </a:spcAft>
+                        <a:buNone/>
+                      </a:pPr>
+                      <a:r>
+                        <a:rPr lang="en" sz="1200">
+                          <a:latin typeface="Lato"/>
+                          <a:ea typeface="Lato"/>
+                          <a:cs typeface="Lato"/>
+                          <a:sym typeface="Lato"/>
+                        </a:rPr>
+                        <a:t>50%</a:t>
+                      </a:r>
+                      <a:endParaRPr sz="1200">
+                        <a:latin typeface="Lato"/>
+                        <a:ea typeface="Lato"/>
+                        <a:cs typeface="Lato"/>
+                        <a:sym typeface="Lato"/>
+                      </a:endParaRPr>
+                    </a:p>
+                  </a:txBody>
+                  <a:tcPr marT="63500" marB="63500" marR="63500" marL="63500">
+                    <a:lnL cap="flat" cmpd="sng" w="12700">
+                      <a:solidFill>
+                        <a:srgbClr val="F1C232"/>
+                      </a:solidFill>
+                      <a:prstDash val="solid"/>
+                      <a:round/>
+                      <a:headEnd len="sm" w="sm" type="none"/>
+                      <a:tailEnd len="sm" w="sm" type="none"/>
+                    </a:lnL>
+                    <a:lnR cap="flat" cmpd="sng" w="12700">
+                      <a:solidFill>
+                        <a:srgbClr val="F1C232"/>
+                      </a:solidFill>
+                      <a:prstDash val="solid"/>
+                      <a:round/>
+                      <a:headEnd len="sm" w="sm" type="none"/>
+                      <a:tailEnd len="sm" w="sm" type="none"/>
+                    </a:lnR>
+                    <a:lnT cap="flat" cmpd="sng" w="12700">
+                      <a:solidFill>
+                        <a:srgbClr val="F1C232"/>
+                      </a:solidFill>
+                      <a:prstDash val="solid"/>
+                      <a:round/>
+                      <a:headEnd len="sm" w="sm" type="none"/>
+                      <a:tailEnd len="sm" w="sm" type="none"/>
+                    </a:lnT>
+                    <a:lnB cap="flat" cmpd="sng" w="12700">
+                      <a:solidFill>
+                        <a:srgbClr val="F1C232"/>
+                      </a:solidFill>
+                      <a:prstDash val="solid"/>
+                      <a:round/>
+                      <a:headEnd len="sm" w="sm" type="none"/>
+                      <a:tailEnd len="sm" w="sm" type="none"/>
+                    </a:lnB>
+                    <a:solidFill>
+                      <a:srgbClr val="F3F3F3"/>
+                    </a:solidFill>
+                  </a:tcPr>
+                </a:tc>
+              </a:tr>
+              <a:tr h="12700">
+                <a:tc>
+                  <a:txBody>
+                    <a:bodyPr/>
+                    <a:lstStyle/>
+                    <a:p>
+                      <a:pPr indent="0" lvl="0" marL="0" rtl="0" algn="l">
+                        <a:lnSpc>
+                          <a:spcPct val="115000"/>
+                        </a:lnSpc>
+                        <a:spcBef>
+                          <a:spcPts val="0"/>
+                        </a:spcBef>
+                        <a:spcAft>
+                          <a:spcPts val="0"/>
+                        </a:spcAft>
+                        <a:buClr>
+                          <a:srgbClr val="000000"/>
+                        </a:buClr>
+                        <a:buSzPts val="1100"/>
+                        <a:buFont typeface="Arial"/>
+                        <a:buNone/>
+                      </a:pPr>
+                      <a:r>
+                        <a:rPr lang="en" sz="900">
+                          <a:solidFill>
+                            <a:srgbClr val="000000"/>
+                          </a:solidFill>
+                          <a:latin typeface="Lato"/>
+                          <a:ea typeface="Lato"/>
+                          <a:cs typeface="Lato"/>
+                          <a:sym typeface="Lato"/>
+                        </a:rPr>
+                        <a:t>Manual control</a:t>
+                      </a:r>
+                      <a:endParaRPr sz="900">
+                        <a:solidFill>
+                          <a:srgbClr val="000000"/>
+                        </a:solidFill>
+                        <a:latin typeface="Lato"/>
+                        <a:ea typeface="Lato"/>
+                        <a:cs typeface="Lato"/>
+                        <a:sym typeface="Lato"/>
+                      </a:endParaRPr>
+                    </a:p>
+                    <a:p>
+                      <a:pPr indent="0" lvl="0" marL="457200" rtl="0" algn="l">
+                        <a:lnSpc>
+                          <a:spcPct val="115000"/>
+                        </a:lnSpc>
+                        <a:spcBef>
+                          <a:spcPts val="0"/>
+                        </a:spcBef>
+                        <a:spcAft>
+                          <a:spcPts val="0"/>
+                        </a:spcAft>
+                        <a:buClr>
+                          <a:srgbClr val="000000"/>
+                        </a:buClr>
+                        <a:buSzPts val="1100"/>
+                        <a:buFont typeface="Arial"/>
+                        <a:buNone/>
+                      </a:pPr>
+                      <a:r>
+                        <a:rPr lang="en" sz="900">
+                          <a:solidFill>
+                            <a:srgbClr val="000000"/>
+                          </a:solidFill>
+                          <a:latin typeface="Lato"/>
+                          <a:ea typeface="Lato"/>
+                          <a:cs typeface="Lato"/>
+                          <a:sym typeface="Lato"/>
+                        </a:rPr>
+                        <a:t>Stop, start, restart, pause, and reset</a:t>
+                      </a:r>
+                      <a:endParaRPr sz="900">
+                        <a:latin typeface="Lato"/>
+                        <a:ea typeface="Lato"/>
+                        <a:cs typeface="Lato"/>
+                        <a:sym typeface="Lato"/>
+                      </a:endParaRPr>
+                    </a:p>
+                  </a:txBody>
+                  <a:tcPr marT="63500" marB="63500" marR="63500" marL="63500">
+                    <a:lnL cap="flat" cmpd="sng" w="12700">
+                      <a:solidFill>
+                        <a:srgbClr val="FF9900"/>
+                      </a:solidFill>
+                      <a:prstDash val="solid"/>
+                      <a:round/>
+                      <a:headEnd len="sm" w="sm" type="none"/>
+                      <a:tailEnd len="sm" w="sm" type="none"/>
+                    </a:lnL>
+                    <a:lnR cap="flat" cmpd="sng" w="12700">
+                      <a:solidFill>
+                        <a:srgbClr val="F1C232"/>
+                      </a:solidFill>
+                      <a:prstDash val="solid"/>
+                      <a:round/>
+                      <a:headEnd len="sm" w="sm" type="none"/>
+                      <a:tailEnd len="sm" w="sm" type="none"/>
+                    </a:lnR>
+                    <a:lnT cap="flat" cmpd="sng" w="12700">
+                      <a:solidFill>
+                        <a:srgbClr val="FF9900"/>
+                      </a:solidFill>
+                      <a:prstDash val="solid"/>
+                      <a:round/>
+                      <a:headEnd len="sm" w="sm" type="none"/>
+                      <a:tailEnd len="sm" w="sm" type="none"/>
+                    </a:lnT>
+                    <a:lnB cap="flat" cmpd="sng" w="12700">
+                      <a:solidFill>
+                        <a:srgbClr val="FF9900"/>
+                      </a:solidFill>
+                      <a:prstDash val="solid"/>
+                      <a:round/>
+                      <a:headEnd len="sm" w="sm" type="none"/>
+                      <a:tailEnd len="sm" w="sm" type="none"/>
+                    </a:lnB>
+                    <a:solidFill>
+                      <a:srgbClr val="D9D9D9"/>
+                    </a:solidFill>
+                  </a:tcPr>
+                </a:tc>
+                <a:tc>
+                  <a:txBody>
+                    <a:bodyPr/>
+                    <a:lstStyle/>
+                    <a:p>
+                      <a:pPr indent="0" lvl="0" marL="0" rtl="0" algn="ctr">
+                        <a:spcBef>
+                          <a:spcPts val="0"/>
+                        </a:spcBef>
+                        <a:spcAft>
+                          <a:spcPts val="0"/>
+                        </a:spcAft>
+                        <a:buNone/>
+                      </a:pPr>
+                      <a:r>
+                        <a:rPr lang="en" sz="1200">
+                          <a:latin typeface="Lato"/>
+                          <a:ea typeface="Lato"/>
+                          <a:cs typeface="Lato"/>
+                          <a:sym typeface="Lato"/>
+                        </a:rPr>
+                        <a:t>90%</a:t>
+                      </a:r>
+                      <a:endParaRPr sz="1200">
+                        <a:latin typeface="Lato"/>
+                        <a:ea typeface="Lato"/>
+                        <a:cs typeface="Lato"/>
+                        <a:sym typeface="Lato"/>
+                      </a:endParaRPr>
+                    </a:p>
+                  </a:txBody>
+                  <a:tcPr marT="63500" marB="63500" marR="63500" marL="63500">
+                    <a:lnL cap="flat" cmpd="sng" w="12700">
+                      <a:solidFill>
+                        <a:srgbClr val="F1C232"/>
+                      </a:solidFill>
+                      <a:prstDash val="solid"/>
+                      <a:round/>
+                      <a:headEnd len="sm" w="sm" type="none"/>
+                      <a:tailEnd len="sm" w="sm" type="none"/>
+                    </a:lnL>
+                    <a:lnR cap="flat" cmpd="sng" w="12700">
+                      <a:solidFill>
+                        <a:srgbClr val="F1C232"/>
+                      </a:solidFill>
+                      <a:prstDash val="solid"/>
+                      <a:round/>
+                      <a:headEnd len="sm" w="sm" type="none"/>
+                      <a:tailEnd len="sm" w="sm" type="none"/>
+                    </a:lnR>
+                    <a:lnT cap="flat" cmpd="sng" w="12700">
+                      <a:solidFill>
+                        <a:srgbClr val="F1C232"/>
+                      </a:solidFill>
+                      <a:prstDash val="solid"/>
+                      <a:round/>
+                      <a:headEnd len="sm" w="sm" type="none"/>
+                      <a:tailEnd len="sm" w="sm" type="none"/>
+                    </a:lnT>
+                    <a:lnB cap="flat" cmpd="sng" w="12700">
+                      <a:solidFill>
+                        <a:srgbClr val="F1C232"/>
+                      </a:solidFill>
+                      <a:prstDash val="solid"/>
+                      <a:round/>
+                      <a:headEnd len="sm" w="sm" type="none"/>
+                      <a:tailEnd len="sm" w="sm" type="none"/>
+                    </a:lnB>
+                    <a:solidFill>
+                      <a:srgbClr val="F3F3F3"/>
+                    </a:solidFill>
+                  </a:tcPr>
+                </a:tc>
+              </a:tr>
+              <a:tr h="12700">
+                <a:tc>
+                  <a:txBody>
+                    <a:bodyPr/>
+                    <a:lstStyle/>
+                    <a:p>
+                      <a:pPr indent="0" lvl="0" marL="0" rtl="0" algn="l">
+                        <a:lnSpc>
+                          <a:spcPct val="115000"/>
+                        </a:lnSpc>
+                        <a:spcBef>
+                          <a:spcPts val="0"/>
+                        </a:spcBef>
+                        <a:spcAft>
+                          <a:spcPts val="0"/>
+                        </a:spcAft>
+                        <a:buClr>
+                          <a:srgbClr val="000000"/>
+                        </a:buClr>
+                        <a:buSzPts val="1100"/>
+                        <a:buFont typeface="Arial"/>
+                        <a:buNone/>
+                      </a:pPr>
+                      <a:r>
+                        <a:rPr lang="en" sz="900">
+                          <a:solidFill>
+                            <a:srgbClr val="000000"/>
+                          </a:solidFill>
+                          <a:latin typeface="Lato"/>
+                          <a:ea typeface="Lato"/>
+                          <a:cs typeface="Lato"/>
+                          <a:sym typeface="Lato"/>
+                        </a:rPr>
+                        <a:t>UX/UI survey for CS Forum with appropriate hierarchy based on what user selected</a:t>
+                      </a:r>
+                      <a:endParaRPr sz="900">
+                        <a:latin typeface="Lato"/>
+                        <a:ea typeface="Lato"/>
+                        <a:cs typeface="Lato"/>
+                        <a:sym typeface="Lato"/>
+                      </a:endParaRPr>
+                    </a:p>
+                  </a:txBody>
+                  <a:tcPr marT="63500" marB="63500" marR="63500" marL="63500">
+                    <a:lnR cap="flat" cmpd="sng" w="12700">
+                      <a:solidFill>
+                        <a:srgbClr val="000000"/>
+                      </a:solidFill>
+                      <a:prstDash val="solid"/>
+                      <a:round/>
+                      <a:headEnd len="sm" w="sm" type="none"/>
+                      <a:tailEnd len="sm" w="sm" type="none"/>
+                    </a:lnR>
+                    <a:lnT cap="flat" cmpd="sng" w="12700">
+                      <a:solidFill>
+                        <a:srgbClr val="FF9900"/>
+                      </a:solidFill>
+                      <a:prstDash val="solid"/>
+                      <a:round/>
+                      <a:headEnd len="sm" w="sm" type="none"/>
+                      <a:tailEnd len="sm" w="sm" type="none"/>
+                    </a:lnT>
+                    <a:solidFill>
+                      <a:srgbClr val="D9D9D9"/>
+                    </a:solidFill>
+                  </a:tcPr>
+                </a:tc>
+                <a:tc>
+                  <a:txBody>
+                    <a:bodyPr/>
+                    <a:lstStyle/>
+                    <a:p>
+                      <a:pPr indent="0" lvl="0" marL="0" rtl="0" algn="ctr">
+                        <a:spcBef>
+                          <a:spcPts val="0"/>
+                        </a:spcBef>
+                        <a:spcAft>
+                          <a:spcPts val="0"/>
+                        </a:spcAft>
+                        <a:buNone/>
+                      </a:pPr>
+                      <a:r>
+                        <a:rPr lang="en" sz="1200">
+                          <a:latin typeface="Lato"/>
+                          <a:ea typeface="Lato"/>
+                          <a:cs typeface="Lato"/>
+                          <a:sym typeface="Lato"/>
+                        </a:rPr>
+                        <a:t>100% (for now)</a:t>
+                      </a:r>
+                      <a:endParaRPr sz="1200">
+                        <a:latin typeface="Lato"/>
+                        <a:ea typeface="Lato"/>
+                        <a:cs typeface="Lato"/>
+                        <a:sym typeface="Lato"/>
+                      </a:endParaRPr>
+                    </a:p>
+                  </a:txBody>
+                  <a:tcPr marT="63500" marB="63500" marR="63500" marL="63500">
+                    <a:lnL cap="flat" cmpd="sng" w="12700">
+                      <a:solidFill>
+                        <a:srgbClr val="000000"/>
+                      </a:solidFill>
+                      <a:prstDash val="solid"/>
+                      <a:round/>
+                      <a:headEnd len="sm" w="sm" type="none"/>
+                      <a:tailEnd len="sm" w="sm" type="none"/>
+                    </a:lnL>
+                    <a:lnR cap="flat" cmpd="sng" w="12700">
+                      <a:solidFill>
+                        <a:srgbClr val="000000"/>
+                      </a:solidFill>
+                      <a:prstDash val="solid"/>
+                      <a:round/>
+                      <a:headEnd len="sm" w="sm" type="none"/>
+                      <a:tailEnd len="sm" w="sm" type="none"/>
+                    </a:lnR>
+                    <a:lnT cap="flat" cmpd="sng" w="12700">
+                      <a:solidFill>
+                        <a:srgbClr val="F1C232"/>
+                      </a:solidFill>
+                      <a:prstDash val="solid"/>
+                      <a:round/>
+                      <a:headEnd len="sm" w="sm" type="none"/>
+                      <a:tailEnd len="sm" w="sm" type="none"/>
+                    </a:lnT>
+                    <a:lnB cap="flat" cmpd="sng" w="12700">
+                      <a:solidFill>
+                        <a:srgbClr val="000000"/>
+                      </a:solidFill>
+                      <a:prstDash val="solid"/>
+                      <a:round/>
+                      <a:headEnd len="sm" w="sm" type="none"/>
+                      <a:tailEnd len="sm" w="sm" type="none"/>
+                    </a:lnB>
+                    <a:solidFill>
+                      <a:srgbClr val="F3F3F3"/>
+                    </a:solidFill>
+                  </a:tcPr>
+                </a:tc>
+              </a:tr>
+              <a:tr h="12700">
+                <a:tc>
+                  <a:txBody>
+                    <a:bodyPr/>
+                    <a:lstStyle/>
+                    <a:p>
+                      <a:pPr indent="0" lvl="0" marL="0" rtl="0" algn="l">
+                        <a:lnSpc>
+                          <a:spcPct val="115000"/>
+                        </a:lnSpc>
+                        <a:spcBef>
+                          <a:spcPts val="0"/>
+                        </a:spcBef>
+                        <a:spcAft>
+                          <a:spcPts val="0"/>
+                        </a:spcAft>
+                        <a:buNone/>
+                      </a:pPr>
+                      <a:r>
+                        <a:rPr lang="en" sz="900">
+                          <a:latin typeface="Lato"/>
+                          <a:ea typeface="Lato"/>
+                          <a:cs typeface="Lato"/>
+                          <a:sym typeface="Lato"/>
+                        </a:rPr>
+                        <a:t>One actuator working on production control board</a:t>
+                      </a:r>
+                      <a:endParaRPr sz="900">
+                        <a:latin typeface="Lato"/>
+                        <a:ea typeface="Lato"/>
+                        <a:cs typeface="Lato"/>
+                        <a:sym typeface="Lato"/>
+                      </a:endParaRPr>
+                    </a:p>
+                  </a:txBody>
+                  <a:tcPr marT="63500" marB="63500" marR="63500" marL="63500">
+                    <a:lnR cap="flat" cmpd="sng" w="12700">
+                      <a:solidFill>
+                        <a:srgbClr val="000000"/>
+                      </a:solidFill>
+                      <a:prstDash val="solid"/>
+                      <a:round/>
+                      <a:headEnd len="sm" w="sm" type="none"/>
+                      <a:tailEnd len="sm" w="sm" type="none"/>
+                    </a:lnR>
+                    <a:solidFill>
+                      <a:srgbClr val="D9D9D9"/>
+                    </a:solidFill>
+                  </a:tcPr>
+                </a:tc>
+                <a:tc>
+                  <a:txBody>
+                    <a:bodyPr/>
+                    <a:lstStyle/>
+                    <a:p>
+                      <a:pPr indent="0" lvl="0" marL="0" rtl="0" algn="ctr">
+                        <a:spcBef>
+                          <a:spcPts val="0"/>
+                        </a:spcBef>
+                        <a:spcAft>
+                          <a:spcPts val="0"/>
+                        </a:spcAft>
+                        <a:buNone/>
+                      </a:pPr>
+                      <a:r>
+                        <a:rPr lang="en" sz="1200">
+                          <a:latin typeface="Lato"/>
+                          <a:ea typeface="Lato"/>
+                          <a:cs typeface="Lato"/>
+                          <a:sym typeface="Lato"/>
+                        </a:rPr>
+                        <a:t>100%</a:t>
+                      </a:r>
+                      <a:endParaRPr sz="1200">
+                        <a:latin typeface="Lato"/>
+                        <a:ea typeface="Lato"/>
+                        <a:cs typeface="Lato"/>
+                        <a:sym typeface="Lato"/>
+                      </a:endParaRPr>
+                    </a:p>
+                  </a:txBody>
+                  <a:tcPr marT="63500" marB="63500" marR="63500" marL="63500">
+                    <a:lnL cap="flat" cmpd="sng" w="12700">
+                      <a:solidFill>
+                        <a:srgbClr val="000000"/>
+                      </a:solidFill>
+                      <a:prstDash val="solid"/>
+                      <a:round/>
+                      <a:headEnd len="sm" w="sm" type="none"/>
+                      <a:tailEnd len="sm" w="sm" type="none"/>
+                    </a:lnL>
+                    <a:lnR cap="flat" cmpd="sng" w="12700">
+                      <a:solidFill>
+                        <a:srgbClr val="000000"/>
+                      </a:solidFill>
+                      <a:prstDash val="solid"/>
+                      <a:round/>
+                      <a:headEnd len="sm" w="sm" type="none"/>
+                      <a:tailEnd len="sm" w="sm" type="none"/>
+                    </a:lnR>
+                    <a:lnT cap="flat" cmpd="sng" w="12700">
+                      <a:solidFill>
+                        <a:srgbClr val="000000"/>
+                      </a:solidFill>
+                      <a:prstDash val="solid"/>
+                      <a:round/>
+                      <a:headEnd len="sm" w="sm" type="none"/>
+                      <a:tailEnd len="sm" w="sm" type="none"/>
+                    </a:lnT>
+                    <a:lnB cap="flat" cmpd="sng" w="12700">
+                      <a:solidFill>
+                        <a:srgbClr val="000000"/>
+                      </a:solidFill>
+                      <a:prstDash val="solid"/>
+                      <a:round/>
+                      <a:headEnd len="sm" w="sm" type="none"/>
+                      <a:tailEnd len="sm" w="sm" type="none"/>
+                    </a:lnB>
+                    <a:solidFill>
+                      <a:srgbClr val="F3F3F3"/>
+                    </a:solidFill>
+                  </a:tcPr>
+                </a:tc>
+              </a:tr>
+              <a:tr h="12700">
+                <a:tc>
+                  <a:txBody>
+                    <a:bodyPr/>
+                    <a:lstStyle/>
+                    <a:p>
+                      <a:pPr indent="0" lvl="0" marL="0" rtl="0" algn="l">
+                        <a:lnSpc>
+                          <a:spcPct val="115000"/>
+                        </a:lnSpc>
+                        <a:spcBef>
+                          <a:spcPts val="0"/>
+                        </a:spcBef>
+                        <a:spcAft>
+                          <a:spcPts val="0"/>
+                        </a:spcAft>
+                        <a:buNone/>
+                      </a:pPr>
+                      <a:r>
+                        <a:rPr lang="en" sz="900">
+                          <a:latin typeface="Lato"/>
+                          <a:ea typeface="Lato"/>
+                          <a:cs typeface="Lato"/>
+                          <a:sym typeface="Lato"/>
+                        </a:rPr>
+                        <a:t>Testing progress</a:t>
+                      </a:r>
+                      <a:endParaRPr sz="900">
+                        <a:latin typeface="Lato"/>
+                        <a:ea typeface="Lato"/>
+                        <a:cs typeface="Lato"/>
+                        <a:sym typeface="Lato"/>
+                      </a:endParaRPr>
+                    </a:p>
+                  </a:txBody>
+                  <a:tcPr marT="63500" marB="63500" marR="63500" marL="63500">
+                    <a:lnR cap="flat" cmpd="sng" w="12700">
+                      <a:solidFill>
+                        <a:srgbClr val="000000"/>
+                      </a:solidFill>
+                      <a:prstDash val="solid"/>
+                      <a:round/>
+                      <a:headEnd len="sm" w="sm" type="none"/>
+                      <a:tailEnd len="sm" w="sm" type="none"/>
+                    </a:lnR>
+                    <a:solidFill>
+                      <a:srgbClr val="D9D9D9"/>
+                    </a:solidFill>
+                  </a:tcPr>
+                </a:tc>
+                <a:tc>
+                  <a:txBody>
+                    <a:bodyPr/>
+                    <a:lstStyle/>
+                    <a:p>
+                      <a:pPr indent="0" lvl="0" marL="0" rtl="0" algn="ctr">
+                        <a:spcBef>
+                          <a:spcPts val="0"/>
+                        </a:spcBef>
+                        <a:spcAft>
+                          <a:spcPts val="0"/>
+                        </a:spcAft>
+                        <a:buNone/>
+                      </a:pPr>
+                      <a:r>
+                        <a:rPr lang="en" sz="1200">
+                          <a:latin typeface="Lato"/>
+                          <a:ea typeface="Lato"/>
+                          <a:cs typeface="Lato"/>
+                          <a:sym typeface="Lato"/>
+                        </a:rPr>
+                        <a:t>30%</a:t>
+                      </a:r>
+                      <a:endParaRPr sz="1200">
+                        <a:latin typeface="Lato"/>
+                        <a:ea typeface="Lato"/>
+                        <a:cs typeface="Lato"/>
+                        <a:sym typeface="Lato"/>
+                      </a:endParaRPr>
+                    </a:p>
+                  </a:txBody>
+                  <a:tcPr marT="63500" marB="63500" marR="63500" marL="63500">
+                    <a:lnL cap="flat" cmpd="sng" w="12700">
+                      <a:solidFill>
+                        <a:srgbClr val="000000"/>
+                      </a:solidFill>
+                      <a:prstDash val="solid"/>
+                      <a:round/>
+                      <a:headEnd len="sm" w="sm" type="none"/>
+                      <a:tailEnd len="sm" w="sm" type="none"/>
+                    </a:lnL>
+                    <a:lnR cap="flat" cmpd="sng" w="12700">
+                      <a:solidFill>
+                        <a:srgbClr val="000000"/>
+                      </a:solidFill>
+                      <a:prstDash val="solid"/>
+                      <a:round/>
+                      <a:headEnd len="sm" w="sm" type="none"/>
+                      <a:tailEnd len="sm" w="sm" type="none"/>
+                    </a:lnR>
+                    <a:lnT cap="flat" cmpd="sng" w="12700">
+                      <a:solidFill>
+                        <a:srgbClr val="000000"/>
+                      </a:solidFill>
+                      <a:prstDash val="solid"/>
+                      <a:round/>
+                      <a:headEnd len="sm" w="sm" type="none"/>
+                      <a:tailEnd len="sm" w="sm" type="none"/>
+                    </a:lnT>
+                    <a:lnB cap="flat" cmpd="sng" w="12700">
+                      <a:solidFill>
+                        <a:srgbClr val="000000"/>
+                      </a:solidFill>
+                      <a:prstDash val="solid"/>
+                      <a:round/>
+                      <a:headEnd len="sm" w="sm" type="none"/>
+                      <a:tailEnd len="sm" w="sm" type="none"/>
+                    </a:lnB>
+                    <a:solidFill>
+                      <a:srgbClr val="F3F3F3"/>
+                    </a:solidFill>
+                  </a:tcPr>
+                </a:tc>
+              </a:tr>
+            </a:tbl>
+          </a:graphicData>
+        </a:graphic>
+      </p:graphicFrame>
+    </p:spTree>
+  </p:cSld>
+  <p:clrMapOvr>
+    <a:masterClrMapping/>
+  </p:clrMapOvr>
+</p:sld>
+</file>
+
+<file path=ppt/slides/slide7.xml><?xml version="1.0" encoding="utf-8"?>
+<p:sld xmlns:a="http://schemas.openxmlformats.org/drawingml/2006/main" xmlns:r="http://schemas.openxmlformats.org/officeDocument/2006/relationships" xmlns:mc="http://schemas.openxmlformats.org/markup-compatibility/2006" xmlns:mv="urn:schemas-microsoft-com:mac:vml" xmlns:p="http://schemas.openxmlformats.org/presentationml/2006/main" xmlns:c="http://schemas.openxmlformats.org/drawingml/2006/chart" xmlns:dgm="http://schemas.openxmlformats.org/drawingml/2006/diagram" xmlns:o="urn:schemas-microsoft-com:office:office" xmlns:v="urn:schemas-microsoft-com:vml" xmlns:pvml="urn:schemas-microsoft-com:office:powerpoint" xmlns:com="http://schemas.openxmlformats.org/drawingml/2006/compatibility" xmlns:p14="http://schemas.microsoft.com/office/powerpoint/2010/main" xmlns:p15="http://schemas.microsoft.com/office/powerpoint/2012/main">
+  <p:cSld>
+    <p:spTree>
+      <p:nvGrpSpPr>
+        <p:cNvPr id="178" name="Shape 178"/>
+        <p:cNvGrpSpPr/>
+        <p:nvPr/>
+      </p:nvGrpSpPr>
+      <p:grpSpPr>
+        <a:xfrm>
+          <a:off x="0" y="0"/>
+          <a:ext cx="0" cy="0"/>
+          <a:chOff x="0" y="0"/>
+          <a:chExt cx="0" cy="0"/>
+        </a:xfrm>
+      </p:grpSpPr>
+      <p:sp>
+        <p:nvSpPr>
+          <p:cNvPr id="179" name="Google Shape;179;p19"/>
           <p:cNvSpPr txBox="1"/>
           <p:nvPr>
             <p:ph type="title"/>
@@ -14741,6 +17011,174 @@
             </a:pPr>
             <a:r>
               <a:rPr lang="en"/>
+              <a:t>Progress Summary</a:t>
+            </a:r>
+            <a:endParaRPr/>
+          </a:p>
+          <a:p>
+            <a:pPr indent="0" lvl="0" marL="0" rtl="0" algn="l">
+              <a:spcBef>
+                <a:spcPts val="0"/>
+              </a:spcBef>
+              <a:spcAft>
+                <a:spcPts val="0"/>
+              </a:spcAft>
+              <a:buNone/>
+            </a:pPr>
+            <a:r>
+              <a:t/>
+            </a:r>
+            <a:endParaRPr/>
+          </a:p>
+        </p:txBody>
+      </p:sp>
+      <p:sp>
+        <p:nvSpPr>
+          <p:cNvPr id="180" name="Google Shape;180;p19"/>
+          <p:cNvSpPr txBox="1"/>
+          <p:nvPr>
+            <p:ph idx="1" type="body"/>
+          </p:nvPr>
+        </p:nvSpPr>
+        <p:spPr>
+          <a:xfrm>
+            <a:off x="1297500" y="1567550"/>
+            <a:ext cx="7038900" cy="2911200"/>
+          </a:xfrm>
+          <a:prstGeom prst="rect">
+            <a:avLst/>
+          </a:prstGeom>
+        </p:spPr>
+        <p:txBody>
+          <a:bodyPr anchorCtr="0" anchor="t" bIns="91425" lIns="91425" spcFirstLastPara="1" rIns="91425" wrap="square" tIns="91425">
+            <a:noAutofit/>
+          </a:bodyPr>
+          <a:lstStyle/>
+          <a:p>
+            <a:pPr indent="0" lvl="0" marL="0" rtl="0" algn="l">
+              <a:spcBef>
+                <a:spcPts val="0"/>
+              </a:spcBef>
+              <a:spcAft>
+                <a:spcPts val="1600"/>
+              </a:spcAft>
+              <a:buNone/>
+            </a:pPr>
+            <a:r>
+              <a:rPr lang="en"/>
+              <a:t>All tasks from last </a:t>
+            </a:r>
+            <a:r>
+              <a:rPr lang="en"/>
+              <a:t>semester</a:t>
+            </a:r>
+            <a:r>
+              <a:rPr lang="en"/>
+              <a:t> completed</a:t>
+            </a:r>
+            <a:endParaRPr/>
+          </a:p>
+        </p:txBody>
+      </p:sp>
+    </p:spTree>
+  </p:cSld>
+  <p:clrMapOvr>
+    <a:masterClrMapping/>
+  </p:clrMapOvr>
+</p:sld>
+</file>
+
+<file path=ppt/slides/slide8.xml><?xml version="1.0" encoding="utf-8"?>
+<p:sld xmlns:a="http://schemas.openxmlformats.org/drawingml/2006/main" xmlns:r="http://schemas.openxmlformats.org/officeDocument/2006/relationships" xmlns:mc="http://schemas.openxmlformats.org/markup-compatibility/2006" xmlns:mv="urn:schemas-microsoft-com:mac:vml" xmlns:p="http://schemas.openxmlformats.org/presentationml/2006/main" xmlns:c="http://schemas.openxmlformats.org/drawingml/2006/chart" xmlns:dgm="http://schemas.openxmlformats.org/drawingml/2006/diagram" xmlns:o="urn:schemas-microsoft-com:office:office" xmlns:v="urn:schemas-microsoft-com:vml" xmlns:pvml="urn:schemas-microsoft-com:office:powerpoint" xmlns:com="http://schemas.openxmlformats.org/drawingml/2006/compatibility" xmlns:p14="http://schemas.microsoft.com/office/powerpoint/2010/main" xmlns:p15="http://schemas.microsoft.com/office/powerpoint/2012/main">
+  <p:cSld>
+    <p:spTree>
+      <p:nvGrpSpPr>
+        <p:cNvPr id="184" name="Shape 184"/>
+        <p:cNvGrpSpPr/>
+        <p:nvPr/>
+      </p:nvGrpSpPr>
+      <p:grpSpPr>
+        <a:xfrm>
+          <a:off x="0" y="0"/>
+          <a:ext cx="0" cy="0"/>
+          <a:chOff x="0" y="0"/>
+          <a:chExt cx="0" cy="0"/>
+        </a:xfrm>
+      </p:grpSpPr>
+      <p:sp>
+        <p:nvSpPr>
+          <p:cNvPr id="185" name="Google Shape;185;p20"/>
+          <p:cNvSpPr txBox="1"/>
+          <p:nvPr>
+            <p:ph idx="1" type="body"/>
+          </p:nvPr>
+        </p:nvSpPr>
+        <p:spPr>
+          <a:xfrm>
+            <a:off x="1297500" y="1567550"/>
+            <a:ext cx="2463000" cy="2911200"/>
+          </a:xfrm>
+          <a:prstGeom prst="rect">
+            <a:avLst/>
+          </a:prstGeom>
+        </p:spPr>
+        <p:txBody>
+          <a:bodyPr anchorCtr="0" anchor="t" bIns="91425" lIns="91425" spcFirstLastPara="1" rIns="91425" wrap="square" tIns="91425">
+            <a:noAutofit/>
+          </a:bodyPr>
+          <a:lstStyle/>
+          <a:p>
+            <a:pPr indent="0" lvl="0" marL="0" rtl="0" algn="l">
+              <a:spcBef>
+                <a:spcPts val="0"/>
+              </a:spcBef>
+              <a:spcAft>
+                <a:spcPts val="1600"/>
+              </a:spcAft>
+              <a:buNone/>
+            </a:pPr>
+            <a:r>
+              <a:rPr lang="en"/>
+              <a:t>An application will be the one-stop-shop for managing and configuring the device(s):</a:t>
+            </a:r>
+            <a:endParaRPr/>
+          </a:p>
+        </p:txBody>
+      </p:sp>
+      <p:sp>
+        <p:nvSpPr>
+          <p:cNvPr id="186" name="Google Shape;186;p20"/>
+          <p:cNvSpPr txBox="1"/>
+          <p:nvPr>
+            <p:ph type="title"/>
+          </p:nvPr>
+        </p:nvSpPr>
+        <p:spPr>
+          <a:xfrm>
+            <a:off x="1297500" y="393750"/>
+            <a:ext cx="7038900" cy="914100"/>
+          </a:xfrm>
+          <a:prstGeom prst="rect">
+            <a:avLst/>
+          </a:prstGeom>
+        </p:spPr>
+        <p:txBody>
+          <a:bodyPr anchorCtr="0" anchor="t" bIns="91425" lIns="91425" spcFirstLastPara="1" rIns="91425" wrap="square" tIns="91425">
+            <a:noAutofit/>
+          </a:bodyPr>
+          <a:lstStyle/>
+          <a:p>
+            <a:pPr indent="0" lvl="0" marL="0" rtl="0" algn="l">
+              <a:spcBef>
+                <a:spcPts val="0"/>
+              </a:spcBef>
+              <a:spcAft>
+                <a:spcPts val="0"/>
+              </a:spcAft>
+              <a:buNone/>
+            </a:pPr>
+            <a:r>
+              <a:rPr lang="en"/>
               <a:t>Approach</a:t>
             </a:r>
             <a:endParaRPr/>
@@ -14749,7 +17187,7 @@
       </p:sp>
       <p:pic>
         <p:nvPicPr>
-          <p:cNvPr id="174" name="Google Shape;174;p18"/>
+          <p:cNvPr id="187" name="Google Shape;187;p20"/>
           <p:cNvPicPr preferRelativeResize="0"/>
           <p:nvPr/>
         </p:nvPicPr>
@@ -14789,12 +17227,12 @@
 </p:sld>
 </file>
 
-<file path=ppt/slides/slide7.xml><?xml version="1.0" encoding="utf-8"?>
+<file path=ppt/slides/slide9.xml><?xml version="1.0" encoding="utf-8"?>
 <p:sld xmlns:a="http://schemas.openxmlformats.org/drawingml/2006/main" xmlns:r="http://schemas.openxmlformats.org/officeDocument/2006/relationships" xmlns:mc="http://schemas.openxmlformats.org/markup-compatibility/2006" xmlns:mv="urn:schemas-microsoft-com:mac:vml" xmlns:p="http://schemas.openxmlformats.org/presentationml/2006/main" xmlns:c="http://schemas.openxmlformats.org/drawingml/2006/chart" xmlns:dgm="http://schemas.openxmlformats.org/drawingml/2006/diagram" xmlns:o="urn:schemas-microsoft-com:office:office" xmlns:v="urn:schemas-microsoft-com:vml" xmlns:pvml="urn:schemas-microsoft-com:office:powerpoint" xmlns:com="http://schemas.openxmlformats.org/drawingml/2006/compatibility" xmlns:p14="http://schemas.microsoft.com/office/powerpoint/2010/main" xmlns:p15="http://schemas.microsoft.com/office/powerpoint/2012/main">
   <p:cSld>
     <p:spTree>
       <p:nvGrpSpPr>
-        <p:cNvPr id="178" name="Shape 178"/>
+        <p:cNvPr id="191" name="Shape 191"/>
         <p:cNvGrpSpPr/>
         <p:nvPr/>
       </p:nvGrpSpPr>
@@ -14808,7 +17246,7 @@
       </p:grpSpPr>
       <p:sp>
         <p:nvSpPr>
-          <p:cNvPr id="179" name="Google Shape;179;p19"/>
+          <p:cNvPr id="192" name="Google Shape;192;p21"/>
           <p:cNvSpPr txBox="1"/>
           <p:nvPr>
             <p:ph idx="1" type="body"/>
@@ -14848,7 +17286,7 @@
       </p:sp>
       <p:sp>
         <p:nvSpPr>
-          <p:cNvPr id="180" name="Google Shape;180;p19"/>
+          <p:cNvPr id="193" name="Google Shape;193;p21"/>
           <p:cNvSpPr txBox="1"/>
           <p:nvPr>
             <p:ph type="title"/>
@@ -14888,7 +17326,7 @@
       </p:sp>
       <p:pic>
         <p:nvPicPr>
-          <p:cNvPr id="181" name="Google Shape;181;p19"/>
+          <p:cNvPr id="194" name="Google Shape;194;p21"/>
           <p:cNvPicPr preferRelativeResize="0"/>
           <p:nvPr/>
         </p:nvPicPr>
@@ -14922,7 +17360,7 @@
       </p:pic>
       <p:sp>
         <p:nvSpPr>
-          <p:cNvPr id="182" name="Google Shape;182;p19"/>
+          <p:cNvPr id="195" name="Google Shape;195;p21"/>
           <p:cNvSpPr/>
           <p:nvPr/>
         </p:nvSpPr>
@@ -14969,7 +17407,7 @@
       </p:sp>
       <p:sp>
         <p:nvSpPr>
-          <p:cNvPr id="183" name="Google Shape;183;p19"/>
+          <p:cNvPr id="196" name="Google Shape;196;p21"/>
           <p:cNvSpPr txBox="1"/>
           <p:nvPr/>
         </p:nvSpPr>
@@ -15035,10 +17473,10 @@
       </p:sp>
       <p:cxnSp>
         <p:nvCxnSpPr>
-          <p:cNvPr id="184" name="Google Shape;184;p19"/>
+          <p:cNvPr id="197" name="Google Shape;197;p21"/>
           <p:cNvCxnSpPr>
-            <a:stCxn id="183" idx="3"/>
-            <a:endCxn id="182" idx="3"/>
+            <a:stCxn id="196" idx="3"/>
+            <a:endCxn id="195" idx="3"/>
           </p:cNvCxnSpPr>
           <p:nvPr/>
         </p:nvCxnSpPr>
@@ -15062,698 +17500,6 @@
           </a:ln>
         </p:spPr>
       </p:cxnSp>
-    </p:spTree>
-  </p:cSld>
-  <p:clrMapOvr>
-    <a:masterClrMapping/>
-  </p:clrMapOvr>
-</p:sld>
-</file>
-
-<file path=ppt/slides/slide8.xml><?xml version="1.0" encoding="utf-8"?>
-<p:sld xmlns:a="http://schemas.openxmlformats.org/drawingml/2006/main" xmlns:r="http://schemas.openxmlformats.org/officeDocument/2006/relationships" xmlns:mc="http://schemas.openxmlformats.org/markup-compatibility/2006" xmlns:mv="urn:schemas-microsoft-com:mac:vml" xmlns:p="http://schemas.openxmlformats.org/presentationml/2006/main" xmlns:c="http://schemas.openxmlformats.org/drawingml/2006/chart" xmlns:dgm="http://schemas.openxmlformats.org/drawingml/2006/diagram" xmlns:o="urn:schemas-microsoft-com:office:office" xmlns:v="urn:schemas-microsoft-com:vml" xmlns:pvml="urn:schemas-microsoft-com:office:powerpoint" xmlns:com="http://schemas.openxmlformats.org/drawingml/2006/compatibility" xmlns:p14="http://schemas.microsoft.com/office/powerpoint/2010/main" xmlns:p15="http://schemas.microsoft.com/office/powerpoint/2012/main">
-  <p:cSld>
-    <p:spTree>
-      <p:nvGrpSpPr>
-        <p:cNvPr id="188" name="Shape 188"/>
-        <p:cNvGrpSpPr/>
-        <p:nvPr/>
-      </p:nvGrpSpPr>
-      <p:grpSpPr>
-        <a:xfrm>
-          <a:off x="0" y="0"/>
-          <a:ext cx="0" cy="0"/>
-          <a:chOff x="0" y="0"/>
-          <a:chExt cx="0" cy="0"/>
-        </a:xfrm>
-      </p:grpSpPr>
-      <p:sp>
-        <p:nvSpPr>
-          <p:cNvPr id="189" name="Google Shape;189;p20"/>
-          <p:cNvSpPr txBox="1"/>
-          <p:nvPr>
-            <p:ph idx="1" type="body"/>
-          </p:nvPr>
-        </p:nvSpPr>
-        <p:spPr>
-          <a:xfrm>
-            <a:off x="1297500" y="1567550"/>
-            <a:ext cx="2463000" cy="2911200"/>
-          </a:xfrm>
-          <a:prstGeom prst="rect">
-            <a:avLst/>
-          </a:prstGeom>
-        </p:spPr>
-        <p:txBody>
-          <a:bodyPr anchorCtr="0" anchor="t" bIns="91425" lIns="91425" spcFirstLastPara="1" rIns="91425" wrap="square" tIns="91425">
-            <a:noAutofit/>
-          </a:bodyPr>
-          <a:lstStyle/>
-          <a:p>
-            <a:pPr indent="0" lvl="0" marL="0" rtl="0" algn="l">
-              <a:spcBef>
-                <a:spcPts val="0"/>
-              </a:spcBef>
-              <a:spcAft>
-                <a:spcPts val="1600"/>
-              </a:spcAft>
-              <a:buNone/>
-            </a:pPr>
-            <a:r>
-              <a:rPr lang="en"/>
-              <a:t>An application will be the one-stop-shop for managing and configuring the device(s):</a:t>
-            </a:r>
-            <a:endParaRPr/>
-          </a:p>
-        </p:txBody>
-      </p:sp>
-      <p:sp>
-        <p:nvSpPr>
-          <p:cNvPr id="190" name="Google Shape;190;p20"/>
-          <p:cNvSpPr txBox="1"/>
-          <p:nvPr>
-            <p:ph type="title"/>
-          </p:nvPr>
-        </p:nvSpPr>
-        <p:spPr>
-          <a:xfrm>
-            <a:off x="1297500" y="393750"/>
-            <a:ext cx="7038900" cy="914100"/>
-          </a:xfrm>
-          <a:prstGeom prst="rect">
-            <a:avLst/>
-          </a:prstGeom>
-        </p:spPr>
-        <p:txBody>
-          <a:bodyPr anchorCtr="0" anchor="t" bIns="91425" lIns="91425" spcFirstLastPara="1" rIns="91425" wrap="square" tIns="91425">
-            <a:noAutofit/>
-          </a:bodyPr>
-          <a:lstStyle/>
-          <a:p>
-            <a:pPr indent="0" lvl="0" marL="0" rtl="0" algn="l">
-              <a:spcBef>
-                <a:spcPts val="0"/>
-              </a:spcBef>
-              <a:spcAft>
-                <a:spcPts val="0"/>
-              </a:spcAft>
-              <a:buNone/>
-            </a:pPr>
-            <a:r>
-              <a:rPr lang="en"/>
-              <a:t>Approach</a:t>
-            </a:r>
-            <a:endParaRPr/>
-          </a:p>
-        </p:txBody>
-      </p:sp>
-      <p:pic>
-        <p:nvPicPr>
-          <p:cNvPr id="191" name="Google Shape;191;p20"/>
-          <p:cNvPicPr preferRelativeResize="0"/>
-          <p:nvPr/>
-        </p:nvPicPr>
-        <p:blipFill>
-          <a:blip r:embed="rId3">
-            <a:alphaModFix/>
-          </a:blip>
-          <a:stretch>
-            <a:fillRect/>
-          </a:stretch>
-        </p:blipFill>
-        <p:spPr>
-          <a:xfrm>
-            <a:off x="4137325" y="18326"/>
-            <a:ext cx="4331799" cy="5112300"/>
-          </a:xfrm>
-          <a:prstGeom prst="rect">
-            <a:avLst/>
-          </a:prstGeom>
-          <a:noFill/>
-          <a:ln cap="flat" cmpd="sng" w="19050">
-            <a:solidFill>
-              <a:schemeClr val="dk2"/>
-            </a:solidFill>
-            <a:prstDash val="solid"/>
-            <a:round/>
-            <a:headEnd len="sm" w="sm" type="none"/>
-            <a:tailEnd len="sm" w="sm" type="none"/>
-          </a:ln>
-        </p:spPr>
-      </p:pic>
-      <p:sp>
-        <p:nvSpPr>
-          <p:cNvPr id="192" name="Google Shape;192;p20"/>
-          <p:cNvSpPr/>
-          <p:nvPr/>
-        </p:nvSpPr>
-        <p:spPr>
-          <a:xfrm>
-            <a:off x="6987000" y="2571750"/>
-            <a:ext cx="568500" cy="485400"/>
-          </a:xfrm>
-          <a:prstGeom prst="ellipse">
-            <a:avLst/>
-          </a:prstGeom>
-          <a:noFill/>
-          <a:ln cap="flat" cmpd="sng" w="9525">
-            <a:solidFill>
-              <a:srgbClr val="FF0000"/>
-            </a:solidFill>
-            <a:prstDash val="solid"/>
-            <a:round/>
-            <a:headEnd len="sm" w="sm" type="none"/>
-            <a:tailEnd len="sm" w="sm" type="none"/>
-          </a:ln>
-        </p:spPr>
-        <p:txBody>
-          <a:bodyPr anchorCtr="0" anchor="ctr" bIns="91425" lIns="91425" spcFirstLastPara="1" rIns="91425" wrap="square" tIns="91425">
-            <a:noAutofit/>
-          </a:bodyPr>
-          <a:lstStyle/>
-          <a:p>
-            <a:pPr indent="0" lvl="0" marL="0" rtl="0" algn="l">
-              <a:spcBef>
-                <a:spcPts val="0"/>
-              </a:spcBef>
-              <a:spcAft>
-                <a:spcPts val="0"/>
-              </a:spcAft>
-              <a:buNone/>
-            </a:pPr>
-            <a:r>
-              <a:t/>
-            </a:r>
-            <a:endParaRPr/>
-          </a:p>
-        </p:txBody>
-      </p:sp>
-      <p:sp>
-        <p:nvSpPr>
-          <p:cNvPr id="193" name="Google Shape;193;p20"/>
-          <p:cNvSpPr txBox="1"/>
-          <p:nvPr/>
-        </p:nvSpPr>
-        <p:spPr>
-          <a:xfrm>
-            <a:off x="4242875" y="1688700"/>
-            <a:ext cx="1358100" cy="1217400"/>
-          </a:xfrm>
-          <a:prstGeom prst="rect">
-            <a:avLst/>
-          </a:prstGeom>
-          <a:solidFill>
-            <a:srgbClr val="FFFFFF"/>
-          </a:solidFill>
-          <a:ln cap="flat" cmpd="sng" w="19050">
-            <a:solidFill>
-              <a:srgbClr val="FF0000"/>
-            </a:solidFill>
-            <a:prstDash val="solid"/>
-            <a:round/>
-            <a:headEnd len="sm" w="sm" type="none"/>
-            <a:tailEnd len="sm" w="sm" type="none"/>
-          </a:ln>
-        </p:spPr>
-        <p:txBody>
-          <a:bodyPr anchorCtr="0" anchor="t" bIns="91425" lIns="91425" spcFirstLastPara="1" rIns="91425" wrap="square" tIns="91425">
-            <a:noAutofit/>
-          </a:bodyPr>
-          <a:lstStyle/>
-          <a:p>
-            <a:pPr indent="0" lvl="0" marL="0" rtl="0" algn="l">
-              <a:spcBef>
-                <a:spcPts val="0"/>
-              </a:spcBef>
-              <a:spcAft>
-                <a:spcPts val="0"/>
-              </a:spcAft>
-              <a:buNone/>
-            </a:pPr>
-            <a:r>
-              <a:rPr lang="en" sz="1000">
-                <a:solidFill>
-                  <a:srgbClr val="FF0000"/>
-                </a:solidFill>
-                <a:latin typeface="Lato"/>
-                <a:ea typeface="Lato"/>
-                <a:cs typeface="Lato"/>
-                <a:sym typeface="Lato"/>
-              </a:rPr>
-              <a:t>Saves </a:t>
-            </a:r>
-            <a:r>
-              <a:rPr lang="en" sz="1000">
-                <a:solidFill>
-                  <a:srgbClr val="FF0000"/>
-                </a:solidFill>
-                <a:latin typeface="Lato"/>
-                <a:ea typeface="Lato"/>
-                <a:cs typeface="Lato"/>
-                <a:sym typeface="Lato"/>
-              </a:rPr>
-              <a:t>device configuration, may be stored in db field. Modified when device is connected and config is updated.</a:t>
-            </a:r>
-            <a:endParaRPr sz="1000">
-              <a:solidFill>
-                <a:srgbClr val="FF0000"/>
-              </a:solidFill>
-              <a:latin typeface="Lato"/>
-              <a:ea typeface="Lato"/>
-              <a:cs typeface="Lato"/>
-              <a:sym typeface="Lato"/>
-            </a:endParaRPr>
-          </a:p>
-        </p:txBody>
-      </p:sp>
-      <p:cxnSp>
-        <p:nvCxnSpPr>
-          <p:cNvPr id="194" name="Google Shape;194;p20"/>
-          <p:cNvCxnSpPr>
-            <a:stCxn id="193" idx="3"/>
-            <a:endCxn id="192" idx="2"/>
-          </p:cNvCxnSpPr>
-          <p:nvPr/>
-        </p:nvCxnSpPr>
-        <p:spPr>
-          <a:xfrm>
-            <a:off x="5600975" y="2297400"/>
-            <a:ext cx="1386000" cy="517200"/>
-          </a:xfrm>
-          <a:prstGeom prst="straightConnector1">
-            <a:avLst/>
-          </a:prstGeom>
-          <a:noFill/>
-          <a:ln cap="flat" cmpd="sng" w="9525">
-            <a:solidFill>
-              <a:srgbClr val="FF0000"/>
-            </a:solidFill>
-            <a:prstDash val="solid"/>
-            <a:round/>
-            <a:headEnd len="med" w="med" type="none"/>
-            <a:tailEnd len="med" w="med" type="none"/>
-          </a:ln>
-        </p:spPr>
-      </p:cxnSp>
-    </p:spTree>
-  </p:cSld>
-  <p:clrMapOvr>
-    <a:masterClrMapping/>
-  </p:clrMapOvr>
-</p:sld>
-</file>
-
-<file path=ppt/slides/slide9.xml><?xml version="1.0" encoding="utf-8"?>
-<p:sld xmlns:a="http://schemas.openxmlformats.org/drawingml/2006/main" xmlns:r="http://schemas.openxmlformats.org/officeDocument/2006/relationships" xmlns:mc="http://schemas.openxmlformats.org/markup-compatibility/2006" xmlns:mv="urn:schemas-microsoft-com:mac:vml" xmlns:p="http://schemas.openxmlformats.org/presentationml/2006/main" xmlns:c="http://schemas.openxmlformats.org/drawingml/2006/chart" xmlns:dgm="http://schemas.openxmlformats.org/drawingml/2006/diagram" xmlns:o="urn:schemas-microsoft-com:office:office" xmlns:v="urn:schemas-microsoft-com:vml" xmlns:pvml="urn:schemas-microsoft-com:office:powerpoint" xmlns:com="http://schemas.openxmlformats.org/drawingml/2006/compatibility" xmlns:p14="http://schemas.microsoft.com/office/powerpoint/2010/main" xmlns:p15="http://schemas.microsoft.com/office/powerpoint/2012/main">
-  <p:cSld>
-    <p:spTree>
-      <p:nvGrpSpPr>
-        <p:cNvPr id="198" name="Shape 198"/>
-        <p:cNvGrpSpPr/>
-        <p:nvPr/>
-      </p:nvGrpSpPr>
-      <p:grpSpPr>
-        <a:xfrm>
-          <a:off x="0" y="0"/>
-          <a:ext cx="0" cy="0"/>
-          <a:chOff x="0" y="0"/>
-          <a:chExt cx="0" cy="0"/>
-        </a:xfrm>
-      </p:grpSpPr>
-      <p:sp>
-        <p:nvSpPr>
-          <p:cNvPr id="199" name="Google Shape;199;p21"/>
-          <p:cNvSpPr txBox="1"/>
-          <p:nvPr>
-            <p:ph idx="1" type="body"/>
-          </p:nvPr>
-        </p:nvSpPr>
-        <p:spPr>
-          <a:xfrm>
-            <a:off x="1297500" y="1567550"/>
-            <a:ext cx="2463000" cy="2911200"/>
-          </a:xfrm>
-          <a:prstGeom prst="rect">
-            <a:avLst/>
-          </a:prstGeom>
-        </p:spPr>
-        <p:txBody>
-          <a:bodyPr anchorCtr="0" anchor="t" bIns="91425" lIns="91425" spcFirstLastPara="1" rIns="91425" wrap="square" tIns="91425">
-            <a:noAutofit/>
-          </a:bodyPr>
-          <a:lstStyle/>
-          <a:p>
-            <a:pPr indent="0" lvl="0" marL="0" rtl="0" algn="l">
-              <a:spcBef>
-                <a:spcPts val="0"/>
-              </a:spcBef>
-              <a:spcAft>
-                <a:spcPts val="1600"/>
-              </a:spcAft>
-              <a:buNone/>
-            </a:pPr>
-            <a:r>
-              <a:rPr lang="en"/>
-              <a:t>An application will be the one-stop-shop for managing and configuring the device(s):</a:t>
-            </a:r>
-            <a:endParaRPr/>
-          </a:p>
-        </p:txBody>
-      </p:sp>
-      <p:sp>
-        <p:nvSpPr>
-          <p:cNvPr id="200" name="Google Shape;200;p21"/>
-          <p:cNvSpPr txBox="1"/>
-          <p:nvPr>
-            <p:ph type="title"/>
-          </p:nvPr>
-        </p:nvSpPr>
-        <p:spPr>
-          <a:xfrm>
-            <a:off x="1297500" y="393750"/>
-            <a:ext cx="7038900" cy="914100"/>
-          </a:xfrm>
-          <a:prstGeom prst="rect">
-            <a:avLst/>
-          </a:prstGeom>
-        </p:spPr>
-        <p:txBody>
-          <a:bodyPr anchorCtr="0" anchor="t" bIns="91425" lIns="91425" spcFirstLastPara="1" rIns="91425" wrap="square" tIns="91425">
-            <a:noAutofit/>
-          </a:bodyPr>
-          <a:lstStyle/>
-          <a:p>
-            <a:pPr indent="0" lvl="0" marL="0" rtl="0" algn="l">
-              <a:spcBef>
-                <a:spcPts val="0"/>
-              </a:spcBef>
-              <a:spcAft>
-                <a:spcPts val="0"/>
-              </a:spcAft>
-              <a:buNone/>
-            </a:pPr>
-            <a:r>
-              <a:rPr lang="en"/>
-              <a:t>Approach</a:t>
-            </a:r>
-            <a:endParaRPr/>
-          </a:p>
-        </p:txBody>
-      </p:sp>
-      <p:pic>
-        <p:nvPicPr>
-          <p:cNvPr id="201" name="Google Shape;201;p21"/>
-          <p:cNvPicPr preferRelativeResize="0"/>
-          <p:nvPr/>
-        </p:nvPicPr>
-        <p:blipFill>
-          <a:blip r:embed="rId3">
-            <a:alphaModFix/>
-          </a:blip>
-          <a:stretch>
-            <a:fillRect/>
-          </a:stretch>
-        </p:blipFill>
-        <p:spPr>
-          <a:xfrm>
-            <a:off x="4137325" y="18326"/>
-            <a:ext cx="4331799" cy="5112300"/>
-          </a:xfrm>
-          <a:prstGeom prst="rect">
-            <a:avLst/>
-          </a:prstGeom>
-          <a:noFill/>
-          <a:ln cap="flat" cmpd="sng" w="19050">
-            <a:solidFill>
-              <a:schemeClr val="dk2"/>
-            </a:solidFill>
-            <a:prstDash val="solid"/>
-            <a:round/>
-            <a:headEnd len="sm" w="sm" type="none"/>
-            <a:tailEnd len="sm" w="sm" type="none"/>
-          </a:ln>
-        </p:spPr>
-      </p:pic>
-      <p:sp>
-        <p:nvSpPr>
-          <p:cNvPr id="202" name="Google Shape;202;p21"/>
-          <p:cNvSpPr/>
-          <p:nvPr/>
-        </p:nvSpPr>
-        <p:spPr>
-          <a:xfrm>
-            <a:off x="6987000" y="2571750"/>
-            <a:ext cx="568500" cy="485400"/>
-          </a:xfrm>
-          <a:prstGeom prst="ellipse">
-            <a:avLst/>
-          </a:prstGeom>
-          <a:noFill/>
-          <a:ln cap="flat" cmpd="sng" w="9525">
-            <a:solidFill>
-              <a:srgbClr val="FF0000"/>
-            </a:solidFill>
-            <a:prstDash val="solid"/>
-            <a:round/>
-            <a:headEnd len="sm" w="sm" type="none"/>
-            <a:tailEnd len="sm" w="sm" type="none"/>
-          </a:ln>
-        </p:spPr>
-        <p:txBody>
-          <a:bodyPr anchorCtr="0" anchor="ctr" bIns="91425" lIns="91425" spcFirstLastPara="1" rIns="91425" wrap="square" tIns="91425">
-            <a:noAutofit/>
-          </a:bodyPr>
-          <a:lstStyle/>
-          <a:p>
-            <a:pPr indent="0" lvl="0" marL="0" rtl="0" algn="l">
-              <a:spcBef>
-                <a:spcPts val="0"/>
-              </a:spcBef>
-              <a:spcAft>
-                <a:spcPts val="0"/>
-              </a:spcAft>
-              <a:buNone/>
-            </a:pPr>
-            <a:r>
-              <a:t/>
-            </a:r>
-            <a:endParaRPr/>
-          </a:p>
-        </p:txBody>
-      </p:sp>
-      <p:sp>
-        <p:nvSpPr>
-          <p:cNvPr id="203" name="Google Shape;203;p21"/>
-          <p:cNvSpPr txBox="1"/>
-          <p:nvPr/>
-        </p:nvSpPr>
-        <p:spPr>
-          <a:xfrm>
-            <a:off x="4242875" y="1688700"/>
-            <a:ext cx="1358100" cy="1217400"/>
-          </a:xfrm>
-          <a:prstGeom prst="rect">
-            <a:avLst/>
-          </a:prstGeom>
-          <a:solidFill>
-            <a:srgbClr val="FFFFFF"/>
-          </a:solidFill>
-          <a:ln cap="flat" cmpd="sng" w="19050">
-            <a:solidFill>
-              <a:srgbClr val="FF0000"/>
-            </a:solidFill>
-            <a:prstDash val="solid"/>
-            <a:round/>
-            <a:headEnd len="sm" w="sm" type="none"/>
-            <a:tailEnd len="sm" w="sm" type="none"/>
-          </a:ln>
-        </p:spPr>
-        <p:txBody>
-          <a:bodyPr anchorCtr="0" anchor="t" bIns="91425" lIns="91425" spcFirstLastPara="1" rIns="91425" wrap="square" tIns="91425">
-            <a:noAutofit/>
-          </a:bodyPr>
-          <a:lstStyle/>
-          <a:p>
-            <a:pPr indent="0" lvl="0" marL="0" rtl="0" algn="l">
-              <a:spcBef>
-                <a:spcPts val="0"/>
-              </a:spcBef>
-              <a:spcAft>
-                <a:spcPts val="0"/>
-              </a:spcAft>
-              <a:buNone/>
-            </a:pPr>
-            <a:r>
-              <a:rPr lang="en" sz="1000">
-                <a:solidFill>
-                  <a:srgbClr val="FF0000"/>
-                </a:solidFill>
-                <a:latin typeface="Lato"/>
-                <a:ea typeface="Lato"/>
-                <a:cs typeface="Lato"/>
-                <a:sym typeface="Lato"/>
-              </a:rPr>
-              <a:t>Saves device configuration, may be stored in db field. Modified when device is connected and config is updated.</a:t>
-            </a:r>
-            <a:endParaRPr sz="1000">
-              <a:solidFill>
-                <a:srgbClr val="FF0000"/>
-              </a:solidFill>
-              <a:latin typeface="Lato"/>
-              <a:ea typeface="Lato"/>
-              <a:cs typeface="Lato"/>
-              <a:sym typeface="Lato"/>
-            </a:endParaRPr>
-          </a:p>
-        </p:txBody>
-      </p:sp>
-      <p:cxnSp>
-        <p:nvCxnSpPr>
-          <p:cNvPr id="204" name="Google Shape;204;p21"/>
-          <p:cNvCxnSpPr>
-            <a:stCxn id="203" idx="3"/>
-            <a:endCxn id="202" idx="2"/>
-          </p:cNvCxnSpPr>
-          <p:nvPr/>
-        </p:nvCxnSpPr>
-        <p:spPr>
-          <a:xfrm>
-            <a:off x="5600975" y="2297400"/>
-            <a:ext cx="1386000" cy="517200"/>
-          </a:xfrm>
-          <a:prstGeom prst="straightConnector1">
-            <a:avLst/>
-          </a:prstGeom>
-          <a:noFill/>
-          <a:ln cap="flat" cmpd="sng" w="9525">
-            <a:solidFill>
-              <a:srgbClr val="FF0000"/>
-            </a:solidFill>
-            <a:prstDash val="solid"/>
-            <a:round/>
-            <a:headEnd len="med" w="med" type="none"/>
-            <a:tailEnd len="med" w="med" type="none"/>
-          </a:ln>
-        </p:spPr>
-      </p:cxnSp>
-      <p:sp>
-        <p:nvSpPr>
-          <p:cNvPr id="205" name="Google Shape;205;p21"/>
-          <p:cNvSpPr/>
-          <p:nvPr/>
-        </p:nvSpPr>
-        <p:spPr>
-          <a:xfrm rot="7446929">
-            <a:off x="8105858" y="2307919"/>
-            <a:ext cx="907709" cy="372852"/>
-          </a:xfrm>
-          <a:prstGeom prst="rightArrow">
-            <a:avLst>
-              <a:gd fmla="val 50000" name="adj1"/>
-              <a:gd fmla="val 50000" name="adj2"/>
-            </a:avLst>
-          </a:prstGeom>
-          <a:solidFill>
-            <a:srgbClr val="FF0000"/>
-          </a:solidFill>
-          <a:ln cap="flat" cmpd="sng" w="9525">
-            <a:solidFill>
-              <a:srgbClr val="FF0000"/>
-            </a:solidFill>
-            <a:prstDash val="solid"/>
-            <a:round/>
-            <a:headEnd len="sm" w="sm" type="none"/>
-            <a:tailEnd len="sm" w="sm" type="none"/>
-          </a:ln>
-        </p:spPr>
-        <p:txBody>
-          <a:bodyPr anchorCtr="0" anchor="ctr" bIns="91425" lIns="91425" spcFirstLastPara="1" rIns="91425" wrap="square" tIns="91425">
-            <a:noAutofit/>
-          </a:bodyPr>
-          <a:lstStyle/>
-          <a:p>
-            <a:pPr indent="0" lvl="0" marL="0" rtl="0" algn="l">
-              <a:spcBef>
-                <a:spcPts val="0"/>
-              </a:spcBef>
-              <a:spcAft>
-                <a:spcPts val="0"/>
-              </a:spcAft>
-              <a:buNone/>
-            </a:pPr>
-            <a:r>
-              <a:t/>
-            </a:r>
-            <a:endParaRPr/>
-          </a:p>
-        </p:txBody>
-      </p:sp>
-      <p:sp>
-        <p:nvSpPr>
-          <p:cNvPr id="206" name="Google Shape;206;p21"/>
-          <p:cNvSpPr txBox="1"/>
-          <p:nvPr/>
-        </p:nvSpPr>
-        <p:spPr>
-          <a:xfrm>
-            <a:off x="7917300" y="1784125"/>
-            <a:ext cx="1107600" cy="358800"/>
-          </a:xfrm>
-          <a:prstGeom prst="rect">
-            <a:avLst/>
-          </a:prstGeom>
-          <a:solidFill>
-            <a:srgbClr val="FFFFFF"/>
-          </a:solidFill>
-          <a:ln cap="flat" cmpd="sng" w="19050">
-            <a:solidFill>
-              <a:srgbClr val="FF0000"/>
-            </a:solidFill>
-            <a:prstDash val="solid"/>
-            <a:round/>
-            <a:headEnd len="sm" w="sm" type="none"/>
-            <a:tailEnd len="sm" w="sm" type="none"/>
-          </a:ln>
-        </p:spPr>
-        <p:txBody>
-          <a:bodyPr anchorCtr="0" anchor="t" bIns="91425" lIns="91425" spcFirstLastPara="1" rIns="91425" wrap="square" tIns="91425">
-            <a:noAutofit/>
-          </a:bodyPr>
-          <a:lstStyle/>
-          <a:p>
-            <a:pPr indent="0" lvl="0" marL="0" rtl="0" algn="l">
-              <a:spcBef>
-                <a:spcPts val="0"/>
-              </a:spcBef>
-              <a:spcAft>
-                <a:spcPts val="0"/>
-              </a:spcAft>
-              <a:buNone/>
-            </a:pPr>
-            <a:r>
-              <a:rPr lang="en" sz="800">
-                <a:solidFill>
-                  <a:srgbClr val="FF0000"/>
-                </a:solidFill>
-                <a:latin typeface="Lato"/>
-                <a:ea typeface="Lato"/>
-                <a:cs typeface="Lato"/>
-                <a:sym typeface="Lato"/>
-              </a:rPr>
-              <a:t>Probably will be stored here</a:t>
-            </a:r>
-            <a:endParaRPr sz="800">
-              <a:solidFill>
-                <a:srgbClr val="FF0000"/>
-              </a:solidFill>
-              <a:latin typeface="Lato"/>
-              <a:ea typeface="Lato"/>
-              <a:cs typeface="Lato"/>
-              <a:sym typeface="Lato"/>
-            </a:endParaRPr>
-          </a:p>
-        </p:txBody>
-      </p:sp>
     </p:spTree>
   </p:cSld>
   <p:clrMapOvr>
